--- a/report/SecurityManagementSystem-Diagrams.pptx
+++ b/report/SecurityManagementSystem-Diagrams.pptx
@@ -6,9 +6,7 @@
   </p:sldMasterIdLst>
   <p:sldIdLst>
     <p:sldId id="256" r:id="rId2"/>
-    <p:sldId id="258" r:id="rId3"/>
-    <p:sldId id="257" r:id="rId4"/>
-    <p:sldId id="259" r:id="rId5"/>
+    <p:sldId id="259" r:id="rId3"/>
   </p:sldIdLst>
   <p:sldSz cx="9144000" cy="6858000" type="screen4x3"/>
   <p:notesSz cx="6858000" cy="9144000"/>
@@ -16,94 +14,124 @@
     <a:defPPr>
       <a:defRPr lang="en-US"/>
     </a:defPPr>
-    <a:lvl1pPr marL="0" algn="l" defTabSz="914400" rtl="0" eaLnBrk="1" latinLnBrk="0" hangingPunct="1">
-      <a:defRPr sz="1800" kern="1200">
+    <a:lvl1pPr algn="l" rtl="0" fontAlgn="base">
+      <a:spcBef>
+        <a:spcPct val="0"/>
+      </a:spcBef>
+      <a:spcAft>
+        <a:spcPct val="0"/>
+      </a:spcAft>
+      <a:defRPr kern="1200">
         <a:solidFill>
           <a:schemeClr val="tx1"/>
         </a:solidFill>
-        <a:latin typeface="+mn-lt"/>
+        <a:latin typeface="Arial" charset="0"/>
         <a:ea typeface="+mn-ea"/>
-        <a:cs typeface="+mn-cs"/>
+        <a:cs typeface="Arial" charset="0"/>
       </a:defRPr>
     </a:lvl1pPr>
-    <a:lvl2pPr marL="457200" algn="l" defTabSz="914400" rtl="0" eaLnBrk="1" latinLnBrk="0" hangingPunct="1">
-      <a:defRPr sz="1800" kern="1200">
+    <a:lvl2pPr marL="457200" algn="l" rtl="0" fontAlgn="base">
+      <a:spcBef>
+        <a:spcPct val="0"/>
+      </a:spcBef>
+      <a:spcAft>
+        <a:spcPct val="0"/>
+      </a:spcAft>
+      <a:defRPr kern="1200">
         <a:solidFill>
           <a:schemeClr val="tx1"/>
         </a:solidFill>
-        <a:latin typeface="+mn-lt"/>
+        <a:latin typeface="Arial" charset="0"/>
         <a:ea typeface="+mn-ea"/>
-        <a:cs typeface="+mn-cs"/>
+        <a:cs typeface="Arial" charset="0"/>
       </a:defRPr>
     </a:lvl2pPr>
-    <a:lvl3pPr marL="914400" algn="l" defTabSz="914400" rtl="0" eaLnBrk="1" latinLnBrk="0" hangingPunct="1">
-      <a:defRPr sz="1800" kern="1200">
+    <a:lvl3pPr marL="914400" algn="l" rtl="0" fontAlgn="base">
+      <a:spcBef>
+        <a:spcPct val="0"/>
+      </a:spcBef>
+      <a:spcAft>
+        <a:spcPct val="0"/>
+      </a:spcAft>
+      <a:defRPr kern="1200">
         <a:solidFill>
           <a:schemeClr val="tx1"/>
         </a:solidFill>
-        <a:latin typeface="+mn-lt"/>
+        <a:latin typeface="Arial" charset="0"/>
         <a:ea typeface="+mn-ea"/>
-        <a:cs typeface="+mn-cs"/>
+        <a:cs typeface="Arial" charset="0"/>
       </a:defRPr>
     </a:lvl3pPr>
-    <a:lvl4pPr marL="1371600" algn="l" defTabSz="914400" rtl="0" eaLnBrk="1" latinLnBrk="0" hangingPunct="1">
-      <a:defRPr sz="1800" kern="1200">
+    <a:lvl4pPr marL="1371600" algn="l" rtl="0" fontAlgn="base">
+      <a:spcBef>
+        <a:spcPct val="0"/>
+      </a:spcBef>
+      <a:spcAft>
+        <a:spcPct val="0"/>
+      </a:spcAft>
+      <a:defRPr kern="1200">
         <a:solidFill>
           <a:schemeClr val="tx1"/>
         </a:solidFill>
-        <a:latin typeface="+mn-lt"/>
+        <a:latin typeface="Arial" charset="0"/>
         <a:ea typeface="+mn-ea"/>
-        <a:cs typeface="+mn-cs"/>
+        <a:cs typeface="Arial" charset="0"/>
       </a:defRPr>
     </a:lvl4pPr>
-    <a:lvl5pPr marL="1828800" algn="l" defTabSz="914400" rtl="0" eaLnBrk="1" latinLnBrk="0" hangingPunct="1">
-      <a:defRPr sz="1800" kern="1200">
+    <a:lvl5pPr marL="1828800" algn="l" rtl="0" fontAlgn="base">
+      <a:spcBef>
+        <a:spcPct val="0"/>
+      </a:spcBef>
+      <a:spcAft>
+        <a:spcPct val="0"/>
+      </a:spcAft>
+      <a:defRPr kern="1200">
         <a:solidFill>
           <a:schemeClr val="tx1"/>
         </a:solidFill>
-        <a:latin typeface="+mn-lt"/>
+        <a:latin typeface="Arial" charset="0"/>
         <a:ea typeface="+mn-ea"/>
-        <a:cs typeface="+mn-cs"/>
+        <a:cs typeface="Arial" charset="0"/>
       </a:defRPr>
     </a:lvl5pPr>
     <a:lvl6pPr marL="2286000" algn="l" defTabSz="914400" rtl="0" eaLnBrk="1" latinLnBrk="0" hangingPunct="1">
-      <a:defRPr sz="1800" kern="1200">
+      <a:defRPr kern="1200">
         <a:solidFill>
           <a:schemeClr val="tx1"/>
         </a:solidFill>
-        <a:latin typeface="+mn-lt"/>
+        <a:latin typeface="Arial" charset="0"/>
         <a:ea typeface="+mn-ea"/>
-        <a:cs typeface="+mn-cs"/>
+        <a:cs typeface="Arial" charset="0"/>
       </a:defRPr>
     </a:lvl6pPr>
     <a:lvl7pPr marL="2743200" algn="l" defTabSz="914400" rtl="0" eaLnBrk="1" latinLnBrk="0" hangingPunct="1">
-      <a:defRPr sz="1800" kern="1200">
+      <a:defRPr kern="1200">
         <a:solidFill>
           <a:schemeClr val="tx1"/>
         </a:solidFill>
-        <a:latin typeface="+mn-lt"/>
+        <a:latin typeface="Arial" charset="0"/>
         <a:ea typeface="+mn-ea"/>
-        <a:cs typeface="+mn-cs"/>
+        <a:cs typeface="Arial" charset="0"/>
       </a:defRPr>
     </a:lvl7pPr>
     <a:lvl8pPr marL="3200400" algn="l" defTabSz="914400" rtl="0" eaLnBrk="1" latinLnBrk="0" hangingPunct="1">
-      <a:defRPr sz="1800" kern="1200">
+      <a:defRPr kern="1200">
         <a:solidFill>
           <a:schemeClr val="tx1"/>
         </a:solidFill>
-        <a:latin typeface="+mn-lt"/>
+        <a:latin typeface="Arial" charset="0"/>
         <a:ea typeface="+mn-ea"/>
-        <a:cs typeface="+mn-cs"/>
+        <a:cs typeface="Arial" charset="0"/>
       </a:defRPr>
     </a:lvl8pPr>
     <a:lvl9pPr marL="3657600" algn="l" defTabSz="914400" rtl="0" eaLnBrk="1" latinLnBrk="0" hangingPunct="1">
-      <a:defRPr sz="1800" kern="1200">
+      <a:defRPr kern="1200">
         <a:solidFill>
           <a:schemeClr val="tx1"/>
         </a:solidFill>
-        <a:latin typeface="+mn-lt"/>
+        <a:latin typeface="Arial" charset="0"/>
         <a:ea typeface="+mn-ea"/>
-        <a:cs typeface="+mn-cs"/>
+        <a:cs typeface="Arial" charset="0"/>
       </a:defRPr>
     </a:lvl9pPr>
   </p:defaultTextStyle>
@@ -287,12 +315,21 @@
         <p:spPr/>
         <p:txBody>
           <a:bodyPr/>
-          <a:lstStyle/>
-          <a:p>
-            <a:fld id="{47B79C46-FE8C-4D5E-85BC-AFD12F605080}" type="datetimeFigureOut">
-              <a:rPr lang="en-US" smtClean="0"/>
-              <a:pPr/>
-              <a:t>12/29/2012</a:t>
+          <a:lstStyle>
+            <a:lvl1pPr>
+              <a:defRPr/>
+            </a:lvl1pPr>
+          </a:lstStyle>
+          <a:p>
+            <a:pPr>
+              <a:defRPr/>
+            </a:pPr>
+            <a:fld id="{581FD603-8EE1-4766-B463-427B671EBF16}" type="datetimeFigureOut">
+              <a:rPr lang="en-US"/>
+              <a:pPr>
+                <a:defRPr/>
+              </a:pPr>
+              <a:t>29-Dec-12</a:t>
             </a:fld>
             <a:endParaRPr lang="en-US"/>
           </a:p>
@@ -311,8 +348,15 @@
         <p:spPr/>
         <p:txBody>
           <a:bodyPr/>
-          <a:lstStyle/>
-          <a:p>
+          <a:lstStyle>
+            <a:lvl1pPr>
+              <a:defRPr/>
+            </a:lvl1pPr>
+          </a:lstStyle>
+          <a:p>
+            <a:pPr>
+              <a:defRPr/>
+            </a:pPr>
             <a:endParaRPr lang="en-US"/>
           </a:p>
         </p:txBody>
@@ -330,11 +374,20 @@
         <p:spPr/>
         <p:txBody>
           <a:bodyPr/>
-          <a:lstStyle/>
-          <a:p>
-            <a:fld id="{BD0EF552-EBFB-4A0A-8C90-A6C1ED1B7054}" type="slidenum">
-              <a:rPr lang="en-US" smtClean="0"/>
-              <a:pPr/>
+          <a:lstStyle>
+            <a:lvl1pPr>
+              <a:defRPr/>
+            </a:lvl1pPr>
+          </a:lstStyle>
+          <a:p>
+            <a:pPr>
+              <a:defRPr/>
+            </a:pPr>
+            <a:fld id="{D32A1481-DCDB-45E4-96C1-5670DFE7A60F}" type="slidenum">
+              <a:rPr lang="en-US"/>
+              <a:pPr>
+                <a:defRPr/>
+              </a:pPr>
               <a:t>‹#›</a:t>
             </a:fld>
             <a:endParaRPr lang="en-US"/>
@@ -454,12 +507,21 @@
         <p:spPr/>
         <p:txBody>
           <a:bodyPr/>
-          <a:lstStyle/>
-          <a:p>
-            <a:fld id="{47B79C46-FE8C-4D5E-85BC-AFD12F605080}" type="datetimeFigureOut">
-              <a:rPr lang="en-US" smtClean="0"/>
-              <a:pPr/>
-              <a:t>12/29/2012</a:t>
+          <a:lstStyle>
+            <a:lvl1pPr>
+              <a:defRPr/>
+            </a:lvl1pPr>
+          </a:lstStyle>
+          <a:p>
+            <a:pPr>
+              <a:defRPr/>
+            </a:pPr>
+            <a:fld id="{A8C9CF13-8FD8-4649-A8E8-5A10D713626F}" type="datetimeFigureOut">
+              <a:rPr lang="en-US"/>
+              <a:pPr>
+                <a:defRPr/>
+              </a:pPr>
+              <a:t>29-Dec-12</a:t>
             </a:fld>
             <a:endParaRPr lang="en-US"/>
           </a:p>
@@ -478,8 +540,15 @@
         <p:spPr/>
         <p:txBody>
           <a:bodyPr/>
-          <a:lstStyle/>
-          <a:p>
+          <a:lstStyle>
+            <a:lvl1pPr>
+              <a:defRPr/>
+            </a:lvl1pPr>
+          </a:lstStyle>
+          <a:p>
+            <a:pPr>
+              <a:defRPr/>
+            </a:pPr>
             <a:endParaRPr lang="en-US"/>
           </a:p>
         </p:txBody>
@@ -497,11 +566,20 @@
         <p:spPr/>
         <p:txBody>
           <a:bodyPr/>
-          <a:lstStyle/>
-          <a:p>
-            <a:fld id="{BD0EF552-EBFB-4A0A-8C90-A6C1ED1B7054}" type="slidenum">
-              <a:rPr lang="en-US" smtClean="0"/>
-              <a:pPr/>
+          <a:lstStyle>
+            <a:lvl1pPr>
+              <a:defRPr/>
+            </a:lvl1pPr>
+          </a:lstStyle>
+          <a:p>
+            <a:pPr>
+              <a:defRPr/>
+            </a:pPr>
+            <a:fld id="{D5BEE116-E5DE-4332-A044-C5D4FD845BEB}" type="slidenum">
+              <a:rPr lang="en-US"/>
+              <a:pPr>
+                <a:defRPr/>
+              </a:pPr>
               <a:t>‹#›</a:t>
             </a:fld>
             <a:endParaRPr lang="en-US"/>
@@ -631,12 +709,21 @@
         <p:spPr/>
         <p:txBody>
           <a:bodyPr/>
-          <a:lstStyle/>
-          <a:p>
-            <a:fld id="{47B79C46-FE8C-4D5E-85BC-AFD12F605080}" type="datetimeFigureOut">
-              <a:rPr lang="en-US" smtClean="0"/>
-              <a:pPr/>
-              <a:t>12/29/2012</a:t>
+          <a:lstStyle>
+            <a:lvl1pPr>
+              <a:defRPr/>
+            </a:lvl1pPr>
+          </a:lstStyle>
+          <a:p>
+            <a:pPr>
+              <a:defRPr/>
+            </a:pPr>
+            <a:fld id="{056E05A0-4227-46E0-BD86-6275DB0DC997}" type="datetimeFigureOut">
+              <a:rPr lang="en-US"/>
+              <a:pPr>
+                <a:defRPr/>
+              </a:pPr>
+              <a:t>29-Dec-12</a:t>
             </a:fld>
             <a:endParaRPr lang="en-US"/>
           </a:p>
@@ -655,8 +742,15 @@
         <p:spPr/>
         <p:txBody>
           <a:bodyPr/>
-          <a:lstStyle/>
-          <a:p>
+          <a:lstStyle>
+            <a:lvl1pPr>
+              <a:defRPr/>
+            </a:lvl1pPr>
+          </a:lstStyle>
+          <a:p>
+            <a:pPr>
+              <a:defRPr/>
+            </a:pPr>
             <a:endParaRPr lang="en-US"/>
           </a:p>
         </p:txBody>
@@ -674,11 +768,20 @@
         <p:spPr/>
         <p:txBody>
           <a:bodyPr/>
-          <a:lstStyle/>
-          <a:p>
-            <a:fld id="{BD0EF552-EBFB-4A0A-8C90-A6C1ED1B7054}" type="slidenum">
-              <a:rPr lang="en-US" smtClean="0"/>
-              <a:pPr/>
+          <a:lstStyle>
+            <a:lvl1pPr>
+              <a:defRPr/>
+            </a:lvl1pPr>
+          </a:lstStyle>
+          <a:p>
+            <a:pPr>
+              <a:defRPr/>
+            </a:pPr>
+            <a:fld id="{3B5DD5EE-711B-4347-A6F8-3E272F04D80A}" type="slidenum">
+              <a:rPr lang="en-US"/>
+              <a:pPr>
+                <a:defRPr/>
+              </a:pPr>
               <a:t>‹#›</a:t>
             </a:fld>
             <a:endParaRPr lang="en-US"/>
@@ -798,12 +901,21 @@
         <p:spPr/>
         <p:txBody>
           <a:bodyPr/>
-          <a:lstStyle/>
-          <a:p>
-            <a:fld id="{47B79C46-FE8C-4D5E-85BC-AFD12F605080}" type="datetimeFigureOut">
-              <a:rPr lang="en-US" smtClean="0"/>
-              <a:pPr/>
-              <a:t>12/29/2012</a:t>
+          <a:lstStyle>
+            <a:lvl1pPr>
+              <a:defRPr/>
+            </a:lvl1pPr>
+          </a:lstStyle>
+          <a:p>
+            <a:pPr>
+              <a:defRPr/>
+            </a:pPr>
+            <a:fld id="{329C3C5B-5F8D-4A3E-9134-8D49A79EE658}" type="datetimeFigureOut">
+              <a:rPr lang="en-US"/>
+              <a:pPr>
+                <a:defRPr/>
+              </a:pPr>
+              <a:t>29-Dec-12</a:t>
             </a:fld>
             <a:endParaRPr lang="en-US"/>
           </a:p>
@@ -822,8 +934,15 @@
         <p:spPr/>
         <p:txBody>
           <a:bodyPr/>
-          <a:lstStyle/>
-          <a:p>
+          <a:lstStyle>
+            <a:lvl1pPr>
+              <a:defRPr/>
+            </a:lvl1pPr>
+          </a:lstStyle>
+          <a:p>
+            <a:pPr>
+              <a:defRPr/>
+            </a:pPr>
             <a:endParaRPr lang="en-US"/>
           </a:p>
         </p:txBody>
@@ -841,11 +960,20 @@
         <p:spPr/>
         <p:txBody>
           <a:bodyPr/>
-          <a:lstStyle/>
-          <a:p>
-            <a:fld id="{BD0EF552-EBFB-4A0A-8C90-A6C1ED1B7054}" type="slidenum">
-              <a:rPr lang="en-US" smtClean="0"/>
-              <a:pPr/>
+          <a:lstStyle>
+            <a:lvl1pPr>
+              <a:defRPr/>
+            </a:lvl1pPr>
+          </a:lstStyle>
+          <a:p>
+            <a:pPr>
+              <a:defRPr/>
+            </a:pPr>
+            <a:fld id="{1720FA3A-305F-4A4F-A5A4-5443C28039EB}" type="slidenum">
+              <a:rPr lang="en-US"/>
+              <a:pPr>
+                <a:defRPr/>
+              </a:pPr>
               <a:t>‹#›</a:t>
             </a:fld>
             <a:endParaRPr lang="en-US"/>
@@ -1041,12 +1169,21 @@
         <p:spPr/>
         <p:txBody>
           <a:bodyPr/>
-          <a:lstStyle/>
-          <a:p>
-            <a:fld id="{47B79C46-FE8C-4D5E-85BC-AFD12F605080}" type="datetimeFigureOut">
-              <a:rPr lang="en-US" smtClean="0"/>
-              <a:pPr/>
-              <a:t>12/29/2012</a:t>
+          <a:lstStyle>
+            <a:lvl1pPr>
+              <a:defRPr/>
+            </a:lvl1pPr>
+          </a:lstStyle>
+          <a:p>
+            <a:pPr>
+              <a:defRPr/>
+            </a:pPr>
+            <a:fld id="{05A7DC9C-C425-40AC-A6A7-3C1F0504C41E}" type="datetimeFigureOut">
+              <a:rPr lang="en-US"/>
+              <a:pPr>
+                <a:defRPr/>
+              </a:pPr>
+              <a:t>29-Dec-12</a:t>
             </a:fld>
             <a:endParaRPr lang="en-US"/>
           </a:p>
@@ -1065,8 +1202,15 @@
         <p:spPr/>
         <p:txBody>
           <a:bodyPr/>
-          <a:lstStyle/>
-          <a:p>
+          <a:lstStyle>
+            <a:lvl1pPr>
+              <a:defRPr/>
+            </a:lvl1pPr>
+          </a:lstStyle>
+          <a:p>
+            <a:pPr>
+              <a:defRPr/>
+            </a:pPr>
             <a:endParaRPr lang="en-US"/>
           </a:p>
         </p:txBody>
@@ -1084,11 +1228,20 @@
         <p:spPr/>
         <p:txBody>
           <a:bodyPr/>
-          <a:lstStyle/>
-          <a:p>
-            <a:fld id="{BD0EF552-EBFB-4A0A-8C90-A6C1ED1B7054}" type="slidenum">
-              <a:rPr lang="en-US" smtClean="0"/>
-              <a:pPr/>
+          <a:lstStyle>
+            <a:lvl1pPr>
+              <a:defRPr/>
+            </a:lvl1pPr>
+          </a:lstStyle>
+          <a:p>
+            <a:pPr>
+              <a:defRPr/>
+            </a:pPr>
+            <a:fld id="{C8EF977B-37BC-49CA-86DD-C253EB3CE53C}" type="slidenum">
+              <a:rPr lang="en-US"/>
+              <a:pPr>
+                <a:defRPr/>
+              </a:pPr>
               <a:t>‹#›</a:t>
             </a:fld>
             <a:endParaRPr lang="en-US"/>
@@ -1315,7 +1468,7 @@
       </p:sp>
       <p:sp>
         <p:nvSpPr>
-          <p:cNvPr id="5" name="Date Placeholder 4"/>
+          <p:cNvPr id="5" name="Date Placeholder 3"/>
           <p:cNvSpPr>
             <a:spLocks noGrp="1"/>
           </p:cNvSpPr>
@@ -1326,12 +1479,21 @@
         <p:spPr/>
         <p:txBody>
           <a:bodyPr/>
-          <a:lstStyle/>
-          <a:p>
-            <a:fld id="{47B79C46-FE8C-4D5E-85BC-AFD12F605080}" type="datetimeFigureOut">
-              <a:rPr lang="en-US" smtClean="0"/>
-              <a:pPr/>
-              <a:t>12/29/2012</a:t>
+          <a:lstStyle>
+            <a:lvl1pPr>
+              <a:defRPr/>
+            </a:lvl1pPr>
+          </a:lstStyle>
+          <a:p>
+            <a:pPr>
+              <a:defRPr/>
+            </a:pPr>
+            <a:fld id="{B14A8C36-304E-4EF1-B474-2B09DA90F7BE}" type="datetimeFigureOut">
+              <a:rPr lang="en-US"/>
+              <a:pPr>
+                <a:defRPr/>
+              </a:pPr>
+              <a:t>29-Dec-12</a:t>
             </a:fld>
             <a:endParaRPr lang="en-US"/>
           </a:p>
@@ -1339,7 +1501,7 @@
       </p:sp>
       <p:sp>
         <p:nvSpPr>
-          <p:cNvPr id="6" name="Footer Placeholder 5"/>
+          <p:cNvPr id="6" name="Footer Placeholder 4"/>
           <p:cNvSpPr>
             <a:spLocks noGrp="1"/>
           </p:cNvSpPr>
@@ -1350,15 +1512,22 @@
         <p:spPr/>
         <p:txBody>
           <a:bodyPr/>
-          <a:lstStyle/>
-          <a:p>
+          <a:lstStyle>
+            <a:lvl1pPr>
+              <a:defRPr/>
+            </a:lvl1pPr>
+          </a:lstStyle>
+          <a:p>
+            <a:pPr>
+              <a:defRPr/>
+            </a:pPr>
             <a:endParaRPr lang="en-US"/>
           </a:p>
         </p:txBody>
       </p:sp>
       <p:sp>
         <p:nvSpPr>
-          <p:cNvPr id="7" name="Slide Number Placeholder 6"/>
+          <p:cNvPr id="7" name="Slide Number Placeholder 5"/>
           <p:cNvSpPr>
             <a:spLocks noGrp="1"/>
           </p:cNvSpPr>
@@ -1369,11 +1538,20 @@
         <p:spPr/>
         <p:txBody>
           <a:bodyPr/>
-          <a:lstStyle/>
-          <a:p>
-            <a:fld id="{BD0EF552-EBFB-4A0A-8C90-A6C1ED1B7054}" type="slidenum">
-              <a:rPr lang="en-US" smtClean="0"/>
-              <a:pPr/>
+          <a:lstStyle>
+            <a:lvl1pPr>
+              <a:defRPr/>
+            </a:lvl1pPr>
+          </a:lstStyle>
+          <a:p>
+            <a:pPr>
+              <a:defRPr/>
+            </a:pPr>
+            <a:fld id="{6449BC05-0C84-4926-8C05-F1C647FC0812}" type="slidenum">
+              <a:rPr lang="en-US"/>
+              <a:pPr>
+                <a:defRPr/>
+              </a:pPr>
               <a:t>‹#›</a:t>
             </a:fld>
             <a:endParaRPr lang="en-US"/>
@@ -1734,7 +1912,7 @@
       </p:sp>
       <p:sp>
         <p:nvSpPr>
-          <p:cNvPr id="7" name="Date Placeholder 6"/>
+          <p:cNvPr id="7" name="Date Placeholder 3"/>
           <p:cNvSpPr>
             <a:spLocks noGrp="1"/>
           </p:cNvSpPr>
@@ -1745,12 +1923,21 @@
         <p:spPr/>
         <p:txBody>
           <a:bodyPr/>
-          <a:lstStyle/>
-          <a:p>
-            <a:fld id="{47B79C46-FE8C-4D5E-85BC-AFD12F605080}" type="datetimeFigureOut">
-              <a:rPr lang="en-US" smtClean="0"/>
-              <a:pPr/>
-              <a:t>12/29/2012</a:t>
+          <a:lstStyle>
+            <a:lvl1pPr>
+              <a:defRPr/>
+            </a:lvl1pPr>
+          </a:lstStyle>
+          <a:p>
+            <a:pPr>
+              <a:defRPr/>
+            </a:pPr>
+            <a:fld id="{431AA97E-DC68-4D2B-9406-D99B472CCEBE}" type="datetimeFigureOut">
+              <a:rPr lang="en-US"/>
+              <a:pPr>
+                <a:defRPr/>
+              </a:pPr>
+              <a:t>29-Dec-12</a:t>
             </a:fld>
             <a:endParaRPr lang="en-US"/>
           </a:p>
@@ -1758,7 +1945,7 @@
       </p:sp>
       <p:sp>
         <p:nvSpPr>
-          <p:cNvPr id="8" name="Footer Placeholder 7"/>
+          <p:cNvPr id="8" name="Footer Placeholder 4"/>
           <p:cNvSpPr>
             <a:spLocks noGrp="1"/>
           </p:cNvSpPr>
@@ -1769,15 +1956,22 @@
         <p:spPr/>
         <p:txBody>
           <a:bodyPr/>
-          <a:lstStyle/>
-          <a:p>
+          <a:lstStyle>
+            <a:lvl1pPr>
+              <a:defRPr/>
+            </a:lvl1pPr>
+          </a:lstStyle>
+          <a:p>
+            <a:pPr>
+              <a:defRPr/>
+            </a:pPr>
             <a:endParaRPr lang="en-US"/>
           </a:p>
         </p:txBody>
       </p:sp>
       <p:sp>
         <p:nvSpPr>
-          <p:cNvPr id="9" name="Slide Number Placeholder 8"/>
+          <p:cNvPr id="9" name="Slide Number Placeholder 5"/>
           <p:cNvSpPr>
             <a:spLocks noGrp="1"/>
           </p:cNvSpPr>
@@ -1788,11 +1982,20 @@
         <p:spPr/>
         <p:txBody>
           <a:bodyPr/>
-          <a:lstStyle/>
-          <a:p>
-            <a:fld id="{BD0EF552-EBFB-4A0A-8C90-A6C1ED1B7054}" type="slidenum">
-              <a:rPr lang="en-US" smtClean="0"/>
-              <a:pPr/>
+          <a:lstStyle>
+            <a:lvl1pPr>
+              <a:defRPr/>
+            </a:lvl1pPr>
+          </a:lstStyle>
+          <a:p>
+            <a:pPr>
+              <a:defRPr/>
+            </a:pPr>
+            <a:fld id="{9C5F34FB-56C3-49CB-A06F-6631DAB2C911}" type="slidenum">
+              <a:rPr lang="en-US"/>
+              <a:pPr>
+                <a:defRPr/>
+              </a:pPr>
               <a:t>‹#›</a:t>
             </a:fld>
             <a:endParaRPr lang="en-US"/>
@@ -1849,7 +2052,7 @@
       </p:sp>
       <p:sp>
         <p:nvSpPr>
-          <p:cNvPr id="3" name="Date Placeholder 2"/>
+          <p:cNvPr id="3" name="Date Placeholder 3"/>
           <p:cNvSpPr>
             <a:spLocks noGrp="1"/>
           </p:cNvSpPr>
@@ -1860,12 +2063,21 @@
         <p:spPr/>
         <p:txBody>
           <a:bodyPr/>
-          <a:lstStyle/>
-          <a:p>
-            <a:fld id="{47B79C46-FE8C-4D5E-85BC-AFD12F605080}" type="datetimeFigureOut">
-              <a:rPr lang="en-US" smtClean="0"/>
-              <a:pPr/>
-              <a:t>12/29/2012</a:t>
+          <a:lstStyle>
+            <a:lvl1pPr>
+              <a:defRPr/>
+            </a:lvl1pPr>
+          </a:lstStyle>
+          <a:p>
+            <a:pPr>
+              <a:defRPr/>
+            </a:pPr>
+            <a:fld id="{437E3BFB-0F45-49F7-8E45-17283CE26FC3}" type="datetimeFigureOut">
+              <a:rPr lang="en-US"/>
+              <a:pPr>
+                <a:defRPr/>
+              </a:pPr>
+              <a:t>29-Dec-12</a:t>
             </a:fld>
             <a:endParaRPr lang="en-US"/>
           </a:p>
@@ -1873,7 +2085,7 @@
       </p:sp>
       <p:sp>
         <p:nvSpPr>
-          <p:cNvPr id="4" name="Footer Placeholder 3"/>
+          <p:cNvPr id="4" name="Footer Placeholder 4"/>
           <p:cNvSpPr>
             <a:spLocks noGrp="1"/>
           </p:cNvSpPr>
@@ -1884,15 +2096,22 @@
         <p:spPr/>
         <p:txBody>
           <a:bodyPr/>
-          <a:lstStyle/>
-          <a:p>
+          <a:lstStyle>
+            <a:lvl1pPr>
+              <a:defRPr/>
+            </a:lvl1pPr>
+          </a:lstStyle>
+          <a:p>
+            <a:pPr>
+              <a:defRPr/>
+            </a:pPr>
             <a:endParaRPr lang="en-US"/>
           </a:p>
         </p:txBody>
       </p:sp>
       <p:sp>
         <p:nvSpPr>
-          <p:cNvPr id="5" name="Slide Number Placeholder 4"/>
+          <p:cNvPr id="5" name="Slide Number Placeholder 5"/>
           <p:cNvSpPr>
             <a:spLocks noGrp="1"/>
           </p:cNvSpPr>
@@ -1903,11 +2122,20 @@
         <p:spPr/>
         <p:txBody>
           <a:bodyPr/>
-          <a:lstStyle/>
-          <a:p>
-            <a:fld id="{BD0EF552-EBFB-4A0A-8C90-A6C1ED1B7054}" type="slidenum">
-              <a:rPr lang="en-US" smtClean="0"/>
-              <a:pPr/>
+          <a:lstStyle>
+            <a:lvl1pPr>
+              <a:defRPr/>
+            </a:lvl1pPr>
+          </a:lstStyle>
+          <a:p>
+            <a:pPr>
+              <a:defRPr/>
+            </a:pPr>
+            <a:fld id="{2230BACA-D975-497F-9114-60DF08D12C0E}" type="slidenum">
+              <a:rPr lang="en-US"/>
+              <a:pPr>
+                <a:defRPr/>
+              </a:pPr>
               <a:t>‹#›</a:t>
             </a:fld>
             <a:endParaRPr lang="en-US"/>
@@ -1941,7 +2169,7 @@
       </p:grpSpPr>
       <p:sp>
         <p:nvSpPr>
-          <p:cNvPr id="2" name="Date Placeholder 1"/>
+          <p:cNvPr id="2" name="Date Placeholder 3"/>
           <p:cNvSpPr>
             <a:spLocks noGrp="1"/>
           </p:cNvSpPr>
@@ -1952,12 +2180,21 @@
         <p:spPr/>
         <p:txBody>
           <a:bodyPr/>
-          <a:lstStyle/>
-          <a:p>
-            <a:fld id="{47B79C46-FE8C-4D5E-85BC-AFD12F605080}" type="datetimeFigureOut">
-              <a:rPr lang="en-US" smtClean="0"/>
-              <a:pPr/>
-              <a:t>12/29/2012</a:t>
+          <a:lstStyle>
+            <a:lvl1pPr>
+              <a:defRPr/>
+            </a:lvl1pPr>
+          </a:lstStyle>
+          <a:p>
+            <a:pPr>
+              <a:defRPr/>
+            </a:pPr>
+            <a:fld id="{0490E091-62FF-41BF-A74E-B7ADDC015676}" type="datetimeFigureOut">
+              <a:rPr lang="en-US"/>
+              <a:pPr>
+                <a:defRPr/>
+              </a:pPr>
+              <a:t>29-Dec-12</a:t>
             </a:fld>
             <a:endParaRPr lang="en-US"/>
           </a:p>
@@ -1965,7 +2202,7 @@
       </p:sp>
       <p:sp>
         <p:nvSpPr>
-          <p:cNvPr id="3" name="Footer Placeholder 2"/>
+          <p:cNvPr id="3" name="Footer Placeholder 4"/>
           <p:cNvSpPr>
             <a:spLocks noGrp="1"/>
           </p:cNvSpPr>
@@ -1976,15 +2213,22 @@
         <p:spPr/>
         <p:txBody>
           <a:bodyPr/>
-          <a:lstStyle/>
-          <a:p>
+          <a:lstStyle>
+            <a:lvl1pPr>
+              <a:defRPr/>
+            </a:lvl1pPr>
+          </a:lstStyle>
+          <a:p>
+            <a:pPr>
+              <a:defRPr/>
+            </a:pPr>
             <a:endParaRPr lang="en-US"/>
           </a:p>
         </p:txBody>
       </p:sp>
       <p:sp>
         <p:nvSpPr>
-          <p:cNvPr id="4" name="Slide Number Placeholder 3"/>
+          <p:cNvPr id="4" name="Slide Number Placeholder 5"/>
           <p:cNvSpPr>
             <a:spLocks noGrp="1"/>
           </p:cNvSpPr>
@@ -1995,11 +2239,20 @@
         <p:spPr/>
         <p:txBody>
           <a:bodyPr/>
-          <a:lstStyle/>
-          <a:p>
-            <a:fld id="{BD0EF552-EBFB-4A0A-8C90-A6C1ED1B7054}" type="slidenum">
-              <a:rPr lang="en-US" smtClean="0"/>
-              <a:pPr/>
+          <a:lstStyle>
+            <a:lvl1pPr>
+              <a:defRPr/>
+            </a:lvl1pPr>
+          </a:lstStyle>
+          <a:p>
+            <a:pPr>
+              <a:defRPr/>
+            </a:pPr>
+            <a:fld id="{C70D7FDE-7096-4F47-B82C-229C13776B8A}" type="slidenum">
+              <a:rPr lang="en-US"/>
+              <a:pPr>
+                <a:defRPr/>
+              </a:pPr>
               <a:t>‹#›</a:t>
             </a:fld>
             <a:endParaRPr lang="en-US"/>
@@ -2215,7 +2468,7 @@
       </p:sp>
       <p:sp>
         <p:nvSpPr>
-          <p:cNvPr id="5" name="Date Placeholder 4"/>
+          <p:cNvPr id="5" name="Date Placeholder 3"/>
           <p:cNvSpPr>
             <a:spLocks noGrp="1"/>
           </p:cNvSpPr>
@@ -2226,12 +2479,21 @@
         <p:spPr/>
         <p:txBody>
           <a:bodyPr/>
-          <a:lstStyle/>
-          <a:p>
-            <a:fld id="{47B79C46-FE8C-4D5E-85BC-AFD12F605080}" type="datetimeFigureOut">
-              <a:rPr lang="en-US" smtClean="0"/>
-              <a:pPr/>
-              <a:t>12/29/2012</a:t>
+          <a:lstStyle>
+            <a:lvl1pPr>
+              <a:defRPr/>
+            </a:lvl1pPr>
+          </a:lstStyle>
+          <a:p>
+            <a:pPr>
+              <a:defRPr/>
+            </a:pPr>
+            <a:fld id="{7AC9D8E5-A3C4-4C12-8E02-B9C752E8B7AB}" type="datetimeFigureOut">
+              <a:rPr lang="en-US"/>
+              <a:pPr>
+                <a:defRPr/>
+              </a:pPr>
+              <a:t>29-Dec-12</a:t>
             </a:fld>
             <a:endParaRPr lang="en-US"/>
           </a:p>
@@ -2239,7 +2501,7 @@
       </p:sp>
       <p:sp>
         <p:nvSpPr>
-          <p:cNvPr id="6" name="Footer Placeholder 5"/>
+          <p:cNvPr id="6" name="Footer Placeholder 4"/>
           <p:cNvSpPr>
             <a:spLocks noGrp="1"/>
           </p:cNvSpPr>
@@ -2250,15 +2512,22 @@
         <p:spPr/>
         <p:txBody>
           <a:bodyPr/>
-          <a:lstStyle/>
-          <a:p>
+          <a:lstStyle>
+            <a:lvl1pPr>
+              <a:defRPr/>
+            </a:lvl1pPr>
+          </a:lstStyle>
+          <a:p>
+            <a:pPr>
+              <a:defRPr/>
+            </a:pPr>
             <a:endParaRPr lang="en-US"/>
           </a:p>
         </p:txBody>
       </p:sp>
       <p:sp>
         <p:nvSpPr>
-          <p:cNvPr id="7" name="Slide Number Placeholder 6"/>
+          <p:cNvPr id="7" name="Slide Number Placeholder 5"/>
           <p:cNvSpPr>
             <a:spLocks noGrp="1"/>
           </p:cNvSpPr>
@@ -2269,11 +2538,20 @@
         <p:spPr/>
         <p:txBody>
           <a:bodyPr/>
-          <a:lstStyle/>
-          <a:p>
-            <a:fld id="{BD0EF552-EBFB-4A0A-8C90-A6C1ED1B7054}" type="slidenum">
-              <a:rPr lang="en-US" smtClean="0"/>
-              <a:pPr/>
+          <a:lstStyle>
+            <a:lvl1pPr>
+              <a:defRPr/>
+            </a:lvl1pPr>
+          </a:lstStyle>
+          <a:p>
+            <a:pPr>
+              <a:defRPr/>
+            </a:pPr>
+            <a:fld id="{EF890FF5-5401-4B61-AA97-FD2D6840B531}" type="slidenum">
+              <a:rPr lang="en-US"/>
+              <a:pPr>
+                <a:defRPr/>
+              </a:pPr>
               <a:t>‹#›</a:t>
             </a:fld>
             <a:endParaRPr lang="en-US"/>
@@ -2354,7 +2632,9 @@
           </a:xfrm>
         </p:spPr>
         <p:txBody>
-          <a:bodyPr/>
+          <a:bodyPr rtlCol="0">
+            <a:normAutofit/>
+          </a:bodyPr>
           <a:lstStyle>
             <a:lvl1pPr marL="0" indent="0">
               <a:buNone/>
@@ -2394,7 +2674,8 @@
             </a:lvl9pPr>
           </a:lstStyle>
           <a:p>
-            <a:endParaRPr lang="en-US"/>
+            <a:pPr lvl="0"/>
+            <a:endParaRPr lang="en-US" noProof="0"/>
           </a:p>
         </p:txBody>
       </p:sp>
@@ -2465,7 +2746,7 @@
       </p:sp>
       <p:sp>
         <p:nvSpPr>
-          <p:cNvPr id="5" name="Date Placeholder 4"/>
+          <p:cNvPr id="5" name="Date Placeholder 3"/>
           <p:cNvSpPr>
             <a:spLocks noGrp="1"/>
           </p:cNvSpPr>
@@ -2476,12 +2757,21 @@
         <p:spPr/>
         <p:txBody>
           <a:bodyPr/>
-          <a:lstStyle/>
-          <a:p>
-            <a:fld id="{47B79C46-FE8C-4D5E-85BC-AFD12F605080}" type="datetimeFigureOut">
-              <a:rPr lang="en-US" smtClean="0"/>
-              <a:pPr/>
-              <a:t>12/29/2012</a:t>
+          <a:lstStyle>
+            <a:lvl1pPr>
+              <a:defRPr/>
+            </a:lvl1pPr>
+          </a:lstStyle>
+          <a:p>
+            <a:pPr>
+              <a:defRPr/>
+            </a:pPr>
+            <a:fld id="{9209AA74-BE24-4083-B930-A8E34239F704}" type="datetimeFigureOut">
+              <a:rPr lang="en-US"/>
+              <a:pPr>
+                <a:defRPr/>
+              </a:pPr>
+              <a:t>29-Dec-12</a:t>
             </a:fld>
             <a:endParaRPr lang="en-US"/>
           </a:p>
@@ -2489,7 +2779,7 @@
       </p:sp>
       <p:sp>
         <p:nvSpPr>
-          <p:cNvPr id="6" name="Footer Placeholder 5"/>
+          <p:cNvPr id="6" name="Footer Placeholder 4"/>
           <p:cNvSpPr>
             <a:spLocks noGrp="1"/>
           </p:cNvSpPr>
@@ -2500,15 +2790,22 @@
         <p:spPr/>
         <p:txBody>
           <a:bodyPr/>
-          <a:lstStyle/>
-          <a:p>
+          <a:lstStyle>
+            <a:lvl1pPr>
+              <a:defRPr/>
+            </a:lvl1pPr>
+          </a:lstStyle>
+          <a:p>
+            <a:pPr>
+              <a:defRPr/>
+            </a:pPr>
             <a:endParaRPr lang="en-US"/>
           </a:p>
         </p:txBody>
       </p:sp>
       <p:sp>
         <p:nvSpPr>
-          <p:cNvPr id="7" name="Slide Number Placeholder 6"/>
+          <p:cNvPr id="7" name="Slide Number Placeholder 5"/>
           <p:cNvSpPr>
             <a:spLocks noGrp="1"/>
           </p:cNvSpPr>
@@ -2519,11 +2816,20 @@
         <p:spPr/>
         <p:txBody>
           <a:bodyPr/>
-          <a:lstStyle/>
-          <a:p>
-            <a:fld id="{BD0EF552-EBFB-4A0A-8C90-A6C1ED1B7054}" type="slidenum">
-              <a:rPr lang="en-US" smtClean="0"/>
-              <a:pPr/>
+          <a:lstStyle>
+            <a:lvl1pPr>
+              <a:defRPr/>
+            </a:lvl1pPr>
+          </a:lstStyle>
+          <a:p>
+            <a:pPr>
+              <a:defRPr/>
+            </a:pPr>
+            <a:fld id="{3C57FA63-DB17-43B4-9E5B-BC8421128E3D}" type="slidenum">
+              <a:rPr lang="en-US"/>
+              <a:pPr>
+                <a:defRPr/>
+              </a:pPr>
               <a:t>‹#›</a:t>
             </a:fld>
             <a:endParaRPr lang="en-US"/>
@@ -2562,7 +2868,7 @@
       </p:grpSpPr>
       <p:sp>
         <p:nvSpPr>
-          <p:cNvPr id="2" name="Title Placeholder 1"/>
+          <p:cNvPr id="1026" name="Title Placeholder 1"/>
           <p:cNvSpPr>
             <a:spLocks noGrp="1"/>
           </p:cNvSpPr>
@@ -2570,7 +2876,7 @@
             <p:ph type="title"/>
           </p:nvPr>
         </p:nvSpPr>
-        <p:spPr>
+        <p:spPr bwMode="auto">
           <a:xfrm>
             <a:off x="457200" y="274638"/>
             <a:ext cx="8229600" cy="1143000"/>
@@ -2578,24 +2884,33 @@
           <a:prstGeom prst="rect">
             <a:avLst/>
           </a:prstGeom>
-        </p:spPr>
-        <p:txBody>
-          <a:bodyPr vert="horz" lIns="91440" tIns="45720" rIns="91440" bIns="45720" rtlCol="0" anchor="ctr">
-            <a:normAutofit/>
+          <a:noFill/>
+          <a:ln w="9525">
+            <a:noFill/>
+            <a:miter lim="800000"/>
+            <a:headEnd/>
+            <a:tailEnd/>
+          </a:ln>
+        </p:spPr>
+        <p:txBody>
+          <a:bodyPr vert="horz" wrap="square" lIns="91440" tIns="45720" rIns="91440" bIns="45720" numCol="1" anchor="ctr" anchorCtr="0" compatLnSpc="1">
+            <a:prstTxWarp prst="textNoShape">
+              <a:avLst/>
+            </a:prstTxWarp>
           </a:bodyPr>
           <a:lstStyle/>
           <a:p>
+            <a:pPr lvl="0"/>
             <a:r>
               <a:rPr lang="en-US" smtClean="0"/>
               <a:t>Click to edit Master title style</a:t>
             </a:r>
-            <a:endParaRPr lang="en-US"/>
-          </a:p>
-        </p:txBody>
-      </p:sp>
-      <p:sp>
-        <p:nvSpPr>
-          <p:cNvPr id="3" name="Text Placeholder 2"/>
+          </a:p>
+        </p:txBody>
+      </p:sp>
+      <p:sp>
+        <p:nvSpPr>
+          <p:cNvPr id="1027" name="Text Placeholder 2"/>
           <p:cNvSpPr>
             <a:spLocks noGrp="1"/>
           </p:cNvSpPr>
@@ -2603,7 +2918,7 @@
             <p:ph type="body" idx="1"/>
           </p:nvPr>
         </p:nvSpPr>
-        <p:spPr>
+        <p:spPr bwMode="auto">
           <a:xfrm>
             <a:off x="457200" y="1600200"/>
             <a:ext cx="8229600" cy="4525963"/>
@@ -2611,10 +2926,19 @@
           <a:prstGeom prst="rect">
             <a:avLst/>
           </a:prstGeom>
-        </p:spPr>
-        <p:txBody>
-          <a:bodyPr vert="horz" lIns="91440" tIns="45720" rIns="91440" bIns="45720" rtlCol="0">
-            <a:normAutofit/>
+          <a:noFill/>
+          <a:ln w="9525">
+            <a:noFill/>
+            <a:miter lim="800000"/>
+            <a:headEnd/>
+            <a:tailEnd/>
+          </a:ln>
+        </p:spPr>
+        <p:txBody>
+          <a:bodyPr vert="horz" wrap="square" lIns="91440" tIns="45720" rIns="91440" bIns="45720" numCol="1" anchor="t" anchorCtr="0" compatLnSpc="1">
+            <a:prstTxWarp prst="textNoShape">
+              <a:avLst/>
+            </a:prstTxWarp>
           </a:bodyPr>
           <a:lstStyle/>
           <a:p>
@@ -2651,7 +2975,6 @@
               <a:rPr lang="en-US" smtClean="0"/>
               <a:t>Fifth level</a:t>
             </a:r>
-            <a:endParaRPr lang="en-US"/>
           </a:p>
         </p:txBody>
       </p:sp>
@@ -2677,40 +3000,101 @@
         <p:txBody>
           <a:bodyPr vert="horz" lIns="91440" tIns="45720" rIns="91440" bIns="45720" rtlCol="0" anchor="ctr"/>
           <a:lstStyle>
-            <a:lvl1pPr algn="l">
+            <a:lvl1pPr algn="l" fontAlgn="auto">
+              <a:spcBef>
+                <a:spcPts val="0"/>
+              </a:spcBef>
+              <a:spcAft>
+                <a:spcPts val="0"/>
+              </a:spcAft>
+              <a:defRPr sz="1200" smtClean="0">
+                <a:solidFill>
+                  <a:schemeClr val="tx1">
+                    <a:tint val="75000"/>
+                  </a:schemeClr>
+                </a:solidFill>
+                <a:latin typeface="+mn-lt"/>
+                <a:cs typeface="+mn-cs"/>
+              </a:defRPr>
+            </a:lvl1pPr>
+          </a:lstStyle>
+          <a:p>
+            <a:pPr>
+              <a:defRPr/>
+            </a:pPr>
+            <a:fld id="{92D6FD42-375D-48E7-BADB-00634B819BE2}" type="datetimeFigureOut">
+              <a:rPr lang="en-US"/>
+              <a:pPr>
+                <a:defRPr/>
+              </a:pPr>
+              <a:t>29-Dec-12</a:t>
+            </a:fld>
+            <a:endParaRPr lang="en-US"/>
+          </a:p>
+        </p:txBody>
+      </p:sp>
+      <p:sp>
+        <p:nvSpPr>
+          <p:cNvPr id="5" name="Footer Placeholder 4"/>
+          <p:cNvSpPr>
+            <a:spLocks noGrp="1"/>
+          </p:cNvSpPr>
+          <p:nvPr>
+            <p:ph type="ftr" sz="quarter" idx="3"/>
+          </p:nvPr>
+        </p:nvSpPr>
+        <p:spPr>
+          <a:xfrm>
+            <a:off x="3124200" y="6356350"/>
+            <a:ext cx="2895600" cy="365125"/>
+          </a:xfrm>
+          <a:prstGeom prst="rect">
+            <a:avLst/>
+          </a:prstGeom>
+        </p:spPr>
+        <p:txBody>
+          <a:bodyPr vert="horz" lIns="91440" tIns="45720" rIns="91440" bIns="45720" rtlCol="0" anchor="ctr"/>
+          <a:lstStyle>
+            <a:lvl1pPr algn="ctr" fontAlgn="auto">
+              <a:spcBef>
+                <a:spcPts val="0"/>
+              </a:spcBef>
+              <a:spcAft>
+                <a:spcPts val="0"/>
+              </a:spcAft>
               <a:defRPr sz="1200">
                 <a:solidFill>
                   <a:schemeClr val="tx1">
                     <a:tint val="75000"/>
                   </a:schemeClr>
                 </a:solidFill>
+                <a:latin typeface="+mn-lt"/>
+                <a:cs typeface="+mn-cs"/>
               </a:defRPr>
             </a:lvl1pPr>
           </a:lstStyle>
           <a:p>
-            <a:fld id="{47B79C46-FE8C-4D5E-85BC-AFD12F605080}" type="datetimeFigureOut">
-              <a:rPr lang="en-US" smtClean="0"/>
-              <a:pPr/>
-              <a:t>12/29/2012</a:t>
-            </a:fld>
+            <a:pPr>
+              <a:defRPr/>
+            </a:pPr>
             <a:endParaRPr lang="en-US"/>
           </a:p>
         </p:txBody>
       </p:sp>
       <p:sp>
         <p:nvSpPr>
-          <p:cNvPr id="5" name="Footer Placeholder 4"/>
+          <p:cNvPr id="6" name="Slide Number Placeholder 5"/>
           <p:cNvSpPr>
             <a:spLocks noGrp="1"/>
           </p:cNvSpPr>
           <p:nvPr>
-            <p:ph type="ftr" sz="quarter" idx="3"/>
+            <p:ph type="sldNum" sz="quarter" idx="4"/>
           </p:nvPr>
         </p:nvSpPr>
         <p:spPr>
           <a:xfrm>
-            <a:off x="3124200" y="6356350"/>
-            <a:ext cx="2895600" cy="365125"/>
+            <a:off x="6553200" y="6356350"/>
+            <a:ext cx="2133600" cy="365125"/>
           </a:xfrm>
           <a:prstGeom prst="rect">
             <a:avLst/>
@@ -2719,57 +3103,33 @@
         <p:txBody>
           <a:bodyPr vert="horz" lIns="91440" tIns="45720" rIns="91440" bIns="45720" rtlCol="0" anchor="ctr"/>
           <a:lstStyle>
-            <a:lvl1pPr algn="ctr">
-              <a:defRPr sz="1200">
+            <a:lvl1pPr algn="r" fontAlgn="auto">
+              <a:spcBef>
+                <a:spcPts val="0"/>
+              </a:spcBef>
+              <a:spcAft>
+                <a:spcPts val="0"/>
+              </a:spcAft>
+              <a:defRPr sz="1200" smtClean="0">
                 <a:solidFill>
                   <a:schemeClr val="tx1">
                     <a:tint val="75000"/>
                   </a:schemeClr>
                 </a:solidFill>
+                <a:latin typeface="+mn-lt"/>
+                <a:cs typeface="+mn-cs"/>
               </a:defRPr>
             </a:lvl1pPr>
           </a:lstStyle>
           <a:p>
-            <a:endParaRPr lang="en-US"/>
-          </a:p>
-        </p:txBody>
-      </p:sp>
-      <p:sp>
-        <p:nvSpPr>
-          <p:cNvPr id="6" name="Slide Number Placeholder 5"/>
-          <p:cNvSpPr>
-            <a:spLocks noGrp="1"/>
-          </p:cNvSpPr>
-          <p:nvPr>
-            <p:ph type="sldNum" sz="quarter" idx="4"/>
-          </p:nvPr>
-        </p:nvSpPr>
-        <p:spPr>
-          <a:xfrm>
-            <a:off x="6553200" y="6356350"/>
-            <a:ext cx="2133600" cy="365125"/>
-          </a:xfrm>
-          <a:prstGeom prst="rect">
-            <a:avLst/>
-          </a:prstGeom>
-        </p:spPr>
-        <p:txBody>
-          <a:bodyPr vert="horz" lIns="91440" tIns="45720" rIns="91440" bIns="45720" rtlCol="0" anchor="ctr"/>
-          <a:lstStyle>
-            <a:lvl1pPr algn="r">
-              <a:defRPr sz="1200">
-                <a:solidFill>
-                  <a:schemeClr val="tx1">
-                    <a:tint val="75000"/>
-                  </a:schemeClr>
-                </a:solidFill>
-              </a:defRPr>
-            </a:lvl1pPr>
-          </a:lstStyle>
-          <a:p>
-            <a:fld id="{BD0EF552-EBFB-4A0A-8C90-A6C1ED1B7054}" type="slidenum">
-              <a:rPr lang="en-US" smtClean="0"/>
-              <a:pPr/>
+            <a:pPr>
+              <a:defRPr/>
+            </a:pPr>
+            <a:fld id="{818DCA3C-02E2-442C-BA25-9995BBC184BF}" type="slidenum">
+              <a:rPr lang="en-US"/>
+              <a:pPr>
+                <a:defRPr/>
+              </a:pPr>
               <a:t>‹#›</a:t>
             </a:fld>
             <a:endParaRPr lang="en-US"/>
@@ -2780,25 +3140,27 @@
   </p:cSld>
   <p:clrMap bg1="lt1" tx1="dk1" bg2="lt2" tx2="dk2" accent1="accent1" accent2="accent2" accent3="accent3" accent4="accent4" accent5="accent5" accent6="accent6" hlink="hlink" folHlink="folHlink"/>
   <p:sldLayoutIdLst>
-    <p:sldLayoutId id="2147483649" r:id="rId1"/>
-    <p:sldLayoutId id="2147483650" r:id="rId2"/>
-    <p:sldLayoutId id="2147483651" r:id="rId3"/>
-    <p:sldLayoutId id="2147483652" r:id="rId4"/>
-    <p:sldLayoutId id="2147483653" r:id="rId5"/>
+    <p:sldLayoutId id="2147483659" r:id="rId1"/>
+    <p:sldLayoutId id="2147483658" r:id="rId2"/>
+    <p:sldLayoutId id="2147483657" r:id="rId3"/>
+    <p:sldLayoutId id="2147483656" r:id="rId4"/>
+    <p:sldLayoutId id="2147483655" r:id="rId5"/>
     <p:sldLayoutId id="2147483654" r:id="rId6"/>
-    <p:sldLayoutId id="2147483655" r:id="rId7"/>
-    <p:sldLayoutId id="2147483656" r:id="rId8"/>
-    <p:sldLayoutId id="2147483657" r:id="rId9"/>
-    <p:sldLayoutId id="2147483658" r:id="rId10"/>
-    <p:sldLayoutId id="2147483659" r:id="rId11"/>
+    <p:sldLayoutId id="2147483653" r:id="rId7"/>
+    <p:sldLayoutId id="2147483652" r:id="rId8"/>
+    <p:sldLayoutId id="2147483651" r:id="rId9"/>
+    <p:sldLayoutId id="2147483650" r:id="rId10"/>
+    <p:sldLayoutId id="2147483649" r:id="rId11"/>
   </p:sldLayoutIdLst>
   <p:txStyles>
     <p:titleStyle>
-      <a:lvl1pPr algn="ctr" defTabSz="914400" rtl="0" eaLnBrk="1" latinLnBrk="0" hangingPunct="1">
+      <a:lvl1pPr algn="ctr" rtl="0" fontAlgn="base">
         <a:spcBef>
           <a:spcPct val="0"/>
         </a:spcBef>
-        <a:buNone/>
+        <a:spcAft>
+          <a:spcPct val="0"/>
+        </a:spcAft>
         <a:defRPr sz="4400" kern="1200">
           <a:solidFill>
             <a:schemeClr val="tx1"/>
@@ -2808,13 +3170,128 @@
           <a:cs typeface="+mj-cs"/>
         </a:defRPr>
       </a:lvl1pPr>
+      <a:lvl2pPr algn="ctr" rtl="0" fontAlgn="base">
+        <a:spcBef>
+          <a:spcPct val="0"/>
+        </a:spcBef>
+        <a:spcAft>
+          <a:spcPct val="0"/>
+        </a:spcAft>
+        <a:defRPr sz="4400">
+          <a:solidFill>
+            <a:schemeClr val="tx1"/>
+          </a:solidFill>
+          <a:latin typeface="Calibri" pitchFamily="34" charset="0"/>
+        </a:defRPr>
+      </a:lvl2pPr>
+      <a:lvl3pPr algn="ctr" rtl="0" fontAlgn="base">
+        <a:spcBef>
+          <a:spcPct val="0"/>
+        </a:spcBef>
+        <a:spcAft>
+          <a:spcPct val="0"/>
+        </a:spcAft>
+        <a:defRPr sz="4400">
+          <a:solidFill>
+            <a:schemeClr val="tx1"/>
+          </a:solidFill>
+          <a:latin typeface="Calibri" pitchFamily="34" charset="0"/>
+        </a:defRPr>
+      </a:lvl3pPr>
+      <a:lvl4pPr algn="ctr" rtl="0" fontAlgn="base">
+        <a:spcBef>
+          <a:spcPct val="0"/>
+        </a:spcBef>
+        <a:spcAft>
+          <a:spcPct val="0"/>
+        </a:spcAft>
+        <a:defRPr sz="4400">
+          <a:solidFill>
+            <a:schemeClr val="tx1"/>
+          </a:solidFill>
+          <a:latin typeface="Calibri" pitchFamily="34" charset="0"/>
+        </a:defRPr>
+      </a:lvl4pPr>
+      <a:lvl5pPr algn="ctr" rtl="0" fontAlgn="base">
+        <a:spcBef>
+          <a:spcPct val="0"/>
+        </a:spcBef>
+        <a:spcAft>
+          <a:spcPct val="0"/>
+        </a:spcAft>
+        <a:defRPr sz="4400">
+          <a:solidFill>
+            <a:schemeClr val="tx1"/>
+          </a:solidFill>
+          <a:latin typeface="Calibri" pitchFamily="34" charset="0"/>
+        </a:defRPr>
+      </a:lvl5pPr>
+      <a:lvl6pPr marL="457200" algn="ctr" rtl="0" fontAlgn="base">
+        <a:spcBef>
+          <a:spcPct val="0"/>
+        </a:spcBef>
+        <a:spcAft>
+          <a:spcPct val="0"/>
+        </a:spcAft>
+        <a:defRPr sz="4400">
+          <a:solidFill>
+            <a:schemeClr val="tx1"/>
+          </a:solidFill>
+          <a:latin typeface="Calibri" pitchFamily="34" charset="0"/>
+        </a:defRPr>
+      </a:lvl6pPr>
+      <a:lvl7pPr marL="914400" algn="ctr" rtl="0" fontAlgn="base">
+        <a:spcBef>
+          <a:spcPct val="0"/>
+        </a:spcBef>
+        <a:spcAft>
+          <a:spcPct val="0"/>
+        </a:spcAft>
+        <a:defRPr sz="4400">
+          <a:solidFill>
+            <a:schemeClr val="tx1"/>
+          </a:solidFill>
+          <a:latin typeface="Calibri" pitchFamily="34" charset="0"/>
+        </a:defRPr>
+      </a:lvl7pPr>
+      <a:lvl8pPr marL="1371600" algn="ctr" rtl="0" fontAlgn="base">
+        <a:spcBef>
+          <a:spcPct val="0"/>
+        </a:spcBef>
+        <a:spcAft>
+          <a:spcPct val="0"/>
+        </a:spcAft>
+        <a:defRPr sz="4400">
+          <a:solidFill>
+            <a:schemeClr val="tx1"/>
+          </a:solidFill>
+          <a:latin typeface="Calibri" pitchFamily="34" charset="0"/>
+        </a:defRPr>
+      </a:lvl8pPr>
+      <a:lvl9pPr marL="1828800" algn="ctr" rtl="0" fontAlgn="base">
+        <a:spcBef>
+          <a:spcPct val="0"/>
+        </a:spcBef>
+        <a:spcAft>
+          <a:spcPct val="0"/>
+        </a:spcAft>
+        <a:defRPr sz="4400">
+          <a:solidFill>
+            <a:schemeClr val="tx1"/>
+          </a:solidFill>
+          <a:latin typeface="Calibri" pitchFamily="34" charset="0"/>
+        </a:defRPr>
+      </a:lvl9pPr>
     </p:titleStyle>
     <p:bodyStyle>
-      <a:lvl1pPr marL="342900" indent="-342900" algn="l" defTabSz="914400" rtl="0" eaLnBrk="1" latinLnBrk="0" hangingPunct="1">
+      <a:lvl1pPr marL="342900" indent="-342900" algn="l" rtl="0" fontAlgn="base">
         <a:spcBef>
           <a:spcPct val="20000"/>
         </a:spcBef>
-        <a:buFont typeface="Arial" pitchFamily="34" charset="0"/>
+        <a:spcAft>
+          <a:spcPct val="0"/>
+        </a:spcAft>
+        <a:buFont typeface="Arial" charset="0"/>
         <a:buChar char="•"/>
         <a:defRPr sz="3200" kern="1200">
           <a:solidFill>
@@ -2825,11 +3302,14 @@
           <a:cs typeface="+mn-cs"/>
         </a:defRPr>
       </a:lvl1pPr>
-      <a:lvl2pPr marL="742950" indent="-285750" algn="l" defTabSz="914400" rtl="0" eaLnBrk="1" latinLnBrk="0" hangingPunct="1">
+      <a:lvl2pPr marL="742950" indent="-285750" algn="l" rtl="0" fontAlgn="base">
         <a:spcBef>
           <a:spcPct val="20000"/>
         </a:spcBef>
-        <a:buFont typeface="Arial" pitchFamily="34" charset="0"/>
+        <a:spcAft>
+          <a:spcPct val="0"/>
+        </a:spcAft>
+        <a:buFont typeface="Arial" charset="0"/>
         <a:buChar char="–"/>
         <a:defRPr sz="2800" kern="1200">
           <a:solidFill>
@@ -2840,11 +3320,14 @@
           <a:cs typeface="+mn-cs"/>
         </a:defRPr>
       </a:lvl2pPr>
-      <a:lvl3pPr marL="1143000" indent="-228600" algn="l" defTabSz="914400" rtl="0" eaLnBrk="1" latinLnBrk="0" hangingPunct="1">
+      <a:lvl3pPr marL="1143000" indent="-228600" algn="l" rtl="0" fontAlgn="base">
         <a:spcBef>
           <a:spcPct val="20000"/>
         </a:spcBef>
-        <a:buFont typeface="Arial" pitchFamily="34" charset="0"/>
+        <a:spcAft>
+          <a:spcPct val="0"/>
+        </a:spcAft>
+        <a:buFont typeface="Arial" charset="0"/>
         <a:buChar char="•"/>
         <a:defRPr sz="2400" kern="1200">
           <a:solidFill>
@@ -2855,11 +3338,14 @@
           <a:cs typeface="+mn-cs"/>
         </a:defRPr>
       </a:lvl3pPr>
-      <a:lvl4pPr marL="1600200" indent="-228600" algn="l" defTabSz="914400" rtl="0" eaLnBrk="1" latinLnBrk="0" hangingPunct="1">
+      <a:lvl4pPr marL="1600200" indent="-228600" algn="l" rtl="0" fontAlgn="base">
         <a:spcBef>
           <a:spcPct val="20000"/>
         </a:spcBef>
-        <a:buFont typeface="Arial" pitchFamily="34" charset="0"/>
+        <a:spcAft>
+          <a:spcPct val="0"/>
+        </a:spcAft>
+        <a:buFont typeface="Arial" charset="0"/>
         <a:buChar char="–"/>
         <a:defRPr sz="2000" kern="1200">
           <a:solidFill>
@@ -2870,11 +3356,14 @@
           <a:cs typeface="+mn-cs"/>
         </a:defRPr>
       </a:lvl4pPr>
-      <a:lvl5pPr marL="2057400" indent="-228600" algn="l" defTabSz="914400" rtl="0" eaLnBrk="1" latinLnBrk="0" hangingPunct="1">
+      <a:lvl5pPr marL="2057400" indent="-228600" algn="l" rtl="0" fontAlgn="base">
         <a:spcBef>
           <a:spcPct val="20000"/>
         </a:spcBef>
-        <a:buFont typeface="Arial" pitchFamily="34" charset="0"/>
+        <a:spcAft>
+          <a:spcPct val="0"/>
+        </a:spcAft>
+        <a:buFont typeface="Arial" charset="0"/>
         <a:buChar char="»"/>
         <a:defRPr sz="2000" kern="1200">
           <a:solidFill>
@@ -3097,26 +3586,50 @@
           </a:fontRef>
         </p:style>
         <p:txBody>
-          <a:bodyPr rtlCol="0" anchor="ctr"/>
+          <a:bodyPr anchor="ctr"/>
           <a:lstStyle/>
           <a:p>
-            <a:pPr algn="ctr"/>
-            <a:r>
-              <a:rPr lang="en-US" dirty="0" smtClean="0"/>
+            <a:pPr algn="ctr" fontAlgn="auto">
+              <a:spcBef>
+                <a:spcPts val="0"/>
+              </a:spcBef>
+              <a:spcAft>
+                <a:spcPts val="0"/>
+              </a:spcAft>
+              <a:defRPr/>
+            </a:pPr>
+            <a:r>
+              <a:rPr lang="en-US" dirty="0"/>
               <a:t>Security</a:t>
             </a:r>
           </a:p>
           <a:p>
-            <a:pPr algn="ctr"/>
-            <a:r>
-              <a:rPr lang="en-US" dirty="0" smtClean="0"/>
+            <a:pPr algn="ctr" fontAlgn="auto">
+              <a:spcBef>
+                <a:spcPts val="0"/>
+              </a:spcBef>
+              <a:spcAft>
+                <a:spcPts val="0"/>
+              </a:spcAft>
+              <a:defRPr/>
+            </a:pPr>
+            <a:r>
+              <a:rPr lang="en-US" dirty="0"/>
               <a:t>Management </a:t>
             </a:r>
           </a:p>
           <a:p>
-            <a:pPr algn="ctr"/>
-            <a:r>
-              <a:rPr lang="en-US" dirty="0" smtClean="0"/>
+            <a:pPr algn="ctr" fontAlgn="auto">
+              <a:spcBef>
+                <a:spcPts val="0"/>
+              </a:spcBef>
+              <a:spcAft>
+                <a:spcPts val="0"/>
+              </a:spcAft>
+              <a:defRPr/>
+            </a:pPr>
+            <a:r>
+              <a:rPr lang="en-US" dirty="0"/>
               <a:t>System</a:t>
             </a:r>
             <a:endParaRPr lang="en-US" dirty="0"/>
@@ -3153,12 +3666,20 @@
           </a:fontRef>
         </p:style>
         <p:txBody>
-          <a:bodyPr rtlCol="0" anchor="ctr"/>
+          <a:bodyPr anchor="ctr"/>
           <a:lstStyle/>
           <a:p>
-            <a:pPr algn="ctr"/>
-            <a:r>
-              <a:rPr lang="en-US" dirty="0" smtClean="0"/>
+            <a:pPr algn="ctr" fontAlgn="auto">
+              <a:spcBef>
+                <a:spcPts val="0"/>
+              </a:spcBef>
+              <a:spcAft>
+                <a:spcPts val="0"/>
+              </a:spcAft>
+              <a:defRPr/>
+            </a:pPr>
+            <a:r>
+              <a:rPr lang="en-US" dirty="0"/>
               <a:t>Member</a:t>
             </a:r>
             <a:endParaRPr lang="en-US" dirty="0"/>
@@ -3195,12 +3716,20 @@
           </a:fontRef>
         </p:style>
         <p:txBody>
-          <a:bodyPr rtlCol="0" anchor="ctr"/>
+          <a:bodyPr anchor="ctr"/>
           <a:lstStyle/>
           <a:p>
-            <a:pPr algn="ctr"/>
-            <a:r>
-              <a:rPr lang="en-US" dirty="0" smtClean="0"/>
+            <a:pPr algn="ctr" fontAlgn="auto">
+              <a:spcBef>
+                <a:spcPts val="0"/>
+              </a:spcBef>
+              <a:spcAft>
+                <a:spcPts val="0"/>
+              </a:spcAft>
+              <a:defRPr/>
+            </a:pPr>
+            <a:r>
+              <a:rPr lang="en-US" dirty="0"/>
               <a:t>Admin</a:t>
             </a:r>
             <a:endParaRPr lang="en-US" dirty="0"/>
@@ -3237,12 +3766,20 @@
           </a:fontRef>
         </p:style>
         <p:txBody>
-          <a:bodyPr rtlCol="0" anchor="ctr"/>
+          <a:bodyPr anchor="ctr"/>
           <a:lstStyle/>
           <a:p>
-            <a:pPr algn="ctr"/>
-            <a:r>
-              <a:rPr lang="en-US" dirty="0" smtClean="0"/>
+            <a:pPr algn="ctr" fontAlgn="auto">
+              <a:spcBef>
+                <a:spcPts val="0"/>
+              </a:spcBef>
+              <a:spcAft>
+                <a:spcPts val="0"/>
+              </a:spcAft>
+              <a:defRPr/>
+            </a:pPr>
+            <a:r>
+              <a:rPr lang="en-US" dirty="0"/>
               <a:t>Visitor</a:t>
             </a:r>
             <a:endParaRPr lang="en-US" dirty="0"/>
@@ -3279,12 +3816,20 @@
           </a:fontRef>
         </p:style>
         <p:txBody>
-          <a:bodyPr rtlCol="0" anchor="ctr"/>
+          <a:bodyPr anchor="ctr"/>
           <a:lstStyle/>
           <a:p>
-            <a:pPr algn="ctr"/>
-            <a:r>
-              <a:rPr lang="en-US" dirty="0" smtClean="0"/>
+            <a:pPr algn="ctr" fontAlgn="auto">
+              <a:spcBef>
+                <a:spcPts val="0"/>
+              </a:spcBef>
+              <a:spcAft>
+                <a:spcPts val="0"/>
+              </a:spcAft>
+              <a:defRPr/>
+            </a:pPr>
+            <a:r>
+              <a:rPr lang="en-US" dirty="0"/>
               <a:t>Employee</a:t>
             </a:r>
             <a:endParaRPr lang="en-US" dirty="0"/>
@@ -3321,12 +3866,20 @@
           </a:fontRef>
         </p:style>
         <p:txBody>
-          <a:bodyPr rtlCol="0" anchor="ctr"/>
+          <a:bodyPr anchor="ctr"/>
           <a:lstStyle/>
           <a:p>
-            <a:pPr algn="ctr"/>
-            <a:r>
-              <a:rPr lang="en-US" dirty="0" smtClean="0"/>
+            <a:pPr algn="ctr" fontAlgn="auto">
+              <a:spcBef>
+                <a:spcPts val="0"/>
+              </a:spcBef>
+              <a:spcAft>
+                <a:spcPts val="0"/>
+              </a:spcAft>
+              <a:defRPr/>
+            </a:pPr>
+            <a:r>
+              <a:rPr lang="en-US" dirty="0"/>
               <a:t>Alarm</a:t>
             </a:r>
             <a:endParaRPr lang="en-US" dirty="0"/>
@@ -3363,12 +3916,20 @@
           </a:fontRef>
         </p:style>
         <p:txBody>
-          <a:bodyPr rtlCol="0" anchor="ctr"/>
+          <a:bodyPr anchor="ctr"/>
           <a:lstStyle/>
           <a:p>
-            <a:pPr algn="ctr"/>
-            <a:r>
-              <a:rPr lang="en-US" dirty="0" smtClean="0"/>
+            <a:pPr algn="ctr" fontAlgn="auto">
+              <a:spcBef>
+                <a:spcPts val="0"/>
+              </a:spcBef>
+              <a:spcAft>
+                <a:spcPts val="0"/>
+              </a:spcAft>
+              <a:defRPr/>
+            </a:pPr>
+            <a:r>
+              <a:rPr lang="en-US" dirty="0"/>
               <a:t>Preference</a:t>
             </a:r>
             <a:endParaRPr lang="en-US" dirty="0"/>
@@ -3387,7 +3948,7 @@
         <p:spPr>
           <a:xfrm>
             <a:off x="2590800" y="1371600"/>
-            <a:ext cx="1226859" cy="1312303"/>
+            <a:ext cx="1227138" cy="1312863"/>
           </a:xfrm>
           <a:prstGeom prst="bentConnector2">
             <a:avLst/>
@@ -3535,8 +4096,8 @@
         </p:nvCxnSpPr>
         <p:spPr>
           <a:xfrm flipV="1">
-            <a:off x="2209800" y="3869297"/>
-            <a:ext cx="1607859" cy="16903"/>
+            <a:off x="2209800" y="3868738"/>
+            <a:ext cx="1608138" cy="17462"/>
           </a:xfrm>
           <a:prstGeom prst="bentConnector4">
             <a:avLst>
@@ -3613,8 +4174,8 @@
         </p:nvCxnSpPr>
         <p:spPr>
           <a:xfrm rot="16200000" flipH="1" flipV="1">
-            <a:off x="6293269" y="1700072"/>
-            <a:ext cx="321703" cy="1950758"/>
+            <a:off x="6292850" y="1700213"/>
+            <a:ext cx="322263" cy="1951037"/>
           </a:xfrm>
           <a:prstGeom prst="bentConnector4">
             <a:avLst>
@@ -3762,8 +4323,8 @@
         </p:nvCxnSpPr>
         <p:spPr>
           <a:xfrm rot="5400000">
-            <a:off x="3429001" y="4343399"/>
-            <a:ext cx="1752600" cy="1143002"/>
+            <a:off x="3429000" y="4343400"/>
+            <a:ext cx="1752600" cy="1143000"/>
           </a:xfrm>
           <a:prstGeom prst="bentConnector2">
             <a:avLst/>
@@ -3799,8 +4360,8 @@
         </p:nvCxnSpPr>
         <p:spPr>
           <a:xfrm rot="5400000" flipH="1" flipV="1">
-            <a:off x="3016668" y="3862528"/>
-            <a:ext cx="2302903" cy="2316441"/>
+            <a:off x="3016251" y="3862387"/>
+            <a:ext cx="2303462" cy="2316163"/>
           </a:xfrm>
           <a:prstGeom prst="bentConnector3">
             <a:avLst>
@@ -3829,151 +4390,196 @@
       </p:cxnSp>
       <p:sp>
         <p:nvSpPr>
-          <p:cNvPr id="39" name="TextBox 38"/>
-          <p:cNvSpPr txBox="1"/>
-          <p:nvPr/>
-        </p:nvSpPr>
-        <p:spPr>
+          <p:cNvPr id="13332" name="TextBox 38"/>
+          <p:cNvSpPr txBox="1">
+            <a:spLocks noChangeArrowheads="1"/>
+          </p:cNvSpPr>
+          <p:nvPr/>
+        </p:nvSpPr>
+        <p:spPr bwMode="auto">
           <a:xfrm>
             <a:off x="2667000" y="1066800"/>
-            <a:ext cx="1019831" cy="246221"/>
+            <a:ext cx="1019175" cy="246063"/>
           </a:xfrm>
           <a:prstGeom prst="rect">
             <a:avLst/>
           </a:prstGeom>
           <a:noFill/>
-        </p:spPr>
-        <p:txBody>
-          <a:bodyPr wrap="none" rtlCol="0">
+          <a:ln w="9525">
+            <a:noFill/>
+            <a:miter lim="800000"/>
+            <a:headEnd/>
+            <a:tailEnd/>
+          </a:ln>
+        </p:spPr>
+        <p:txBody>
+          <a:bodyPr wrap="none">
             <a:spAutoFit/>
           </a:bodyPr>
           <a:lstStyle/>
           <a:p>
             <a:r>
-              <a:rPr lang="en-US" sz="1000" dirty="0" smtClean="0"/>
+              <a:rPr lang="en-US" sz="1000">
+                <a:latin typeface="Calibri" pitchFamily="34" charset="0"/>
+              </a:rPr>
               <a:t>Member Details</a:t>
             </a:r>
-            <a:endParaRPr lang="en-US" sz="1000" dirty="0"/>
-          </a:p>
-        </p:txBody>
-      </p:sp>
-      <p:sp>
-        <p:nvSpPr>
-          <p:cNvPr id="40" name="TextBox 39"/>
-          <p:cNvSpPr txBox="1"/>
-          <p:nvPr/>
-        </p:nvSpPr>
-        <p:spPr>
-          <a:xfrm>
-            <a:off x="1981200" y="3030379"/>
-            <a:ext cx="1443024" cy="246221"/>
+          </a:p>
+        </p:txBody>
+      </p:sp>
+      <p:sp>
+        <p:nvSpPr>
+          <p:cNvPr id="13333" name="TextBox 39"/>
+          <p:cNvSpPr txBox="1">
+            <a:spLocks noChangeArrowheads="1"/>
+          </p:cNvSpPr>
+          <p:nvPr/>
+        </p:nvSpPr>
+        <p:spPr bwMode="auto">
+          <a:xfrm>
+            <a:off x="1981200" y="3030538"/>
+            <a:ext cx="1443038" cy="246062"/>
           </a:xfrm>
           <a:prstGeom prst="rect">
             <a:avLst/>
           </a:prstGeom>
           <a:noFill/>
-        </p:spPr>
-        <p:txBody>
-          <a:bodyPr wrap="none" rtlCol="0">
+          <a:ln w="9525">
+            <a:noFill/>
+            <a:miter lim="800000"/>
+            <a:headEnd/>
+            <a:tailEnd/>
+          </a:ln>
+        </p:spPr>
+        <p:txBody>
+          <a:bodyPr wrap="none">
             <a:spAutoFit/>
           </a:bodyPr>
           <a:lstStyle/>
           <a:p>
             <a:r>
-              <a:rPr lang="en-US" sz="1000" dirty="0" smtClean="0"/>
+              <a:rPr lang="en-US" sz="1000">
+                <a:latin typeface="Calibri" pitchFamily="34" charset="0"/>
+              </a:rPr>
               <a:t>Member Authentication</a:t>
             </a:r>
-            <a:endParaRPr lang="en-US" sz="1000" dirty="0"/>
-          </a:p>
-        </p:txBody>
-      </p:sp>
-      <p:sp>
-        <p:nvSpPr>
-          <p:cNvPr id="41" name="TextBox 40"/>
-          <p:cNvSpPr txBox="1"/>
-          <p:nvPr/>
-        </p:nvSpPr>
-        <p:spPr>
-          <a:xfrm>
-            <a:off x="2133600" y="4173379"/>
-            <a:ext cx="1624163" cy="246221"/>
+          </a:p>
+        </p:txBody>
+      </p:sp>
+      <p:sp>
+        <p:nvSpPr>
+          <p:cNvPr id="13334" name="TextBox 40"/>
+          <p:cNvSpPr txBox="1">
+            <a:spLocks noChangeArrowheads="1"/>
+          </p:cNvSpPr>
+          <p:nvPr/>
+        </p:nvSpPr>
+        <p:spPr bwMode="auto">
+          <a:xfrm>
+            <a:off x="2133600" y="4173538"/>
+            <a:ext cx="1624013" cy="246062"/>
           </a:xfrm>
           <a:prstGeom prst="rect">
             <a:avLst/>
           </a:prstGeom>
           <a:noFill/>
-        </p:spPr>
-        <p:txBody>
-          <a:bodyPr wrap="none" rtlCol="0">
+          <a:ln w="9525">
+            <a:noFill/>
+            <a:miter lim="800000"/>
+            <a:headEnd/>
+            <a:tailEnd/>
+          </a:ln>
+        </p:spPr>
+        <p:txBody>
+          <a:bodyPr wrap="none">
             <a:spAutoFit/>
           </a:bodyPr>
           <a:lstStyle/>
           <a:p>
             <a:r>
-              <a:rPr lang="en-US" sz="1000" dirty="0" smtClean="0"/>
+              <a:rPr lang="en-US" sz="1000">
+                <a:latin typeface="Calibri" pitchFamily="34" charset="0"/>
+              </a:rPr>
               <a:t>Request  for Authentication</a:t>
             </a:r>
-            <a:endParaRPr lang="en-US" sz="1000" dirty="0"/>
-          </a:p>
-        </p:txBody>
-      </p:sp>
-      <p:sp>
-        <p:nvSpPr>
-          <p:cNvPr id="42" name="TextBox 41"/>
-          <p:cNvSpPr txBox="1"/>
-          <p:nvPr/>
-        </p:nvSpPr>
-        <p:spPr>
-          <a:xfrm>
-            <a:off x="2286000" y="3639979"/>
-            <a:ext cx="957313" cy="246221"/>
+          </a:p>
+        </p:txBody>
+      </p:sp>
+      <p:sp>
+        <p:nvSpPr>
+          <p:cNvPr id="13335" name="TextBox 41"/>
+          <p:cNvSpPr txBox="1">
+            <a:spLocks noChangeArrowheads="1"/>
+          </p:cNvSpPr>
+          <p:nvPr/>
+        </p:nvSpPr>
+        <p:spPr bwMode="auto">
+          <a:xfrm>
+            <a:off x="2286000" y="3640138"/>
+            <a:ext cx="957263" cy="246062"/>
           </a:xfrm>
           <a:prstGeom prst="rect">
             <a:avLst/>
           </a:prstGeom>
           <a:noFill/>
-        </p:spPr>
-        <p:txBody>
-          <a:bodyPr wrap="none" rtlCol="0">
+          <a:ln w="9525">
+            <a:noFill/>
+            <a:miter lim="800000"/>
+            <a:headEnd/>
+            <a:tailEnd/>
+          </a:ln>
+        </p:spPr>
+        <p:txBody>
+          <a:bodyPr wrap="none">
             <a:spAutoFit/>
           </a:bodyPr>
           <a:lstStyle/>
           <a:p>
             <a:r>
-              <a:rPr lang="en-US" sz="1000" dirty="0" smtClean="0"/>
+              <a:rPr lang="en-US" sz="1000">
+                <a:latin typeface="Calibri" pitchFamily="34" charset="0"/>
+              </a:rPr>
               <a:t>Grant or Recall</a:t>
             </a:r>
-            <a:endParaRPr lang="en-US" sz="1000" dirty="0"/>
-          </a:p>
-        </p:txBody>
-      </p:sp>
-      <p:sp>
-        <p:nvSpPr>
-          <p:cNvPr id="43" name="TextBox 42"/>
-          <p:cNvSpPr txBox="1"/>
-          <p:nvPr/>
-        </p:nvSpPr>
-        <p:spPr>
-          <a:xfrm>
-            <a:off x="3933169" y="6154579"/>
-            <a:ext cx="813043" cy="246221"/>
+          </a:p>
+        </p:txBody>
+      </p:sp>
+      <p:sp>
+        <p:nvSpPr>
+          <p:cNvPr id="13336" name="TextBox 42"/>
+          <p:cNvSpPr txBox="1">
+            <a:spLocks noChangeArrowheads="1"/>
+          </p:cNvSpPr>
+          <p:nvPr/>
+        </p:nvSpPr>
+        <p:spPr bwMode="auto">
+          <a:xfrm>
+            <a:off x="3933825" y="6154738"/>
+            <a:ext cx="812800" cy="246062"/>
           </a:xfrm>
           <a:prstGeom prst="rect">
             <a:avLst/>
           </a:prstGeom>
           <a:noFill/>
-        </p:spPr>
-        <p:txBody>
-          <a:bodyPr wrap="none" rtlCol="0">
+          <a:ln w="9525">
+            <a:noFill/>
+            <a:miter lim="800000"/>
+            <a:headEnd/>
+            <a:tailEnd/>
+          </a:ln>
+        </p:spPr>
+        <p:txBody>
+          <a:bodyPr wrap="none">
             <a:spAutoFit/>
           </a:bodyPr>
           <a:lstStyle/>
           <a:p>
             <a:r>
-              <a:rPr lang="en-US" sz="1000" dirty="0" smtClean="0"/>
+              <a:rPr lang="en-US" sz="1000">
+                <a:latin typeface="Calibri" pitchFamily="34" charset="0"/>
+              </a:rPr>
               <a:t>Registration</a:t>
             </a:r>
-            <a:endParaRPr lang="en-US" sz="1000" dirty="0"/>
           </a:p>
         </p:txBody>
       </p:sp>
@@ -4015,245 +4621,313 @@
       </p:cxnSp>
       <p:sp>
         <p:nvSpPr>
-          <p:cNvPr id="48" name="TextBox 47"/>
-          <p:cNvSpPr txBox="1"/>
-          <p:nvPr/>
-        </p:nvSpPr>
-        <p:spPr>
-          <a:xfrm>
-            <a:off x="3733800" y="4935379"/>
-            <a:ext cx="1082348" cy="246221"/>
+          <p:cNvPr id="13338" name="TextBox 47"/>
+          <p:cNvSpPr txBox="1">
+            <a:spLocks noChangeArrowheads="1"/>
+          </p:cNvSpPr>
+          <p:nvPr/>
+        </p:nvSpPr>
+        <p:spPr bwMode="auto">
+          <a:xfrm>
+            <a:off x="3733800" y="4935538"/>
+            <a:ext cx="1082675" cy="246062"/>
           </a:xfrm>
           <a:prstGeom prst="rect">
             <a:avLst/>
           </a:prstGeom>
           <a:noFill/>
-        </p:spPr>
-        <p:txBody>
-          <a:bodyPr wrap="none" rtlCol="0">
+          <a:ln w="9525">
+            <a:noFill/>
+            <a:miter lim="800000"/>
+            <a:headEnd/>
+            <a:tailEnd/>
+          </a:ln>
+        </p:spPr>
+        <p:txBody>
+          <a:bodyPr wrap="none">
             <a:spAutoFit/>
           </a:bodyPr>
           <a:lstStyle/>
           <a:p>
             <a:r>
-              <a:rPr lang="en-US" sz="1000" dirty="0" smtClean="0"/>
+              <a:rPr lang="en-US" sz="1000">
+                <a:latin typeface="Calibri" pitchFamily="34" charset="0"/>
+              </a:rPr>
               <a:t>Employee Details</a:t>
             </a:r>
-            <a:endParaRPr lang="en-US" sz="1000" dirty="0"/>
-          </a:p>
-        </p:txBody>
-      </p:sp>
-      <p:sp>
-        <p:nvSpPr>
-          <p:cNvPr id="49" name="TextBox 48"/>
-          <p:cNvSpPr txBox="1"/>
-          <p:nvPr/>
-        </p:nvSpPr>
-        <p:spPr>
+          </a:p>
+        </p:txBody>
+      </p:sp>
+      <p:sp>
+        <p:nvSpPr>
+          <p:cNvPr id="13339" name="TextBox 48"/>
+          <p:cNvSpPr txBox="1">
+            <a:spLocks noChangeArrowheads="1"/>
+          </p:cNvSpPr>
+          <p:nvPr/>
+        </p:nvSpPr>
+        <p:spPr bwMode="auto">
           <a:xfrm rot="5400000">
-            <a:off x="4305719" y="4941802"/>
-            <a:ext cx="1505540" cy="246221"/>
+            <a:off x="4305300" y="4941888"/>
+            <a:ext cx="1506538" cy="246062"/>
           </a:xfrm>
           <a:prstGeom prst="rect">
             <a:avLst/>
           </a:prstGeom>
           <a:noFill/>
-        </p:spPr>
-        <p:txBody>
-          <a:bodyPr wrap="none" rtlCol="0">
+          <a:ln w="9525">
+            <a:noFill/>
+            <a:miter lim="800000"/>
+            <a:headEnd/>
+            <a:tailEnd/>
+          </a:ln>
+        </p:spPr>
+        <p:txBody>
+          <a:bodyPr wrap="none">
             <a:spAutoFit/>
           </a:bodyPr>
           <a:lstStyle/>
           <a:p>
             <a:r>
-              <a:rPr lang="en-US" sz="1000" dirty="0" smtClean="0"/>
+              <a:rPr lang="en-US" sz="1000">
+                <a:latin typeface="Calibri" pitchFamily="34" charset="0"/>
+              </a:rPr>
               <a:t>Employee Authentication</a:t>
             </a:r>
-            <a:endParaRPr lang="en-US" sz="1000" dirty="0"/>
-          </a:p>
-        </p:txBody>
-      </p:sp>
-      <p:sp>
-        <p:nvSpPr>
-          <p:cNvPr id="50" name="TextBox 49"/>
-          <p:cNvSpPr txBox="1"/>
-          <p:nvPr/>
-        </p:nvSpPr>
-        <p:spPr>
-          <a:xfrm>
-            <a:off x="5838169" y="3657600"/>
-            <a:ext cx="1026243" cy="246221"/>
+          </a:p>
+        </p:txBody>
+      </p:sp>
+      <p:sp>
+        <p:nvSpPr>
+          <p:cNvPr id="13340" name="TextBox 49"/>
+          <p:cNvSpPr txBox="1">
+            <a:spLocks noChangeArrowheads="1"/>
+          </p:cNvSpPr>
+          <p:nvPr/>
+        </p:nvSpPr>
+        <p:spPr bwMode="auto">
+          <a:xfrm>
+            <a:off x="5838825" y="3657600"/>
+            <a:ext cx="1025525" cy="246063"/>
           </a:xfrm>
           <a:prstGeom prst="rect">
             <a:avLst/>
           </a:prstGeom>
           <a:noFill/>
-        </p:spPr>
-        <p:txBody>
-          <a:bodyPr wrap="none" rtlCol="0">
+          <a:ln w="9525">
+            <a:noFill/>
+            <a:miter lim="800000"/>
+            <a:headEnd/>
+            <a:tailEnd/>
+          </a:ln>
+        </p:spPr>
+        <p:txBody>
+          <a:bodyPr wrap="none">
             <a:spAutoFit/>
           </a:bodyPr>
           <a:lstStyle/>
           <a:p>
             <a:r>
-              <a:rPr lang="en-US" sz="1000" dirty="0" smtClean="0"/>
+              <a:rPr lang="en-US" sz="1000">
+                <a:latin typeface="Calibri" pitchFamily="34" charset="0"/>
+              </a:rPr>
               <a:t>User Preference</a:t>
             </a:r>
-            <a:endParaRPr lang="en-US" sz="1000" dirty="0"/>
-          </a:p>
-        </p:txBody>
-      </p:sp>
-      <p:sp>
-        <p:nvSpPr>
-          <p:cNvPr id="51" name="TextBox 50"/>
-          <p:cNvSpPr txBox="1"/>
-          <p:nvPr/>
-        </p:nvSpPr>
-        <p:spPr>
-          <a:xfrm>
-            <a:off x="5450757" y="4935379"/>
-            <a:ext cx="797013" cy="246221"/>
+          </a:p>
+        </p:txBody>
+      </p:sp>
+      <p:sp>
+        <p:nvSpPr>
+          <p:cNvPr id="13341" name="TextBox 50"/>
+          <p:cNvSpPr txBox="1">
+            <a:spLocks noChangeArrowheads="1"/>
+          </p:cNvSpPr>
+          <p:nvPr/>
+        </p:nvSpPr>
+        <p:spPr bwMode="auto">
+          <a:xfrm>
+            <a:off x="5451475" y="4935538"/>
+            <a:ext cx="796925" cy="246062"/>
           </a:xfrm>
           <a:prstGeom prst="rect">
             <a:avLst/>
           </a:prstGeom>
           <a:noFill/>
-        </p:spPr>
-        <p:txBody>
-          <a:bodyPr wrap="none" rtlCol="0">
+          <a:ln w="9525">
+            <a:noFill/>
+            <a:miter lim="800000"/>
+            <a:headEnd/>
+            <a:tailEnd/>
+          </a:ln>
+        </p:spPr>
+        <p:txBody>
+          <a:bodyPr wrap="none">
             <a:spAutoFit/>
           </a:bodyPr>
           <a:lstStyle/>
           <a:p>
             <a:r>
-              <a:rPr lang="en-US" sz="1000" dirty="0" smtClean="0"/>
+              <a:rPr lang="en-US" sz="1000">
+                <a:latin typeface="Calibri" pitchFamily="34" charset="0"/>
+              </a:rPr>
               <a:t>Notification</a:t>
             </a:r>
-            <a:endParaRPr lang="en-US" sz="1000" dirty="0"/>
-          </a:p>
-        </p:txBody>
-      </p:sp>
-      <p:sp>
-        <p:nvSpPr>
-          <p:cNvPr id="52" name="TextBox 51"/>
-          <p:cNvSpPr txBox="1"/>
-          <p:nvPr/>
-        </p:nvSpPr>
-        <p:spPr>
+          </a:p>
+        </p:txBody>
+      </p:sp>
+      <p:sp>
+        <p:nvSpPr>
+          <p:cNvPr id="13342" name="TextBox 51"/>
+          <p:cNvSpPr txBox="1">
+            <a:spLocks noChangeArrowheads="1"/>
+          </p:cNvSpPr>
+          <p:nvPr/>
+        </p:nvSpPr>
+        <p:spPr bwMode="auto">
           <a:xfrm>
             <a:off x="5638800" y="3048000"/>
-            <a:ext cx="952505" cy="246221"/>
+            <a:ext cx="952500" cy="246063"/>
           </a:xfrm>
           <a:prstGeom prst="rect">
             <a:avLst/>
           </a:prstGeom>
           <a:noFill/>
-        </p:spPr>
-        <p:txBody>
-          <a:bodyPr wrap="none" rtlCol="0">
+          <a:ln w="9525">
+            <a:noFill/>
+            <a:miter lim="800000"/>
+            <a:headEnd/>
+            <a:tailEnd/>
+          </a:ln>
+        </p:spPr>
+        <p:txBody>
+          <a:bodyPr wrap="none">
             <a:spAutoFit/>
           </a:bodyPr>
           <a:lstStyle/>
           <a:p>
             <a:r>
-              <a:rPr lang="en-US" sz="1000" dirty="0" smtClean="0"/>
-              <a:t>S</a:t>
-            </a:r>
-            <a:r>
-              <a:rPr lang="en-US" sz="1000" dirty="0" smtClean="0"/>
-              <a:t>et Preference</a:t>
-            </a:r>
-            <a:endParaRPr lang="en-US" sz="1000" dirty="0"/>
-          </a:p>
-        </p:txBody>
-      </p:sp>
-      <p:sp>
-        <p:nvSpPr>
-          <p:cNvPr id="53" name="TextBox 52"/>
-          <p:cNvSpPr txBox="1"/>
-          <p:nvPr/>
-        </p:nvSpPr>
-        <p:spPr>
-          <a:xfrm>
-            <a:off x="6362695" y="2057400"/>
-            <a:ext cx="1180131" cy="246221"/>
+              <a:rPr lang="en-US" sz="1000">
+                <a:latin typeface="Calibri" pitchFamily="34" charset="0"/>
+              </a:rPr>
+              <a:t>Set Preference</a:t>
+            </a:r>
+          </a:p>
+        </p:txBody>
+      </p:sp>
+      <p:sp>
+        <p:nvSpPr>
+          <p:cNvPr id="13343" name="TextBox 52"/>
+          <p:cNvSpPr txBox="1">
+            <a:spLocks noChangeArrowheads="1"/>
+          </p:cNvSpPr>
+          <p:nvPr/>
+        </p:nvSpPr>
+        <p:spPr bwMode="auto">
+          <a:xfrm>
+            <a:off x="6362700" y="2057400"/>
+            <a:ext cx="1179513" cy="246063"/>
           </a:xfrm>
           <a:prstGeom prst="rect">
             <a:avLst/>
           </a:prstGeom>
           <a:noFill/>
-        </p:spPr>
-        <p:txBody>
-          <a:bodyPr wrap="none" rtlCol="0">
+          <a:ln w="9525">
+            <a:noFill/>
+            <a:miter lim="800000"/>
+            <a:headEnd/>
+            <a:tailEnd/>
+          </a:ln>
+        </p:spPr>
+        <p:txBody>
+          <a:bodyPr wrap="none">
             <a:spAutoFit/>
           </a:bodyPr>
           <a:lstStyle/>
           <a:p>
             <a:r>
-              <a:rPr lang="en-US" sz="1000" dirty="0" smtClean="0"/>
+              <a:rPr lang="en-US" sz="1000">
+                <a:latin typeface="Calibri" pitchFamily="34" charset="0"/>
+              </a:rPr>
               <a:t>Notification Details</a:t>
             </a:r>
-            <a:endParaRPr lang="en-US" sz="1000" dirty="0"/>
-          </a:p>
-        </p:txBody>
-      </p:sp>
-      <p:sp>
-        <p:nvSpPr>
-          <p:cNvPr id="54" name="TextBox 53"/>
-          <p:cNvSpPr txBox="1"/>
-          <p:nvPr/>
-        </p:nvSpPr>
-        <p:spPr>
+          </a:p>
+        </p:txBody>
+      </p:sp>
+      <p:sp>
+        <p:nvSpPr>
+          <p:cNvPr id="13344" name="TextBox 53"/>
+          <p:cNvSpPr txBox="1">
+            <a:spLocks noChangeArrowheads="1"/>
+          </p:cNvSpPr>
+          <p:nvPr/>
+        </p:nvSpPr>
+        <p:spPr bwMode="auto">
           <a:xfrm rot="5400000">
-            <a:off x="5673884" y="1482884"/>
-            <a:ext cx="902811" cy="246221"/>
+            <a:off x="5673725" y="1482726"/>
+            <a:ext cx="903287" cy="246062"/>
           </a:xfrm>
           <a:prstGeom prst="rect">
             <a:avLst/>
           </a:prstGeom>
           <a:noFill/>
-        </p:spPr>
-        <p:txBody>
-          <a:bodyPr wrap="none" rtlCol="0">
+          <a:ln w="9525">
+            <a:noFill/>
+            <a:miter lim="800000"/>
+            <a:headEnd/>
+            <a:tailEnd/>
+          </a:ln>
+        </p:spPr>
+        <p:txBody>
+          <a:bodyPr wrap="none">
             <a:spAutoFit/>
           </a:bodyPr>
           <a:lstStyle/>
           <a:p>
             <a:r>
-              <a:rPr lang="en-US" sz="1000" dirty="0" smtClean="0"/>
+              <a:rPr lang="en-US" sz="1000">
+                <a:latin typeface="Calibri" pitchFamily="34" charset="0"/>
+              </a:rPr>
               <a:t>Visitor Details</a:t>
             </a:r>
-            <a:endParaRPr lang="en-US" sz="1000" dirty="0"/>
-          </a:p>
-        </p:txBody>
-      </p:sp>
-      <p:sp>
-        <p:nvSpPr>
-          <p:cNvPr id="55" name="TextBox 54"/>
-          <p:cNvSpPr txBox="1"/>
-          <p:nvPr/>
-        </p:nvSpPr>
-        <p:spPr>
-          <a:xfrm>
-            <a:off x="4495800" y="1887379"/>
-            <a:ext cx="976549" cy="246221"/>
+          </a:p>
+        </p:txBody>
+      </p:sp>
+      <p:sp>
+        <p:nvSpPr>
+          <p:cNvPr id="13345" name="TextBox 54"/>
+          <p:cNvSpPr txBox="1">
+            <a:spLocks noChangeArrowheads="1"/>
+          </p:cNvSpPr>
+          <p:nvPr/>
+        </p:nvSpPr>
+        <p:spPr bwMode="auto">
+          <a:xfrm>
+            <a:off x="4495800" y="1887538"/>
+            <a:ext cx="976313" cy="246062"/>
           </a:xfrm>
           <a:prstGeom prst="rect">
             <a:avLst/>
           </a:prstGeom>
           <a:noFill/>
-        </p:spPr>
-        <p:txBody>
-          <a:bodyPr wrap="none" rtlCol="0">
+          <a:ln w="9525">
+            <a:noFill/>
+            <a:miter lim="800000"/>
+            <a:headEnd/>
+            <a:tailEnd/>
+          </a:ln>
+        </p:spPr>
+        <p:txBody>
+          <a:bodyPr wrap="none">
             <a:spAutoFit/>
           </a:bodyPr>
           <a:lstStyle/>
           <a:p>
             <a:r>
-              <a:rPr lang="en-US" sz="1000" dirty="0" smtClean="0"/>
+              <a:rPr lang="en-US" sz="1000">
+                <a:latin typeface="Calibri" pitchFamily="34" charset="0"/>
+              </a:rPr>
               <a:t>Grant or Reject</a:t>
             </a:r>
-            <a:endParaRPr lang="en-US" sz="1000" dirty="0"/>
           </a:p>
         </p:txBody>
       </p:sp>
@@ -4297,31 +4971,40 @@
       </p:cxnSp>
       <p:sp>
         <p:nvSpPr>
-          <p:cNvPr id="60" name="TextBox 59"/>
-          <p:cNvSpPr txBox="1"/>
-          <p:nvPr/>
-        </p:nvSpPr>
-        <p:spPr>
-          <a:xfrm rot="16200000">
-            <a:off x="3437680" y="1600200"/>
-            <a:ext cx="1143262" cy="246221"/>
+          <p:cNvPr id="13347" name="TextBox 59"/>
+          <p:cNvSpPr txBox="1">
+            <a:spLocks noChangeArrowheads="1"/>
+          </p:cNvSpPr>
+          <p:nvPr/>
+        </p:nvSpPr>
+        <p:spPr bwMode="auto">
+          <a:xfrm rot="-5400000">
+            <a:off x="3436938" y="1600200"/>
+            <a:ext cx="1144587" cy="246063"/>
           </a:xfrm>
           <a:prstGeom prst="rect">
             <a:avLst/>
           </a:prstGeom>
           <a:noFill/>
-        </p:spPr>
-        <p:txBody>
-          <a:bodyPr wrap="none" rtlCol="0">
+          <a:ln w="9525">
+            <a:noFill/>
+            <a:miter lim="800000"/>
+            <a:headEnd/>
+            <a:tailEnd/>
+          </a:ln>
+        </p:spPr>
+        <p:txBody>
+          <a:bodyPr wrap="none">
             <a:spAutoFit/>
           </a:bodyPr>
           <a:lstStyle/>
           <a:p>
             <a:r>
-              <a:rPr lang="en-US" sz="1000" dirty="0" smtClean="0"/>
+              <a:rPr lang="en-US" sz="1000">
+                <a:latin typeface="Calibri" pitchFamily="34" charset="0"/>
+              </a:rPr>
               <a:t>Ask for Permission</a:t>
             </a:r>
-            <a:endParaRPr lang="en-US" sz="1000" dirty="0"/>
           </a:p>
         </p:txBody>
       </p:sp>
@@ -4365,8 +5048,8 @@
         </p:nvSpPr>
         <p:spPr>
           <a:xfrm>
-            <a:off x="3886200" y="1905000"/>
-            <a:ext cx="1600200" cy="1143000"/>
+            <a:off x="3908425" y="2109788"/>
+            <a:ext cx="1547813" cy="1128712"/>
           </a:xfrm>
           <a:prstGeom prst="ellipse">
             <a:avLst/>
@@ -4392,26 +5075,50 @@
           </a:fontRef>
         </p:style>
         <p:txBody>
-          <a:bodyPr rtlCol="0" anchor="ctr"/>
+          <a:bodyPr anchor="ctr"/>
           <a:lstStyle/>
           <a:p>
-            <a:pPr algn="ctr"/>
-            <a:r>
-              <a:rPr lang="en-US" sz="1200" b="1" dirty="0" smtClean="0"/>
+            <a:pPr algn="ctr" fontAlgn="auto">
+              <a:spcBef>
+                <a:spcPts val="0"/>
+              </a:spcBef>
+              <a:spcAft>
+                <a:spcPts val="0"/>
+              </a:spcAft>
+              <a:defRPr/>
+            </a:pPr>
+            <a:r>
+              <a:rPr lang="en-US" sz="1200" b="1" dirty="0"/>
               <a:t>Security</a:t>
             </a:r>
           </a:p>
           <a:p>
-            <a:pPr algn="ctr"/>
-            <a:r>
-              <a:rPr lang="en-US" sz="1200" b="1" dirty="0" smtClean="0"/>
+            <a:pPr algn="ctr" fontAlgn="auto">
+              <a:spcBef>
+                <a:spcPts val="0"/>
+              </a:spcBef>
+              <a:spcAft>
+                <a:spcPts val="0"/>
+              </a:spcAft>
+              <a:defRPr/>
+            </a:pPr>
+            <a:r>
+              <a:rPr lang="en-US" sz="1200" b="1" dirty="0"/>
               <a:t>Management </a:t>
             </a:r>
           </a:p>
           <a:p>
-            <a:pPr algn="ctr"/>
-            <a:r>
-              <a:rPr lang="en-US" sz="1200" b="1" dirty="0" smtClean="0"/>
+            <a:pPr algn="ctr" fontAlgn="auto">
+              <a:spcBef>
+                <a:spcPts val="0"/>
+              </a:spcBef>
+              <a:spcAft>
+                <a:spcPts val="0"/>
+              </a:spcAft>
+              <a:defRPr/>
+            </a:pPr>
+            <a:r>
+              <a:rPr lang="en-US" sz="1200" b="1" dirty="0"/>
               <a:t>System</a:t>
             </a:r>
             <a:endParaRPr lang="en-US" sz="1200" b="1" dirty="0"/>
@@ -4420,14 +5127,14 @@
       </p:sp>
       <p:sp>
         <p:nvSpPr>
-          <p:cNvPr id="6" name="Rectangle 5"/>
+          <p:cNvPr id="7" name="Rectangle 6"/>
           <p:cNvSpPr/>
           <p:nvPr/>
         </p:nvSpPr>
         <p:spPr>
           <a:xfrm>
-            <a:off x="762000" y="3810000"/>
-            <a:ext cx="990600" cy="304800"/>
+            <a:off x="2730500" y="376238"/>
+            <a:ext cx="1031875" cy="301625"/>
           </a:xfrm>
           <a:prstGeom prst="rect">
             <a:avLst/>
@@ -4448,13 +5155,21 @@
           </a:fontRef>
         </p:style>
         <p:txBody>
-          <a:bodyPr rtlCol="0" anchor="ctr"/>
+          <a:bodyPr anchor="ctr"/>
           <a:lstStyle/>
           <a:p>
-            <a:pPr algn="ctr"/>
-            <a:r>
-              <a:rPr lang="en-US" dirty="0" smtClean="0"/>
-              <a:t>Admin</a:t>
+            <a:pPr algn="ctr" fontAlgn="auto">
+              <a:spcBef>
+                <a:spcPts val="0"/>
+              </a:spcBef>
+              <a:spcAft>
+                <a:spcPts val="0"/>
+              </a:spcAft>
+              <a:defRPr/>
+            </a:pPr>
+            <a:r>
+              <a:rPr lang="en-US" dirty="0"/>
+              <a:t>Visitor</a:t>
             </a:r>
             <a:endParaRPr lang="en-US" dirty="0"/>
           </a:p>
@@ -4462,14 +5177,14 @@
       </p:sp>
       <p:sp>
         <p:nvSpPr>
-          <p:cNvPr id="7" name="Rectangle 6"/>
+          <p:cNvPr id="8" name="Rectangle 7"/>
           <p:cNvSpPr/>
           <p:nvPr/>
         </p:nvSpPr>
         <p:spPr>
           <a:xfrm>
-            <a:off x="2667000" y="152400"/>
-            <a:ext cx="1066800" cy="304800"/>
+            <a:off x="668338" y="5422900"/>
+            <a:ext cx="884237" cy="301625"/>
           </a:xfrm>
           <a:prstGeom prst="rect">
             <a:avLst/>
@@ -4490,28 +5205,32 @@
           </a:fontRef>
         </p:style>
         <p:txBody>
-          <a:bodyPr rtlCol="0" anchor="ctr"/>
+          <a:bodyPr anchor="ctr"/>
           <a:lstStyle/>
           <a:p>
             <a:pPr algn="ctr"/>
             <a:r>
-              <a:rPr lang="en-US" dirty="0" smtClean="0"/>
-              <a:t>Visitor</a:t>
-            </a:r>
-            <a:endParaRPr lang="en-US" dirty="0"/>
-          </a:p>
-        </p:txBody>
-      </p:sp>
-      <p:sp>
-        <p:nvSpPr>
-          <p:cNvPr id="8" name="Rectangle 7"/>
+              <a:rPr lang="en-US" sz="1200" b="1">
+                <a:solidFill>
+                  <a:srgbClr val="000000"/>
+                </a:solidFill>
+                <a:cs typeface="Arial" charset="0"/>
+              </a:rPr>
+              <a:t>Employee</a:t>
+            </a:r>
+          </a:p>
+        </p:txBody>
+      </p:sp>
+      <p:sp>
+        <p:nvSpPr>
+          <p:cNvPr id="9" name="Rectangle 8"/>
           <p:cNvSpPr/>
           <p:nvPr/>
         </p:nvSpPr>
         <p:spPr>
           <a:xfrm>
-            <a:off x="2286000" y="5562600"/>
-            <a:ext cx="1447800" cy="609600"/>
+            <a:off x="6634163" y="5122863"/>
+            <a:ext cx="663575" cy="300037"/>
           </a:xfrm>
           <a:prstGeom prst="rect">
             <a:avLst/>
@@ -4532,28 +5251,32 @@
           </a:fontRef>
         </p:style>
         <p:txBody>
-          <a:bodyPr rtlCol="0" anchor="ctr"/>
+          <a:bodyPr anchor="ctr"/>
           <a:lstStyle/>
           <a:p>
             <a:pPr algn="ctr"/>
             <a:r>
-              <a:rPr lang="en-US" dirty="0" smtClean="0"/>
-              <a:t>Employee</a:t>
-            </a:r>
-            <a:endParaRPr lang="en-US" dirty="0"/>
-          </a:p>
-        </p:txBody>
-      </p:sp>
-      <p:sp>
-        <p:nvSpPr>
-          <p:cNvPr id="9" name="Rectangle 8"/>
+              <a:rPr lang="en-US" sz="1200" b="1">
+                <a:solidFill>
+                  <a:srgbClr val="000000"/>
+                </a:solidFill>
+                <a:cs typeface="Arial" charset="0"/>
+              </a:rPr>
+              <a:t>Alarm</a:t>
+            </a:r>
+          </a:p>
+        </p:txBody>
+      </p:sp>
+      <p:sp>
+        <p:nvSpPr>
+          <p:cNvPr id="10" name="Rectangle 9"/>
           <p:cNvSpPr/>
           <p:nvPr/>
         </p:nvSpPr>
         <p:spPr>
           <a:xfrm>
-            <a:off x="6553200" y="4953000"/>
-            <a:ext cx="1447800" cy="609600"/>
+            <a:off x="7666038" y="1506538"/>
+            <a:ext cx="1020762" cy="246062"/>
           </a:xfrm>
           <a:prstGeom prst="rect">
             <a:avLst/>
@@ -4574,57 +5297,19 @@
           </a:fontRef>
         </p:style>
         <p:txBody>
-          <a:bodyPr rtlCol="0" anchor="ctr"/>
+          <a:bodyPr anchor="ctr"/>
           <a:lstStyle/>
           <a:p>
             <a:pPr algn="ctr"/>
             <a:r>
-              <a:rPr lang="en-US" dirty="0" smtClean="0"/>
-              <a:t>Alarm</a:t>
-            </a:r>
-            <a:endParaRPr lang="en-US" dirty="0"/>
-          </a:p>
-        </p:txBody>
-      </p:sp>
-      <p:sp>
-        <p:nvSpPr>
-          <p:cNvPr id="10" name="Rectangle 9"/>
-          <p:cNvSpPr/>
-          <p:nvPr/>
-        </p:nvSpPr>
-        <p:spPr>
-          <a:xfrm>
-            <a:off x="6705600" y="2514600"/>
-            <a:ext cx="1447800" cy="609600"/>
-          </a:xfrm>
-          <a:prstGeom prst="rect">
-            <a:avLst/>
-          </a:prstGeom>
-        </p:spPr>
-        <p:style>
-          <a:lnRef idx="2">
-            <a:schemeClr val="dk1"/>
-          </a:lnRef>
-          <a:fillRef idx="1">
-            <a:schemeClr val="lt1"/>
-          </a:fillRef>
-          <a:effectRef idx="0">
-            <a:schemeClr val="dk1"/>
-          </a:effectRef>
-          <a:fontRef idx="minor">
-            <a:schemeClr val="dk1"/>
-          </a:fontRef>
-        </p:style>
-        <p:txBody>
-          <a:bodyPr rtlCol="0" anchor="ctr"/>
-          <a:lstStyle/>
-          <a:p>
-            <a:pPr algn="ctr"/>
-            <a:r>
-              <a:rPr lang="en-US" dirty="0" smtClean="0"/>
+              <a:rPr lang="en-US" sz="1200">
+                <a:solidFill>
+                  <a:srgbClr val="000000"/>
+                </a:solidFill>
+                <a:cs typeface="Arial" charset="0"/>
+              </a:rPr>
               <a:t>Preference</a:t>
             </a:r>
-            <a:endParaRPr lang="en-US" dirty="0"/>
           </a:p>
         </p:txBody>
       </p:sp>
@@ -4632,37 +5317,32 @@
         <p:nvCxnSpPr>
           <p:cNvPr id="17" name="Elbow Connector 11"/>
           <p:cNvCxnSpPr>
-            <a:endCxn id="9" idx="0"/>
+            <a:cxnSpLocks noChangeShapeType="1"/>
+            <a:stCxn id="0" idx="5"/>
+            <a:endCxn id="0" idx="3"/>
           </p:cNvCxnSpPr>
           <p:nvPr/>
         </p:nvCxnSpPr>
-        <p:spPr>
-          <a:xfrm>
-            <a:off x="5562600" y="3581400"/>
-            <a:ext cx="1714500" cy="1371600"/>
-          </a:xfrm>
-          <a:prstGeom prst="bentConnector2">
-            <a:avLst/>
-          </a:prstGeom>
-          <a:ln>
-            <a:headEnd type="none"/>
+        <p:spPr bwMode="auto">
+          <a:xfrm rot="5400000" flipH="1" flipV="1">
+            <a:off x="4442619" y="3790157"/>
+            <a:ext cx="1657350" cy="2252662"/>
+          </a:xfrm>
+          <a:prstGeom prst="bentConnector3">
+            <a:avLst>
+              <a:gd name="adj1" fmla="val -4833"/>
+            </a:avLst>
+          </a:prstGeom>
+          <a:noFill/>
+          <a:ln w="9525" algn="ctr">
+            <a:solidFill>
+              <a:srgbClr val="000000"/>
+            </a:solidFill>
+            <a:miter lim="800000"/>
+            <a:headEnd/>
             <a:tailEnd type="triangle" w="lg" len="lg"/>
           </a:ln>
         </p:spPr>
-        <p:style>
-          <a:lnRef idx="1">
-            <a:schemeClr val="dk1"/>
-          </a:lnRef>
-          <a:fillRef idx="0">
-            <a:schemeClr val="dk1"/>
-          </a:fillRef>
-          <a:effectRef idx="0">
-            <a:schemeClr val="dk1"/>
-          </a:effectRef>
-          <a:fontRef idx="minor">
-            <a:schemeClr val="tx1"/>
-          </a:fontRef>
-        </p:style>
       </p:cxnSp>
       <p:cxnSp>
         <p:nvCxnSpPr>
@@ -4675,87 +5355,11 @@
         </p:nvCxnSpPr>
         <p:spPr>
           <a:xfrm rot="10800000">
-            <a:off x="3200400" y="457200"/>
-            <a:ext cx="1219200" cy="190500"/>
+            <a:off x="3246438" y="677863"/>
+            <a:ext cx="1177925" cy="188912"/>
           </a:xfrm>
           <a:prstGeom prst="bentConnector2">
             <a:avLst/>
-          </a:prstGeom>
-          <a:ln>
-            <a:headEnd type="none"/>
-            <a:tailEnd type="triangle" w="lg" len="lg"/>
-          </a:ln>
-        </p:spPr>
-        <p:style>
-          <a:lnRef idx="1">
-            <a:schemeClr val="dk1"/>
-          </a:lnRef>
-          <a:fillRef idx="0">
-            <a:schemeClr val="dk1"/>
-          </a:fillRef>
-          <a:effectRef idx="0">
-            <a:schemeClr val="dk1"/>
-          </a:effectRef>
-          <a:fontRef idx="minor">
-            <a:schemeClr val="tx1"/>
-          </a:fontRef>
-        </p:style>
-      </p:cxnSp>
-      <p:cxnSp>
-        <p:nvCxnSpPr>
-          <p:cNvPr id="23" name="Elbow Connector 11"/>
-          <p:cNvCxnSpPr>
-            <a:stCxn id="6" idx="3"/>
-            <a:endCxn id="4" idx="3"/>
-          </p:cNvCxnSpPr>
-          <p:nvPr/>
-        </p:nvCxnSpPr>
-        <p:spPr>
-          <a:xfrm flipV="1">
-            <a:off x="1752600" y="2880612"/>
-            <a:ext cx="2367944" cy="1081788"/>
-          </a:xfrm>
-          <a:prstGeom prst="bentConnector2">
-            <a:avLst/>
-          </a:prstGeom>
-          <a:ln>
-            <a:headEnd type="none"/>
-            <a:tailEnd type="triangle" w="lg" len="lg"/>
-          </a:ln>
-        </p:spPr>
-        <p:style>
-          <a:lnRef idx="1">
-            <a:schemeClr val="dk1"/>
-          </a:lnRef>
-          <a:fillRef idx="0">
-            <a:schemeClr val="dk1"/>
-          </a:fillRef>
-          <a:effectRef idx="0">
-            <a:schemeClr val="dk1"/>
-          </a:effectRef>
-          <a:fontRef idx="minor">
-            <a:schemeClr val="tx1"/>
-          </a:fontRef>
-        </p:style>
-      </p:cxnSp>
-      <p:cxnSp>
-        <p:nvCxnSpPr>
-          <p:cNvPr id="26" name="Elbow Connector 11"/>
-          <p:cNvCxnSpPr>
-            <a:stCxn id="4" idx="4"/>
-            <a:endCxn id="6" idx="2"/>
-          </p:cNvCxnSpPr>
-          <p:nvPr/>
-        </p:nvCxnSpPr>
-        <p:spPr>
-          <a:xfrm rot="5400000">
-            <a:off x="2438400" y="1866900"/>
-            <a:ext cx="1066800" cy="3429000"/>
-          </a:xfrm>
-          <a:prstGeom prst="bentConnector3">
-            <a:avLst>
-              <a:gd name="adj1" fmla="val 121429"/>
-            </a:avLst>
           </a:prstGeom>
           <a:ln>
             <a:headEnd type="none"/>
@@ -4781,79 +5385,64 @@
         <p:nvCxnSpPr>
           <p:cNvPr id="15" name="Elbow Connector 11"/>
           <p:cNvCxnSpPr>
-            <a:stCxn id="10" idx="0"/>
+            <a:cxnSpLocks noChangeShapeType="1"/>
+            <a:stCxn id="0" idx="1"/>
+            <a:endCxn id="0" idx="0"/>
           </p:cNvCxnSpPr>
           <p:nvPr/>
         </p:nvCxnSpPr>
-        <p:spPr>
-          <a:xfrm rot="16200000" flipH="1" flipV="1">
-            <a:off x="6293269" y="1700072"/>
-            <a:ext cx="321703" cy="1950758"/>
+        <p:spPr bwMode="auto">
+          <a:xfrm rot="10800000" flipH="1" flipV="1">
+            <a:off x="7223125" y="1098550"/>
+            <a:ext cx="258763" cy="696913"/>
           </a:xfrm>
           <a:prstGeom prst="bentConnector4">
             <a:avLst>
-              <a:gd name="adj1" fmla="val -71059"/>
-              <a:gd name="adj2" fmla="val 68554"/>
+              <a:gd name="adj1" fmla="val -88343"/>
+              <a:gd name="adj2" fmla="val 64921"/>
             </a:avLst>
           </a:prstGeom>
-          <a:ln>
-            <a:headEnd type="none"/>
+          <a:noFill/>
+          <a:ln w="9525" algn="ctr">
+            <a:solidFill>
+              <a:srgbClr val="000000"/>
+            </a:solidFill>
+            <a:miter lim="800000"/>
+            <a:headEnd type="triangle" w="lg" len="lg"/>
             <a:tailEnd type="triangle" w="lg" len="lg"/>
           </a:ln>
         </p:spPr>
-        <p:style>
-          <a:lnRef idx="1">
-            <a:schemeClr val="dk1"/>
-          </a:lnRef>
-          <a:fillRef idx="0">
-            <a:schemeClr val="dk1"/>
-          </a:fillRef>
-          <a:effectRef idx="0">
-            <a:schemeClr val="dk1"/>
-          </a:effectRef>
-          <a:fontRef idx="minor">
-            <a:schemeClr val="tx1"/>
-          </a:fontRef>
-        </p:style>
       </p:cxnSp>
       <p:cxnSp>
         <p:nvCxnSpPr>
           <p:cNvPr id="18" name="Elbow Connector 11"/>
           <p:cNvCxnSpPr>
-            <a:stCxn id="4" idx="6"/>
+            <a:cxnSpLocks noChangeShapeType="1"/>
+            <a:stCxn id="0" idx="6"/>
             <a:endCxn id="10" idx="3"/>
           </p:cNvCxnSpPr>
           <p:nvPr/>
         </p:nvCxnSpPr>
-        <p:spPr>
-          <a:xfrm>
-            <a:off x="5486400" y="2476500"/>
-            <a:ext cx="2667000" cy="342900"/>
+        <p:spPr bwMode="auto">
+          <a:xfrm flipV="1">
+            <a:off x="8194675" y="1630363"/>
+            <a:ext cx="504825" cy="668337"/>
           </a:xfrm>
           <a:prstGeom prst="bentConnector3">
             <a:avLst>
-              <a:gd name="adj1" fmla="val 108571"/>
+              <a:gd name="adj1" fmla="val 142454"/>
             </a:avLst>
           </a:prstGeom>
-          <a:ln>
-            <a:headEnd type="none"/>
-            <a:tailEnd type="triangle" w="lg" len="lg"/>
-          </a:ln>
-        </p:spPr>
-        <p:style>
-          <a:lnRef idx="1">
-            <a:schemeClr val="dk1"/>
-          </a:lnRef>
-          <a:fillRef idx="0">
-            <a:schemeClr val="dk1"/>
-          </a:fillRef>
-          <a:effectRef idx="0">
-            <a:schemeClr val="dk1"/>
-          </a:effectRef>
-          <a:fontRef idx="minor">
-            <a:schemeClr val="tx1"/>
-          </a:fontRef>
-        </p:style>
+          <a:noFill/>
+          <a:ln w="9525" algn="ctr">
+            <a:solidFill>
+              <a:srgbClr val="000000"/>
+            </a:solidFill>
+            <a:miter lim="800000"/>
+            <a:headEnd type="triangle" w="lg" len="lg"/>
+            <a:tailEnd type="none" w="lg" len="lg"/>
+          </a:ln>
+        </p:spPr>
       </p:cxnSp>
       <p:cxnSp>
         <p:nvCxnSpPr>
@@ -4866,8 +5455,8 @@
         </p:nvCxnSpPr>
         <p:spPr>
           <a:xfrm rot="5400000" flipH="1" flipV="1">
-            <a:off x="6317502" y="-433528"/>
-            <a:ext cx="68870" cy="1393126"/>
+            <a:off x="6258719" y="-188118"/>
+            <a:ext cx="66675" cy="1347787"/>
           </a:xfrm>
           <a:prstGeom prst="bentConnector3">
             <a:avLst>
@@ -4897,109 +5486,34 @@
       <p:cxnSp>
         <p:nvCxnSpPr>
           <p:cNvPr id="28" name="Elbow Connector 11"/>
-          <p:cNvCxnSpPr/>
+          <p:cNvCxnSpPr>
+            <a:cxnSpLocks noChangeShapeType="1"/>
+            <a:stCxn id="9" idx="3"/>
+            <a:endCxn id="0" idx="4"/>
+          </p:cNvCxnSpPr>
           <p:nvPr/>
         </p:nvCxnSpPr>
-        <p:spPr>
-          <a:xfrm rot="10800000">
-            <a:off x="5486400" y="3657600"/>
-            <a:ext cx="1066800" cy="1524000"/>
-          </a:xfrm>
-          <a:prstGeom prst="bentConnector2">
-            <a:avLst/>
-          </a:prstGeom>
-          <a:ln>
-            <a:headEnd type="none"/>
+        <p:spPr bwMode="auto">
+          <a:xfrm flipH="1" flipV="1">
+            <a:off x="6892925" y="4230688"/>
+            <a:ext cx="417513" cy="1041400"/>
+          </a:xfrm>
+          <a:prstGeom prst="bentConnector4">
+            <a:avLst>
+              <a:gd name="adj1" fmla="val -50000"/>
+              <a:gd name="adj2" fmla="val 57833"/>
+            </a:avLst>
+          </a:prstGeom>
+          <a:noFill/>
+          <a:ln w="9525" algn="ctr">
+            <a:solidFill>
+              <a:srgbClr val="000000"/>
+            </a:solidFill>
+            <a:miter lim="800000"/>
+            <a:headEnd/>
             <a:tailEnd type="triangle" w="lg" len="lg"/>
           </a:ln>
         </p:spPr>
-        <p:style>
-          <a:lnRef idx="1">
-            <a:schemeClr val="dk1"/>
-          </a:lnRef>
-          <a:fillRef idx="0">
-            <a:schemeClr val="dk1"/>
-          </a:fillRef>
-          <a:effectRef idx="0">
-            <a:schemeClr val="dk1"/>
-          </a:effectRef>
-          <a:fontRef idx="minor">
-            <a:schemeClr val="tx1"/>
-          </a:fontRef>
-        </p:style>
-      </p:cxnSp>
-      <p:cxnSp>
-        <p:nvCxnSpPr>
-          <p:cNvPr id="33" name="Elbow Connector 11"/>
-          <p:cNvCxnSpPr/>
-          <p:nvPr/>
-        </p:nvCxnSpPr>
-        <p:spPr>
-          <a:xfrm rot="5400000">
-            <a:off x="3429001" y="4343399"/>
-            <a:ext cx="1752600" cy="1143002"/>
-          </a:xfrm>
-          <a:prstGeom prst="bentConnector2">
-            <a:avLst/>
-          </a:prstGeom>
-          <a:ln>
-            <a:headEnd type="none"/>
-            <a:tailEnd type="triangle" w="lg" len="lg"/>
-          </a:ln>
-        </p:spPr>
-        <p:style>
-          <a:lnRef idx="1">
-            <a:schemeClr val="dk1"/>
-          </a:lnRef>
-          <a:fillRef idx="0">
-            <a:schemeClr val="dk1"/>
-          </a:fillRef>
-          <a:effectRef idx="0">
-            <a:schemeClr val="dk1"/>
-          </a:effectRef>
-          <a:fontRef idx="minor">
-            <a:schemeClr val="tx1"/>
-          </a:fontRef>
-        </p:style>
-      </p:cxnSp>
-      <p:cxnSp>
-        <p:nvCxnSpPr>
-          <p:cNvPr id="36" name="Elbow Connector 11"/>
-          <p:cNvCxnSpPr>
-            <a:stCxn id="8" idx="2"/>
-            <a:endCxn id="4" idx="5"/>
-          </p:cNvCxnSpPr>
-          <p:nvPr/>
-        </p:nvCxnSpPr>
-        <p:spPr>
-          <a:xfrm rot="5400000" flipH="1" flipV="1">
-            <a:off x="2485184" y="3405328"/>
-            <a:ext cx="3291588" cy="2242156"/>
-          </a:xfrm>
-          <a:prstGeom prst="bentConnector3">
-            <a:avLst>
-              <a:gd name="adj1" fmla="val -6945"/>
-            </a:avLst>
-          </a:prstGeom>
-          <a:ln>
-            <a:headEnd type="none"/>
-            <a:tailEnd type="triangle" w="lg" len="lg"/>
-          </a:ln>
-        </p:spPr>
-        <p:style>
-          <a:lnRef idx="1">
-            <a:schemeClr val="dk1"/>
-          </a:lnRef>
-          <a:fillRef idx="0">
-            <a:schemeClr val="dk1"/>
-          </a:fillRef>
-          <a:effectRef idx="0">
-            <a:schemeClr val="dk1"/>
-          </a:effectRef>
-          <a:fontRef idx="minor">
-            <a:schemeClr val="tx1"/>
-          </a:fontRef>
-        </p:style>
       </p:cxnSp>
       <p:sp>
         <p:nvSpPr>
@@ -5009,8 +5523,8 @@
         </p:nvSpPr>
         <p:spPr>
           <a:xfrm>
-            <a:off x="70572" y="914400"/>
-            <a:ext cx="1072428" cy="294290"/>
+            <a:off x="220663" y="1130300"/>
+            <a:ext cx="1036637" cy="290513"/>
           </a:xfrm>
           <a:prstGeom prst="rect">
             <a:avLst/>
@@ -5031,15 +5545,19 @@
           </a:fontRef>
         </p:style>
         <p:txBody>
-          <a:bodyPr rtlCol="0" anchor="ctr"/>
+          <a:bodyPr anchor="ctr"/>
           <a:lstStyle/>
           <a:p>
             <a:pPr algn="ctr"/>
             <a:r>
-              <a:rPr lang="en-US" dirty="0" smtClean="0"/>
+              <a:rPr lang="en-US" sz="1200" b="1">
+                <a:solidFill>
+                  <a:srgbClr val="000000"/>
+                </a:solidFill>
+                <a:cs typeface="Arial" charset="0"/>
+              </a:rPr>
               <a:t>Member</a:t>
             </a:r>
-            <a:endParaRPr lang="en-US" dirty="0"/>
           </a:p>
         </p:txBody>
       </p:sp>
@@ -5054,8 +5572,8 @@
         </p:nvCxnSpPr>
         <p:spPr>
           <a:xfrm>
-            <a:off x="1143000" y="1061545"/>
-            <a:ext cx="745426" cy="683725"/>
+            <a:off x="1257300" y="1276350"/>
+            <a:ext cx="720725" cy="674688"/>
           </a:xfrm>
           <a:prstGeom prst="bentConnector2">
             <a:avLst/>
@@ -5091,8 +5609,8 @@
         </p:nvCxnSpPr>
         <p:spPr>
           <a:xfrm rot="10800000">
-            <a:off x="606786" y="1208690"/>
-            <a:ext cx="1069614" cy="886810"/>
+            <a:off x="738188" y="1420813"/>
+            <a:ext cx="1035050" cy="876300"/>
           </a:xfrm>
           <a:prstGeom prst="bentConnector2">
             <a:avLst/>
@@ -5119,431 +5637,352 @@
       </p:cxnSp>
       <p:sp>
         <p:nvSpPr>
-          <p:cNvPr id="39" name="TextBox 38"/>
-          <p:cNvSpPr txBox="1"/>
-          <p:nvPr/>
-        </p:nvSpPr>
-        <p:spPr>
-          <a:xfrm>
-            <a:off x="1281273" y="838200"/>
-            <a:ext cx="755419" cy="118865"/>
+          <p:cNvPr id="16404" name="TextBox 38"/>
+          <p:cNvSpPr txBox="1">
+            <a:spLocks noChangeArrowheads="1"/>
+          </p:cNvSpPr>
+          <p:nvPr/>
+        </p:nvSpPr>
+        <p:spPr bwMode="auto">
+          <a:xfrm>
+            <a:off x="1390650" y="1054100"/>
+            <a:ext cx="1011238" cy="244475"/>
           </a:xfrm>
           <a:prstGeom prst="rect">
             <a:avLst/>
           </a:prstGeom>
           <a:noFill/>
-        </p:spPr>
-        <p:txBody>
-          <a:bodyPr wrap="none" rtlCol="0">
+          <a:ln w="9525">
+            <a:noFill/>
+            <a:miter lim="800000"/>
+            <a:headEnd/>
+            <a:tailEnd/>
+          </a:ln>
+        </p:spPr>
+        <p:txBody>
+          <a:bodyPr wrap="none">
             <a:spAutoFit/>
           </a:bodyPr>
           <a:lstStyle/>
           <a:p>
             <a:r>
-              <a:rPr lang="en-US" sz="1000" dirty="0" smtClean="0"/>
+              <a:rPr lang="en-US" sz="1000">
+                <a:latin typeface="Calibri" pitchFamily="34" charset="0"/>
+              </a:rPr>
               <a:t>Member Details</a:t>
             </a:r>
-            <a:endParaRPr lang="en-US" sz="1000" dirty="0"/>
-          </a:p>
-        </p:txBody>
-      </p:sp>
-      <p:sp>
-        <p:nvSpPr>
-          <p:cNvPr id="40" name="TextBox 39"/>
-          <p:cNvSpPr txBox="1"/>
-          <p:nvPr/>
-        </p:nvSpPr>
-        <p:spPr>
-          <a:xfrm>
-            <a:off x="228600" y="2057400"/>
-            <a:ext cx="1068891" cy="118865"/>
+          </a:p>
+        </p:txBody>
+      </p:sp>
+      <p:sp>
+        <p:nvSpPr>
+          <p:cNvPr id="16405" name="TextBox 39"/>
+          <p:cNvSpPr txBox="1">
+            <a:spLocks noChangeArrowheads="1"/>
+          </p:cNvSpPr>
+          <p:nvPr/>
+        </p:nvSpPr>
+        <p:spPr bwMode="auto">
+          <a:xfrm>
+            <a:off x="373063" y="2260600"/>
+            <a:ext cx="1430337" cy="244475"/>
           </a:xfrm>
           <a:prstGeom prst="rect">
             <a:avLst/>
           </a:prstGeom>
           <a:noFill/>
-        </p:spPr>
-        <p:txBody>
-          <a:bodyPr wrap="none" rtlCol="0">
+          <a:ln w="9525">
+            <a:noFill/>
+            <a:miter lim="800000"/>
+            <a:headEnd/>
+            <a:tailEnd/>
+          </a:ln>
+        </p:spPr>
+        <p:txBody>
+          <a:bodyPr wrap="none">
             <a:spAutoFit/>
           </a:bodyPr>
           <a:lstStyle/>
           <a:p>
             <a:r>
-              <a:rPr lang="en-US" sz="1000" dirty="0" smtClean="0"/>
+              <a:rPr lang="en-US" sz="1000">
+                <a:latin typeface="Calibri" pitchFamily="34" charset="0"/>
+              </a:rPr>
               <a:t>Member Authentication</a:t>
             </a:r>
-            <a:endParaRPr lang="en-US" sz="1000" dirty="0"/>
-          </a:p>
-        </p:txBody>
-      </p:sp>
-      <p:sp>
-        <p:nvSpPr>
-          <p:cNvPr id="41" name="TextBox 40"/>
-          <p:cNvSpPr txBox="1"/>
-          <p:nvPr/>
-        </p:nvSpPr>
-        <p:spPr>
-          <a:xfrm>
-            <a:off x="2133600" y="4173379"/>
-            <a:ext cx="1624163" cy="246221"/>
+          </a:p>
+        </p:txBody>
+      </p:sp>
+      <p:sp>
+        <p:nvSpPr>
+          <p:cNvPr id="16407" name="TextBox 41"/>
+          <p:cNvSpPr txBox="1">
+            <a:spLocks noChangeArrowheads="1"/>
+          </p:cNvSpPr>
+          <p:nvPr/>
+        </p:nvSpPr>
+        <p:spPr bwMode="auto">
+          <a:xfrm rot="5400000">
+            <a:off x="4441032" y="4847431"/>
+            <a:ext cx="900112" cy="244475"/>
           </a:xfrm>
           <a:prstGeom prst="rect">
             <a:avLst/>
           </a:prstGeom>
           <a:noFill/>
-        </p:spPr>
-        <p:txBody>
-          <a:bodyPr wrap="none" rtlCol="0">
+          <a:ln w="9525">
+            <a:noFill/>
+            <a:miter lim="800000"/>
+            <a:headEnd/>
+            <a:tailEnd/>
+          </a:ln>
+        </p:spPr>
+        <p:txBody>
+          <a:bodyPr wrap="none">
             <a:spAutoFit/>
           </a:bodyPr>
           <a:lstStyle/>
           <a:p>
             <a:r>
-              <a:rPr lang="en-US" sz="1000" dirty="0" smtClean="0"/>
-              <a:t>Request  for Authentication</a:t>
-            </a:r>
-            <a:endParaRPr lang="en-US" sz="1000" dirty="0"/>
-          </a:p>
-        </p:txBody>
-      </p:sp>
-      <p:sp>
-        <p:nvSpPr>
-          <p:cNvPr id="42" name="TextBox 41"/>
-          <p:cNvSpPr txBox="1"/>
-          <p:nvPr/>
-        </p:nvSpPr>
-        <p:spPr>
-          <a:xfrm>
-            <a:off x="2286000" y="3639979"/>
-            <a:ext cx="957313" cy="246221"/>
+              <a:rPr lang="en-US" sz="1000">
+                <a:latin typeface="Calibri" pitchFamily="34" charset="0"/>
+              </a:rPr>
+              <a:t>remuneration</a:t>
+            </a:r>
+          </a:p>
+        </p:txBody>
+      </p:sp>
+      <p:sp>
+        <p:nvSpPr>
+          <p:cNvPr id="16410" name="TextBox 47"/>
+          <p:cNvSpPr txBox="1">
+            <a:spLocks noChangeArrowheads="1"/>
+          </p:cNvSpPr>
+          <p:nvPr/>
+        </p:nvSpPr>
+        <p:spPr bwMode="auto">
+          <a:xfrm>
+            <a:off x="2066925" y="4445000"/>
+            <a:ext cx="1073150" cy="244475"/>
           </a:xfrm>
           <a:prstGeom prst="rect">
             <a:avLst/>
           </a:prstGeom>
           <a:noFill/>
-        </p:spPr>
-        <p:txBody>
-          <a:bodyPr wrap="none" rtlCol="0">
+          <a:ln w="9525">
+            <a:noFill/>
+            <a:miter lim="800000"/>
+            <a:headEnd/>
+            <a:tailEnd/>
+          </a:ln>
+        </p:spPr>
+        <p:txBody>
+          <a:bodyPr wrap="none">
             <a:spAutoFit/>
           </a:bodyPr>
           <a:lstStyle/>
           <a:p>
             <a:r>
-              <a:rPr lang="en-US" sz="1000" dirty="0" smtClean="0"/>
-              <a:t>Grant or Recall</a:t>
-            </a:r>
-            <a:endParaRPr lang="en-US" sz="1000" dirty="0"/>
-          </a:p>
-        </p:txBody>
-      </p:sp>
-      <p:sp>
-        <p:nvSpPr>
-          <p:cNvPr id="43" name="TextBox 42"/>
-          <p:cNvSpPr txBox="1"/>
-          <p:nvPr/>
-        </p:nvSpPr>
-        <p:spPr>
-          <a:xfrm>
-            <a:off x="3933169" y="6154579"/>
-            <a:ext cx="813043" cy="246221"/>
+              <a:rPr lang="en-US" sz="1000">
+                <a:latin typeface="Calibri" pitchFamily="34" charset="0"/>
+              </a:rPr>
+              <a:t>Employee Details</a:t>
+            </a:r>
+          </a:p>
+        </p:txBody>
+      </p:sp>
+      <p:sp>
+        <p:nvSpPr>
+          <p:cNvPr id="16412" name="TextBox 49"/>
+          <p:cNvSpPr txBox="1">
+            <a:spLocks noChangeArrowheads="1"/>
+          </p:cNvSpPr>
+          <p:nvPr/>
+        </p:nvSpPr>
+        <p:spPr bwMode="auto">
+          <a:xfrm>
+            <a:off x="5160963" y="3540125"/>
+            <a:ext cx="1270000" cy="244475"/>
           </a:xfrm>
           <a:prstGeom prst="rect">
             <a:avLst/>
           </a:prstGeom>
           <a:noFill/>
-        </p:spPr>
-        <p:txBody>
-          <a:bodyPr wrap="none" rtlCol="0">
+          <a:ln w="9525">
+            <a:noFill/>
+            <a:miter lim="800000"/>
+            <a:headEnd/>
+            <a:tailEnd/>
+          </a:ln>
+        </p:spPr>
+        <p:txBody>
+          <a:bodyPr wrap="none">
             <a:spAutoFit/>
           </a:bodyPr>
           <a:lstStyle/>
           <a:p>
             <a:r>
-              <a:rPr lang="en-US" sz="1000" dirty="0" smtClean="0"/>
-              <a:t>Registration</a:t>
-            </a:r>
-            <a:endParaRPr lang="en-US" sz="1000" dirty="0"/>
-          </a:p>
-        </p:txBody>
-      </p:sp>
-      <p:cxnSp>
-        <p:nvCxnSpPr>
-          <p:cNvPr id="44" name="Elbow Connector 11"/>
-          <p:cNvCxnSpPr/>
-          <p:nvPr/>
-        </p:nvCxnSpPr>
-        <p:spPr>
-          <a:xfrm rot="5400000" flipH="1" flipV="1">
-            <a:off x="3467100" y="4381500"/>
-            <a:ext cx="1524000" cy="990600"/>
-          </a:xfrm>
-          <a:prstGeom prst="bentConnector3">
-            <a:avLst>
-              <a:gd name="adj1" fmla="val 50000"/>
-            </a:avLst>
-          </a:prstGeom>
-          <a:ln>
-            <a:headEnd type="none"/>
-            <a:tailEnd type="triangle" w="lg" len="lg"/>
-          </a:ln>
-        </p:spPr>
-        <p:style>
-          <a:lnRef idx="1">
-            <a:schemeClr val="dk1"/>
-          </a:lnRef>
-          <a:fillRef idx="0">
-            <a:schemeClr val="dk1"/>
-          </a:fillRef>
-          <a:effectRef idx="0">
-            <a:schemeClr val="dk1"/>
-          </a:effectRef>
-          <a:fontRef idx="minor">
-            <a:schemeClr val="tx1"/>
-          </a:fontRef>
-        </p:style>
-      </p:cxnSp>
-      <p:sp>
-        <p:nvSpPr>
-          <p:cNvPr id="48" name="TextBox 47"/>
-          <p:cNvSpPr txBox="1"/>
-          <p:nvPr/>
-        </p:nvSpPr>
-        <p:spPr>
-          <a:xfrm>
-            <a:off x="3733800" y="4935379"/>
-            <a:ext cx="1082348" cy="246221"/>
+              <a:rPr lang="en-US" sz="1000">
+                <a:latin typeface="Calibri" pitchFamily="34" charset="0"/>
+              </a:rPr>
+              <a:t>Scheduled Response </a:t>
+            </a:r>
+          </a:p>
+        </p:txBody>
+      </p:sp>
+      <p:sp>
+        <p:nvSpPr>
+          <p:cNvPr id="16413" name="TextBox 50"/>
+          <p:cNvSpPr txBox="1">
+            <a:spLocks noChangeArrowheads="1"/>
+          </p:cNvSpPr>
+          <p:nvPr/>
+        </p:nvSpPr>
+        <p:spPr bwMode="auto">
+          <a:xfrm>
+            <a:off x="6827838" y="4429125"/>
+            <a:ext cx="790575" cy="244475"/>
           </a:xfrm>
           <a:prstGeom prst="rect">
             <a:avLst/>
           </a:prstGeom>
           <a:noFill/>
-        </p:spPr>
-        <p:txBody>
-          <a:bodyPr wrap="none" rtlCol="0">
+          <a:ln w="9525">
+            <a:noFill/>
+            <a:miter lim="800000"/>
+            <a:headEnd/>
+            <a:tailEnd/>
+          </a:ln>
+        </p:spPr>
+        <p:txBody>
+          <a:bodyPr wrap="none">
             <a:spAutoFit/>
           </a:bodyPr>
           <a:lstStyle/>
           <a:p>
             <a:r>
-              <a:rPr lang="en-US" sz="1000" dirty="0" smtClean="0"/>
-              <a:t>Employee Details</a:t>
-            </a:r>
-            <a:endParaRPr lang="en-US" sz="1000" dirty="0"/>
-          </a:p>
-        </p:txBody>
-      </p:sp>
-      <p:sp>
-        <p:nvSpPr>
-          <p:cNvPr id="49" name="TextBox 48"/>
-          <p:cNvSpPr txBox="1"/>
-          <p:nvPr/>
-        </p:nvSpPr>
-        <p:spPr>
-          <a:xfrm rot="5400000">
-            <a:off x="4305719" y="4941802"/>
-            <a:ext cx="1505540" cy="246221"/>
+              <a:rPr lang="en-US" sz="1000">
+                <a:latin typeface="Calibri" pitchFamily="34" charset="0"/>
+              </a:rPr>
+              <a:t>Notification</a:t>
+            </a:r>
+          </a:p>
+        </p:txBody>
+      </p:sp>
+      <p:sp>
+        <p:nvSpPr>
+          <p:cNvPr id="16414" name="TextBox 51"/>
+          <p:cNvSpPr txBox="1">
+            <a:spLocks noChangeArrowheads="1"/>
+          </p:cNvSpPr>
+          <p:nvPr/>
+        </p:nvSpPr>
+        <p:spPr bwMode="auto">
+          <a:xfrm>
+            <a:off x="6162675" y="2787650"/>
+            <a:ext cx="944563" cy="244475"/>
           </a:xfrm>
           <a:prstGeom prst="rect">
             <a:avLst/>
           </a:prstGeom>
           <a:noFill/>
-        </p:spPr>
-        <p:txBody>
-          <a:bodyPr wrap="none" rtlCol="0">
+          <a:ln w="9525">
+            <a:noFill/>
+            <a:miter lim="800000"/>
+            <a:headEnd/>
+            <a:tailEnd/>
+          </a:ln>
+        </p:spPr>
+        <p:txBody>
+          <a:bodyPr wrap="none">
             <a:spAutoFit/>
           </a:bodyPr>
           <a:lstStyle/>
           <a:p>
             <a:r>
-              <a:rPr lang="en-US" sz="1000" dirty="0" smtClean="0"/>
-              <a:t>Employee Authentication</a:t>
-            </a:r>
-            <a:endParaRPr lang="en-US" sz="1000" dirty="0"/>
-          </a:p>
-        </p:txBody>
-      </p:sp>
-      <p:sp>
-        <p:nvSpPr>
-          <p:cNvPr id="50" name="TextBox 49"/>
-          <p:cNvSpPr txBox="1"/>
-          <p:nvPr/>
-        </p:nvSpPr>
-        <p:spPr>
-          <a:xfrm>
-            <a:off x="5838169" y="3657600"/>
-            <a:ext cx="1026243" cy="246221"/>
+              <a:rPr lang="en-US" sz="1000">
+                <a:latin typeface="Calibri" pitchFamily="34" charset="0"/>
+              </a:rPr>
+              <a:t>Set Preference</a:t>
+            </a:r>
+          </a:p>
+        </p:txBody>
+      </p:sp>
+      <p:sp>
+        <p:nvSpPr>
+          <p:cNvPr id="16415" name="TextBox 52"/>
+          <p:cNvSpPr txBox="1">
+            <a:spLocks noChangeArrowheads="1"/>
+          </p:cNvSpPr>
+          <p:nvPr/>
+        </p:nvSpPr>
+        <p:spPr bwMode="auto">
+          <a:xfrm>
+            <a:off x="5603875" y="2093913"/>
+            <a:ext cx="1169988" cy="244475"/>
           </a:xfrm>
           <a:prstGeom prst="rect">
             <a:avLst/>
           </a:prstGeom>
           <a:noFill/>
-        </p:spPr>
-        <p:txBody>
-          <a:bodyPr wrap="none" rtlCol="0">
+          <a:ln w="9525">
+            <a:noFill/>
+            <a:miter lim="800000"/>
+            <a:headEnd/>
+            <a:tailEnd/>
+          </a:ln>
+        </p:spPr>
+        <p:txBody>
+          <a:bodyPr wrap="none">
             <a:spAutoFit/>
           </a:bodyPr>
           <a:lstStyle/>
           <a:p>
             <a:r>
-              <a:rPr lang="en-US" sz="1000" dirty="0" smtClean="0"/>
-              <a:t>User Preference</a:t>
-            </a:r>
-            <a:endParaRPr lang="en-US" sz="1000" dirty="0"/>
-          </a:p>
-        </p:txBody>
-      </p:sp>
-      <p:sp>
-        <p:nvSpPr>
-          <p:cNvPr id="51" name="TextBox 50"/>
-          <p:cNvSpPr txBox="1"/>
-          <p:nvPr/>
-        </p:nvSpPr>
-        <p:spPr>
-          <a:xfrm>
-            <a:off x="5450757" y="4935379"/>
-            <a:ext cx="797013" cy="246221"/>
+              <a:rPr lang="en-US" sz="1000">
+                <a:latin typeface="Calibri" pitchFamily="34" charset="0"/>
+              </a:rPr>
+              <a:t>Notification Details</a:t>
+            </a:r>
+          </a:p>
+        </p:txBody>
+      </p:sp>
+      <p:sp>
+        <p:nvSpPr>
+          <p:cNvPr id="16416" name="TextBox 53"/>
+          <p:cNvSpPr txBox="1">
+            <a:spLocks noChangeArrowheads="1"/>
+          </p:cNvSpPr>
+          <p:nvPr/>
+        </p:nvSpPr>
+        <p:spPr bwMode="auto">
+          <a:xfrm>
+            <a:off x="5835650" y="150813"/>
+            <a:ext cx="895350" cy="244475"/>
           </a:xfrm>
           <a:prstGeom prst="rect">
             <a:avLst/>
           </a:prstGeom>
           <a:noFill/>
-        </p:spPr>
-        <p:txBody>
-          <a:bodyPr wrap="none" rtlCol="0">
+          <a:ln w="9525">
+            <a:noFill/>
+            <a:miter lim="800000"/>
+            <a:headEnd/>
+            <a:tailEnd/>
+          </a:ln>
+        </p:spPr>
+        <p:txBody>
+          <a:bodyPr wrap="none">
             <a:spAutoFit/>
           </a:bodyPr>
           <a:lstStyle/>
           <a:p>
             <a:r>
-              <a:rPr lang="en-US" sz="1000" dirty="0" smtClean="0"/>
-              <a:t>Notification</a:t>
-            </a:r>
-            <a:endParaRPr lang="en-US" sz="1000" dirty="0"/>
-          </a:p>
-        </p:txBody>
-      </p:sp>
-      <p:sp>
-        <p:nvSpPr>
-          <p:cNvPr id="52" name="TextBox 51"/>
-          <p:cNvSpPr txBox="1"/>
-          <p:nvPr/>
-        </p:nvSpPr>
-        <p:spPr>
-          <a:xfrm>
-            <a:off x="5638800" y="3048000"/>
-            <a:ext cx="952505" cy="246221"/>
-          </a:xfrm>
-          <a:prstGeom prst="rect">
-            <a:avLst/>
-          </a:prstGeom>
-          <a:noFill/>
-        </p:spPr>
-        <p:txBody>
-          <a:bodyPr wrap="none" rtlCol="0">
-            <a:spAutoFit/>
-          </a:bodyPr>
-          <a:lstStyle/>
-          <a:p>
-            <a:r>
-              <a:rPr lang="en-US" sz="1000" dirty="0" smtClean="0"/>
-              <a:t>S</a:t>
-            </a:r>
-            <a:r>
-              <a:rPr lang="en-US" sz="1000" dirty="0" smtClean="0"/>
-              <a:t>et Preference</a:t>
-            </a:r>
-            <a:endParaRPr lang="en-US" sz="1000" dirty="0"/>
-          </a:p>
-        </p:txBody>
-      </p:sp>
-      <p:sp>
-        <p:nvSpPr>
-          <p:cNvPr id="53" name="TextBox 52"/>
-          <p:cNvSpPr txBox="1"/>
-          <p:nvPr/>
-        </p:nvSpPr>
-        <p:spPr>
-          <a:xfrm>
-            <a:off x="6362695" y="2057400"/>
-            <a:ext cx="1180131" cy="246221"/>
-          </a:xfrm>
-          <a:prstGeom prst="rect">
-            <a:avLst/>
-          </a:prstGeom>
-          <a:noFill/>
-        </p:spPr>
-        <p:txBody>
-          <a:bodyPr wrap="none" rtlCol="0">
-            <a:spAutoFit/>
-          </a:bodyPr>
-          <a:lstStyle/>
-          <a:p>
-            <a:r>
-              <a:rPr lang="en-US" sz="1000" dirty="0" smtClean="0"/>
-              <a:t>Notification Details</a:t>
-            </a:r>
-            <a:endParaRPr lang="en-US" sz="1000" dirty="0"/>
-          </a:p>
-        </p:txBody>
-      </p:sp>
-      <p:sp>
-        <p:nvSpPr>
-          <p:cNvPr id="54" name="TextBox 53"/>
-          <p:cNvSpPr txBox="1"/>
-          <p:nvPr/>
-        </p:nvSpPr>
-        <p:spPr>
-          <a:xfrm>
-            <a:off x="5878989" y="58579"/>
-            <a:ext cx="902811" cy="246221"/>
-          </a:xfrm>
-          <a:prstGeom prst="rect">
-            <a:avLst/>
-          </a:prstGeom>
-          <a:noFill/>
-        </p:spPr>
-        <p:txBody>
-          <a:bodyPr wrap="none" rtlCol="0">
-            <a:spAutoFit/>
-          </a:bodyPr>
-          <a:lstStyle/>
-          <a:p>
-            <a:r>
-              <a:rPr lang="en-US" sz="1000" dirty="0" smtClean="0"/>
+              <a:rPr lang="en-US" sz="1000">
+                <a:latin typeface="Calibri" pitchFamily="34" charset="0"/>
+              </a:rPr>
               <a:t>Visitor Details</a:t>
             </a:r>
-            <a:endParaRPr lang="en-US" sz="1000" dirty="0"/>
-          </a:p>
-        </p:txBody>
-      </p:sp>
-      <p:sp>
-        <p:nvSpPr>
-          <p:cNvPr id="55" name="TextBox 54"/>
-          <p:cNvSpPr txBox="1"/>
-          <p:nvPr/>
-        </p:nvSpPr>
-        <p:spPr>
-          <a:xfrm>
-            <a:off x="5805251" y="1887379"/>
-            <a:ext cx="976549" cy="246221"/>
-          </a:xfrm>
-          <a:prstGeom prst="rect">
-            <a:avLst/>
-          </a:prstGeom>
-          <a:noFill/>
-        </p:spPr>
-        <p:txBody>
-          <a:bodyPr wrap="none" rtlCol="0">
-            <a:spAutoFit/>
-          </a:bodyPr>
-          <a:lstStyle/>
-          <a:p>
-            <a:r>
-              <a:rPr lang="en-US" sz="1000" dirty="0" smtClean="0"/>
-              <a:t>Grant or Reject</a:t>
-            </a:r>
-            <a:endParaRPr lang="en-US" sz="1000" dirty="0"/>
           </a:p>
         </p:txBody>
       </p:sp>
@@ -5551,81 +5990,84 @@
         <p:nvCxnSpPr>
           <p:cNvPr id="57" name="Elbow Connector 11"/>
           <p:cNvCxnSpPr>
+            <a:cxnSpLocks noChangeShapeType="1"/>
             <a:stCxn id="7" idx="0"/>
             <a:endCxn id="98" idx="0"/>
           </p:cNvCxnSpPr>
           <p:nvPr/>
         </p:nvCxnSpPr>
-        <p:spPr>
+        <p:spPr bwMode="auto">
           <a:xfrm rot="5400000" flipH="1" flipV="1">
-            <a:off x="4171950" y="-819150"/>
-            <a:ext cx="1588" cy="1943100"/>
+            <a:off x="4185444" y="-562769"/>
+            <a:ext cx="3175" cy="1878013"/>
           </a:xfrm>
           <a:prstGeom prst="bentConnector3">
             <a:avLst>
-              <a:gd name="adj1" fmla="val 14395466"/>
+              <a:gd name="adj1" fmla="val 6000000"/>
             </a:avLst>
           </a:prstGeom>
-          <a:ln>
-            <a:headEnd type="none"/>
+          <a:noFill/>
+          <a:ln w="9525" algn="ctr">
+            <a:solidFill>
+              <a:srgbClr val="000000"/>
+            </a:solidFill>
+            <a:miter lim="800000"/>
+            <a:headEnd/>
             <a:tailEnd type="triangle" w="lg" len="lg"/>
           </a:ln>
         </p:spPr>
-        <p:style>
-          <a:lnRef idx="1">
-            <a:schemeClr val="dk1"/>
-          </a:lnRef>
-          <a:fillRef idx="0">
-            <a:schemeClr val="dk1"/>
-          </a:fillRef>
-          <a:effectRef idx="0">
-            <a:schemeClr val="dk1"/>
-          </a:effectRef>
-          <a:fontRef idx="minor">
-            <a:schemeClr val="tx1"/>
-          </a:fontRef>
-        </p:style>
       </p:cxnSp>
       <p:sp>
         <p:nvSpPr>
-          <p:cNvPr id="60" name="TextBox 59"/>
-          <p:cNvSpPr txBox="1"/>
-          <p:nvPr/>
-        </p:nvSpPr>
-        <p:spPr>
-          <a:xfrm>
-            <a:off x="3581138" y="-76200"/>
-            <a:ext cx="1143262" cy="246221"/>
+          <p:cNvPr id="16419" name="TextBox 59"/>
+          <p:cNvSpPr txBox="1">
+            <a:spLocks noChangeArrowheads="1"/>
+          </p:cNvSpPr>
+          <p:nvPr/>
+        </p:nvSpPr>
+        <p:spPr bwMode="auto">
+          <a:xfrm>
+            <a:off x="3614738" y="150813"/>
+            <a:ext cx="1133475" cy="244475"/>
           </a:xfrm>
           <a:prstGeom prst="rect">
             <a:avLst/>
           </a:prstGeom>
           <a:noFill/>
-        </p:spPr>
-        <p:txBody>
-          <a:bodyPr wrap="none" rtlCol="0">
+          <a:ln w="9525">
+            <a:noFill/>
+            <a:miter lim="800000"/>
+            <a:headEnd/>
+            <a:tailEnd/>
+          </a:ln>
+        </p:spPr>
+        <p:txBody>
+          <a:bodyPr wrap="none">
             <a:spAutoFit/>
           </a:bodyPr>
           <a:lstStyle/>
           <a:p>
             <a:r>
-              <a:rPr lang="en-US" sz="1000" dirty="0" smtClean="0"/>
+              <a:rPr lang="en-US" sz="1000">
+                <a:latin typeface="Calibri" pitchFamily="34" charset="0"/>
+              </a:rPr>
               <a:t>Ask for Permission</a:t>
             </a:r>
-            <a:endParaRPr lang="en-US" sz="1000" dirty="0"/>
           </a:p>
         </p:txBody>
       </p:sp>
       <p:grpSp>
         <p:nvGrpSpPr>
-          <p:cNvPr id="46" name="Group 45"/>
-          <p:cNvGrpSpPr/>
+          <p:cNvPr id="16420" name="Group 45"/>
+          <p:cNvGrpSpPr>
+            <a:grpSpLocks/>
+          </p:cNvGrpSpPr>
           <p:nvPr/>
         </p:nvGrpSpPr>
-        <p:grpSpPr>
-          <a:xfrm>
-            <a:off x="685800" y="381000"/>
-            <a:ext cx="1752600" cy="381794"/>
+        <p:grpSpPr bwMode="auto">
+          <a:xfrm>
+            <a:off x="815975" y="603250"/>
+            <a:ext cx="1693863" cy="377825"/>
             <a:chOff x="685800" y="381000"/>
             <a:chExt cx="1752600" cy="381794"/>
           </a:xfrm>
@@ -5639,7 +6081,7 @@
           <p:spPr>
             <a:xfrm>
               <a:off x="685800" y="381000"/>
-              <a:ext cx="1752600" cy="381000"/>
+              <a:ext cx="1752600" cy="381794"/>
             </a:xfrm>
             <a:prstGeom prst="rect">
               <a:avLst/>
@@ -5661,12 +6103,20 @@
             </a:fontRef>
           </p:style>
           <p:txBody>
-            <a:bodyPr rtlCol="0" anchor="ctr"/>
+            <a:bodyPr anchor="ctr"/>
             <a:lstStyle/>
             <a:p>
-              <a:pPr algn="ctr"/>
+              <a:pPr algn="ctr" fontAlgn="auto">
+                <a:spcBef>
+                  <a:spcPts val="0"/>
+                </a:spcBef>
+                <a:spcAft>
+                  <a:spcPts val="0"/>
+                </a:spcAft>
+                <a:defRPr/>
+              </a:pPr>
               <a:r>
-                <a:rPr lang="en-US" sz="1000" dirty="0" smtClean="0"/>
+                <a:rPr lang="en-US" sz="1000" dirty="0"/>
                 <a:t>D1            Member Details</a:t>
               </a:r>
               <a:endParaRPr lang="en-US" sz="1000" dirty="0"/>
@@ -5681,8 +6131,8 @@
           </p:nvCxnSpPr>
           <p:spPr>
             <a:xfrm rot="5400000">
-              <a:off x="952500" y="571500"/>
-              <a:ext cx="381000" cy="1588"/>
+              <a:off x="952353" y="571076"/>
+              <a:ext cx="381794" cy="1643"/>
             </a:xfrm>
             <a:prstGeom prst="line">
               <a:avLst/>
@@ -5706,14 +6156,16 @@
       </p:grpSp>
       <p:grpSp>
         <p:nvGrpSpPr>
-          <p:cNvPr id="47" name="Group 46"/>
-          <p:cNvGrpSpPr/>
+          <p:cNvPr id="16421" name="Group 46"/>
+          <p:cNvGrpSpPr>
+            <a:grpSpLocks/>
+          </p:cNvGrpSpPr>
           <p:nvPr/>
         </p:nvGrpSpPr>
-        <p:grpSpPr>
-          <a:xfrm>
-            <a:off x="6172200" y="228600"/>
-            <a:ext cx="1752600" cy="381794"/>
+        <p:grpSpPr bwMode="auto">
+          <a:xfrm>
+            <a:off x="6118225" y="452438"/>
+            <a:ext cx="1695450" cy="377825"/>
             <a:chOff x="685800" y="381000"/>
             <a:chExt cx="1752600" cy="381794"/>
           </a:xfrm>
@@ -5727,7 +6179,7 @@
           <p:spPr>
             <a:xfrm>
               <a:off x="685800" y="381000"/>
-              <a:ext cx="1752600" cy="381000"/>
+              <a:ext cx="1752600" cy="381794"/>
             </a:xfrm>
             <a:prstGeom prst="rect">
               <a:avLst/>
@@ -5749,12 +6201,20 @@
             </a:fontRef>
           </p:style>
           <p:txBody>
-            <a:bodyPr rtlCol="0" anchor="ctr"/>
+            <a:bodyPr anchor="ctr"/>
             <a:lstStyle/>
             <a:p>
-              <a:pPr algn="ctr"/>
+              <a:pPr algn="ctr" fontAlgn="auto">
+                <a:spcBef>
+                  <a:spcPts val="0"/>
+                </a:spcBef>
+                <a:spcAft>
+                  <a:spcPts val="0"/>
+                </a:spcAft>
+                <a:defRPr/>
+              </a:pPr>
               <a:r>
-                <a:rPr lang="en-US" sz="1000" dirty="0" smtClean="0"/>
+                <a:rPr lang="en-US" sz="1000" dirty="0"/>
                 <a:t>D2                Visitor Details</a:t>
               </a:r>
               <a:endParaRPr lang="en-US" sz="1000" dirty="0"/>
@@ -5769,8 +6229,1556 @@
           </p:nvCxnSpPr>
           <p:spPr>
             <a:xfrm rot="5400000">
-              <a:off x="952500" y="571500"/>
-              <a:ext cx="381000" cy="1588"/>
+              <a:off x="951924" y="571077"/>
+              <a:ext cx="381794" cy="1642"/>
+            </a:xfrm>
+            <a:prstGeom prst="line">
+              <a:avLst/>
+            </a:prstGeom>
+          </p:spPr>
+          <p:style>
+            <a:lnRef idx="1">
+              <a:schemeClr val="dk1"/>
+            </a:lnRef>
+            <a:fillRef idx="0">
+              <a:schemeClr val="dk1"/>
+            </a:fillRef>
+            <a:effectRef idx="0">
+              <a:schemeClr val="dk1"/>
+            </a:effectRef>
+            <a:fontRef idx="minor">
+              <a:schemeClr val="tx1"/>
+            </a:fontRef>
+          </p:style>
+        </p:cxnSp>
+      </p:grpSp>
+      <p:sp>
+        <p:nvSpPr>
+          <p:cNvPr id="73" name="Oval 72"/>
+          <p:cNvSpPr/>
+          <p:nvPr/>
+        </p:nvSpPr>
+        <p:spPr>
+          <a:xfrm>
+            <a:off x="1773238" y="1808163"/>
+            <a:ext cx="1398587" cy="979487"/>
+          </a:xfrm>
+          <a:prstGeom prst="ellipse">
+            <a:avLst/>
+          </a:prstGeom>
+        </p:spPr>
+        <p:style>
+          <a:lnRef idx="2">
+            <a:schemeClr val="dk1"/>
+          </a:lnRef>
+          <a:fillRef idx="1">
+            <a:schemeClr val="lt1"/>
+          </a:fillRef>
+          <a:effectRef idx="0">
+            <a:schemeClr val="dk1"/>
+          </a:effectRef>
+          <a:fontRef idx="minor">
+            <a:schemeClr val="dk1"/>
+          </a:fontRef>
+        </p:style>
+        <p:txBody>
+          <a:bodyPr anchor="ctr"/>
+          <a:lstStyle/>
+          <a:p>
+            <a:pPr algn="ctr" fontAlgn="auto">
+              <a:spcBef>
+                <a:spcPts val="0"/>
+              </a:spcBef>
+              <a:spcAft>
+                <a:spcPts val="0"/>
+              </a:spcAft>
+              <a:defRPr/>
+            </a:pPr>
+            <a:r>
+              <a:rPr lang="en-US" sz="1200" dirty="0"/>
+              <a:t>Member</a:t>
+            </a:r>
+          </a:p>
+          <a:p>
+            <a:pPr algn="ctr" fontAlgn="auto">
+              <a:spcBef>
+                <a:spcPts val="0"/>
+              </a:spcBef>
+              <a:spcAft>
+                <a:spcPts val="0"/>
+              </a:spcAft>
+              <a:defRPr/>
+            </a:pPr>
+            <a:r>
+              <a:rPr lang="en-US" sz="1200" dirty="0"/>
+              <a:t>Management</a:t>
+            </a:r>
+            <a:endParaRPr lang="en-US" sz="1200" dirty="0"/>
+          </a:p>
+        </p:txBody>
+      </p:sp>
+      <p:cxnSp>
+        <p:nvCxnSpPr>
+          <p:cNvPr id="76" name="Elbow Connector 11"/>
+          <p:cNvCxnSpPr>
+            <a:stCxn id="73" idx="0"/>
+            <a:endCxn id="37" idx="3"/>
+          </p:cNvCxnSpPr>
+          <p:nvPr/>
+        </p:nvCxnSpPr>
+        <p:spPr>
+          <a:xfrm rot="5400000" flipH="1" flipV="1">
+            <a:off x="1982788" y="1281112"/>
+            <a:ext cx="1017588" cy="36513"/>
+          </a:xfrm>
+          <a:prstGeom prst="bentConnector4">
+            <a:avLst>
+              <a:gd name="adj1" fmla="val 40741"/>
+              <a:gd name="adj2" fmla="val 700000"/>
+            </a:avLst>
+          </a:prstGeom>
+          <a:ln>
+            <a:headEnd type="none"/>
+            <a:tailEnd type="triangle" w="lg" len="lg"/>
+          </a:ln>
+        </p:spPr>
+        <p:style>
+          <a:lnRef idx="1">
+            <a:schemeClr val="dk1"/>
+          </a:lnRef>
+          <a:fillRef idx="0">
+            <a:schemeClr val="dk1"/>
+          </a:fillRef>
+          <a:effectRef idx="0">
+            <a:schemeClr val="dk1"/>
+          </a:effectRef>
+          <a:fontRef idx="minor">
+            <a:schemeClr val="tx1"/>
+          </a:fontRef>
+        </p:style>
+      </p:cxnSp>
+      <p:sp>
+        <p:nvSpPr>
+          <p:cNvPr id="16428" name="TextBox 78"/>
+          <p:cNvSpPr txBox="1">
+            <a:spLocks noChangeArrowheads="1"/>
+          </p:cNvSpPr>
+          <p:nvPr/>
+        </p:nvSpPr>
+        <p:spPr bwMode="auto">
+          <a:xfrm rot="-5400000">
+            <a:off x="2309019" y="1099344"/>
+            <a:ext cx="1011237" cy="244475"/>
+          </a:xfrm>
+          <a:prstGeom prst="rect">
+            <a:avLst/>
+          </a:prstGeom>
+          <a:noFill/>
+          <a:ln w="9525">
+            <a:noFill/>
+            <a:miter lim="800000"/>
+            <a:headEnd/>
+            <a:tailEnd/>
+          </a:ln>
+        </p:spPr>
+        <p:txBody>
+          <a:bodyPr wrap="none">
+            <a:spAutoFit/>
+          </a:bodyPr>
+          <a:lstStyle/>
+          <a:p>
+            <a:r>
+              <a:rPr lang="en-US" sz="1000">
+                <a:latin typeface="Calibri" pitchFamily="34" charset="0"/>
+              </a:rPr>
+              <a:t>Member Details</a:t>
+            </a:r>
+          </a:p>
+        </p:txBody>
+      </p:sp>
+      <p:cxnSp>
+        <p:nvCxnSpPr>
+          <p:cNvPr id="80" name="Elbow Connector 11"/>
+          <p:cNvCxnSpPr>
+            <a:stCxn id="73" idx="6"/>
+            <a:endCxn id="4" idx="2"/>
+          </p:cNvCxnSpPr>
+          <p:nvPr/>
+        </p:nvCxnSpPr>
+        <p:spPr>
+          <a:xfrm>
+            <a:off x="3171825" y="2297113"/>
+            <a:ext cx="736600" cy="377825"/>
+          </a:xfrm>
+          <a:prstGeom prst="bentConnector3">
+            <a:avLst>
+              <a:gd name="adj1" fmla="val 50000"/>
+            </a:avLst>
+          </a:prstGeom>
+          <a:ln>
+            <a:headEnd type="none"/>
+            <a:tailEnd type="triangle" w="lg" len="lg"/>
+          </a:ln>
+        </p:spPr>
+        <p:style>
+          <a:lnRef idx="1">
+            <a:schemeClr val="dk1"/>
+          </a:lnRef>
+          <a:fillRef idx="0">
+            <a:schemeClr val="dk1"/>
+          </a:fillRef>
+          <a:effectRef idx="0">
+            <a:schemeClr val="dk1"/>
+          </a:effectRef>
+          <a:fontRef idx="minor">
+            <a:schemeClr val="tx1"/>
+          </a:fontRef>
+        </p:style>
+      </p:cxnSp>
+      <p:sp>
+        <p:nvSpPr>
+          <p:cNvPr id="16430" name="TextBox 96"/>
+          <p:cNvSpPr txBox="1">
+            <a:spLocks noChangeArrowheads="1"/>
+          </p:cNvSpPr>
+          <p:nvPr/>
+        </p:nvSpPr>
+        <p:spPr bwMode="auto">
+          <a:xfrm>
+            <a:off x="3105150" y="2033588"/>
+            <a:ext cx="1011238" cy="244475"/>
+          </a:xfrm>
+          <a:prstGeom prst="rect">
+            <a:avLst/>
+          </a:prstGeom>
+          <a:noFill/>
+          <a:ln w="9525">
+            <a:noFill/>
+            <a:miter lim="800000"/>
+            <a:headEnd/>
+            <a:tailEnd/>
+          </a:ln>
+        </p:spPr>
+        <p:txBody>
+          <a:bodyPr wrap="none">
+            <a:spAutoFit/>
+          </a:bodyPr>
+          <a:lstStyle/>
+          <a:p>
+            <a:r>
+              <a:rPr lang="en-US" sz="1000">
+                <a:latin typeface="Calibri" pitchFamily="34" charset="0"/>
+              </a:rPr>
+              <a:t>Member Details</a:t>
+            </a:r>
+          </a:p>
+        </p:txBody>
+      </p:sp>
+      <p:sp>
+        <p:nvSpPr>
+          <p:cNvPr id="98" name="Oval 97"/>
+          <p:cNvSpPr/>
+          <p:nvPr/>
+        </p:nvSpPr>
+        <p:spPr>
+          <a:xfrm>
+            <a:off x="4424363" y="376238"/>
+            <a:ext cx="1400175" cy="979487"/>
+          </a:xfrm>
+          <a:prstGeom prst="ellipse">
+            <a:avLst/>
+          </a:prstGeom>
+        </p:spPr>
+        <p:style>
+          <a:lnRef idx="2">
+            <a:schemeClr val="dk1"/>
+          </a:lnRef>
+          <a:fillRef idx="1">
+            <a:schemeClr val="lt1"/>
+          </a:fillRef>
+          <a:effectRef idx="0">
+            <a:schemeClr val="dk1"/>
+          </a:effectRef>
+          <a:fontRef idx="minor">
+            <a:schemeClr val="dk1"/>
+          </a:fontRef>
+        </p:style>
+        <p:txBody>
+          <a:bodyPr anchor="ctr"/>
+          <a:lstStyle/>
+          <a:p>
+            <a:pPr algn="ctr" fontAlgn="auto">
+              <a:spcBef>
+                <a:spcPts val="0"/>
+              </a:spcBef>
+              <a:spcAft>
+                <a:spcPts val="0"/>
+              </a:spcAft>
+              <a:defRPr/>
+            </a:pPr>
+            <a:r>
+              <a:rPr lang="en-US" sz="1200" dirty="0"/>
+              <a:t>Visitor</a:t>
+            </a:r>
+          </a:p>
+          <a:p>
+            <a:pPr algn="ctr" fontAlgn="auto">
+              <a:spcBef>
+                <a:spcPts val="0"/>
+              </a:spcBef>
+              <a:spcAft>
+                <a:spcPts val="0"/>
+              </a:spcAft>
+              <a:defRPr/>
+            </a:pPr>
+            <a:r>
+              <a:rPr lang="en-US" sz="1200" dirty="0"/>
+              <a:t>Management</a:t>
+            </a:r>
+            <a:endParaRPr lang="en-US" sz="1200" dirty="0"/>
+          </a:p>
+        </p:txBody>
+      </p:sp>
+      <p:sp>
+        <p:nvSpPr>
+          <p:cNvPr id="16432" name="TextBox 109"/>
+          <p:cNvSpPr txBox="1">
+            <a:spLocks noChangeArrowheads="1"/>
+          </p:cNvSpPr>
+          <p:nvPr/>
+        </p:nvSpPr>
+        <p:spPr bwMode="auto">
+          <a:xfrm>
+            <a:off x="3098800" y="828675"/>
+            <a:ext cx="1333500" cy="244475"/>
+          </a:xfrm>
+          <a:prstGeom prst="rect">
+            <a:avLst/>
+          </a:prstGeom>
+          <a:noFill/>
+          <a:ln w="9525">
+            <a:noFill/>
+            <a:miter lim="800000"/>
+            <a:headEnd/>
+            <a:tailEnd/>
+          </a:ln>
+        </p:spPr>
+        <p:txBody>
+          <a:bodyPr wrap="none">
+            <a:spAutoFit/>
+          </a:bodyPr>
+          <a:lstStyle/>
+          <a:p>
+            <a:r>
+              <a:rPr lang="en-US" sz="1000">
+                <a:latin typeface="Calibri" pitchFamily="34" charset="0"/>
+              </a:rPr>
+              <a:t>Get/Reject Permission</a:t>
+            </a:r>
+          </a:p>
+        </p:txBody>
+      </p:sp>
+      <p:cxnSp>
+        <p:nvCxnSpPr>
+          <p:cNvPr id="111" name="Elbow Connector 11"/>
+          <p:cNvCxnSpPr>
+            <a:stCxn id="98" idx="4"/>
+            <a:endCxn id="4" idx="1"/>
+          </p:cNvCxnSpPr>
+          <p:nvPr/>
+        </p:nvCxnSpPr>
+        <p:spPr>
+          <a:xfrm rot="5400000">
+            <a:off x="4171156" y="1320007"/>
+            <a:ext cx="917575" cy="989012"/>
+          </a:xfrm>
+          <a:prstGeom prst="bentConnector3">
+            <a:avLst>
+              <a:gd name="adj1" fmla="val 50000"/>
+            </a:avLst>
+          </a:prstGeom>
+          <a:ln>
+            <a:headEnd type="none"/>
+            <a:tailEnd type="triangle" w="lg" len="lg"/>
+          </a:ln>
+        </p:spPr>
+        <p:style>
+          <a:lnRef idx="1">
+            <a:schemeClr val="dk1"/>
+          </a:lnRef>
+          <a:fillRef idx="0">
+            <a:schemeClr val="dk1"/>
+          </a:fillRef>
+          <a:effectRef idx="0">
+            <a:schemeClr val="dk1"/>
+          </a:effectRef>
+          <a:fontRef idx="minor">
+            <a:schemeClr val="tx1"/>
+          </a:fontRef>
+        </p:style>
+      </p:cxnSp>
+      <p:sp>
+        <p:nvSpPr>
+          <p:cNvPr id="16434" name="TextBox 117"/>
+          <p:cNvSpPr txBox="1">
+            <a:spLocks noChangeArrowheads="1"/>
+          </p:cNvSpPr>
+          <p:nvPr/>
+        </p:nvSpPr>
+        <p:spPr bwMode="auto">
+          <a:xfrm>
+            <a:off x="4056063" y="1639888"/>
+            <a:ext cx="895350" cy="244475"/>
+          </a:xfrm>
+          <a:prstGeom prst="rect">
+            <a:avLst/>
+          </a:prstGeom>
+          <a:noFill/>
+          <a:ln w="9525">
+            <a:noFill/>
+            <a:miter lim="800000"/>
+            <a:headEnd/>
+            <a:tailEnd/>
+          </a:ln>
+        </p:spPr>
+        <p:txBody>
+          <a:bodyPr wrap="none">
+            <a:spAutoFit/>
+          </a:bodyPr>
+          <a:lstStyle/>
+          <a:p>
+            <a:r>
+              <a:rPr lang="en-US" sz="1000">
+                <a:latin typeface="Calibri" pitchFamily="34" charset="0"/>
+              </a:rPr>
+              <a:t>Visitor Details</a:t>
+            </a:r>
+          </a:p>
+        </p:txBody>
+      </p:sp>
+      <p:cxnSp>
+        <p:nvCxnSpPr>
+          <p:cNvPr id="119" name="Elbow Connector 11"/>
+          <p:cNvCxnSpPr>
+            <a:stCxn id="4" idx="7"/>
+            <a:endCxn id="98" idx="5"/>
+          </p:cNvCxnSpPr>
+          <p:nvPr/>
+        </p:nvCxnSpPr>
+        <p:spPr>
+          <a:xfrm rot="5400000" flipH="1" flipV="1">
+            <a:off x="4893469" y="1548606"/>
+            <a:ext cx="1060450" cy="388938"/>
+          </a:xfrm>
+          <a:prstGeom prst="bentConnector3">
+            <a:avLst>
+              <a:gd name="adj1" fmla="val 50000"/>
+            </a:avLst>
+          </a:prstGeom>
+          <a:ln>
+            <a:headEnd type="none"/>
+            <a:tailEnd type="triangle" w="lg" len="lg"/>
+          </a:ln>
+        </p:spPr>
+        <p:style>
+          <a:lnRef idx="1">
+            <a:schemeClr val="dk1"/>
+          </a:lnRef>
+          <a:fillRef idx="0">
+            <a:schemeClr val="dk1"/>
+          </a:fillRef>
+          <a:effectRef idx="0">
+            <a:schemeClr val="dk1"/>
+          </a:effectRef>
+          <a:fontRef idx="minor">
+            <a:schemeClr val="tx1"/>
+          </a:fontRef>
+        </p:style>
+      </p:cxnSp>
+      <p:sp>
+        <p:nvSpPr>
+          <p:cNvPr id="16436" name="TextBox 124"/>
+          <p:cNvSpPr txBox="1">
+            <a:spLocks noChangeArrowheads="1"/>
+          </p:cNvSpPr>
+          <p:nvPr/>
+        </p:nvSpPr>
+        <p:spPr bwMode="auto">
+          <a:xfrm>
+            <a:off x="5160963" y="1731963"/>
+            <a:ext cx="1108075" cy="244475"/>
+          </a:xfrm>
+          <a:prstGeom prst="rect">
+            <a:avLst/>
+          </a:prstGeom>
+          <a:noFill/>
+          <a:ln w="9525">
+            <a:noFill/>
+            <a:miter lim="800000"/>
+            <a:headEnd/>
+            <a:tailEnd/>
+          </a:ln>
+        </p:spPr>
+        <p:txBody>
+          <a:bodyPr wrap="none">
+            <a:spAutoFit/>
+          </a:bodyPr>
+          <a:lstStyle/>
+          <a:p>
+            <a:r>
+              <a:rPr lang="en-US" sz="1000">
+                <a:latin typeface="Calibri" pitchFamily="34" charset="0"/>
+              </a:rPr>
+              <a:t>Visitor Permission</a:t>
+            </a:r>
+          </a:p>
+        </p:txBody>
+      </p:sp>
+      <p:cxnSp>
+        <p:nvCxnSpPr>
+          <p:cNvPr id="127" name="Elbow Connector 11"/>
+          <p:cNvCxnSpPr>
+            <a:stCxn id="98" idx="3"/>
+            <a:endCxn id="73" idx="7"/>
+          </p:cNvCxnSpPr>
+          <p:nvPr/>
+        </p:nvCxnSpPr>
+        <p:spPr>
+          <a:xfrm rot="5400000">
+            <a:off x="3429794" y="750094"/>
+            <a:ext cx="738188" cy="1663700"/>
+          </a:xfrm>
+          <a:prstGeom prst="bentConnector3">
+            <a:avLst>
+              <a:gd name="adj1" fmla="val 50000"/>
+            </a:avLst>
+          </a:prstGeom>
+          <a:ln>
+            <a:headEnd type="none"/>
+            <a:tailEnd type="triangle" w="lg" len="lg"/>
+          </a:ln>
+        </p:spPr>
+        <p:style>
+          <a:lnRef idx="1">
+            <a:schemeClr val="dk1"/>
+          </a:lnRef>
+          <a:fillRef idx="0">
+            <a:schemeClr val="dk1"/>
+          </a:fillRef>
+          <a:effectRef idx="0">
+            <a:schemeClr val="dk1"/>
+          </a:effectRef>
+          <a:fontRef idx="minor">
+            <a:schemeClr val="tx1"/>
+          </a:fontRef>
+        </p:style>
+      </p:cxnSp>
+      <p:sp>
+        <p:nvSpPr>
+          <p:cNvPr id="16438" name="TextBox 133"/>
+          <p:cNvSpPr txBox="1">
+            <a:spLocks noChangeArrowheads="1"/>
+          </p:cNvSpPr>
+          <p:nvPr/>
+        </p:nvSpPr>
+        <p:spPr bwMode="auto">
+          <a:xfrm>
+            <a:off x="3319463" y="1338263"/>
+            <a:ext cx="747712" cy="244475"/>
+          </a:xfrm>
+          <a:prstGeom prst="rect">
+            <a:avLst/>
+          </a:prstGeom>
+          <a:noFill/>
+          <a:ln w="9525">
+            <a:noFill/>
+            <a:miter lim="800000"/>
+            <a:headEnd/>
+            <a:tailEnd/>
+          </a:ln>
+        </p:spPr>
+        <p:txBody>
+          <a:bodyPr wrap="none">
+            <a:spAutoFit/>
+          </a:bodyPr>
+          <a:lstStyle/>
+          <a:p>
+            <a:r>
+              <a:rPr lang="en-US" sz="1000">
+                <a:latin typeface="Calibri" pitchFamily="34" charset="0"/>
+              </a:rPr>
+              <a:t>Visitor Info</a:t>
+            </a:r>
+          </a:p>
+        </p:txBody>
+      </p:sp>
+      <p:cxnSp>
+        <p:nvCxnSpPr>
+          <p:cNvPr id="23" name="Elbow Connector 11"/>
+          <p:cNvCxnSpPr>
+            <a:cxnSpLocks noChangeShapeType="1"/>
+            <a:stCxn id="0" idx="7"/>
+            <a:endCxn id="4" idx="3"/>
+          </p:cNvCxnSpPr>
+          <p:nvPr/>
+        </p:nvCxnSpPr>
+        <p:spPr bwMode="auto">
+          <a:xfrm rot="16200000">
+            <a:off x="3371850" y="2681288"/>
+            <a:ext cx="358775" cy="1168400"/>
+          </a:xfrm>
+          <a:prstGeom prst="bentConnector3">
+            <a:avLst>
+              <a:gd name="adj1" fmla="val 46931"/>
+            </a:avLst>
+          </a:prstGeom>
+          <a:noFill/>
+          <a:ln w="9525" algn="ctr">
+            <a:solidFill>
+              <a:srgbClr val="000000"/>
+            </a:solidFill>
+            <a:miter lim="800000"/>
+            <a:headEnd/>
+            <a:tailEnd type="triangle" w="lg" len="lg"/>
+          </a:ln>
+        </p:spPr>
+      </p:cxnSp>
+      <p:cxnSp>
+        <p:nvCxnSpPr>
+          <p:cNvPr id="26" name="Elbow Connector 11"/>
+          <p:cNvCxnSpPr>
+            <a:cxnSpLocks noChangeShapeType="1"/>
+            <a:endCxn id="0" idx="6"/>
+          </p:cNvCxnSpPr>
+          <p:nvPr/>
+        </p:nvCxnSpPr>
+        <p:spPr bwMode="auto">
+          <a:xfrm rot="10800000" flipV="1">
+            <a:off x="3184525" y="3165475"/>
+            <a:ext cx="1239838" cy="639763"/>
+          </a:xfrm>
+          <a:prstGeom prst="bentConnector3">
+            <a:avLst>
+              <a:gd name="adj1" fmla="val 120"/>
+            </a:avLst>
+          </a:prstGeom>
+          <a:noFill/>
+          <a:ln w="9525" algn="ctr">
+            <a:solidFill>
+              <a:srgbClr val="000000"/>
+            </a:solidFill>
+            <a:miter lim="800000"/>
+            <a:headEnd/>
+            <a:tailEnd type="triangle" w="lg" len="lg"/>
+          </a:ln>
+        </p:spPr>
+      </p:cxnSp>
+      <p:sp>
+        <p:nvSpPr>
+          <p:cNvPr id="16406" name="TextBox 40"/>
+          <p:cNvSpPr txBox="1">
+            <a:spLocks noChangeArrowheads="1"/>
+          </p:cNvSpPr>
+          <p:nvPr/>
+        </p:nvSpPr>
+        <p:spPr bwMode="auto">
+          <a:xfrm>
+            <a:off x="3203575" y="3449638"/>
+            <a:ext cx="1339850" cy="244475"/>
+          </a:xfrm>
+          <a:prstGeom prst="rect">
+            <a:avLst/>
+          </a:prstGeom>
+          <a:noFill/>
+          <a:ln w="9525">
+            <a:noFill/>
+            <a:miter lim="800000"/>
+            <a:headEnd/>
+            <a:tailEnd/>
+          </a:ln>
+        </p:spPr>
+        <p:txBody>
+          <a:bodyPr wrap="none">
+            <a:spAutoFit/>
+          </a:bodyPr>
+          <a:lstStyle/>
+          <a:p>
+            <a:r>
+              <a:rPr lang="en-US" sz="1000">
+                <a:latin typeface="Calibri" pitchFamily="34" charset="0"/>
+              </a:rPr>
+              <a:t>Ask for Authentication</a:t>
+            </a:r>
+          </a:p>
+        </p:txBody>
+      </p:sp>
+      <p:sp>
+        <p:nvSpPr>
+          <p:cNvPr id="16417" name="TextBox 54"/>
+          <p:cNvSpPr txBox="1">
+            <a:spLocks noChangeArrowheads="1"/>
+          </p:cNvSpPr>
+          <p:nvPr/>
+        </p:nvSpPr>
+        <p:spPr bwMode="auto">
+          <a:xfrm>
+            <a:off x="3025775" y="3013075"/>
+            <a:ext cx="968375" cy="244475"/>
+          </a:xfrm>
+          <a:prstGeom prst="rect">
+            <a:avLst/>
+          </a:prstGeom>
+          <a:noFill/>
+          <a:ln w="9525">
+            <a:noFill/>
+            <a:miter lim="800000"/>
+            <a:headEnd/>
+            <a:tailEnd/>
+          </a:ln>
+        </p:spPr>
+        <p:txBody>
+          <a:bodyPr wrap="none">
+            <a:spAutoFit/>
+          </a:bodyPr>
+          <a:lstStyle/>
+          <a:p>
+            <a:r>
+              <a:rPr lang="en-US" sz="1000">
+                <a:latin typeface="Calibri" pitchFamily="34" charset="0"/>
+              </a:rPr>
+              <a:t>Grant or Reject</a:t>
+            </a:r>
+          </a:p>
+        </p:txBody>
+      </p:sp>
+      <p:grpSp>
+        <p:nvGrpSpPr>
+          <p:cNvPr id="16425" name="Group 68"/>
+          <p:cNvGrpSpPr>
+            <a:grpSpLocks/>
+          </p:cNvGrpSpPr>
+          <p:nvPr/>
+        </p:nvGrpSpPr>
+        <p:grpSpPr bwMode="auto">
+          <a:xfrm>
+            <a:off x="300038" y="4670425"/>
+            <a:ext cx="1693862" cy="377825"/>
+            <a:chOff x="685800" y="381000"/>
+            <a:chExt cx="1752600" cy="381794"/>
+          </a:xfrm>
+        </p:grpSpPr>
+        <p:sp>
+          <p:nvSpPr>
+            <p:cNvPr id="2" name="Rectangle 69"/>
+            <p:cNvSpPr/>
+            <p:nvPr/>
+          </p:nvSpPr>
+          <p:spPr>
+            <a:xfrm>
+              <a:off x="685800" y="381000"/>
+              <a:ext cx="1752600" cy="381794"/>
+            </a:xfrm>
+            <a:prstGeom prst="rect">
+              <a:avLst/>
+            </a:prstGeom>
+            <a:ln w="6350"/>
+          </p:spPr>
+          <p:style>
+            <a:lnRef idx="2">
+              <a:schemeClr val="dk1"/>
+            </a:lnRef>
+            <a:fillRef idx="1">
+              <a:schemeClr val="lt1"/>
+            </a:fillRef>
+            <a:effectRef idx="0">
+              <a:schemeClr val="dk1"/>
+            </a:effectRef>
+            <a:fontRef idx="minor">
+              <a:schemeClr val="dk1"/>
+            </a:fontRef>
+          </p:style>
+          <p:txBody>
+            <a:bodyPr anchor="ctr"/>
+            <a:lstStyle/>
+            <a:p>
+              <a:pPr algn="ctr" fontAlgn="auto">
+                <a:spcBef>
+                  <a:spcPts val="0"/>
+                </a:spcBef>
+                <a:spcAft>
+                  <a:spcPts val="0"/>
+                </a:spcAft>
+                <a:defRPr/>
+              </a:pPr>
+              <a:r>
+                <a:rPr lang="en-US" sz="1000" dirty="0"/>
+                <a:t>D3                 Admin details</a:t>
+              </a:r>
+            </a:p>
+          </p:txBody>
+        </p:sp>
+        <p:cxnSp>
+          <p:nvCxnSpPr>
+            <p:cNvPr id="3" name="Straight Connector 70"/>
+            <p:cNvCxnSpPr/>
+            <p:nvPr/>
+          </p:nvCxnSpPr>
+          <p:spPr>
+            <a:xfrm rot="5400000">
+              <a:off x="952353" y="571076"/>
+              <a:ext cx="381794" cy="1642"/>
+            </a:xfrm>
+            <a:prstGeom prst="line">
+              <a:avLst/>
+            </a:prstGeom>
+          </p:spPr>
+          <p:style>
+            <a:lnRef idx="1">
+              <a:schemeClr val="dk1"/>
+            </a:lnRef>
+            <a:fillRef idx="0">
+              <a:schemeClr val="dk1"/>
+            </a:fillRef>
+            <a:effectRef idx="0">
+              <a:schemeClr val="dk1"/>
+            </a:effectRef>
+            <a:fontRef idx="minor">
+              <a:schemeClr val="tx1"/>
+            </a:fontRef>
+          </p:style>
+        </p:cxnSp>
+      </p:grpSp>
+      <p:cxnSp>
+        <p:nvCxnSpPr>
+          <p:cNvPr id="75" name="Elbow Connector 11"/>
+          <p:cNvCxnSpPr>
+            <a:cxnSpLocks noChangeShapeType="1"/>
+            <a:stCxn id="0" idx="3"/>
+            <a:endCxn id="0" idx="0"/>
+          </p:cNvCxnSpPr>
+          <p:nvPr/>
+        </p:nvCxnSpPr>
+        <p:spPr bwMode="auto">
+          <a:xfrm rot="5400000">
+            <a:off x="1308894" y="4001294"/>
+            <a:ext cx="506412" cy="831850"/>
+          </a:xfrm>
+          <a:prstGeom prst="bentConnector3">
+            <a:avLst>
+              <a:gd name="adj1" fmla="val 62847"/>
+            </a:avLst>
+          </a:prstGeom>
+          <a:noFill/>
+          <a:ln w="9525" algn="ctr">
+            <a:solidFill>
+              <a:srgbClr val="000000"/>
+            </a:solidFill>
+            <a:miter lim="800000"/>
+            <a:headEnd/>
+            <a:tailEnd type="triangle" w="lg" len="lg"/>
+          </a:ln>
+        </p:spPr>
+      </p:cxnSp>
+      <p:cxnSp>
+        <p:nvCxnSpPr>
+          <p:cNvPr id="83" name="Elbow Connector 11"/>
+          <p:cNvCxnSpPr>
+            <a:cxnSpLocks noChangeShapeType="1"/>
+            <a:stCxn id="6" idx="3"/>
+            <a:endCxn id="0" idx="1"/>
+          </p:cNvCxnSpPr>
+          <p:nvPr/>
+        </p:nvCxnSpPr>
+        <p:spPr bwMode="auto">
+          <a:xfrm flipV="1">
+            <a:off x="1270000" y="3444875"/>
+            <a:ext cx="708025" cy="547688"/>
+          </a:xfrm>
+          <a:prstGeom prst="bentConnector4">
+            <a:avLst>
+              <a:gd name="adj1" fmla="val 34634"/>
+              <a:gd name="adj2" fmla="val 165042"/>
+            </a:avLst>
+          </a:prstGeom>
+          <a:noFill/>
+          <a:ln w="9525" algn="ctr">
+            <a:solidFill>
+              <a:srgbClr val="000000"/>
+            </a:solidFill>
+            <a:miter lim="800000"/>
+            <a:headEnd/>
+            <a:tailEnd type="triangle" w="lg" len="lg"/>
+          </a:ln>
+        </p:spPr>
+      </p:cxnSp>
+      <p:sp>
+        <p:nvSpPr>
+          <p:cNvPr id="6" name="Rectangle 5"/>
+          <p:cNvSpPr/>
+          <p:nvPr/>
+        </p:nvSpPr>
+        <p:spPr>
+          <a:xfrm>
+            <a:off x="300038" y="3841750"/>
+            <a:ext cx="957262" cy="301625"/>
+          </a:xfrm>
+          <a:prstGeom prst="rect">
+            <a:avLst/>
+          </a:prstGeom>
+        </p:spPr>
+        <p:style>
+          <a:lnRef idx="2">
+            <a:schemeClr val="dk1"/>
+          </a:lnRef>
+          <a:fillRef idx="1">
+            <a:schemeClr val="lt1"/>
+          </a:fillRef>
+          <a:effectRef idx="0">
+            <a:schemeClr val="dk1"/>
+          </a:effectRef>
+          <a:fontRef idx="minor">
+            <a:schemeClr val="dk1"/>
+          </a:fontRef>
+        </p:style>
+        <p:txBody>
+          <a:bodyPr anchor="ctr"/>
+          <a:lstStyle/>
+          <a:p>
+            <a:pPr algn="ctr"/>
+            <a:r>
+              <a:rPr lang="en-US" sz="1200" b="1">
+                <a:solidFill>
+                  <a:srgbClr val="000000"/>
+                </a:solidFill>
+                <a:cs typeface="Arial" charset="0"/>
+              </a:rPr>
+              <a:t>Admin</a:t>
+            </a:r>
+          </a:p>
+        </p:txBody>
+      </p:sp>
+      <p:sp>
+        <p:nvSpPr>
+          <p:cNvPr id="11" name="Oval 72"/>
+          <p:cNvSpPr/>
+          <p:nvPr/>
+        </p:nvSpPr>
+        <p:spPr>
+          <a:xfrm>
+            <a:off x="1773238" y="3314700"/>
+            <a:ext cx="1398587" cy="979488"/>
+          </a:xfrm>
+          <a:prstGeom prst="ellipse">
+            <a:avLst/>
+          </a:prstGeom>
+        </p:spPr>
+        <p:style>
+          <a:lnRef idx="2">
+            <a:schemeClr val="dk1"/>
+          </a:lnRef>
+          <a:fillRef idx="1">
+            <a:schemeClr val="lt1"/>
+          </a:fillRef>
+          <a:effectRef idx="0">
+            <a:schemeClr val="dk1"/>
+          </a:effectRef>
+          <a:fontRef idx="minor">
+            <a:schemeClr val="dk1"/>
+          </a:fontRef>
+        </p:style>
+        <p:txBody>
+          <a:bodyPr anchor="ctr"/>
+          <a:lstStyle/>
+          <a:p>
+            <a:pPr algn="ctr"/>
+            <a:r>
+              <a:rPr lang="en-US" sz="1200">
+                <a:solidFill>
+                  <a:srgbClr val="000000"/>
+                </a:solidFill>
+                <a:cs typeface="Arial" charset="0"/>
+              </a:rPr>
+              <a:t>Admin</a:t>
+            </a:r>
+          </a:p>
+          <a:p>
+            <a:pPr algn="ctr"/>
+            <a:r>
+              <a:rPr lang="en-US" sz="1200">
+                <a:solidFill>
+                  <a:srgbClr val="000000"/>
+                </a:solidFill>
+                <a:cs typeface="Arial" charset="0"/>
+              </a:rPr>
+              <a:t>Management</a:t>
+            </a:r>
+          </a:p>
+        </p:txBody>
+      </p:sp>
+      <p:sp>
+        <p:nvSpPr>
+          <p:cNvPr id="16458" name="TextBox 73"/>
+          <p:cNvSpPr txBox="1">
+            <a:spLocks noChangeArrowheads="1"/>
+          </p:cNvSpPr>
+          <p:nvPr/>
+        </p:nvSpPr>
+        <p:spPr bwMode="auto">
+          <a:xfrm>
+            <a:off x="1477963" y="2862263"/>
+            <a:ext cx="752475" cy="244475"/>
+          </a:xfrm>
+          <a:prstGeom prst="rect">
+            <a:avLst/>
+          </a:prstGeom>
+          <a:noFill/>
+          <a:ln w="9525">
+            <a:noFill/>
+            <a:miter lim="800000"/>
+            <a:headEnd/>
+            <a:tailEnd/>
+          </a:ln>
+        </p:spPr>
+        <p:txBody>
+          <a:bodyPr wrap="none">
+            <a:spAutoFit/>
+          </a:bodyPr>
+          <a:lstStyle/>
+          <a:p>
+            <a:r>
+              <a:rPr lang="en-US" sz="1000">
+                <a:latin typeface="Calibri" pitchFamily="34" charset="0"/>
+              </a:rPr>
+              <a:t>Admin Info</a:t>
+            </a:r>
+          </a:p>
+        </p:txBody>
+      </p:sp>
+      <p:sp>
+        <p:nvSpPr>
+          <p:cNvPr id="16459" name="TextBox 73"/>
+          <p:cNvSpPr txBox="1">
+            <a:spLocks noChangeArrowheads="1"/>
+          </p:cNvSpPr>
+          <p:nvPr/>
+        </p:nvSpPr>
+        <p:spPr bwMode="auto">
+          <a:xfrm>
+            <a:off x="1257300" y="4217988"/>
+            <a:ext cx="752475" cy="244475"/>
+          </a:xfrm>
+          <a:prstGeom prst="rect">
+            <a:avLst/>
+          </a:prstGeom>
+          <a:noFill/>
+          <a:ln w="9525">
+            <a:noFill/>
+            <a:miter lim="800000"/>
+            <a:headEnd/>
+            <a:tailEnd/>
+          </a:ln>
+        </p:spPr>
+        <p:txBody>
+          <a:bodyPr wrap="none">
+            <a:spAutoFit/>
+          </a:bodyPr>
+          <a:lstStyle/>
+          <a:p>
+            <a:r>
+              <a:rPr lang="en-US" sz="1000">
+                <a:latin typeface="Calibri" pitchFamily="34" charset="0"/>
+              </a:rPr>
+              <a:t>Admin Info</a:t>
+            </a:r>
+          </a:p>
+        </p:txBody>
+      </p:sp>
+      <p:cxnSp>
+        <p:nvCxnSpPr>
+          <p:cNvPr id="13" name="Elbow Connector 11"/>
+          <p:cNvCxnSpPr>
+            <a:cxnSpLocks noChangeShapeType="1"/>
+          </p:cNvCxnSpPr>
+          <p:nvPr/>
+        </p:nvCxnSpPr>
+        <p:spPr bwMode="auto">
+          <a:xfrm rot="16200000">
+            <a:off x="3351213" y="3551237"/>
+            <a:ext cx="1631950" cy="1031875"/>
+          </a:xfrm>
+          <a:prstGeom prst="bentConnector3">
+            <a:avLst>
+              <a:gd name="adj1" fmla="val 50000"/>
+            </a:avLst>
+          </a:prstGeom>
+          <a:noFill/>
+          <a:ln w="9525" algn="ctr">
+            <a:solidFill>
+              <a:srgbClr val="000000"/>
+            </a:solidFill>
+            <a:miter lim="800000"/>
+            <a:headEnd/>
+            <a:tailEnd type="triangle" w="lg" len="lg"/>
+          </a:ln>
+        </p:spPr>
+      </p:cxnSp>
+      <p:cxnSp>
+        <p:nvCxnSpPr>
+          <p:cNvPr id="16" name="Elbow Connector 11"/>
+          <p:cNvCxnSpPr>
+            <a:cxnSpLocks noChangeShapeType="1"/>
+          </p:cNvCxnSpPr>
+          <p:nvPr/>
+        </p:nvCxnSpPr>
+        <p:spPr bwMode="auto">
+          <a:xfrm rot="5400000">
+            <a:off x="3598863" y="3814762"/>
+            <a:ext cx="1758950" cy="663575"/>
+          </a:xfrm>
+          <a:prstGeom prst="bentConnector3">
+            <a:avLst>
+              <a:gd name="adj1" fmla="val 80907"/>
+            </a:avLst>
+          </a:prstGeom>
+          <a:noFill/>
+          <a:ln w="9525" algn="ctr">
+            <a:solidFill>
+              <a:srgbClr val="000000"/>
+            </a:solidFill>
+            <a:miter lim="800000"/>
+            <a:headEnd/>
+            <a:tailEnd type="triangle" w="lg" len="lg"/>
+          </a:ln>
+        </p:spPr>
+      </p:cxnSp>
+      <p:sp>
+        <p:nvSpPr>
+          <p:cNvPr id="16464" name="TextBox 40"/>
+          <p:cNvSpPr txBox="1">
+            <a:spLocks noChangeArrowheads="1"/>
+          </p:cNvSpPr>
+          <p:nvPr/>
+        </p:nvSpPr>
+        <p:spPr bwMode="auto">
+          <a:xfrm>
+            <a:off x="3098800" y="4067175"/>
+            <a:ext cx="1609725" cy="244475"/>
+          </a:xfrm>
+          <a:prstGeom prst="rect">
+            <a:avLst/>
+          </a:prstGeom>
+          <a:noFill/>
+          <a:ln w="9525">
+            <a:noFill/>
+            <a:miter lim="800000"/>
+            <a:headEnd/>
+            <a:tailEnd/>
+          </a:ln>
+        </p:spPr>
+        <p:txBody>
+          <a:bodyPr wrap="none">
+            <a:spAutoFit/>
+          </a:bodyPr>
+          <a:lstStyle/>
+          <a:p>
+            <a:r>
+              <a:rPr lang="en-US" sz="1000">
+                <a:latin typeface="Calibri" pitchFamily="34" charset="0"/>
+              </a:rPr>
+              <a:t>Request  for Authentication</a:t>
+            </a:r>
+          </a:p>
+        </p:txBody>
+      </p:sp>
+      <p:sp>
+        <p:nvSpPr>
+          <p:cNvPr id="16465" name="TextBox 54"/>
+          <p:cNvSpPr txBox="1">
+            <a:spLocks noChangeArrowheads="1"/>
+          </p:cNvSpPr>
+          <p:nvPr/>
+        </p:nvSpPr>
+        <p:spPr bwMode="auto">
+          <a:xfrm rot="5400000">
+            <a:off x="4260850" y="3978275"/>
+            <a:ext cx="968375" cy="244475"/>
+          </a:xfrm>
+          <a:prstGeom prst="rect">
+            <a:avLst/>
+          </a:prstGeom>
+          <a:noFill/>
+          <a:ln w="9525">
+            <a:noFill/>
+            <a:miter lim="800000"/>
+            <a:headEnd/>
+            <a:tailEnd/>
+          </a:ln>
+        </p:spPr>
+        <p:txBody>
+          <a:bodyPr wrap="none">
+            <a:spAutoFit/>
+          </a:bodyPr>
+          <a:lstStyle/>
+          <a:p>
+            <a:r>
+              <a:rPr lang="en-US" sz="1000">
+                <a:latin typeface="Calibri" pitchFamily="34" charset="0"/>
+              </a:rPr>
+              <a:t>Grant or Reject</a:t>
+            </a:r>
+          </a:p>
+        </p:txBody>
+      </p:sp>
+      <p:grpSp>
+        <p:nvGrpSpPr>
+          <p:cNvPr id="16466" name="Group 68"/>
+          <p:cNvGrpSpPr>
+            <a:grpSpLocks/>
+          </p:cNvGrpSpPr>
+          <p:nvPr/>
+        </p:nvGrpSpPr>
+        <p:grpSpPr bwMode="auto">
+          <a:xfrm>
+            <a:off x="962025" y="6176963"/>
+            <a:ext cx="1695450" cy="377825"/>
+            <a:chOff x="685800" y="381000"/>
+            <a:chExt cx="1752600" cy="381794"/>
+          </a:xfrm>
+        </p:grpSpPr>
+        <p:sp>
+          <p:nvSpPr>
+            <p:cNvPr id="19" name="Rectangle 69"/>
+            <p:cNvSpPr/>
+            <p:nvPr/>
+          </p:nvSpPr>
+          <p:spPr>
+            <a:xfrm>
+              <a:off x="685800" y="381000"/>
+              <a:ext cx="1752600" cy="381794"/>
+            </a:xfrm>
+            <a:prstGeom prst="rect">
+              <a:avLst/>
+            </a:prstGeom>
+            <a:ln w="6350"/>
+          </p:spPr>
+          <p:style>
+            <a:lnRef idx="2">
+              <a:schemeClr val="dk1"/>
+            </a:lnRef>
+            <a:fillRef idx="1">
+              <a:schemeClr val="lt1"/>
+            </a:fillRef>
+            <a:effectRef idx="0">
+              <a:schemeClr val="dk1"/>
+            </a:effectRef>
+            <a:fontRef idx="minor">
+              <a:schemeClr val="dk1"/>
+            </a:fontRef>
+          </p:style>
+          <p:txBody>
+            <a:bodyPr anchor="ctr"/>
+            <a:lstStyle/>
+            <a:p>
+              <a:pPr algn="ctr"/>
+              <a:r>
+                <a:rPr lang="en-US" sz="1000">
+                  <a:solidFill>
+                    <a:srgbClr val="000000"/>
+                  </a:solidFill>
+                  <a:cs typeface="Arial" charset="0"/>
+                </a:rPr>
+                <a:t>D4          Employee details</a:t>
+              </a:r>
+            </a:p>
+          </p:txBody>
+        </p:sp>
+        <p:cxnSp>
+          <p:nvCxnSpPr>
+            <p:cNvPr id="21" name="Straight Connector 70"/>
+            <p:cNvCxnSpPr/>
+            <p:nvPr/>
+          </p:nvCxnSpPr>
+          <p:spPr>
+            <a:xfrm rot="5400000">
+              <a:off x="951924" y="571077"/>
+              <a:ext cx="381794" cy="1642"/>
+            </a:xfrm>
+            <a:prstGeom prst="line">
+              <a:avLst/>
+            </a:prstGeom>
+          </p:spPr>
+          <p:style>
+            <a:lnRef idx="1">
+              <a:schemeClr val="dk1"/>
+            </a:lnRef>
+            <a:fillRef idx="0">
+              <a:schemeClr val="dk1"/>
+            </a:fillRef>
+            <a:effectRef idx="0">
+              <a:schemeClr val="dk1"/>
+            </a:effectRef>
+            <a:fontRef idx="minor">
+              <a:schemeClr val="tx1"/>
+            </a:fontRef>
+          </p:style>
+        </p:cxnSp>
+      </p:grpSp>
+      <p:cxnSp>
+        <p:nvCxnSpPr>
+          <p:cNvPr id="24" name="Elbow Connector 11"/>
+          <p:cNvCxnSpPr>
+            <a:cxnSpLocks noChangeShapeType="1"/>
+          </p:cNvCxnSpPr>
+          <p:nvPr/>
+        </p:nvCxnSpPr>
+        <p:spPr bwMode="auto">
+          <a:xfrm rot="5400000">
+            <a:off x="2267744" y="5287169"/>
+            <a:ext cx="431800" cy="1347788"/>
+          </a:xfrm>
+          <a:prstGeom prst="bentConnector3">
+            <a:avLst>
+              <a:gd name="adj1" fmla="val 65093"/>
+            </a:avLst>
+          </a:prstGeom>
+          <a:noFill/>
+          <a:ln w="9525" algn="ctr">
+            <a:solidFill>
+              <a:srgbClr val="000000"/>
+            </a:solidFill>
+            <a:miter lim="800000"/>
+            <a:headEnd/>
+            <a:tailEnd type="triangle" w="lg" len="lg"/>
+          </a:ln>
+        </p:spPr>
+      </p:cxnSp>
+      <p:cxnSp>
+        <p:nvCxnSpPr>
+          <p:cNvPr id="25" name="Elbow Connector 11"/>
+          <p:cNvCxnSpPr>
+            <a:cxnSpLocks noChangeShapeType="1"/>
+          </p:cNvCxnSpPr>
+          <p:nvPr/>
+        </p:nvCxnSpPr>
+        <p:spPr bwMode="auto">
+          <a:xfrm flipV="1">
+            <a:off x="1563688" y="5026025"/>
+            <a:ext cx="1593850" cy="547688"/>
+          </a:xfrm>
+          <a:prstGeom prst="bentConnector4">
+            <a:avLst>
+              <a:gd name="adj1" fmla="val 43162"/>
+              <a:gd name="adj2" fmla="val 165042"/>
+            </a:avLst>
+          </a:prstGeom>
+          <a:noFill/>
+          <a:ln w="9525" algn="ctr">
+            <a:solidFill>
+              <a:srgbClr val="000000"/>
+            </a:solidFill>
+            <a:miter lim="800000"/>
+            <a:headEnd/>
+            <a:tailEnd type="triangle" w="lg" len="lg"/>
+          </a:ln>
+        </p:spPr>
+      </p:cxnSp>
+      <p:sp>
+        <p:nvSpPr>
+          <p:cNvPr id="27" name="Oval 72"/>
+          <p:cNvSpPr/>
+          <p:nvPr/>
+        </p:nvSpPr>
+        <p:spPr>
+          <a:xfrm>
+            <a:off x="2951163" y="4895850"/>
+            <a:ext cx="1400175" cy="979488"/>
+          </a:xfrm>
+          <a:prstGeom prst="ellipse">
+            <a:avLst/>
+          </a:prstGeom>
+        </p:spPr>
+        <p:style>
+          <a:lnRef idx="2">
+            <a:schemeClr val="dk1"/>
+          </a:lnRef>
+          <a:fillRef idx="1">
+            <a:schemeClr val="lt1"/>
+          </a:fillRef>
+          <a:effectRef idx="0">
+            <a:schemeClr val="dk1"/>
+          </a:effectRef>
+          <a:fontRef idx="minor">
+            <a:schemeClr val="dk1"/>
+          </a:fontRef>
+        </p:style>
+        <p:txBody>
+          <a:bodyPr anchor="ctr"/>
+          <a:lstStyle/>
+          <a:p>
+            <a:pPr algn="ctr"/>
+            <a:r>
+              <a:rPr lang="en-US" sz="1200">
+                <a:solidFill>
+                  <a:srgbClr val="000000"/>
+                </a:solidFill>
+                <a:cs typeface="Arial" charset="0"/>
+              </a:rPr>
+              <a:t>Employee</a:t>
+            </a:r>
+          </a:p>
+          <a:p>
+            <a:pPr algn="ctr"/>
+            <a:r>
+              <a:rPr lang="en-US" sz="1200">
+                <a:solidFill>
+                  <a:srgbClr val="000000"/>
+                </a:solidFill>
+                <a:cs typeface="Arial" charset="0"/>
+              </a:rPr>
+              <a:t>Management</a:t>
+            </a:r>
+          </a:p>
+        </p:txBody>
+      </p:sp>
+      <p:sp>
+        <p:nvSpPr>
+          <p:cNvPr id="16474" name="TextBox 73"/>
+          <p:cNvSpPr txBox="1">
+            <a:spLocks noChangeArrowheads="1"/>
+          </p:cNvSpPr>
+          <p:nvPr/>
+        </p:nvSpPr>
+        <p:spPr bwMode="auto">
+          <a:xfrm>
+            <a:off x="1698625" y="5800725"/>
+            <a:ext cx="925513" cy="244475"/>
+          </a:xfrm>
+          <a:prstGeom prst="rect">
+            <a:avLst/>
+          </a:prstGeom>
+          <a:noFill/>
+          <a:ln w="9525">
+            <a:noFill/>
+            <a:miter lim="800000"/>
+            <a:headEnd/>
+            <a:tailEnd/>
+          </a:ln>
+        </p:spPr>
+        <p:txBody>
+          <a:bodyPr wrap="none">
+            <a:spAutoFit/>
+          </a:bodyPr>
+          <a:lstStyle/>
+          <a:p>
+            <a:r>
+              <a:rPr lang="en-US" sz="1000">
+                <a:latin typeface="Calibri" pitchFamily="34" charset="0"/>
+              </a:rPr>
+              <a:t>Employee Info</a:t>
+            </a:r>
+          </a:p>
+        </p:txBody>
+      </p:sp>
+      <p:cxnSp>
+        <p:nvCxnSpPr>
+          <p:cNvPr id="29" name="Elbow Connector 11"/>
+          <p:cNvCxnSpPr>
+            <a:cxnSpLocks noChangeShapeType="1"/>
+          </p:cNvCxnSpPr>
+          <p:nvPr/>
+        </p:nvCxnSpPr>
+        <p:spPr bwMode="auto">
+          <a:xfrm flipV="1">
+            <a:off x="4364038" y="3238500"/>
+            <a:ext cx="576262" cy="2147888"/>
+          </a:xfrm>
+          <a:prstGeom prst="bentConnector2">
+            <a:avLst/>
+          </a:prstGeom>
+          <a:noFill/>
+          <a:ln w="9525" algn="ctr">
+            <a:solidFill>
+              <a:srgbClr val="000000"/>
+            </a:solidFill>
+            <a:miter lim="800000"/>
+            <a:headEnd type="triangle" w="lg" len="lg"/>
+            <a:tailEnd type="none" w="lg" len="lg"/>
+          </a:ln>
+        </p:spPr>
+      </p:cxnSp>
+      <p:grpSp>
+        <p:nvGrpSpPr>
+          <p:cNvPr id="16487" name="Group 103"/>
+          <p:cNvGrpSpPr>
+            <a:grpSpLocks/>
+          </p:cNvGrpSpPr>
+          <p:nvPr/>
+        </p:nvGrpSpPr>
+        <p:grpSpPr bwMode="auto">
+          <a:xfrm>
+            <a:off x="6486525" y="5875338"/>
+            <a:ext cx="1695450" cy="376237"/>
+            <a:chOff x="4512" y="3696"/>
+            <a:chExt cx="1104" cy="240"/>
+          </a:xfrm>
+        </p:grpSpPr>
+        <p:sp>
+          <p:nvSpPr>
+            <p:cNvPr id="30" name="Rectangle 69"/>
+            <p:cNvSpPr/>
+            <p:nvPr/>
+          </p:nvSpPr>
+          <p:spPr>
+            <a:xfrm>
+              <a:off x="4512" y="3696"/>
+              <a:ext cx="1104" cy="240"/>
+            </a:xfrm>
+            <a:prstGeom prst="rect">
+              <a:avLst/>
+            </a:prstGeom>
+            <a:ln w="6350"/>
+          </p:spPr>
+          <p:style>
+            <a:lnRef idx="2">
+              <a:schemeClr val="dk1"/>
+            </a:lnRef>
+            <a:fillRef idx="1">
+              <a:schemeClr val="lt1"/>
+            </a:fillRef>
+            <a:effectRef idx="0">
+              <a:schemeClr val="dk1"/>
+            </a:effectRef>
+            <a:fontRef idx="minor">
+              <a:schemeClr val="dk1"/>
+            </a:fontRef>
+          </p:style>
+          <p:txBody>
+            <a:bodyPr anchor="ctr"/>
+            <a:lstStyle/>
+            <a:p>
+              <a:pPr algn="ctr"/>
+              <a:r>
+                <a:rPr lang="en-US" sz="1000">
+                  <a:solidFill>
+                    <a:srgbClr val="000000"/>
+                  </a:solidFill>
+                  <a:cs typeface="Arial" charset="0"/>
+                </a:rPr>
+                <a:t>D5  alarm notification details</a:t>
+              </a:r>
+            </a:p>
+          </p:txBody>
+        </p:sp>
+        <p:cxnSp>
+          <p:nvCxnSpPr>
+            <p:cNvPr id="31" name="Straight Connector 70"/>
+            <p:cNvCxnSpPr/>
+            <p:nvPr/>
+          </p:nvCxnSpPr>
+          <p:spPr>
+            <a:xfrm rot="5400000">
+              <a:off x="4583" y="3815"/>
+              <a:ext cx="240" cy="2"/>
             </a:xfrm>
             <a:prstGeom prst="line">
               <a:avLst/>
@@ -5794,28 +7802,30 @@
       </p:grpSp>
       <p:grpSp>
         <p:nvGrpSpPr>
-          <p:cNvPr id="59" name="Group 58"/>
-          <p:cNvGrpSpPr/>
+          <p:cNvPr id="16479" name="Group 68"/>
+          <p:cNvGrpSpPr>
+            <a:grpSpLocks/>
+          </p:cNvGrpSpPr>
           <p:nvPr/>
         </p:nvGrpSpPr>
-        <p:grpSpPr>
-          <a:xfrm>
-            <a:off x="7315200" y="1599406"/>
-            <a:ext cx="1752600" cy="381794"/>
+        <p:grpSpPr bwMode="auto">
+          <a:xfrm>
+            <a:off x="7223125" y="901700"/>
+            <a:ext cx="1387475" cy="393700"/>
             <a:chOff x="685800" y="381000"/>
             <a:chExt cx="1752600" cy="381794"/>
           </a:xfrm>
         </p:grpSpPr>
         <p:sp>
           <p:nvSpPr>
-            <p:cNvPr id="61" name="Rectangle 60"/>
+            <p:cNvPr id="32" name="Rectangle 69"/>
             <p:cNvSpPr/>
             <p:nvPr/>
           </p:nvSpPr>
           <p:spPr>
             <a:xfrm>
               <a:off x="685800" y="381000"/>
-              <a:ext cx="1752600" cy="381000"/>
+              <a:ext cx="1752600" cy="380255"/>
             </a:xfrm>
             <a:prstGeom prst="rect">
               <a:avLst/>
@@ -5837,24 +7847,32 @@
             </a:fontRef>
           </p:style>
           <p:txBody>
-            <a:bodyPr rtlCol="0" anchor="ctr"/>
+            <a:bodyPr anchor="ctr"/>
             <a:lstStyle/>
             <a:p>
               <a:pPr algn="ctr"/>
-              <a:endParaRPr lang="en-US"/>
+              <a:r>
+                <a:rPr lang="en-US" sz="1000">
+                  <a:solidFill>
+                    <a:srgbClr val="000000"/>
+                  </a:solidFill>
+                  <a:cs typeface="Arial" charset="0"/>
+                </a:rPr>
+                <a:t>D6    set preference</a:t>
+              </a:r>
             </a:p>
           </p:txBody>
         </p:sp>
         <p:cxnSp>
           <p:nvCxnSpPr>
-            <p:cNvPr id="62" name="Straight Connector 61"/>
+            <p:cNvPr id="33" name="Straight Connector 70"/>
             <p:cNvCxnSpPr/>
             <p:nvPr/>
           </p:nvCxnSpPr>
           <p:spPr>
             <a:xfrm rot="5400000">
-              <a:off x="952500" y="571500"/>
-              <a:ext cx="381000" cy="1588"/>
+              <a:off x="952873" y="572667"/>
+              <a:ext cx="380254" cy="0"/>
             </a:xfrm>
             <a:prstGeom prst="line">
               <a:avLst/>
@@ -5876,30 +7894,212 @@
           </p:style>
         </p:cxnSp>
       </p:grpSp>
+      <p:cxnSp>
+        <p:nvCxnSpPr>
+          <p:cNvPr id="34" name="Elbow Connector 11"/>
+          <p:cNvCxnSpPr>
+            <a:cxnSpLocks noChangeShapeType="1"/>
+          </p:cNvCxnSpPr>
+          <p:nvPr/>
+        </p:nvCxnSpPr>
+        <p:spPr bwMode="auto">
+          <a:xfrm>
+            <a:off x="7604125" y="3729038"/>
+            <a:ext cx="577850" cy="2335212"/>
+          </a:xfrm>
+          <a:prstGeom prst="bentConnector3">
+            <a:avLst>
+              <a:gd name="adj1" fmla="val 138296"/>
+            </a:avLst>
+          </a:prstGeom>
+          <a:noFill/>
+          <a:ln w="9525" algn="ctr">
+            <a:solidFill>
+              <a:srgbClr val="000000"/>
+            </a:solidFill>
+            <a:miter lim="800000"/>
+            <a:headEnd/>
+            <a:tailEnd type="triangle" w="lg" len="lg"/>
+          </a:ln>
+        </p:spPr>
+      </p:cxnSp>
+      <p:sp>
+        <p:nvSpPr>
+          <p:cNvPr id="35" name="Oval 72"/>
+          <p:cNvSpPr/>
+          <p:nvPr/>
+        </p:nvSpPr>
+        <p:spPr>
+          <a:xfrm>
+            <a:off x="6192838" y="3238500"/>
+            <a:ext cx="1398587" cy="979488"/>
+          </a:xfrm>
+          <a:prstGeom prst="ellipse">
+            <a:avLst/>
+          </a:prstGeom>
+        </p:spPr>
+        <p:style>
+          <a:lnRef idx="2">
+            <a:schemeClr val="dk1"/>
+          </a:lnRef>
+          <a:fillRef idx="1">
+            <a:schemeClr val="lt1"/>
+          </a:fillRef>
+          <a:effectRef idx="0">
+            <a:schemeClr val="dk1"/>
+          </a:effectRef>
+          <a:fontRef idx="minor">
+            <a:schemeClr val="dk1"/>
+          </a:fontRef>
+        </p:style>
+        <p:txBody>
+          <a:bodyPr anchor="ctr"/>
+          <a:lstStyle/>
+          <a:p>
+            <a:pPr algn="ctr"/>
+            <a:r>
+              <a:rPr lang="en-US" sz="1200">
+                <a:solidFill>
+                  <a:srgbClr val="000000"/>
+                </a:solidFill>
+                <a:cs typeface="Arial" charset="0"/>
+              </a:rPr>
+              <a:t>Notification organizer</a:t>
+            </a:r>
+          </a:p>
+        </p:txBody>
+      </p:sp>
+      <p:sp>
+        <p:nvSpPr>
+          <p:cNvPr id="16484" name="TextBox 50"/>
+          <p:cNvSpPr txBox="1">
+            <a:spLocks noChangeArrowheads="1"/>
+          </p:cNvSpPr>
+          <p:nvPr/>
+        </p:nvSpPr>
+        <p:spPr bwMode="auto">
+          <a:xfrm rot="16200000">
+            <a:off x="7793038" y="4438650"/>
+            <a:ext cx="1022350" cy="244475"/>
+          </a:xfrm>
+          <a:prstGeom prst="rect">
+            <a:avLst/>
+          </a:prstGeom>
+          <a:noFill/>
+          <a:ln w="9525">
+            <a:noFill/>
+            <a:miter lim="800000"/>
+            <a:headEnd/>
+            <a:tailEnd/>
+          </a:ln>
+        </p:spPr>
+        <p:txBody>
+          <a:bodyPr wrap="none">
+            <a:spAutoFit/>
+          </a:bodyPr>
+          <a:lstStyle/>
+          <a:p>
+            <a:r>
+              <a:rPr lang="en-US" sz="1000">
+                <a:latin typeface="Calibri" pitchFamily="34" charset="0"/>
+              </a:rPr>
+              <a:t>Notification Info</a:t>
+            </a:r>
+          </a:p>
+        </p:txBody>
+      </p:sp>
+      <p:sp>
+        <p:nvSpPr>
+          <p:cNvPr id="16485" name="TextBox 51"/>
+          <p:cNvSpPr txBox="1">
+            <a:spLocks noChangeArrowheads="1"/>
+          </p:cNvSpPr>
+          <p:nvPr/>
+        </p:nvSpPr>
+        <p:spPr bwMode="auto">
+          <a:xfrm>
+            <a:off x="4719638" y="5784850"/>
+            <a:ext cx="984250" cy="244475"/>
+          </a:xfrm>
+          <a:prstGeom prst="rect">
+            <a:avLst/>
+          </a:prstGeom>
+          <a:noFill/>
+          <a:ln w="9525">
+            <a:noFill/>
+            <a:miter lim="800000"/>
+            <a:headEnd/>
+            <a:tailEnd/>
+          </a:ln>
+        </p:spPr>
+        <p:txBody>
+          <a:bodyPr wrap="none">
+            <a:spAutoFit/>
+          </a:bodyPr>
+          <a:lstStyle/>
+          <a:p>
+            <a:r>
+              <a:rPr lang="en-US" sz="1000">
+                <a:latin typeface="Calibri" pitchFamily="34" charset="0"/>
+              </a:rPr>
+              <a:t>Set Notification</a:t>
+            </a:r>
+          </a:p>
+        </p:txBody>
+      </p:sp>
+      <p:cxnSp>
+        <p:nvCxnSpPr>
+          <p:cNvPr id="36" name="Elbow Connector 11"/>
+          <p:cNvCxnSpPr>
+            <a:cxnSpLocks noChangeShapeType="1"/>
+          </p:cNvCxnSpPr>
+          <p:nvPr/>
+        </p:nvCxnSpPr>
+        <p:spPr bwMode="auto">
+          <a:xfrm rot="10800000">
+            <a:off x="5229225" y="3086100"/>
+            <a:ext cx="950913" cy="642938"/>
+          </a:xfrm>
+          <a:prstGeom prst="bentConnector2">
+            <a:avLst/>
+          </a:prstGeom>
+          <a:noFill/>
+          <a:ln w="9525" algn="ctr">
+            <a:solidFill>
+              <a:srgbClr val="000000"/>
+            </a:solidFill>
+            <a:miter lim="800000"/>
+            <a:headEnd/>
+            <a:tailEnd type="triangle" w="lg" len="lg"/>
+          </a:ln>
+        </p:spPr>
+      </p:cxnSp>
       <p:grpSp>
         <p:nvGrpSpPr>
-          <p:cNvPr id="63" name="Group 62"/>
-          <p:cNvGrpSpPr/>
+          <p:cNvPr id="16488" name="Group 68"/>
+          <p:cNvGrpSpPr>
+            <a:grpSpLocks/>
+          </p:cNvGrpSpPr>
           <p:nvPr/>
         </p:nvGrpSpPr>
-        <p:grpSpPr>
-          <a:xfrm>
-            <a:off x="7239000" y="5942806"/>
-            <a:ext cx="1752600" cy="381794"/>
+        <p:grpSpPr bwMode="auto">
+          <a:xfrm>
+            <a:off x="3171825" y="6327775"/>
+            <a:ext cx="1695450" cy="377825"/>
             <a:chOff x="685800" y="381000"/>
             <a:chExt cx="1752600" cy="381794"/>
           </a:xfrm>
         </p:grpSpPr>
         <p:sp>
           <p:nvSpPr>
-            <p:cNvPr id="64" name="Rectangle 63"/>
+            <p:cNvPr id="38" name="Rectangle 69"/>
             <p:cNvSpPr/>
             <p:nvPr/>
           </p:nvSpPr>
           <p:spPr>
             <a:xfrm>
               <a:off x="685800" y="381000"/>
-              <a:ext cx="1752600" cy="381000"/>
+              <a:ext cx="1752600" cy="381794"/>
             </a:xfrm>
             <a:prstGeom prst="rect">
               <a:avLst/>
@@ -5921,24 +8121,32 @@
             </a:fontRef>
           </p:style>
           <p:txBody>
-            <a:bodyPr rtlCol="0" anchor="ctr"/>
+            <a:bodyPr anchor="ctr"/>
             <a:lstStyle/>
             <a:p>
               <a:pPr algn="ctr"/>
-              <a:endParaRPr lang="en-US"/>
+              <a:r>
+                <a:rPr lang="en-US" sz="1000">
+                  <a:solidFill>
+                    <a:srgbClr val="000000"/>
+                  </a:solidFill>
+                  <a:cs typeface="Arial" charset="0"/>
+                </a:rPr>
+                <a:t>D6                 set preference</a:t>
+              </a:r>
             </a:p>
           </p:txBody>
         </p:sp>
         <p:cxnSp>
           <p:nvCxnSpPr>
-            <p:cNvPr id="65" name="Straight Connector 64"/>
+            <p:cNvPr id="39" name="Straight Connector 70"/>
             <p:cNvCxnSpPr/>
             <p:nvPr/>
           </p:nvCxnSpPr>
           <p:spPr>
             <a:xfrm rot="5400000">
-              <a:off x="952500" y="571500"/>
-              <a:ext cx="381000" cy="1588"/>
+              <a:off x="951924" y="571077"/>
+              <a:ext cx="381794" cy="1642"/>
             </a:xfrm>
             <a:prstGeom prst="line">
               <a:avLst/>
@@ -5960,30 +8168,129 @@
           </p:style>
         </p:cxnSp>
       </p:grpSp>
+      <p:cxnSp>
+        <p:nvCxnSpPr>
+          <p:cNvPr id="40" name="Elbow Connector 11"/>
+          <p:cNvCxnSpPr>
+            <a:cxnSpLocks noChangeShapeType="1"/>
+          </p:cNvCxnSpPr>
+          <p:nvPr/>
+        </p:nvCxnSpPr>
+        <p:spPr bwMode="auto">
+          <a:xfrm rot="16200000" flipH="1">
+            <a:off x="3615531" y="5923757"/>
+            <a:ext cx="439737" cy="368300"/>
+          </a:xfrm>
+          <a:prstGeom prst="bentConnector3">
+            <a:avLst>
+              <a:gd name="adj1" fmla="val 48569"/>
+            </a:avLst>
+          </a:prstGeom>
+          <a:noFill/>
+          <a:ln w="9525" algn="ctr">
+            <a:solidFill>
+              <a:srgbClr val="000000"/>
+            </a:solidFill>
+            <a:miter lim="800000"/>
+            <a:headEnd/>
+            <a:tailEnd type="triangle" w="lg" len="lg"/>
+          </a:ln>
+        </p:spPr>
+      </p:cxnSp>
+      <p:cxnSp>
+        <p:nvCxnSpPr>
+          <p:cNvPr id="41" name="Elbow Connector 11"/>
+          <p:cNvCxnSpPr>
+            <a:cxnSpLocks noChangeShapeType="1"/>
+          </p:cNvCxnSpPr>
+          <p:nvPr/>
+        </p:nvCxnSpPr>
+        <p:spPr bwMode="auto">
+          <a:xfrm rot="5400000">
+            <a:off x="2415382" y="5437981"/>
+            <a:ext cx="431800" cy="1347787"/>
+          </a:xfrm>
+          <a:prstGeom prst="bentConnector3">
+            <a:avLst>
+              <a:gd name="adj1" fmla="val 65093"/>
+            </a:avLst>
+          </a:prstGeom>
+          <a:noFill/>
+          <a:ln w="9525" algn="ctr">
+            <a:solidFill>
+              <a:srgbClr val="000000"/>
+            </a:solidFill>
+            <a:miter lim="800000"/>
+            <a:headEnd/>
+            <a:tailEnd type="triangle" w="lg" len="lg"/>
+          </a:ln>
+        </p:spPr>
+      </p:cxnSp>
+      <p:sp>
+        <p:nvSpPr>
+          <p:cNvPr id="16493" name="TextBox 52"/>
+          <p:cNvSpPr txBox="1">
+            <a:spLocks noChangeArrowheads="1"/>
+          </p:cNvSpPr>
+          <p:nvPr/>
+        </p:nvSpPr>
+        <p:spPr bwMode="auto">
+          <a:xfrm>
+            <a:off x="3762375" y="5859463"/>
+            <a:ext cx="946150" cy="244475"/>
+          </a:xfrm>
+          <a:prstGeom prst="rect">
+            <a:avLst/>
+          </a:prstGeom>
+          <a:noFill/>
+          <a:ln w="9525">
+            <a:noFill/>
+            <a:miter lim="800000"/>
+            <a:headEnd/>
+            <a:tailEnd/>
+          </a:ln>
+        </p:spPr>
+        <p:txBody>
+          <a:bodyPr wrap="none">
+            <a:spAutoFit/>
+          </a:bodyPr>
+          <a:lstStyle/>
+          <a:p>
+            <a:r>
+              <a:rPr lang="en-US" sz="1000">
+                <a:latin typeface="Calibri" pitchFamily="34" charset="0"/>
+              </a:rPr>
+              <a:t>Set preference</a:t>
+            </a:r>
+          </a:p>
+        </p:txBody>
+      </p:sp>
       <p:grpSp>
         <p:nvGrpSpPr>
-          <p:cNvPr id="66" name="Group 65"/>
-          <p:cNvGrpSpPr/>
+          <p:cNvPr id="16494" name="Group 68"/>
+          <p:cNvGrpSpPr>
+            <a:grpSpLocks/>
+          </p:cNvGrpSpPr>
           <p:nvPr/>
         </p:nvGrpSpPr>
-        <p:grpSpPr>
-          <a:xfrm>
-            <a:off x="228600" y="6095206"/>
-            <a:ext cx="1752600" cy="381794"/>
+        <p:grpSpPr bwMode="auto">
+          <a:xfrm>
+            <a:off x="152400" y="3236913"/>
+            <a:ext cx="1177925" cy="303212"/>
             <a:chOff x="685800" y="381000"/>
             <a:chExt cx="1752600" cy="381794"/>
           </a:xfrm>
         </p:grpSpPr>
         <p:sp>
           <p:nvSpPr>
-            <p:cNvPr id="67" name="Rectangle 66"/>
+            <p:cNvPr id="70" name="Rectangle 69"/>
             <p:cNvSpPr/>
             <p:nvPr/>
           </p:nvSpPr>
           <p:spPr>
             <a:xfrm>
               <a:off x="685800" y="381000"/>
-              <a:ext cx="1752600" cy="381000"/>
+              <a:ext cx="1752600" cy="381794"/>
             </a:xfrm>
             <a:prstGeom prst="rect">
               <a:avLst/>
@@ -6005,24 +8312,32 @@
             </a:fontRef>
           </p:style>
           <p:txBody>
-            <a:bodyPr rtlCol="0" anchor="ctr"/>
+            <a:bodyPr anchor="ctr"/>
             <a:lstStyle/>
             <a:p>
               <a:pPr algn="ctr"/>
-              <a:endParaRPr lang="en-US"/>
+              <a:r>
+                <a:rPr lang="en-US" sz="1000">
+                  <a:solidFill>
+                    <a:srgbClr val="000000"/>
+                  </a:solidFill>
+                  <a:cs typeface="Arial" charset="0"/>
+                </a:rPr>
+                <a:t>D6   set preference</a:t>
+              </a:r>
             </a:p>
           </p:txBody>
         </p:sp>
         <p:cxnSp>
           <p:nvCxnSpPr>
-            <p:cNvPr id="68" name="Straight Connector 67"/>
+            <p:cNvPr id="71" name="Straight Connector 70"/>
             <p:cNvCxnSpPr/>
             <p:nvPr/>
           </p:nvCxnSpPr>
           <p:spPr>
             <a:xfrm rot="5400000">
-              <a:off x="952500" y="571500"/>
-              <a:ext cx="381000" cy="1588"/>
+              <a:off x="951950" y="570716"/>
+              <a:ext cx="381794" cy="2361"/>
             </a:xfrm>
             <a:prstGeom prst="line">
               <a:avLst/>
@@ -6044,100 +8359,84 @@
           </p:style>
         </p:cxnSp>
       </p:grpSp>
-      <p:grpSp>
-        <p:nvGrpSpPr>
-          <p:cNvPr id="69" name="Group 68"/>
-          <p:cNvGrpSpPr/>
-          <p:nvPr/>
-        </p:nvGrpSpPr>
-        <p:grpSpPr>
-          <a:xfrm>
-            <a:off x="228600" y="4952206"/>
-            <a:ext cx="1752600" cy="381794"/>
-            <a:chOff x="685800" y="381000"/>
-            <a:chExt cx="1752600" cy="381794"/>
-          </a:xfrm>
-        </p:grpSpPr>
-        <p:sp>
-          <p:nvSpPr>
-            <p:cNvPr id="70" name="Rectangle 69"/>
-            <p:cNvSpPr/>
-            <p:nvPr/>
-          </p:nvSpPr>
-          <p:spPr>
-            <a:xfrm>
-              <a:off x="685800" y="381000"/>
-              <a:ext cx="1752600" cy="381000"/>
-            </a:xfrm>
-            <a:prstGeom prst="rect">
-              <a:avLst/>
-            </a:prstGeom>
-            <a:ln w="6350"/>
-          </p:spPr>
-          <p:style>
-            <a:lnRef idx="2">
-              <a:schemeClr val="dk1"/>
-            </a:lnRef>
-            <a:fillRef idx="1">
-              <a:schemeClr val="lt1"/>
-            </a:fillRef>
-            <a:effectRef idx="0">
-              <a:schemeClr val="dk1"/>
-            </a:effectRef>
-            <a:fontRef idx="minor">
-              <a:schemeClr val="dk1"/>
-            </a:fontRef>
-          </p:style>
-          <p:txBody>
-            <a:bodyPr rtlCol="0" anchor="ctr"/>
-            <a:lstStyle/>
-            <a:p>
-              <a:pPr algn="ctr"/>
-              <a:endParaRPr lang="en-US"/>
-            </a:p>
-          </p:txBody>
-        </p:sp>
-        <p:cxnSp>
-          <p:nvCxnSpPr>
-            <p:cNvPr id="71" name="Straight Connector 70"/>
-            <p:cNvCxnSpPr/>
-            <p:nvPr/>
-          </p:nvCxnSpPr>
-          <p:spPr>
-            <a:xfrm rot="5400000">
-              <a:off x="952500" y="571500"/>
-              <a:ext cx="381000" cy="1588"/>
-            </a:xfrm>
-            <a:prstGeom prst="line">
-              <a:avLst/>
-            </a:prstGeom>
-          </p:spPr>
-          <p:style>
-            <a:lnRef idx="1">
-              <a:schemeClr val="dk1"/>
-            </a:lnRef>
-            <a:fillRef idx="0">
-              <a:schemeClr val="dk1"/>
-            </a:fillRef>
-            <a:effectRef idx="0">
-              <a:schemeClr val="dk1"/>
-            </a:effectRef>
-            <a:fontRef idx="minor">
-              <a:schemeClr val="tx1"/>
-            </a:fontRef>
-          </p:style>
-        </p:cxnSp>
-      </p:grpSp>
-      <p:sp>
-        <p:nvSpPr>
-          <p:cNvPr id="73" name="Oval 72"/>
+      <p:cxnSp>
+        <p:nvCxnSpPr>
+          <p:cNvPr id="42" name="Elbow Connector 11"/>
+          <p:cNvCxnSpPr>
+            <a:cxnSpLocks noChangeShapeType="1"/>
+          </p:cNvCxnSpPr>
+          <p:nvPr/>
+        </p:nvCxnSpPr>
+        <p:spPr bwMode="auto">
+          <a:xfrm rot="5400000">
+            <a:off x="1069975" y="2328863"/>
+            <a:ext cx="579438" cy="1236662"/>
+          </a:xfrm>
+          <a:prstGeom prst="bentConnector3">
+            <a:avLst>
+              <a:gd name="adj1" fmla="val 21347"/>
+            </a:avLst>
+          </a:prstGeom>
+          <a:noFill/>
+          <a:ln w="9525" algn="ctr">
+            <a:solidFill>
+              <a:srgbClr val="000000"/>
+            </a:solidFill>
+            <a:miter lim="800000"/>
+            <a:headEnd/>
+            <a:tailEnd type="triangle" w="lg" len="lg"/>
+          </a:ln>
+        </p:spPr>
+      </p:cxnSp>
+      <p:sp>
+        <p:nvSpPr>
+          <p:cNvPr id="16498" name="TextBox 52"/>
+          <p:cNvSpPr txBox="1">
+            <a:spLocks noChangeArrowheads="1"/>
+          </p:cNvSpPr>
+          <p:nvPr/>
+        </p:nvSpPr>
+        <p:spPr bwMode="auto">
+          <a:xfrm>
+            <a:off x="858838" y="2544763"/>
+            <a:ext cx="946150" cy="244475"/>
+          </a:xfrm>
+          <a:prstGeom prst="rect">
+            <a:avLst/>
+          </a:prstGeom>
+          <a:noFill/>
+          <a:ln w="9525">
+            <a:noFill/>
+            <a:miter lim="800000"/>
+            <a:headEnd/>
+            <a:tailEnd/>
+          </a:ln>
+        </p:spPr>
+        <p:txBody>
+          <a:bodyPr wrap="none">
+            <a:spAutoFit/>
+          </a:bodyPr>
+          <a:lstStyle/>
+          <a:p>
+            <a:r>
+              <a:rPr lang="en-US" sz="1000">
+                <a:latin typeface="Calibri" pitchFamily="34" charset="0"/>
+              </a:rPr>
+              <a:t>Set preference</a:t>
+            </a:r>
+          </a:p>
+        </p:txBody>
+      </p:sp>
+      <p:sp>
+        <p:nvSpPr>
+          <p:cNvPr id="43" name="Oval 72"/>
           <p:cNvSpPr/>
           <p:nvPr/>
         </p:nvSpPr>
         <p:spPr>
           <a:xfrm>
-            <a:off x="1676400" y="1600200"/>
-            <a:ext cx="1447800" cy="990600"/>
+            <a:off x="6781800" y="1808163"/>
+            <a:ext cx="1400175" cy="979487"/>
           </a:xfrm>
           <a:prstGeom prst="ellipse">
             <a:avLst/>
@@ -6158,2866 +8457,158 @@
           </a:fontRef>
         </p:style>
         <p:txBody>
-          <a:bodyPr rtlCol="0" anchor="ctr"/>
+          <a:bodyPr anchor="ctr"/>
           <a:lstStyle/>
           <a:p>
             <a:pPr algn="ctr"/>
             <a:r>
-              <a:rPr lang="en-US" sz="1200" dirty="0" smtClean="0"/>
-              <a:t>Member</a:t>
-            </a:r>
-          </a:p>
-          <a:p>
-            <a:pPr algn="ctr"/>
-            <a:r>
-              <a:rPr lang="en-US" sz="1200" dirty="0" smtClean="0"/>
-              <a:t>Management</a:t>
-            </a:r>
-            <a:endParaRPr lang="en-US" sz="1200" dirty="0"/>
-          </a:p>
-        </p:txBody>
-      </p:sp>
-      <p:cxnSp>
-        <p:nvCxnSpPr>
-          <p:cNvPr id="76" name="Elbow Connector 11"/>
-          <p:cNvCxnSpPr>
-            <a:stCxn id="73" idx="0"/>
-            <a:endCxn id="37" idx="3"/>
-          </p:cNvCxnSpPr>
-          <p:nvPr/>
-        </p:nvCxnSpPr>
-        <p:spPr>
-          <a:xfrm rot="5400000" flipH="1" flipV="1">
-            <a:off x="1905000" y="1066800"/>
-            <a:ext cx="1028700" cy="38100"/>
-          </a:xfrm>
-          <a:prstGeom prst="bentConnector4">
-            <a:avLst>
-              <a:gd name="adj1" fmla="val 40741"/>
-              <a:gd name="adj2" fmla="val 700000"/>
-            </a:avLst>
-          </a:prstGeom>
-          <a:ln>
-            <a:headEnd type="none"/>
-            <a:tailEnd type="triangle" w="lg" len="lg"/>
-          </a:ln>
-        </p:spPr>
-        <p:style>
-          <a:lnRef idx="1">
-            <a:schemeClr val="dk1"/>
-          </a:lnRef>
-          <a:fillRef idx="0">
-            <a:schemeClr val="dk1"/>
-          </a:fillRef>
-          <a:effectRef idx="0">
-            <a:schemeClr val="dk1"/>
-          </a:effectRef>
-          <a:fontRef idx="minor">
-            <a:schemeClr val="tx1"/>
-          </a:fontRef>
-        </p:style>
-      </p:cxnSp>
-      <p:sp>
-        <p:nvSpPr>
-          <p:cNvPr id="79" name="TextBox 78"/>
-          <p:cNvSpPr txBox="1"/>
-          <p:nvPr/>
-        </p:nvSpPr>
-        <p:spPr>
-          <a:xfrm rot="16200000">
-            <a:off x="2306058" y="1086858"/>
-            <a:ext cx="755419" cy="118865"/>
+              <a:rPr lang="en-US" sz="1200">
+                <a:solidFill>
+                  <a:srgbClr val="000000"/>
+                </a:solidFill>
+                <a:cs typeface="Arial" charset="0"/>
+              </a:rPr>
+              <a:t>Preference Controller</a:t>
+            </a:r>
+          </a:p>
+        </p:txBody>
+      </p:sp>
+      <p:sp>
+        <p:nvSpPr>
+          <p:cNvPr id="16500" name="TextBox 52"/>
+          <p:cNvSpPr txBox="1">
+            <a:spLocks noChangeArrowheads="1"/>
+          </p:cNvSpPr>
+          <p:nvPr/>
+        </p:nvSpPr>
+        <p:spPr bwMode="auto">
+          <a:xfrm>
+            <a:off x="6529388" y="1506538"/>
+            <a:ext cx="979487" cy="244475"/>
           </a:xfrm>
           <a:prstGeom prst="rect">
             <a:avLst/>
           </a:prstGeom>
           <a:noFill/>
-        </p:spPr>
-        <p:txBody>
-          <a:bodyPr wrap="none" rtlCol="0">
+          <a:ln w="9525">
+            <a:noFill/>
+            <a:miter lim="800000"/>
+            <a:headEnd/>
+            <a:tailEnd/>
+          </a:ln>
+        </p:spPr>
+        <p:txBody>
+          <a:bodyPr wrap="none">
             <a:spAutoFit/>
           </a:bodyPr>
           <a:lstStyle/>
           <a:p>
             <a:r>
-              <a:rPr lang="en-US" sz="1000" dirty="0" smtClean="0"/>
-              <a:t>Member Details</a:t>
-            </a:r>
-            <a:endParaRPr lang="en-US" sz="1000" dirty="0"/>
-          </a:p>
-        </p:txBody>
-      </p:sp>
-      <p:cxnSp>
-        <p:nvCxnSpPr>
-          <p:cNvPr id="80" name="Elbow Connector 11"/>
-          <p:cNvCxnSpPr>
-            <a:stCxn id="73" idx="6"/>
-            <a:endCxn id="4" idx="2"/>
-          </p:cNvCxnSpPr>
-          <p:nvPr/>
-        </p:nvCxnSpPr>
-        <p:spPr>
-          <a:xfrm>
-            <a:off x="3124200" y="2095500"/>
-            <a:ext cx="762000" cy="381000"/>
-          </a:xfrm>
-          <a:prstGeom prst="bentConnector3">
-            <a:avLst>
-              <a:gd name="adj1" fmla="val 50000"/>
-            </a:avLst>
-          </a:prstGeom>
-          <a:ln>
-            <a:headEnd type="none"/>
-            <a:tailEnd type="triangle" w="lg" len="lg"/>
-          </a:ln>
-        </p:spPr>
-        <p:style>
-          <a:lnRef idx="1">
-            <a:schemeClr val="dk1"/>
-          </a:lnRef>
-          <a:fillRef idx="0">
-            <a:schemeClr val="dk1"/>
-          </a:fillRef>
-          <a:effectRef idx="0">
-            <a:schemeClr val="dk1"/>
-          </a:effectRef>
-          <a:fontRef idx="minor">
-            <a:schemeClr val="tx1"/>
-          </a:fontRef>
-        </p:style>
-      </p:cxnSp>
-      <p:sp>
-        <p:nvSpPr>
-          <p:cNvPr id="97" name="TextBox 96"/>
-          <p:cNvSpPr txBox="1"/>
-          <p:nvPr/>
-        </p:nvSpPr>
-        <p:spPr>
-          <a:xfrm>
-            <a:off x="3054581" y="1828800"/>
-            <a:ext cx="755419" cy="118865"/>
+              <a:rPr lang="en-US" sz="1000">
+                <a:latin typeface="Calibri" pitchFamily="34" charset="0"/>
+              </a:rPr>
+              <a:t>Preference info</a:t>
+            </a:r>
+          </a:p>
+        </p:txBody>
+      </p:sp>
+      <p:sp>
+        <p:nvSpPr>
+          <p:cNvPr id="16501" name="TextBox 52"/>
+          <p:cNvSpPr txBox="1">
+            <a:spLocks noChangeArrowheads="1"/>
+          </p:cNvSpPr>
+          <p:nvPr/>
+        </p:nvSpPr>
+        <p:spPr bwMode="auto">
+          <a:xfrm rot="5400000">
+            <a:off x="8532019" y="1797844"/>
+            <a:ext cx="979487" cy="244475"/>
           </a:xfrm>
           <a:prstGeom prst="rect">
             <a:avLst/>
           </a:prstGeom>
           <a:noFill/>
-        </p:spPr>
-        <p:txBody>
-          <a:bodyPr wrap="none" rtlCol="0">
+          <a:ln w="9525">
+            <a:noFill/>
+            <a:miter lim="800000"/>
+            <a:headEnd/>
+            <a:tailEnd/>
+          </a:ln>
+        </p:spPr>
+        <p:txBody>
+          <a:bodyPr wrap="none">
             <a:spAutoFit/>
           </a:bodyPr>
           <a:lstStyle/>
           <a:p>
             <a:r>
-              <a:rPr lang="en-US" sz="1000" dirty="0" smtClean="0"/>
-              <a:t>Member Details</a:t>
-            </a:r>
-            <a:endParaRPr lang="en-US" sz="1000" dirty="0"/>
-          </a:p>
-        </p:txBody>
-      </p:sp>
-      <p:sp>
-        <p:nvSpPr>
-          <p:cNvPr id="98" name="Oval 97"/>
-          <p:cNvSpPr/>
-          <p:nvPr/>
-        </p:nvSpPr>
-        <p:spPr>
-          <a:xfrm>
-            <a:off x="4419600" y="152400"/>
-            <a:ext cx="1447800" cy="990600"/>
-          </a:xfrm>
-          <a:prstGeom prst="ellipse">
-            <a:avLst/>
-          </a:prstGeom>
-        </p:spPr>
-        <p:style>
-          <a:lnRef idx="2">
-            <a:schemeClr val="dk1"/>
-          </a:lnRef>
-          <a:fillRef idx="1">
-            <a:schemeClr val="lt1"/>
-          </a:fillRef>
-          <a:effectRef idx="0">
-            <a:schemeClr val="dk1"/>
-          </a:effectRef>
-          <a:fontRef idx="minor">
-            <a:schemeClr val="dk1"/>
-          </a:fontRef>
-        </p:style>
-        <p:txBody>
-          <a:bodyPr rtlCol="0" anchor="ctr"/>
-          <a:lstStyle/>
-          <a:p>
-            <a:pPr algn="ctr"/>
-            <a:r>
-              <a:rPr lang="en-US" sz="1200" dirty="0" smtClean="0"/>
-              <a:t>Visitor</a:t>
-            </a:r>
-          </a:p>
-          <a:p>
-            <a:pPr algn="ctr"/>
-            <a:r>
-              <a:rPr lang="en-US" sz="1200" dirty="0" smtClean="0"/>
-              <a:t>Management</a:t>
-            </a:r>
-            <a:endParaRPr lang="en-US" sz="1200" dirty="0"/>
-          </a:p>
-        </p:txBody>
-      </p:sp>
-      <p:sp>
-        <p:nvSpPr>
-          <p:cNvPr id="110" name="TextBox 109"/>
-          <p:cNvSpPr txBox="1"/>
-          <p:nvPr/>
-        </p:nvSpPr>
-        <p:spPr>
-          <a:xfrm>
-            <a:off x="3048000" y="609600"/>
-            <a:ext cx="1345240" cy="246221"/>
-          </a:xfrm>
-          <a:prstGeom prst="rect">
-            <a:avLst/>
-          </a:prstGeom>
-          <a:noFill/>
-        </p:spPr>
-        <p:txBody>
-          <a:bodyPr wrap="none" rtlCol="0">
-            <a:spAutoFit/>
-          </a:bodyPr>
-          <a:lstStyle/>
-          <a:p>
-            <a:r>
-              <a:rPr lang="en-US" sz="1000" dirty="0" smtClean="0"/>
-              <a:t>Get/Reject Permission</a:t>
-            </a:r>
-            <a:endParaRPr lang="en-US" sz="1000" dirty="0"/>
+              <a:rPr lang="en-US" sz="1000">
+                <a:latin typeface="Calibri" pitchFamily="34" charset="0"/>
+              </a:rPr>
+              <a:t>Preference info</a:t>
+            </a:r>
           </a:p>
         </p:txBody>
       </p:sp>
       <p:cxnSp>
         <p:nvCxnSpPr>
-          <p:cNvPr id="111" name="Elbow Connector 11"/>
+          <p:cNvPr id="44" name="Elbow Connector 11"/>
           <p:cNvCxnSpPr>
-            <a:stCxn id="98" idx="4"/>
-            <a:endCxn id="4" idx="1"/>
+            <a:cxnSpLocks noChangeShapeType="1"/>
           </p:cNvCxnSpPr>
           <p:nvPr/>
         </p:nvCxnSpPr>
-        <p:spPr>
-          <a:xfrm rot="5400000">
-            <a:off x="4167328" y="1096216"/>
-            <a:ext cx="929388" cy="1022956"/>
-          </a:xfrm>
-          <a:prstGeom prst="bentConnector3">
+        <p:spPr bwMode="auto">
+          <a:xfrm rot="16200000" flipV="1">
+            <a:off x="6412707" y="1731169"/>
+            <a:ext cx="125412" cy="2012950"/>
+          </a:xfrm>
+          <a:prstGeom prst="bentConnector4">
             <a:avLst>
-              <a:gd name="adj1" fmla="val 50000"/>
+              <a:gd name="adj1" fmla="val -170000"/>
+              <a:gd name="adj2" fmla="val 67685"/>
             </a:avLst>
           </a:prstGeom>
-          <a:ln>
-            <a:headEnd type="none"/>
+          <a:noFill/>
+          <a:ln w="9525" algn="ctr">
+            <a:solidFill>
+              <a:srgbClr val="000000"/>
+            </a:solidFill>
+            <a:miter lim="800000"/>
+            <a:headEnd/>
             <a:tailEnd type="triangle" w="lg" len="lg"/>
           </a:ln>
         </p:spPr>
-        <p:style>
-          <a:lnRef idx="1">
-            <a:schemeClr val="dk1"/>
-          </a:lnRef>
-          <a:fillRef idx="0">
-            <a:schemeClr val="dk1"/>
-          </a:fillRef>
-          <a:effectRef idx="0">
-            <a:schemeClr val="dk1"/>
-          </a:effectRef>
-          <a:fontRef idx="minor">
-            <a:schemeClr val="tx1"/>
-          </a:fontRef>
-        </p:style>
-      </p:cxnSp>
-      <p:sp>
-        <p:nvSpPr>
-          <p:cNvPr id="118" name="TextBox 117"/>
-          <p:cNvSpPr txBox="1"/>
-          <p:nvPr/>
-        </p:nvSpPr>
-        <p:spPr>
-          <a:xfrm>
-            <a:off x="4038600" y="1430179"/>
-            <a:ext cx="902811" cy="246221"/>
-          </a:xfrm>
-          <a:prstGeom prst="rect">
-            <a:avLst/>
-          </a:prstGeom>
-          <a:noFill/>
-        </p:spPr>
-        <p:txBody>
-          <a:bodyPr wrap="none" rtlCol="0">
-            <a:spAutoFit/>
-          </a:bodyPr>
-          <a:lstStyle/>
-          <a:p>
-            <a:r>
-              <a:rPr lang="en-US" sz="1000" dirty="0" smtClean="0"/>
-              <a:t>Visitor Details</a:t>
-            </a:r>
-            <a:endParaRPr lang="en-US" sz="1000" dirty="0"/>
-          </a:p>
-        </p:txBody>
-      </p:sp>
-      <p:cxnSp>
-        <p:nvCxnSpPr>
-          <p:cNvPr id="119" name="Elbow Connector 11"/>
-          <p:cNvCxnSpPr>
-            <a:stCxn id="4" idx="7"/>
-            <a:endCxn id="98" idx="5"/>
-          </p:cNvCxnSpPr>
-          <p:nvPr/>
-        </p:nvCxnSpPr>
-        <p:spPr>
-          <a:xfrm rot="5400000" flipH="1" flipV="1">
-            <a:off x="4916486" y="1333500"/>
-            <a:ext cx="1074458" cy="403318"/>
-          </a:xfrm>
-          <a:prstGeom prst="bentConnector3">
-            <a:avLst>
-              <a:gd name="adj1" fmla="val 50000"/>
-            </a:avLst>
-          </a:prstGeom>
-          <a:ln>
-            <a:headEnd type="none"/>
-            <a:tailEnd type="triangle" w="lg" len="lg"/>
-          </a:ln>
-        </p:spPr>
-        <p:style>
-          <a:lnRef idx="1">
-            <a:schemeClr val="dk1"/>
-          </a:lnRef>
-          <a:fillRef idx="0">
-            <a:schemeClr val="dk1"/>
-          </a:fillRef>
-          <a:effectRef idx="0">
-            <a:schemeClr val="dk1"/>
-          </a:effectRef>
-          <a:fontRef idx="minor">
-            <a:schemeClr val="tx1"/>
-          </a:fontRef>
-        </p:style>
-      </p:cxnSp>
-      <p:sp>
-        <p:nvSpPr>
-          <p:cNvPr id="125" name="TextBox 124"/>
-          <p:cNvSpPr txBox="1"/>
-          <p:nvPr/>
-        </p:nvSpPr>
-        <p:spPr>
-          <a:xfrm>
-            <a:off x="5181600" y="1524000"/>
-            <a:ext cx="1117614" cy="246221"/>
-          </a:xfrm>
-          <a:prstGeom prst="rect">
-            <a:avLst/>
-          </a:prstGeom>
-          <a:noFill/>
-        </p:spPr>
-        <p:txBody>
-          <a:bodyPr wrap="none" rtlCol="0">
-            <a:spAutoFit/>
-          </a:bodyPr>
-          <a:lstStyle/>
-          <a:p>
-            <a:r>
-              <a:rPr lang="en-US" sz="1000" dirty="0" smtClean="0"/>
-              <a:t>Visitor Permission</a:t>
-            </a:r>
-            <a:endParaRPr lang="en-US" sz="1000" dirty="0"/>
-          </a:p>
-        </p:txBody>
-      </p:sp>
-      <p:cxnSp>
-        <p:nvCxnSpPr>
-          <p:cNvPr id="127" name="Elbow Connector 11"/>
-          <p:cNvCxnSpPr>
-            <a:stCxn id="98" idx="3"/>
-            <a:endCxn id="73" idx="7"/>
-          </p:cNvCxnSpPr>
-          <p:nvPr/>
-        </p:nvCxnSpPr>
-        <p:spPr>
-          <a:xfrm rot="5400000">
-            <a:off x="3398230" y="511874"/>
-            <a:ext cx="747340" cy="1719452"/>
-          </a:xfrm>
-          <a:prstGeom prst="bentConnector3">
-            <a:avLst>
-              <a:gd name="adj1" fmla="val 50000"/>
-            </a:avLst>
-          </a:prstGeom>
-          <a:ln>
-            <a:headEnd type="none"/>
-            <a:tailEnd type="triangle" w="lg" len="lg"/>
-          </a:ln>
-        </p:spPr>
-        <p:style>
-          <a:lnRef idx="1">
-            <a:schemeClr val="dk1"/>
-          </a:lnRef>
-          <a:fillRef idx="0">
-            <a:schemeClr val="dk1"/>
-          </a:fillRef>
-          <a:effectRef idx="0">
-            <a:schemeClr val="dk1"/>
-          </a:effectRef>
-          <a:fontRef idx="minor">
-            <a:schemeClr val="tx1"/>
-          </a:fontRef>
-        </p:style>
-      </p:cxnSp>
-      <p:sp>
-        <p:nvSpPr>
-          <p:cNvPr id="134" name="TextBox 133"/>
-          <p:cNvSpPr txBox="1"/>
-          <p:nvPr/>
-        </p:nvSpPr>
-        <p:spPr>
-          <a:xfrm>
-            <a:off x="3276600" y="1125379"/>
-            <a:ext cx="753732" cy="246221"/>
-          </a:xfrm>
-          <a:prstGeom prst="rect">
-            <a:avLst/>
-          </a:prstGeom>
-          <a:noFill/>
-        </p:spPr>
-        <p:txBody>
-          <a:bodyPr wrap="none" rtlCol="0">
-            <a:spAutoFit/>
-          </a:bodyPr>
-          <a:lstStyle/>
-          <a:p>
-            <a:r>
-              <a:rPr lang="en-US" sz="1000" dirty="0" smtClean="0"/>
-              <a:t>Visitor Info</a:t>
-            </a:r>
-            <a:endParaRPr lang="en-US" sz="1000" dirty="0"/>
-          </a:p>
-        </p:txBody>
-      </p:sp>
-    </p:spTree>
-  </p:cSld>
-  <p:clrMapOvr>
-    <a:masterClrMapping/>
-  </p:clrMapOvr>
-  <p:timing>
-    <p:tnLst>
-      <p:par>
-        <p:cTn id="1" dur="indefinite" restart="never" nodeType="tmRoot"/>
-      </p:par>
-    </p:tnLst>
-  </p:timing>
-</p:sld>
-</file>
-
-<file path=ppt/slides/slide3.xml><?xml version="1.0" encoding="utf-8"?>
-<p:sld xmlns:a="http://schemas.openxmlformats.org/drawingml/2006/main" xmlns:r="http://schemas.openxmlformats.org/officeDocument/2006/relationships" xmlns:p="http://schemas.openxmlformats.org/presentationml/2006/main">
-  <p:cSld>
-    <p:spTree>
-      <p:nvGrpSpPr>
-        <p:cNvPr id="1" name=""/>
-        <p:cNvGrpSpPr/>
-        <p:nvPr/>
-      </p:nvGrpSpPr>
-      <p:grpSpPr>
-        <a:xfrm>
-          <a:off x="0" y="0"/>
-          <a:ext cx="0" cy="0"/>
-          <a:chOff x="0" y="0"/>
-          <a:chExt cx="0" cy="0"/>
-        </a:xfrm>
-      </p:grpSpPr>
-    </p:spTree>
-  </p:cSld>
-  <p:clrMapOvr>
-    <a:masterClrMapping/>
-  </p:clrMapOvr>
-  <p:timing>
-    <p:tnLst>
-      <p:par>
-        <p:cTn id="1" dur="indefinite" restart="never" nodeType="tmRoot"/>
-      </p:par>
-    </p:tnLst>
-  </p:timing>
-</p:sld>
-</file>
-
-<file path=ppt/slides/slide4.xml><?xml version="1.0" encoding="utf-8"?>
-<p:sld xmlns:a="http://schemas.openxmlformats.org/drawingml/2006/main" xmlns:r="http://schemas.openxmlformats.org/officeDocument/2006/relationships" xmlns:p="http://schemas.openxmlformats.org/presentationml/2006/main">
-  <p:cSld>
-    <p:spTree>
-      <p:nvGrpSpPr>
-        <p:cNvPr id="1" name=""/>
-        <p:cNvGrpSpPr/>
-        <p:nvPr/>
-      </p:nvGrpSpPr>
-      <p:grpSpPr>
-        <a:xfrm>
-          <a:off x="0" y="0"/>
-          <a:ext cx="0" cy="0"/>
-          <a:chOff x="0" y="0"/>
-          <a:chExt cx="0" cy="0"/>
-        </a:xfrm>
-      </p:grpSpPr>
-      <p:sp>
-        <p:nvSpPr>
-          <p:cNvPr id="4" name="Oval 3"/>
-          <p:cNvSpPr/>
-          <p:nvPr/>
-        </p:nvSpPr>
-        <p:spPr>
-          <a:xfrm>
-            <a:off x="3886200" y="1905000"/>
-            <a:ext cx="1600200" cy="1143000"/>
-          </a:xfrm>
-          <a:prstGeom prst="ellipse">
-            <a:avLst/>
-          </a:prstGeom>
-          <a:ln>
-            <a:solidFill>
-              <a:schemeClr val="tx1"/>
-            </a:solidFill>
-          </a:ln>
-        </p:spPr>
-        <p:style>
-          <a:lnRef idx="2">
-            <a:schemeClr val="accent6"/>
-          </a:lnRef>
-          <a:fillRef idx="1">
-            <a:schemeClr val="lt1"/>
-          </a:fillRef>
-          <a:effectRef idx="0">
-            <a:schemeClr val="accent6"/>
-          </a:effectRef>
-          <a:fontRef idx="minor">
-            <a:schemeClr val="dk1"/>
-          </a:fontRef>
-        </p:style>
-        <p:txBody>
-          <a:bodyPr rtlCol="0" anchor="ctr"/>
-          <a:lstStyle/>
-          <a:p>
-            <a:pPr algn="ctr"/>
-            <a:r>
-              <a:rPr lang="en-US" sz="1200" b="1" dirty="0" smtClean="0"/>
-              <a:t>Security</a:t>
-            </a:r>
-          </a:p>
-          <a:p>
-            <a:pPr algn="ctr"/>
-            <a:r>
-              <a:rPr lang="en-US" sz="1200" b="1" dirty="0" smtClean="0"/>
-              <a:t>Management </a:t>
-            </a:r>
-          </a:p>
-          <a:p>
-            <a:pPr algn="ctr"/>
-            <a:r>
-              <a:rPr lang="en-US" sz="1200" b="1" dirty="0" smtClean="0"/>
-              <a:t>System</a:t>
-            </a:r>
-            <a:endParaRPr lang="en-US" sz="1200" b="1" dirty="0"/>
-          </a:p>
-        </p:txBody>
-      </p:sp>
-      <p:sp>
-        <p:nvSpPr>
-          <p:cNvPr id="6" name="Rectangle 5"/>
-          <p:cNvSpPr/>
-          <p:nvPr/>
-        </p:nvSpPr>
-        <p:spPr>
-          <a:xfrm>
-            <a:off x="762000" y="3810000"/>
-            <a:ext cx="990600" cy="304800"/>
-          </a:xfrm>
-          <a:prstGeom prst="rect">
-            <a:avLst/>
-          </a:prstGeom>
-        </p:spPr>
-        <p:style>
-          <a:lnRef idx="2">
-            <a:schemeClr val="dk1"/>
-          </a:lnRef>
-          <a:fillRef idx="1">
-            <a:schemeClr val="lt1"/>
-          </a:fillRef>
-          <a:effectRef idx="0">
-            <a:schemeClr val="dk1"/>
-          </a:effectRef>
-          <a:fontRef idx="minor">
-            <a:schemeClr val="dk1"/>
-          </a:fontRef>
-        </p:style>
-        <p:txBody>
-          <a:bodyPr rtlCol="0" anchor="ctr"/>
-          <a:lstStyle/>
-          <a:p>
-            <a:pPr algn="ctr"/>
-            <a:r>
-              <a:rPr lang="en-US" dirty="0" smtClean="0"/>
-              <a:t>Admin</a:t>
-            </a:r>
-            <a:endParaRPr lang="en-US" dirty="0"/>
-          </a:p>
-        </p:txBody>
-      </p:sp>
-      <p:sp>
-        <p:nvSpPr>
-          <p:cNvPr id="7" name="Rectangle 6"/>
-          <p:cNvSpPr/>
-          <p:nvPr/>
-        </p:nvSpPr>
-        <p:spPr>
-          <a:xfrm>
-            <a:off x="2667000" y="152400"/>
-            <a:ext cx="1066800" cy="304800"/>
-          </a:xfrm>
-          <a:prstGeom prst="rect">
-            <a:avLst/>
-          </a:prstGeom>
-        </p:spPr>
-        <p:style>
-          <a:lnRef idx="2">
-            <a:schemeClr val="dk1"/>
-          </a:lnRef>
-          <a:fillRef idx="1">
-            <a:schemeClr val="lt1"/>
-          </a:fillRef>
-          <a:effectRef idx="0">
-            <a:schemeClr val="dk1"/>
-          </a:effectRef>
-          <a:fontRef idx="minor">
-            <a:schemeClr val="dk1"/>
-          </a:fontRef>
-        </p:style>
-        <p:txBody>
-          <a:bodyPr rtlCol="0" anchor="ctr"/>
-          <a:lstStyle/>
-          <a:p>
-            <a:pPr algn="ctr"/>
-            <a:r>
-              <a:rPr lang="en-US" dirty="0" smtClean="0"/>
-              <a:t>Visitor</a:t>
-            </a:r>
-            <a:endParaRPr lang="en-US" dirty="0"/>
-          </a:p>
-        </p:txBody>
-      </p:sp>
-      <p:sp>
-        <p:nvSpPr>
-          <p:cNvPr id="8" name="Rectangle 7"/>
-          <p:cNvSpPr/>
-          <p:nvPr/>
-        </p:nvSpPr>
-        <p:spPr>
-          <a:xfrm>
-            <a:off x="2286000" y="5562600"/>
-            <a:ext cx="1447800" cy="609600"/>
-          </a:xfrm>
-          <a:prstGeom prst="rect">
-            <a:avLst/>
-          </a:prstGeom>
-        </p:spPr>
-        <p:style>
-          <a:lnRef idx="2">
-            <a:schemeClr val="dk1"/>
-          </a:lnRef>
-          <a:fillRef idx="1">
-            <a:schemeClr val="lt1"/>
-          </a:fillRef>
-          <a:effectRef idx="0">
-            <a:schemeClr val="dk1"/>
-          </a:effectRef>
-          <a:fontRef idx="minor">
-            <a:schemeClr val="dk1"/>
-          </a:fontRef>
-        </p:style>
-        <p:txBody>
-          <a:bodyPr rtlCol="0" anchor="ctr"/>
-          <a:lstStyle/>
-          <a:p>
-            <a:pPr algn="ctr"/>
-            <a:r>
-              <a:rPr lang="en-US" dirty="0" smtClean="0"/>
-              <a:t>Employee</a:t>
-            </a:r>
-            <a:endParaRPr lang="en-US" dirty="0"/>
-          </a:p>
-        </p:txBody>
-      </p:sp>
-      <p:sp>
-        <p:nvSpPr>
-          <p:cNvPr id="9" name="Rectangle 8"/>
-          <p:cNvSpPr/>
-          <p:nvPr/>
-        </p:nvSpPr>
-        <p:spPr>
-          <a:xfrm>
-            <a:off x="6553200" y="4953000"/>
-            <a:ext cx="1447800" cy="609600"/>
-          </a:xfrm>
-          <a:prstGeom prst="rect">
-            <a:avLst/>
-          </a:prstGeom>
-        </p:spPr>
-        <p:style>
-          <a:lnRef idx="2">
-            <a:schemeClr val="dk1"/>
-          </a:lnRef>
-          <a:fillRef idx="1">
-            <a:schemeClr val="lt1"/>
-          </a:fillRef>
-          <a:effectRef idx="0">
-            <a:schemeClr val="dk1"/>
-          </a:effectRef>
-          <a:fontRef idx="minor">
-            <a:schemeClr val="dk1"/>
-          </a:fontRef>
-        </p:style>
-        <p:txBody>
-          <a:bodyPr rtlCol="0" anchor="ctr"/>
-          <a:lstStyle/>
-          <a:p>
-            <a:pPr algn="ctr"/>
-            <a:r>
-              <a:rPr lang="en-US" dirty="0" smtClean="0"/>
-              <a:t>Alarm</a:t>
-            </a:r>
-            <a:endParaRPr lang="en-US" dirty="0"/>
-          </a:p>
-        </p:txBody>
-      </p:sp>
-      <p:sp>
-        <p:nvSpPr>
-          <p:cNvPr id="10" name="Rectangle 9"/>
-          <p:cNvSpPr/>
-          <p:nvPr/>
-        </p:nvSpPr>
-        <p:spPr>
-          <a:xfrm>
-            <a:off x="6705600" y="2514600"/>
-            <a:ext cx="1447800" cy="609600"/>
-          </a:xfrm>
-          <a:prstGeom prst="rect">
-            <a:avLst/>
-          </a:prstGeom>
-        </p:spPr>
-        <p:style>
-          <a:lnRef idx="2">
-            <a:schemeClr val="dk1"/>
-          </a:lnRef>
-          <a:fillRef idx="1">
-            <a:schemeClr val="lt1"/>
-          </a:fillRef>
-          <a:effectRef idx="0">
-            <a:schemeClr val="dk1"/>
-          </a:effectRef>
-          <a:fontRef idx="minor">
-            <a:schemeClr val="dk1"/>
-          </a:fontRef>
-        </p:style>
-        <p:txBody>
-          <a:bodyPr rtlCol="0" anchor="ctr"/>
-          <a:lstStyle/>
-          <a:p>
-            <a:pPr algn="ctr"/>
-            <a:r>
-              <a:rPr lang="en-US" dirty="0" smtClean="0"/>
-              <a:t>Preference</a:t>
-            </a:r>
-            <a:endParaRPr lang="en-US" dirty="0"/>
-          </a:p>
-        </p:txBody>
-      </p:sp>
-      <p:cxnSp>
-        <p:nvCxnSpPr>
-          <p:cNvPr id="17" name="Elbow Connector 11"/>
-          <p:cNvCxnSpPr>
-            <a:endCxn id="9" idx="0"/>
-          </p:cNvCxnSpPr>
-          <p:nvPr/>
-        </p:nvCxnSpPr>
-        <p:spPr>
-          <a:xfrm>
-            <a:off x="5562600" y="3581400"/>
-            <a:ext cx="1714500" cy="1371600"/>
-          </a:xfrm>
-          <a:prstGeom prst="bentConnector2">
-            <a:avLst/>
-          </a:prstGeom>
-          <a:ln>
-            <a:headEnd type="none"/>
-            <a:tailEnd type="triangle" w="lg" len="lg"/>
-          </a:ln>
-        </p:spPr>
-        <p:style>
-          <a:lnRef idx="1">
-            <a:schemeClr val="dk1"/>
-          </a:lnRef>
-          <a:fillRef idx="0">
-            <a:schemeClr val="dk1"/>
-          </a:fillRef>
-          <a:effectRef idx="0">
-            <a:schemeClr val="dk1"/>
-          </a:effectRef>
-          <a:fontRef idx="minor">
-            <a:schemeClr val="tx1"/>
-          </a:fontRef>
-        </p:style>
       </p:cxnSp>
       <p:cxnSp>
         <p:nvCxnSpPr>
-          <p:cNvPr id="20" name="Elbow Connector 11"/>
+          <p:cNvPr id="46" name="Elbow Connector 11"/>
           <p:cNvCxnSpPr>
-            <a:stCxn id="98" idx="2"/>
-            <a:endCxn id="7" idx="2"/>
+            <a:cxnSpLocks noChangeShapeType="1"/>
           </p:cNvCxnSpPr>
           <p:nvPr/>
         </p:nvCxnSpPr>
-        <p:spPr>
-          <a:xfrm rot="10800000">
-            <a:off x="3200400" y="457200"/>
-            <a:ext cx="1219200" cy="190500"/>
-          </a:xfrm>
-          <a:prstGeom prst="bentConnector2">
-            <a:avLst/>
-          </a:prstGeom>
-          <a:ln>
-            <a:headEnd type="none"/>
-            <a:tailEnd type="triangle" w="lg" len="lg"/>
-          </a:ln>
-        </p:spPr>
-        <p:style>
-          <a:lnRef idx="1">
-            <a:schemeClr val="dk1"/>
-          </a:lnRef>
-          <a:fillRef idx="0">
-            <a:schemeClr val="dk1"/>
-          </a:fillRef>
-          <a:effectRef idx="0">
-            <a:schemeClr val="dk1"/>
-          </a:effectRef>
-          <a:fontRef idx="minor">
-            <a:schemeClr val="tx1"/>
-          </a:fontRef>
-        </p:style>
-      </p:cxnSp>
-      <p:cxnSp>
-        <p:nvCxnSpPr>
-          <p:cNvPr id="23" name="Elbow Connector 11"/>
-          <p:cNvCxnSpPr>
-            <a:stCxn id="6" idx="3"/>
-            <a:endCxn id="4" idx="3"/>
-          </p:cNvCxnSpPr>
-          <p:nvPr/>
-        </p:nvCxnSpPr>
-        <p:spPr>
+        <p:spPr bwMode="auto">
           <a:xfrm flipV="1">
-            <a:off x="1752600" y="2880612"/>
-            <a:ext cx="2367944" cy="1081788"/>
-          </a:xfrm>
-          <a:prstGeom prst="bentConnector2">
-            <a:avLst/>
-          </a:prstGeom>
-          <a:ln>
-            <a:headEnd type="none"/>
-            <a:tailEnd type="triangle" w="lg" len="lg"/>
-          </a:ln>
-        </p:spPr>
-        <p:style>
-          <a:lnRef idx="1">
-            <a:schemeClr val="dk1"/>
-          </a:lnRef>
-          <a:fillRef idx="0">
-            <a:schemeClr val="dk1"/>
-          </a:fillRef>
-          <a:effectRef idx="0">
-            <a:schemeClr val="dk1"/>
-          </a:effectRef>
-          <a:fontRef idx="minor">
-            <a:schemeClr val="tx1"/>
-          </a:fontRef>
-        </p:style>
-      </p:cxnSp>
-      <p:cxnSp>
-        <p:nvCxnSpPr>
-          <p:cNvPr id="26" name="Elbow Connector 11"/>
-          <p:cNvCxnSpPr>
-            <a:stCxn id="4" idx="4"/>
-            <a:endCxn id="6" idx="2"/>
-          </p:cNvCxnSpPr>
-          <p:nvPr/>
-        </p:nvCxnSpPr>
-        <p:spPr>
-          <a:xfrm rot="5400000">
-            <a:off x="2438400" y="1866900"/>
-            <a:ext cx="1066800" cy="3429000"/>
+            <a:off x="5381625" y="2298700"/>
+            <a:ext cx="1387475" cy="188913"/>
           </a:xfrm>
           <a:prstGeom prst="bentConnector3">
             <a:avLst>
-              <a:gd name="adj1" fmla="val 121429"/>
+              <a:gd name="adj1" fmla="val 50444"/>
             </a:avLst>
           </a:prstGeom>
-          <a:ln>
-            <a:headEnd type="none"/>
+          <a:noFill/>
+          <a:ln w="9525" algn="ctr">
+            <a:solidFill>
+              <a:srgbClr val="000000"/>
+            </a:solidFill>
+            <a:miter lim="800000"/>
+            <a:headEnd/>
             <a:tailEnd type="triangle" w="lg" len="lg"/>
           </a:ln>
         </p:spPr>
-        <p:style>
-          <a:lnRef idx="1">
-            <a:schemeClr val="dk1"/>
-          </a:lnRef>
-          <a:fillRef idx="0">
-            <a:schemeClr val="dk1"/>
-          </a:fillRef>
-          <a:effectRef idx="0">
-            <a:schemeClr val="dk1"/>
-          </a:effectRef>
-          <a:fontRef idx="minor">
-            <a:schemeClr val="tx1"/>
-          </a:fontRef>
-        </p:style>
-      </p:cxnSp>
-      <p:cxnSp>
-        <p:nvCxnSpPr>
-          <p:cNvPr id="15" name="Elbow Connector 11"/>
-          <p:cNvCxnSpPr>
-            <a:stCxn id="10" idx="0"/>
-          </p:cNvCxnSpPr>
-          <p:nvPr/>
-        </p:nvCxnSpPr>
-        <p:spPr>
-          <a:xfrm rot="16200000" flipH="1" flipV="1">
-            <a:off x="6293269" y="1700072"/>
-            <a:ext cx="321703" cy="1950758"/>
-          </a:xfrm>
-          <a:prstGeom prst="bentConnector4">
-            <a:avLst>
-              <a:gd name="adj1" fmla="val -71059"/>
-              <a:gd name="adj2" fmla="val 68554"/>
-            </a:avLst>
-          </a:prstGeom>
-          <a:ln>
-            <a:headEnd type="none"/>
-            <a:tailEnd type="triangle" w="lg" len="lg"/>
-          </a:ln>
-        </p:spPr>
-        <p:style>
-          <a:lnRef idx="1">
-            <a:schemeClr val="dk1"/>
-          </a:lnRef>
-          <a:fillRef idx="0">
-            <a:schemeClr val="dk1"/>
-          </a:fillRef>
-          <a:effectRef idx="0">
-            <a:schemeClr val="dk1"/>
-          </a:effectRef>
-          <a:fontRef idx="minor">
-            <a:schemeClr val="tx1"/>
-          </a:fontRef>
-        </p:style>
-      </p:cxnSp>
-      <p:cxnSp>
-        <p:nvCxnSpPr>
-          <p:cNvPr id="18" name="Elbow Connector 11"/>
-          <p:cNvCxnSpPr>
-            <a:stCxn id="4" idx="6"/>
-            <a:endCxn id="10" idx="3"/>
-          </p:cNvCxnSpPr>
-          <p:nvPr/>
-        </p:nvCxnSpPr>
-        <p:spPr>
-          <a:xfrm>
-            <a:off x="5486400" y="2476500"/>
-            <a:ext cx="2667000" cy="342900"/>
-          </a:xfrm>
-          <a:prstGeom prst="bentConnector3">
-            <a:avLst>
-              <a:gd name="adj1" fmla="val 108571"/>
-            </a:avLst>
-          </a:prstGeom>
-          <a:ln>
-            <a:headEnd type="none"/>
-            <a:tailEnd type="triangle" w="lg" len="lg"/>
-          </a:ln>
-        </p:spPr>
-        <p:style>
-          <a:lnRef idx="1">
-            <a:schemeClr val="dk1"/>
-          </a:lnRef>
-          <a:fillRef idx="0">
-            <a:schemeClr val="dk1"/>
-          </a:fillRef>
-          <a:effectRef idx="0">
-            <a:schemeClr val="dk1"/>
-          </a:effectRef>
-          <a:fontRef idx="minor">
-            <a:schemeClr val="tx1"/>
-          </a:fontRef>
-        </p:style>
-      </p:cxnSp>
-      <p:cxnSp>
-        <p:nvCxnSpPr>
-          <p:cNvPr id="22" name="Elbow Connector 11"/>
-          <p:cNvCxnSpPr>
-            <a:stCxn id="98" idx="7"/>
-            <a:endCxn id="56" idx="0"/>
-          </p:cNvCxnSpPr>
-          <p:nvPr/>
-        </p:nvCxnSpPr>
-        <p:spPr>
-          <a:xfrm rot="5400000" flipH="1" flipV="1">
-            <a:off x="6317502" y="-433528"/>
-            <a:ext cx="68870" cy="1393126"/>
-          </a:xfrm>
-          <a:prstGeom prst="bentConnector3">
-            <a:avLst>
-              <a:gd name="adj1" fmla="val 542573"/>
-            </a:avLst>
-          </a:prstGeom>
-          <a:ln>
-            <a:headEnd type="none"/>
-            <a:tailEnd type="triangle" w="lg" len="lg"/>
-          </a:ln>
-        </p:spPr>
-        <p:style>
-          <a:lnRef idx="1">
-            <a:schemeClr val="dk1"/>
-          </a:lnRef>
-          <a:fillRef idx="0">
-            <a:schemeClr val="dk1"/>
-          </a:fillRef>
-          <a:effectRef idx="0">
-            <a:schemeClr val="dk1"/>
-          </a:effectRef>
-          <a:fontRef idx="minor">
-            <a:schemeClr val="tx1"/>
-          </a:fontRef>
-        </p:style>
-      </p:cxnSp>
-      <p:cxnSp>
-        <p:nvCxnSpPr>
-          <p:cNvPr id="28" name="Elbow Connector 11"/>
-          <p:cNvCxnSpPr/>
-          <p:nvPr/>
-        </p:nvCxnSpPr>
-        <p:spPr>
-          <a:xfrm rot="10800000">
-            <a:off x="5486400" y="3657600"/>
-            <a:ext cx="1066800" cy="1524000"/>
-          </a:xfrm>
-          <a:prstGeom prst="bentConnector2">
-            <a:avLst/>
-          </a:prstGeom>
-          <a:ln>
-            <a:headEnd type="none"/>
-            <a:tailEnd type="triangle" w="lg" len="lg"/>
-          </a:ln>
-        </p:spPr>
-        <p:style>
-          <a:lnRef idx="1">
-            <a:schemeClr val="dk1"/>
-          </a:lnRef>
-          <a:fillRef idx="0">
-            <a:schemeClr val="dk1"/>
-          </a:fillRef>
-          <a:effectRef idx="0">
-            <a:schemeClr val="dk1"/>
-          </a:effectRef>
-          <a:fontRef idx="minor">
-            <a:schemeClr val="tx1"/>
-          </a:fontRef>
-        </p:style>
-      </p:cxnSp>
-      <p:cxnSp>
-        <p:nvCxnSpPr>
-          <p:cNvPr id="33" name="Elbow Connector 11"/>
-          <p:cNvCxnSpPr/>
-          <p:nvPr/>
-        </p:nvCxnSpPr>
-        <p:spPr>
-          <a:xfrm rot="5400000">
-            <a:off x="3429001" y="4343399"/>
-            <a:ext cx="1752600" cy="1143002"/>
-          </a:xfrm>
-          <a:prstGeom prst="bentConnector2">
-            <a:avLst/>
-          </a:prstGeom>
-          <a:ln>
-            <a:headEnd type="none"/>
-            <a:tailEnd type="triangle" w="lg" len="lg"/>
-          </a:ln>
-        </p:spPr>
-        <p:style>
-          <a:lnRef idx="1">
-            <a:schemeClr val="dk1"/>
-          </a:lnRef>
-          <a:fillRef idx="0">
-            <a:schemeClr val="dk1"/>
-          </a:fillRef>
-          <a:effectRef idx="0">
-            <a:schemeClr val="dk1"/>
-          </a:effectRef>
-          <a:fontRef idx="minor">
-            <a:schemeClr val="tx1"/>
-          </a:fontRef>
-        </p:style>
-      </p:cxnSp>
-      <p:cxnSp>
-        <p:nvCxnSpPr>
-          <p:cNvPr id="36" name="Elbow Connector 11"/>
-          <p:cNvCxnSpPr>
-            <a:stCxn id="8" idx="2"/>
-            <a:endCxn id="4" idx="5"/>
-          </p:cNvCxnSpPr>
-          <p:nvPr/>
-        </p:nvCxnSpPr>
-        <p:spPr>
-          <a:xfrm rot="5400000" flipH="1" flipV="1">
-            <a:off x="2485184" y="3405328"/>
-            <a:ext cx="3291588" cy="2242156"/>
-          </a:xfrm>
-          <a:prstGeom prst="bentConnector3">
-            <a:avLst>
-              <a:gd name="adj1" fmla="val -6945"/>
-            </a:avLst>
-          </a:prstGeom>
-          <a:ln>
-            <a:headEnd type="none"/>
-            <a:tailEnd type="triangle" w="lg" len="lg"/>
-          </a:ln>
-        </p:spPr>
-        <p:style>
-          <a:lnRef idx="1">
-            <a:schemeClr val="dk1"/>
-          </a:lnRef>
-          <a:fillRef idx="0">
-            <a:schemeClr val="dk1"/>
-          </a:fillRef>
-          <a:effectRef idx="0">
-            <a:schemeClr val="dk1"/>
-          </a:effectRef>
-          <a:fontRef idx="minor">
-            <a:schemeClr val="tx1"/>
-          </a:fontRef>
-        </p:style>
-      </p:cxnSp>
-      <p:sp>
-        <p:nvSpPr>
-          <p:cNvPr id="5" name="Rectangle 4"/>
-          <p:cNvSpPr/>
-          <p:nvPr/>
-        </p:nvSpPr>
-        <p:spPr>
-          <a:xfrm>
-            <a:off x="70572" y="914400"/>
-            <a:ext cx="1072428" cy="294290"/>
-          </a:xfrm>
-          <a:prstGeom prst="rect">
-            <a:avLst/>
-          </a:prstGeom>
-        </p:spPr>
-        <p:style>
-          <a:lnRef idx="2">
-            <a:schemeClr val="dk1"/>
-          </a:lnRef>
-          <a:fillRef idx="1">
-            <a:schemeClr val="lt1"/>
-          </a:fillRef>
-          <a:effectRef idx="0">
-            <a:schemeClr val="dk1"/>
-          </a:effectRef>
-          <a:fontRef idx="minor">
-            <a:schemeClr val="dk1"/>
-          </a:fontRef>
-        </p:style>
-        <p:txBody>
-          <a:bodyPr rtlCol="0" anchor="ctr"/>
-          <a:lstStyle/>
-          <a:p>
-            <a:pPr algn="ctr"/>
-            <a:r>
-              <a:rPr lang="en-US" dirty="0" smtClean="0"/>
-              <a:t>Member</a:t>
-            </a:r>
-            <a:endParaRPr lang="en-US" dirty="0"/>
-          </a:p>
-        </p:txBody>
-      </p:sp>
-      <p:cxnSp>
-        <p:nvCxnSpPr>
-          <p:cNvPr id="12" name="Elbow Connector 11"/>
-          <p:cNvCxnSpPr>
-            <a:stCxn id="5" idx="3"/>
-            <a:endCxn id="73" idx="1"/>
-          </p:cNvCxnSpPr>
-          <p:nvPr/>
-        </p:nvCxnSpPr>
-        <p:spPr>
-          <a:xfrm>
-            <a:off x="1143000" y="1061545"/>
-            <a:ext cx="745426" cy="683725"/>
-          </a:xfrm>
-          <a:prstGeom prst="bentConnector2">
-            <a:avLst/>
-          </a:prstGeom>
-          <a:ln>
-            <a:headEnd type="none"/>
-            <a:tailEnd type="triangle" w="lg" len="lg"/>
-          </a:ln>
-        </p:spPr>
-        <p:style>
-          <a:lnRef idx="1">
-            <a:schemeClr val="dk1"/>
-          </a:lnRef>
-          <a:fillRef idx="0">
-            <a:schemeClr val="dk1"/>
-          </a:fillRef>
-          <a:effectRef idx="0">
-            <a:schemeClr val="dk1"/>
-          </a:effectRef>
-          <a:fontRef idx="minor">
-            <a:schemeClr val="tx1"/>
-          </a:fontRef>
-        </p:style>
-      </p:cxnSp>
-      <p:cxnSp>
-        <p:nvCxnSpPr>
-          <p:cNvPr id="14" name="Elbow Connector 11"/>
-          <p:cNvCxnSpPr>
-            <a:stCxn id="73" idx="2"/>
-            <a:endCxn id="5" idx="2"/>
-          </p:cNvCxnSpPr>
-          <p:nvPr/>
-        </p:nvCxnSpPr>
-        <p:spPr>
-          <a:xfrm rot="10800000">
-            <a:off x="606786" y="1208690"/>
-            <a:ext cx="1069614" cy="886810"/>
-          </a:xfrm>
-          <a:prstGeom prst="bentConnector2">
-            <a:avLst/>
-          </a:prstGeom>
-          <a:ln>
-            <a:headEnd type="none"/>
-            <a:tailEnd type="triangle" w="lg" len="lg"/>
-          </a:ln>
-        </p:spPr>
-        <p:style>
-          <a:lnRef idx="1">
-            <a:schemeClr val="dk1"/>
-          </a:lnRef>
-          <a:fillRef idx="0">
-            <a:schemeClr val="dk1"/>
-          </a:fillRef>
-          <a:effectRef idx="0">
-            <a:schemeClr val="dk1"/>
-          </a:effectRef>
-          <a:fontRef idx="minor">
-            <a:schemeClr val="tx1"/>
-          </a:fontRef>
-        </p:style>
-      </p:cxnSp>
-      <p:sp>
-        <p:nvSpPr>
-          <p:cNvPr id="39" name="TextBox 38"/>
-          <p:cNvSpPr txBox="1"/>
-          <p:nvPr/>
-        </p:nvSpPr>
-        <p:spPr>
-          <a:xfrm>
-            <a:off x="1281273" y="838200"/>
-            <a:ext cx="755419" cy="118865"/>
-          </a:xfrm>
-          <a:prstGeom prst="rect">
-            <a:avLst/>
-          </a:prstGeom>
-          <a:noFill/>
-        </p:spPr>
-        <p:txBody>
-          <a:bodyPr wrap="none" rtlCol="0">
-            <a:spAutoFit/>
-          </a:bodyPr>
-          <a:lstStyle/>
-          <a:p>
-            <a:r>
-              <a:rPr lang="en-US" sz="1000" dirty="0" smtClean="0"/>
-              <a:t>Member Details</a:t>
-            </a:r>
-            <a:endParaRPr lang="en-US" sz="1000" dirty="0"/>
-          </a:p>
-        </p:txBody>
-      </p:sp>
-      <p:sp>
-        <p:nvSpPr>
-          <p:cNvPr id="40" name="TextBox 39"/>
-          <p:cNvSpPr txBox="1"/>
-          <p:nvPr/>
-        </p:nvSpPr>
-        <p:spPr>
-          <a:xfrm>
-            <a:off x="228600" y="2057400"/>
-            <a:ext cx="1068891" cy="118865"/>
-          </a:xfrm>
-          <a:prstGeom prst="rect">
-            <a:avLst/>
-          </a:prstGeom>
-          <a:noFill/>
-        </p:spPr>
-        <p:txBody>
-          <a:bodyPr wrap="none" rtlCol="0">
-            <a:spAutoFit/>
-          </a:bodyPr>
-          <a:lstStyle/>
-          <a:p>
-            <a:r>
-              <a:rPr lang="en-US" sz="1000" dirty="0" smtClean="0"/>
-              <a:t>Member Authentication</a:t>
-            </a:r>
-            <a:endParaRPr lang="en-US" sz="1000" dirty="0"/>
-          </a:p>
-        </p:txBody>
-      </p:sp>
-      <p:sp>
-        <p:nvSpPr>
-          <p:cNvPr id="41" name="TextBox 40"/>
-          <p:cNvSpPr txBox="1"/>
-          <p:nvPr/>
-        </p:nvSpPr>
-        <p:spPr>
-          <a:xfrm>
-            <a:off x="2133600" y="4114800"/>
-            <a:ext cx="1624163" cy="246221"/>
-          </a:xfrm>
-          <a:prstGeom prst="rect">
-            <a:avLst/>
-          </a:prstGeom>
-          <a:noFill/>
-        </p:spPr>
-        <p:txBody>
-          <a:bodyPr wrap="none" rtlCol="0">
-            <a:spAutoFit/>
-          </a:bodyPr>
-          <a:lstStyle/>
-          <a:p>
-            <a:r>
-              <a:rPr lang="en-US" sz="1000" dirty="0" smtClean="0"/>
-              <a:t>Request  for Authentication</a:t>
-            </a:r>
-            <a:endParaRPr lang="en-US" sz="1000" dirty="0"/>
-          </a:p>
-        </p:txBody>
-      </p:sp>
-      <p:sp>
-        <p:nvSpPr>
-          <p:cNvPr id="42" name="TextBox 41"/>
-          <p:cNvSpPr txBox="1"/>
-          <p:nvPr/>
-        </p:nvSpPr>
-        <p:spPr>
-          <a:xfrm>
-            <a:off x="2286000" y="3639979"/>
-            <a:ext cx="957313" cy="246221"/>
-          </a:xfrm>
-          <a:prstGeom prst="rect">
-            <a:avLst/>
-          </a:prstGeom>
-          <a:noFill/>
-        </p:spPr>
-        <p:txBody>
-          <a:bodyPr wrap="none" rtlCol="0">
-            <a:spAutoFit/>
-          </a:bodyPr>
-          <a:lstStyle/>
-          <a:p>
-            <a:r>
-              <a:rPr lang="en-US" sz="1000" dirty="0" smtClean="0"/>
-              <a:t>Grant or Recall</a:t>
-            </a:r>
-            <a:endParaRPr lang="en-US" sz="1000" dirty="0"/>
-          </a:p>
-        </p:txBody>
-      </p:sp>
-      <p:sp>
-        <p:nvSpPr>
-          <p:cNvPr id="43" name="TextBox 42"/>
-          <p:cNvSpPr txBox="1"/>
-          <p:nvPr/>
-        </p:nvSpPr>
-        <p:spPr>
-          <a:xfrm>
-            <a:off x="3933169" y="6154579"/>
-            <a:ext cx="813043" cy="246221"/>
-          </a:xfrm>
-          <a:prstGeom prst="rect">
-            <a:avLst/>
-          </a:prstGeom>
-          <a:noFill/>
-        </p:spPr>
-        <p:txBody>
-          <a:bodyPr wrap="none" rtlCol="0">
-            <a:spAutoFit/>
-          </a:bodyPr>
-          <a:lstStyle/>
-          <a:p>
-            <a:r>
-              <a:rPr lang="en-US" sz="1000" dirty="0" smtClean="0"/>
-              <a:t>Registration</a:t>
-            </a:r>
-            <a:endParaRPr lang="en-US" sz="1000" dirty="0"/>
-          </a:p>
-        </p:txBody>
-      </p:sp>
-      <p:cxnSp>
-        <p:nvCxnSpPr>
-          <p:cNvPr id="44" name="Elbow Connector 11"/>
-          <p:cNvCxnSpPr/>
-          <p:nvPr/>
-        </p:nvCxnSpPr>
-        <p:spPr>
-          <a:xfrm rot="5400000" flipH="1" flipV="1">
-            <a:off x="3467100" y="4381500"/>
-            <a:ext cx="1524000" cy="990600"/>
-          </a:xfrm>
-          <a:prstGeom prst="bentConnector3">
-            <a:avLst>
-              <a:gd name="adj1" fmla="val 50000"/>
-            </a:avLst>
-          </a:prstGeom>
-          <a:ln>
-            <a:headEnd type="none"/>
-            <a:tailEnd type="triangle" w="lg" len="lg"/>
-          </a:ln>
-        </p:spPr>
-        <p:style>
-          <a:lnRef idx="1">
-            <a:schemeClr val="dk1"/>
-          </a:lnRef>
-          <a:fillRef idx="0">
-            <a:schemeClr val="dk1"/>
-          </a:fillRef>
-          <a:effectRef idx="0">
-            <a:schemeClr val="dk1"/>
-          </a:effectRef>
-          <a:fontRef idx="minor">
-            <a:schemeClr val="tx1"/>
-          </a:fontRef>
-        </p:style>
-      </p:cxnSp>
-      <p:sp>
-        <p:nvSpPr>
-          <p:cNvPr id="48" name="TextBox 47"/>
-          <p:cNvSpPr txBox="1"/>
-          <p:nvPr/>
-        </p:nvSpPr>
-        <p:spPr>
-          <a:xfrm>
-            <a:off x="3733800" y="4935379"/>
-            <a:ext cx="1082348" cy="246221"/>
-          </a:xfrm>
-          <a:prstGeom prst="rect">
-            <a:avLst/>
-          </a:prstGeom>
-          <a:noFill/>
-        </p:spPr>
-        <p:txBody>
-          <a:bodyPr wrap="none" rtlCol="0">
-            <a:spAutoFit/>
-          </a:bodyPr>
-          <a:lstStyle/>
-          <a:p>
-            <a:r>
-              <a:rPr lang="en-US" sz="1000" dirty="0" smtClean="0"/>
-              <a:t>Employee Details</a:t>
-            </a:r>
-            <a:endParaRPr lang="en-US" sz="1000" dirty="0"/>
-          </a:p>
-        </p:txBody>
-      </p:sp>
-      <p:sp>
-        <p:nvSpPr>
-          <p:cNvPr id="49" name="TextBox 48"/>
-          <p:cNvSpPr txBox="1"/>
-          <p:nvPr/>
-        </p:nvSpPr>
-        <p:spPr>
-          <a:xfrm rot="5400000">
-            <a:off x="4305719" y="4941802"/>
-            <a:ext cx="1505540" cy="246221"/>
-          </a:xfrm>
-          <a:prstGeom prst="rect">
-            <a:avLst/>
-          </a:prstGeom>
-          <a:noFill/>
-        </p:spPr>
-        <p:txBody>
-          <a:bodyPr wrap="none" rtlCol="0">
-            <a:spAutoFit/>
-          </a:bodyPr>
-          <a:lstStyle/>
-          <a:p>
-            <a:r>
-              <a:rPr lang="en-US" sz="1000" dirty="0" smtClean="0"/>
-              <a:t>Employee Authentication</a:t>
-            </a:r>
-            <a:endParaRPr lang="en-US" sz="1000" dirty="0"/>
-          </a:p>
-        </p:txBody>
-      </p:sp>
-      <p:sp>
-        <p:nvSpPr>
-          <p:cNvPr id="50" name="TextBox 49"/>
-          <p:cNvSpPr txBox="1"/>
-          <p:nvPr/>
-        </p:nvSpPr>
-        <p:spPr>
-          <a:xfrm>
-            <a:off x="5838169" y="3657600"/>
-            <a:ext cx="1026243" cy="246221"/>
-          </a:xfrm>
-          <a:prstGeom prst="rect">
-            <a:avLst/>
-          </a:prstGeom>
-          <a:noFill/>
-        </p:spPr>
-        <p:txBody>
-          <a:bodyPr wrap="none" rtlCol="0">
-            <a:spAutoFit/>
-          </a:bodyPr>
-          <a:lstStyle/>
-          <a:p>
-            <a:r>
-              <a:rPr lang="en-US" sz="1000" dirty="0" smtClean="0"/>
-              <a:t>User Preference</a:t>
-            </a:r>
-            <a:endParaRPr lang="en-US" sz="1000" dirty="0"/>
-          </a:p>
-        </p:txBody>
-      </p:sp>
-      <p:sp>
-        <p:nvSpPr>
-          <p:cNvPr id="51" name="TextBox 50"/>
-          <p:cNvSpPr txBox="1"/>
-          <p:nvPr/>
-        </p:nvSpPr>
-        <p:spPr>
-          <a:xfrm>
-            <a:off x="5450757" y="4935379"/>
-            <a:ext cx="797013" cy="246221"/>
-          </a:xfrm>
-          <a:prstGeom prst="rect">
-            <a:avLst/>
-          </a:prstGeom>
-          <a:noFill/>
-        </p:spPr>
-        <p:txBody>
-          <a:bodyPr wrap="none" rtlCol="0">
-            <a:spAutoFit/>
-          </a:bodyPr>
-          <a:lstStyle/>
-          <a:p>
-            <a:r>
-              <a:rPr lang="en-US" sz="1000" dirty="0" smtClean="0"/>
-              <a:t>Notification</a:t>
-            </a:r>
-            <a:endParaRPr lang="en-US" sz="1000" dirty="0"/>
-          </a:p>
-        </p:txBody>
-      </p:sp>
-      <p:sp>
-        <p:nvSpPr>
-          <p:cNvPr id="52" name="TextBox 51"/>
-          <p:cNvSpPr txBox="1"/>
-          <p:nvPr/>
-        </p:nvSpPr>
-        <p:spPr>
-          <a:xfrm>
-            <a:off x="5638800" y="3048000"/>
-            <a:ext cx="952505" cy="246221"/>
-          </a:xfrm>
-          <a:prstGeom prst="rect">
-            <a:avLst/>
-          </a:prstGeom>
-          <a:noFill/>
-        </p:spPr>
-        <p:txBody>
-          <a:bodyPr wrap="none" rtlCol="0">
-            <a:spAutoFit/>
-          </a:bodyPr>
-          <a:lstStyle/>
-          <a:p>
-            <a:r>
-              <a:rPr lang="en-US" sz="1000" dirty="0" smtClean="0"/>
-              <a:t>S</a:t>
-            </a:r>
-            <a:r>
-              <a:rPr lang="en-US" sz="1000" dirty="0" smtClean="0"/>
-              <a:t>et Preference</a:t>
-            </a:r>
-            <a:endParaRPr lang="en-US" sz="1000" dirty="0"/>
-          </a:p>
-        </p:txBody>
-      </p:sp>
-      <p:sp>
-        <p:nvSpPr>
-          <p:cNvPr id="53" name="TextBox 52"/>
-          <p:cNvSpPr txBox="1"/>
-          <p:nvPr/>
-        </p:nvSpPr>
-        <p:spPr>
-          <a:xfrm>
-            <a:off x="6362695" y="2057400"/>
-            <a:ext cx="1180131" cy="246221"/>
-          </a:xfrm>
-          <a:prstGeom prst="rect">
-            <a:avLst/>
-          </a:prstGeom>
-          <a:noFill/>
-        </p:spPr>
-        <p:txBody>
-          <a:bodyPr wrap="none" rtlCol="0">
-            <a:spAutoFit/>
-          </a:bodyPr>
-          <a:lstStyle/>
-          <a:p>
-            <a:r>
-              <a:rPr lang="en-US" sz="1000" dirty="0" smtClean="0"/>
-              <a:t>Notification Details</a:t>
-            </a:r>
-            <a:endParaRPr lang="en-US" sz="1000" dirty="0"/>
-          </a:p>
-        </p:txBody>
-      </p:sp>
-      <p:sp>
-        <p:nvSpPr>
-          <p:cNvPr id="54" name="TextBox 53"/>
-          <p:cNvSpPr txBox="1"/>
-          <p:nvPr/>
-        </p:nvSpPr>
-        <p:spPr>
-          <a:xfrm>
-            <a:off x="5878989" y="58579"/>
-            <a:ext cx="902811" cy="246221"/>
-          </a:xfrm>
-          <a:prstGeom prst="rect">
-            <a:avLst/>
-          </a:prstGeom>
-          <a:noFill/>
-        </p:spPr>
-        <p:txBody>
-          <a:bodyPr wrap="none" rtlCol="0">
-            <a:spAutoFit/>
-          </a:bodyPr>
-          <a:lstStyle/>
-          <a:p>
-            <a:r>
-              <a:rPr lang="en-US" sz="1000" dirty="0" smtClean="0"/>
-              <a:t>Visitor Details</a:t>
-            </a:r>
-            <a:endParaRPr lang="en-US" sz="1000" dirty="0"/>
-          </a:p>
-        </p:txBody>
-      </p:sp>
-      <p:sp>
-        <p:nvSpPr>
-          <p:cNvPr id="55" name="TextBox 54"/>
-          <p:cNvSpPr txBox="1"/>
-          <p:nvPr/>
-        </p:nvSpPr>
-        <p:spPr>
-          <a:xfrm>
-            <a:off x="5805251" y="1887379"/>
-            <a:ext cx="976549" cy="246221"/>
-          </a:xfrm>
-          <a:prstGeom prst="rect">
-            <a:avLst/>
-          </a:prstGeom>
-          <a:noFill/>
-        </p:spPr>
-        <p:txBody>
-          <a:bodyPr wrap="none" rtlCol="0">
-            <a:spAutoFit/>
-          </a:bodyPr>
-          <a:lstStyle/>
-          <a:p>
-            <a:r>
-              <a:rPr lang="en-US" sz="1000" dirty="0" smtClean="0"/>
-              <a:t>Grant or Reject</a:t>
-            </a:r>
-            <a:endParaRPr lang="en-US" sz="1000" dirty="0"/>
-          </a:p>
-        </p:txBody>
-      </p:sp>
-      <p:cxnSp>
-        <p:nvCxnSpPr>
-          <p:cNvPr id="57" name="Elbow Connector 11"/>
-          <p:cNvCxnSpPr>
-            <a:stCxn id="7" idx="0"/>
-            <a:endCxn id="98" idx="0"/>
-          </p:cNvCxnSpPr>
-          <p:nvPr/>
-        </p:nvCxnSpPr>
-        <p:spPr>
-          <a:xfrm rot="5400000" flipH="1" flipV="1">
-            <a:off x="4171950" y="-819150"/>
-            <a:ext cx="1588" cy="1943100"/>
-          </a:xfrm>
-          <a:prstGeom prst="bentConnector3">
-            <a:avLst>
-              <a:gd name="adj1" fmla="val 14395466"/>
-            </a:avLst>
-          </a:prstGeom>
-          <a:ln>
-            <a:headEnd type="none"/>
-            <a:tailEnd type="triangle" w="lg" len="lg"/>
-          </a:ln>
-        </p:spPr>
-        <p:style>
-          <a:lnRef idx="1">
-            <a:schemeClr val="dk1"/>
-          </a:lnRef>
-          <a:fillRef idx="0">
-            <a:schemeClr val="dk1"/>
-          </a:fillRef>
-          <a:effectRef idx="0">
-            <a:schemeClr val="dk1"/>
-          </a:effectRef>
-          <a:fontRef idx="minor">
-            <a:schemeClr val="tx1"/>
-          </a:fontRef>
-        </p:style>
-      </p:cxnSp>
-      <p:sp>
-        <p:nvSpPr>
-          <p:cNvPr id="60" name="TextBox 59"/>
-          <p:cNvSpPr txBox="1"/>
-          <p:nvPr/>
-        </p:nvSpPr>
-        <p:spPr>
-          <a:xfrm>
-            <a:off x="3581138" y="-76200"/>
-            <a:ext cx="1143262" cy="246221"/>
-          </a:xfrm>
-          <a:prstGeom prst="rect">
-            <a:avLst/>
-          </a:prstGeom>
-          <a:noFill/>
-        </p:spPr>
-        <p:txBody>
-          <a:bodyPr wrap="none" rtlCol="0">
-            <a:spAutoFit/>
-          </a:bodyPr>
-          <a:lstStyle/>
-          <a:p>
-            <a:r>
-              <a:rPr lang="en-US" sz="1000" dirty="0" smtClean="0"/>
-              <a:t>Ask for Permission</a:t>
-            </a:r>
-            <a:endParaRPr lang="en-US" sz="1000" dirty="0"/>
-          </a:p>
-        </p:txBody>
-      </p:sp>
-      <p:grpSp>
-        <p:nvGrpSpPr>
-          <p:cNvPr id="2" name="Group 45"/>
-          <p:cNvGrpSpPr/>
-          <p:nvPr/>
-        </p:nvGrpSpPr>
-        <p:grpSpPr>
-          <a:xfrm>
-            <a:off x="685800" y="381000"/>
-            <a:ext cx="1752600" cy="381794"/>
-            <a:chOff x="685800" y="381000"/>
-            <a:chExt cx="1752600" cy="381794"/>
-          </a:xfrm>
-        </p:grpSpPr>
-        <p:sp>
-          <p:nvSpPr>
-            <p:cNvPr id="37" name="Rectangle 36"/>
-            <p:cNvSpPr/>
-            <p:nvPr/>
-          </p:nvSpPr>
-          <p:spPr>
-            <a:xfrm>
-              <a:off x="685800" y="381000"/>
-              <a:ext cx="1752600" cy="381000"/>
-            </a:xfrm>
-            <a:prstGeom prst="rect">
-              <a:avLst/>
-            </a:prstGeom>
-            <a:ln w="6350"/>
-          </p:spPr>
-          <p:style>
-            <a:lnRef idx="2">
-              <a:schemeClr val="dk1"/>
-            </a:lnRef>
-            <a:fillRef idx="1">
-              <a:schemeClr val="lt1"/>
-            </a:fillRef>
-            <a:effectRef idx="0">
-              <a:schemeClr val="dk1"/>
-            </a:effectRef>
-            <a:fontRef idx="minor">
-              <a:schemeClr val="dk1"/>
-            </a:fontRef>
-          </p:style>
-          <p:txBody>
-            <a:bodyPr rtlCol="0" anchor="ctr"/>
-            <a:lstStyle/>
-            <a:p>
-              <a:pPr algn="ctr"/>
-              <a:r>
-                <a:rPr lang="en-US" sz="1000" dirty="0" smtClean="0"/>
-                <a:t>D1            Member Details</a:t>
-              </a:r>
-              <a:endParaRPr lang="en-US" sz="1000" dirty="0"/>
-            </a:p>
-          </p:txBody>
-        </p:sp>
-        <p:cxnSp>
-          <p:nvCxnSpPr>
-            <p:cNvPr id="45" name="Straight Connector 44"/>
-            <p:cNvCxnSpPr/>
-            <p:nvPr/>
-          </p:nvCxnSpPr>
-          <p:spPr>
-            <a:xfrm rot="5400000">
-              <a:off x="952500" y="571500"/>
-              <a:ext cx="381000" cy="1588"/>
-            </a:xfrm>
-            <a:prstGeom prst="line">
-              <a:avLst/>
-            </a:prstGeom>
-          </p:spPr>
-          <p:style>
-            <a:lnRef idx="1">
-              <a:schemeClr val="dk1"/>
-            </a:lnRef>
-            <a:fillRef idx="0">
-              <a:schemeClr val="dk1"/>
-            </a:fillRef>
-            <a:effectRef idx="0">
-              <a:schemeClr val="dk1"/>
-            </a:effectRef>
-            <a:fontRef idx="minor">
-              <a:schemeClr val="tx1"/>
-            </a:fontRef>
-          </p:style>
-        </p:cxnSp>
-      </p:grpSp>
-      <p:grpSp>
-        <p:nvGrpSpPr>
-          <p:cNvPr id="3" name="Group 46"/>
-          <p:cNvGrpSpPr/>
-          <p:nvPr/>
-        </p:nvGrpSpPr>
-        <p:grpSpPr>
-          <a:xfrm>
-            <a:off x="6172200" y="228600"/>
-            <a:ext cx="1752600" cy="381794"/>
-            <a:chOff x="685800" y="381000"/>
-            <a:chExt cx="1752600" cy="381794"/>
-          </a:xfrm>
-        </p:grpSpPr>
-        <p:sp>
-          <p:nvSpPr>
-            <p:cNvPr id="56" name="Rectangle 55"/>
-            <p:cNvSpPr/>
-            <p:nvPr/>
-          </p:nvSpPr>
-          <p:spPr>
-            <a:xfrm>
-              <a:off x="685800" y="381000"/>
-              <a:ext cx="1752600" cy="381000"/>
-            </a:xfrm>
-            <a:prstGeom prst="rect">
-              <a:avLst/>
-            </a:prstGeom>
-            <a:ln w="6350"/>
-          </p:spPr>
-          <p:style>
-            <a:lnRef idx="2">
-              <a:schemeClr val="dk1"/>
-            </a:lnRef>
-            <a:fillRef idx="1">
-              <a:schemeClr val="lt1"/>
-            </a:fillRef>
-            <a:effectRef idx="0">
-              <a:schemeClr val="dk1"/>
-            </a:effectRef>
-            <a:fontRef idx="minor">
-              <a:schemeClr val="dk1"/>
-            </a:fontRef>
-          </p:style>
-          <p:txBody>
-            <a:bodyPr rtlCol="0" anchor="ctr"/>
-            <a:lstStyle/>
-            <a:p>
-              <a:pPr algn="ctr"/>
-              <a:r>
-                <a:rPr lang="en-US" sz="1000" dirty="0" smtClean="0"/>
-                <a:t>D2                Visitor Details</a:t>
-              </a:r>
-              <a:endParaRPr lang="en-US" sz="1000" dirty="0"/>
-            </a:p>
-          </p:txBody>
-        </p:sp>
-        <p:cxnSp>
-          <p:nvCxnSpPr>
-            <p:cNvPr id="58" name="Straight Connector 57"/>
-            <p:cNvCxnSpPr/>
-            <p:nvPr/>
-          </p:nvCxnSpPr>
-          <p:spPr>
-            <a:xfrm rot="5400000">
-              <a:off x="952500" y="571500"/>
-              <a:ext cx="381000" cy="1588"/>
-            </a:xfrm>
-            <a:prstGeom prst="line">
-              <a:avLst/>
-            </a:prstGeom>
-          </p:spPr>
-          <p:style>
-            <a:lnRef idx="1">
-              <a:schemeClr val="dk1"/>
-            </a:lnRef>
-            <a:fillRef idx="0">
-              <a:schemeClr val="dk1"/>
-            </a:fillRef>
-            <a:effectRef idx="0">
-              <a:schemeClr val="dk1"/>
-            </a:effectRef>
-            <a:fontRef idx="minor">
-              <a:schemeClr val="tx1"/>
-            </a:fontRef>
-          </p:style>
-        </p:cxnSp>
-      </p:grpSp>
-      <p:grpSp>
-        <p:nvGrpSpPr>
-          <p:cNvPr id="11" name="Group 58"/>
-          <p:cNvGrpSpPr/>
-          <p:nvPr/>
-        </p:nvGrpSpPr>
-        <p:grpSpPr>
-          <a:xfrm>
-            <a:off x="7315200" y="1599406"/>
-            <a:ext cx="1752600" cy="381794"/>
-            <a:chOff x="685800" y="381000"/>
-            <a:chExt cx="1752600" cy="381794"/>
-          </a:xfrm>
-        </p:grpSpPr>
-        <p:sp>
-          <p:nvSpPr>
-            <p:cNvPr id="61" name="Rectangle 60"/>
-            <p:cNvSpPr/>
-            <p:nvPr/>
-          </p:nvSpPr>
-          <p:spPr>
-            <a:xfrm>
-              <a:off x="685800" y="381000"/>
-              <a:ext cx="1752600" cy="381000"/>
-            </a:xfrm>
-            <a:prstGeom prst="rect">
-              <a:avLst/>
-            </a:prstGeom>
-            <a:ln w="6350"/>
-          </p:spPr>
-          <p:style>
-            <a:lnRef idx="2">
-              <a:schemeClr val="dk1"/>
-            </a:lnRef>
-            <a:fillRef idx="1">
-              <a:schemeClr val="lt1"/>
-            </a:fillRef>
-            <a:effectRef idx="0">
-              <a:schemeClr val="dk1"/>
-            </a:effectRef>
-            <a:fontRef idx="minor">
-              <a:schemeClr val="dk1"/>
-            </a:fontRef>
-          </p:style>
-          <p:txBody>
-            <a:bodyPr rtlCol="0" anchor="ctr"/>
-            <a:lstStyle/>
-            <a:p>
-              <a:pPr algn="ctr"/>
-              <a:endParaRPr lang="en-US"/>
-            </a:p>
-          </p:txBody>
-        </p:sp>
-        <p:cxnSp>
-          <p:nvCxnSpPr>
-            <p:cNvPr id="62" name="Straight Connector 61"/>
-            <p:cNvCxnSpPr/>
-            <p:nvPr/>
-          </p:nvCxnSpPr>
-          <p:spPr>
-            <a:xfrm rot="5400000">
-              <a:off x="952500" y="571500"/>
-              <a:ext cx="381000" cy="1588"/>
-            </a:xfrm>
-            <a:prstGeom prst="line">
-              <a:avLst/>
-            </a:prstGeom>
-          </p:spPr>
-          <p:style>
-            <a:lnRef idx="1">
-              <a:schemeClr val="dk1"/>
-            </a:lnRef>
-            <a:fillRef idx="0">
-              <a:schemeClr val="dk1"/>
-            </a:fillRef>
-            <a:effectRef idx="0">
-              <a:schemeClr val="dk1"/>
-            </a:effectRef>
-            <a:fontRef idx="minor">
-              <a:schemeClr val="tx1"/>
-            </a:fontRef>
-          </p:style>
-        </p:cxnSp>
-      </p:grpSp>
-      <p:grpSp>
-        <p:nvGrpSpPr>
-          <p:cNvPr id="13" name="Group 62"/>
-          <p:cNvGrpSpPr/>
-          <p:nvPr/>
-        </p:nvGrpSpPr>
-        <p:grpSpPr>
-          <a:xfrm>
-            <a:off x="7239000" y="5942806"/>
-            <a:ext cx="1752600" cy="381794"/>
-            <a:chOff x="685800" y="381000"/>
-            <a:chExt cx="1752600" cy="381794"/>
-          </a:xfrm>
-        </p:grpSpPr>
-        <p:sp>
-          <p:nvSpPr>
-            <p:cNvPr id="64" name="Rectangle 63"/>
-            <p:cNvSpPr/>
-            <p:nvPr/>
-          </p:nvSpPr>
-          <p:spPr>
-            <a:xfrm>
-              <a:off x="685800" y="381000"/>
-              <a:ext cx="1752600" cy="381000"/>
-            </a:xfrm>
-            <a:prstGeom prst="rect">
-              <a:avLst/>
-            </a:prstGeom>
-            <a:ln w="6350"/>
-          </p:spPr>
-          <p:style>
-            <a:lnRef idx="2">
-              <a:schemeClr val="dk1"/>
-            </a:lnRef>
-            <a:fillRef idx="1">
-              <a:schemeClr val="lt1"/>
-            </a:fillRef>
-            <a:effectRef idx="0">
-              <a:schemeClr val="dk1"/>
-            </a:effectRef>
-            <a:fontRef idx="minor">
-              <a:schemeClr val="dk1"/>
-            </a:fontRef>
-          </p:style>
-          <p:txBody>
-            <a:bodyPr rtlCol="0" anchor="ctr"/>
-            <a:lstStyle/>
-            <a:p>
-              <a:pPr algn="ctr"/>
-              <a:endParaRPr lang="en-US"/>
-            </a:p>
-          </p:txBody>
-        </p:sp>
-        <p:cxnSp>
-          <p:nvCxnSpPr>
-            <p:cNvPr id="65" name="Straight Connector 64"/>
-            <p:cNvCxnSpPr/>
-            <p:nvPr/>
-          </p:nvCxnSpPr>
-          <p:spPr>
-            <a:xfrm rot="5400000">
-              <a:off x="952500" y="571500"/>
-              <a:ext cx="381000" cy="1588"/>
-            </a:xfrm>
-            <a:prstGeom prst="line">
-              <a:avLst/>
-            </a:prstGeom>
-          </p:spPr>
-          <p:style>
-            <a:lnRef idx="1">
-              <a:schemeClr val="dk1"/>
-            </a:lnRef>
-            <a:fillRef idx="0">
-              <a:schemeClr val="dk1"/>
-            </a:fillRef>
-            <a:effectRef idx="0">
-              <a:schemeClr val="dk1"/>
-            </a:effectRef>
-            <a:fontRef idx="minor">
-              <a:schemeClr val="tx1"/>
-            </a:fontRef>
-          </p:style>
-        </p:cxnSp>
-      </p:grpSp>
-      <p:grpSp>
-        <p:nvGrpSpPr>
-          <p:cNvPr id="16" name="Group 65"/>
-          <p:cNvGrpSpPr/>
-          <p:nvPr/>
-        </p:nvGrpSpPr>
-        <p:grpSpPr>
-          <a:xfrm>
-            <a:off x="228600" y="6095206"/>
-            <a:ext cx="1752600" cy="381794"/>
-            <a:chOff x="685800" y="381000"/>
-            <a:chExt cx="1752600" cy="381794"/>
-          </a:xfrm>
-        </p:grpSpPr>
-        <p:sp>
-          <p:nvSpPr>
-            <p:cNvPr id="67" name="Rectangle 66"/>
-            <p:cNvSpPr/>
-            <p:nvPr/>
-          </p:nvSpPr>
-          <p:spPr>
-            <a:xfrm>
-              <a:off x="685800" y="381000"/>
-              <a:ext cx="1752600" cy="381000"/>
-            </a:xfrm>
-            <a:prstGeom prst="rect">
-              <a:avLst/>
-            </a:prstGeom>
-            <a:ln w="6350"/>
-          </p:spPr>
-          <p:style>
-            <a:lnRef idx="2">
-              <a:schemeClr val="dk1"/>
-            </a:lnRef>
-            <a:fillRef idx="1">
-              <a:schemeClr val="lt1"/>
-            </a:fillRef>
-            <a:effectRef idx="0">
-              <a:schemeClr val="dk1"/>
-            </a:effectRef>
-            <a:fontRef idx="minor">
-              <a:schemeClr val="dk1"/>
-            </a:fontRef>
-          </p:style>
-          <p:txBody>
-            <a:bodyPr rtlCol="0" anchor="ctr"/>
-            <a:lstStyle/>
-            <a:p>
-              <a:pPr algn="ctr"/>
-              <a:endParaRPr lang="en-US"/>
-            </a:p>
-          </p:txBody>
-        </p:sp>
-        <p:cxnSp>
-          <p:nvCxnSpPr>
-            <p:cNvPr id="68" name="Straight Connector 67"/>
-            <p:cNvCxnSpPr/>
-            <p:nvPr/>
-          </p:nvCxnSpPr>
-          <p:spPr>
-            <a:xfrm rot="5400000">
-              <a:off x="952500" y="571500"/>
-              <a:ext cx="381000" cy="1588"/>
-            </a:xfrm>
-            <a:prstGeom prst="line">
-              <a:avLst/>
-            </a:prstGeom>
-          </p:spPr>
-          <p:style>
-            <a:lnRef idx="1">
-              <a:schemeClr val="dk1"/>
-            </a:lnRef>
-            <a:fillRef idx="0">
-              <a:schemeClr val="dk1"/>
-            </a:fillRef>
-            <a:effectRef idx="0">
-              <a:schemeClr val="dk1"/>
-            </a:effectRef>
-            <a:fontRef idx="minor">
-              <a:schemeClr val="tx1"/>
-            </a:fontRef>
-          </p:style>
-        </p:cxnSp>
-      </p:grpSp>
-      <p:grpSp>
-        <p:nvGrpSpPr>
-          <p:cNvPr id="19" name="Group 68"/>
-          <p:cNvGrpSpPr/>
-          <p:nvPr/>
-        </p:nvGrpSpPr>
-        <p:grpSpPr>
-          <a:xfrm>
-            <a:off x="228600" y="4952206"/>
-            <a:ext cx="1752600" cy="381794"/>
-            <a:chOff x="685800" y="381000"/>
-            <a:chExt cx="1752600" cy="381794"/>
-          </a:xfrm>
-        </p:grpSpPr>
-        <p:sp>
-          <p:nvSpPr>
-            <p:cNvPr id="70" name="Rectangle 69"/>
-            <p:cNvSpPr/>
-            <p:nvPr/>
-          </p:nvSpPr>
-          <p:spPr>
-            <a:xfrm>
-              <a:off x="685800" y="381000"/>
-              <a:ext cx="1752600" cy="381000"/>
-            </a:xfrm>
-            <a:prstGeom prst="rect">
-              <a:avLst/>
-            </a:prstGeom>
-            <a:ln w="6350"/>
-          </p:spPr>
-          <p:style>
-            <a:lnRef idx="2">
-              <a:schemeClr val="dk1"/>
-            </a:lnRef>
-            <a:fillRef idx="1">
-              <a:schemeClr val="lt1"/>
-            </a:fillRef>
-            <a:effectRef idx="0">
-              <a:schemeClr val="dk1"/>
-            </a:effectRef>
-            <a:fontRef idx="minor">
-              <a:schemeClr val="dk1"/>
-            </a:fontRef>
-          </p:style>
-          <p:txBody>
-            <a:bodyPr rtlCol="0" anchor="ctr"/>
-            <a:lstStyle/>
-            <a:p>
-              <a:pPr algn="ctr"/>
-              <a:r>
-                <a:rPr lang="en-US" sz="1000" dirty="0" smtClean="0"/>
-                <a:t>D3                 Admin </a:t>
-              </a:r>
-              <a:r>
-                <a:rPr lang="en-US" sz="1000" dirty="0" smtClean="0"/>
-                <a:t>details</a:t>
-              </a:r>
-            </a:p>
-          </p:txBody>
-        </p:sp>
-        <p:cxnSp>
-          <p:nvCxnSpPr>
-            <p:cNvPr id="71" name="Straight Connector 70"/>
-            <p:cNvCxnSpPr/>
-            <p:nvPr/>
-          </p:nvCxnSpPr>
-          <p:spPr>
-            <a:xfrm rot="5400000">
-              <a:off x="952500" y="571500"/>
-              <a:ext cx="381000" cy="1588"/>
-            </a:xfrm>
-            <a:prstGeom prst="line">
-              <a:avLst/>
-            </a:prstGeom>
-          </p:spPr>
-          <p:style>
-            <a:lnRef idx="1">
-              <a:schemeClr val="dk1"/>
-            </a:lnRef>
-            <a:fillRef idx="0">
-              <a:schemeClr val="dk1"/>
-            </a:fillRef>
-            <a:effectRef idx="0">
-              <a:schemeClr val="dk1"/>
-            </a:effectRef>
-            <a:fontRef idx="minor">
-              <a:schemeClr val="tx1"/>
-            </a:fontRef>
-          </p:style>
-        </p:cxnSp>
-      </p:grpSp>
-      <p:sp>
-        <p:nvSpPr>
-          <p:cNvPr id="73" name="Oval 72"/>
-          <p:cNvSpPr/>
-          <p:nvPr/>
-        </p:nvSpPr>
-        <p:spPr>
-          <a:xfrm>
-            <a:off x="1676400" y="1600200"/>
-            <a:ext cx="1447800" cy="990600"/>
-          </a:xfrm>
-          <a:prstGeom prst="ellipse">
-            <a:avLst/>
-          </a:prstGeom>
-        </p:spPr>
-        <p:style>
-          <a:lnRef idx="2">
-            <a:schemeClr val="dk1"/>
-          </a:lnRef>
-          <a:fillRef idx="1">
-            <a:schemeClr val="lt1"/>
-          </a:fillRef>
-          <a:effectRef idx="0">
-            <a:schemeClr val="dk1"/>
-          </a:effectRef>
-          <a:fontRef idx="minor">
-            <a:schemeClr val="dk1"/>
-          </a:fontRef>
-        </p:style>
-        <p:txBody>
-          <a:bodyPr rtlCol="0" anchor="ctr"/>
-          <a:lstStyle/>
-          <a:p>
-            <a:pPr algn="ctr"/>
-            <a:r>
-              <a:rPr lang="en-US" sz="1200" dirty="0" smtClean="0"/>
-              <a:t>Member</a:t>
-            </a:r>
-          </a:p>
-          <a:p>
-            <a:pPr algn="ctr"/>
-            <a:r>
-              <a:rPr lang="en-US" sz="1200" dirty="0" smtClean="0"/>
-              <a:t>Management</a:t>
-            </a:r>
-            <a:endParaRPr lang="en-US" sz="1200" dirty="0"/>
-          </a:p>
-        </p:txBody>
-      </p:sp>
-      <p:cxnSp>
-        <p:nvCxnSpPr>
-          <p:cNvPr id="76" name="Elbow Connector 11"/>
-          <p:cNvCxnSpPr>
-            <a:stCxn id="73" idx="0"/>
-            <a:endCxn id="37" idx="3"/>
-          </p:cNvCxnSpPr>
-          <p:nvPr/>
-        </p:nvCxnSpPr>
-        <p:spPr>
-          <a:xfrm rot="5400000" flipH="1" flipV="1">
-            <a:off x="1905000" y="1066800"/>
-            <a:ext cx="1028700" cy="38100"/>
-          </a:xfrm>
-          <a:prstGeom prst="bentConnector4">
-            <a:avLst>
-              <a:gd name="adj1" fmla="val 40741"/>
-              <a:gd name="adj2" fmla="val 700000"/>
-            </a:avLst>
-          </a:prstGeom>
-          <a:ln>
-            <a:headEnd type="none"/>
-            <a:tailEnd type="triangle" w="lg" len="lg"/>
-          </a:ln>
-        </p:spPr>
-        <p:style>
-          <a:lnRef idx="1">
-            <a:schemeClr val="dk1"/>
-          </a:lnRef>
-          <a:fillRef idx="0">
-            <a:schemeClr val="dk1"/>
-          </a:fillRef>
-          <a:effectRef idx="0">
-            <a:schemeClr val="dk1"/>
-          </a:effectRef>
-          <a:fontRef idx="minor">
-            <a:schemeClr val="tx1"/>
-          </a:fontRef>
-        </p:style>
-      </p:cxnSp>
-      <p:sp>
-        <p:nvSpPr>
-          <p:cNvPr id="79" name="TextBox 78"/>
-          <p:cNvSpPr txBox="1"/>
-          <p:nvPr/>
-        </p:nvSpPr>
-        <p:spPr>
-          <a:xfrm rot="16200000">
-            <a:off x="2306058" y="1086858"/>
-            <a:ext cx="755419" cy="118865"/>
-          </a:xfrm>
-          <a:prstGeom prst="rect">
-            <a:avLst/>
-          </a:prstGeom>
-          <a:noFill/>
-        </p:spPr>
-        <p:txBody>
-          <a:bodyPr wrap="none" rtlCol="0">
-            <a:spAutoFit/>
-          </a:bodyPr>
-          <a:lstStyle/>
-          <a:p>
-            <a:r>
-              <a:rPr lang="en-US" sz="1000" dirty="0" smtClean="0"/>
-              <a:t>Member Details</a:t>
-            </a:r>
-            <a:endParaRPr lang="en-US" sz="1000" dirty="0"/>
-          </a:p>
-        </p:txBody>
-      </p:sp>
-      <p:cxnSp>
-        <p:nvCxnSpPr>
-          <p:cNvPr id="80" name="Elbow Connector 11"/>
-          <p:cNvCxnSpPr>
-            <a:stCxn id="73" idx="6"/>
-            <a:endCxn id="4" idx="2"/>
-          </p:cNvCxnSpPr>
-          <p:nvPr/>
-        </p:nvCxnSpPr>
-        <p:spPr>
-          <a:xfrm>
-            <a:off x="3124200" y="2095500"/>
-            <a:ext cx="762000" cy="381000"/>
-          </a:xfrm>
-          <a:prstGeom prst="bentConnector3">
-            <a:avLst>
-              <a:gd name="adj1" fmla="val 50000"/>
-            </a:avLst>
-          </a:prstGeom>
-          <a:ln>
-            <a:headEnd type="none"/>
-            <a:tailEnd type="triangle" w="lg" len="lg"/>
-          </a:ln>
-        </p:spPr>
-        <p:style>
-          <a:lnRef idx="1">
-            <a:schemeClr val="dk1"/>
-          </a:lnRef>
-          <a:fillRef idx="0">
-            <a:schemeClr val="dk1"/>
-          </a:fillRef>
-          <a:effectRef idx="0">
-            <a:schemeClr val="dk1"/>
-          </a:effectRef>
-          <a:fontRef idx="minor">
-            <a:schemeClr val="tx1"/>
-          </a:fontRef>
-        </p:style>
-      </p:cxnSp>
-      <p:sp>
-        <p:nvSpPr>
-          <p:cNvPr id="97" name="TextBox 96"/>
-          <p:cNvSpPr txBox="1"/>
-          <p:nvPr/>
-        </p:nvSpPr>
-        <p:spPr>
-          <a:xfrm>
-            <a:off x="3054581" y="1828800"/>
-            <a:ext cx="755419" cy="118865"/>
-          </a:xfrm>
-          <a:prstGeom prst="rect">
-            <a:avLst/>
-          </a:prstGeom>
-          <a:noFill/>
-        </p:spPr>
-        <p:txBody>
-          <a:bodyPr wrap="none" rtlCol="0">
-            <a:spAutoFit/>
-          </a:bodyPr>
-          <a:lstStyle/>
-          <a:p>
-            <a:r>
-              <a:rPr lang="en-US" sz="1000" dirty="0" smtClean="0"/>
-              <a:t>Member Details</a:t>
-            </a:r>
-            <a:endParaRPr lang="en-US" sz="1000" dirty="0"/>
-          </a:p>
-        </p:txBody>
-      </p:sp>
-      <p:sp>
-        <p:nvSpPr>
-          <p:cNvPr id="98" name="Oval 97"/>
-          <p:cNvSpPr/>
-          <p:nvPr/>
-        </p:nvSpPr>
-        <p:spPr>
-          <a:xfrm>
-            <a:off x="4419600" y="152400"/>
-            <a:ext cx="1447800" cy="990600"/>
-          </a:xfrm>
-          <a:prstGeom prst="ellipse">
-            <a:avLst/>
-          </a:prstGeom>
-        </p:spPr>
-        <p:style>
-          <a:lnRef idx="2">
-            <a:schemeClr val="dk1"/>
-          </a:lnRef>
-          <a:fillRef idx="1">
-            <a:schemeClr val="lt1"/>
-          </a:fillRef>
-          <a:effectRef idx="0">
-            <a:schemeClr val="dk1"/>
-          </a:effectRef>
-          <a:fontRef idx="minor">
-            <a:schemeClr val="dk1"/>
-          </a:fontRef>
-        </p:style>
-        <p:txBody>
-          <a:bodyPr rtlCol="0" anchor="ctr"/>
-          <a:lstStyle/>
-          <a:p>
-            <a:pPr algn="ctr"/>
-            <a:r>
-              <a:rPr lang="en-US" sz="1200" dirty="0" smtClean="0"/>
-              <a:t>Visitor</a:t>
-            </a:r>
-          </a:p>
-          <a:p>
-            <a:pPr algn="ctr"/>
-            <a:r>
-              <a:rPr lang="en-US" sz="1200" dirty="0" smtClean="0"/>
-              <a:t>Management</a:t>
-            </a:r>
-            <a:endParaRPr lang="en-US" sz="1200" dirty="0"/>
-          </a:p>
-        </p:txBody>
-      </p:sp>
-      <p:sp>
-        <p:nvSpPr>
-          <p:cNvPr id="110" name="TextBox 109"/>
-          <p:cNvSpPr txBox="1"/>
-          <p:nvPr/>
-        </p:nvSpPr>
-        <p:spPr>
-          <a:xfrm>
-            <a:off x="3048000" y="609600"/>
-            <a:ext cx="1345240" cy="246221"/>
-          </a:xfrm>
-          <a:prstGeom prst="rect">
-            <a:avLst/>
-          </a:prstGeom>
-          <a:noFill/>
-        </p:spPr>
-        <p:txBody>
-          <a:bodyPr wrap="none" rtlCol="0">
-            <a:spAutoFit/>
-          </a:bodyPr>
-          <a:lstStyle/>
-          <a:p>
-            <a:r>
-              <a:rPr lang="en-US" sz="1000" dirty="0" smtClean="0"/>
-              <a:t>Get/Reject Permission</a:t>
-            </a:r>
-            <a:endParaRPr lang="en-US" sz="1000" dirty="0"/>
-          </a:p>
-        </p:txBody>
-      </p:sp>
-      <p:cxnSp>
-        <p:nvCxnSpPr>
-          <p:cNvPr id="111" name="Elbow Connector 11"/>
-          <p:cNvCxnSpPr>
-            <a:stCxn id="98" idx="4"/>
-            <a:endCxn id="4" idx="1"/>
-          </p:cNvCxnSpPr>
-          <p:nvPr/>
-        </p:nvCxnSpPr>
-        <p:spPr>
-          <a:xfrm rot="5400000">
-            <a:off x="4167328" y="1096216"/>
-            <a:ext cx="929388" cy="1022956"/>
-          </a:xfrm>
-          <a:prstGeom prst="bentConnector3">
-            <a:avLst>
-              <a:gd name="adj1" fmla="val 50000"/>
-            </a:avLst>
-          </a:prstGeom>
-          <a:ln>
-            <a:headEnd type="none"/>
-            <a:tailEnd type="triangle" w="lg" len="lg"/>
-          </a:ln>
-        </p:spPr>
-        <p:style>
-          <a:lnRef idx="1">
-            <a:schemeClr val="dk1"/>
-          </a:lnRef>
-          <a:fillRef idx="0">
-            <a:schemeClr val="dk1"/>
-          </a:fillRef>
-          <a:effectRef idx="0">
-            <a:schemeClr val="dk1"/>
-          </a:effectRef>
-          <a:fontRef idx="minor">
-            <a:schemeClr val="tx1"/>
-          </a:fontRef>
-        </p:style>
-      </p:cxnSp>
-      <p:sp>
-        <p:nvSpPr>
-          <p:cNvPr id="118" name="TextBox 117"/>
-          <p:cNvSpPr txBox="1"/>
-          <p:nvPr/>
-        </p:nvSpPr>
-        <p:spPr>
-          <a:xfrm>
-            <a:off x="4038600" y="1430179"/>
-            <a:ext cx="902811" cy="246221"/>
-          </a:xfrm>
-          <a:prstGeom prst="rect">
-            <a:avLst/>
-          </a:prstGeom>
-          <a:noFill/>
-        </p:spPr>
-        <p:txBody>
-          <a:bodyPr wrap="none" rtlCol="0">
-            <a:spAutoFit/>
-          </a:bodyPr>
-          <a:lstStyle/>
-          <a:p>
-            <a:r>
-              <a:rPr lang="en-US" sz="1000" dirty="0" smtClean="0"/>
-              <a:t>Visitor Details</a:t>
-            </a:r>
-            <a:endParaRPr lang="en-US" sz="1000" dirty="0"/>
-          </a:p>
-        </p:txBody>
-      </p:sp>
-      <p:cxnSp>
-        <p:nvCxnSpPr>
-          <p:cNvPr id="119" name="Elbow Connector 11"/>
-          <p:cNvCxnSpPr>
-            <a:stCxn id="4" idx="7"/>
-            <a:endCxn id="98" idx="5"/>
-          </p:cNvCxnSpPr>
-          <p:nvPr/>
-        </p:nvCxnSpPr>
-        <p:spPr>
-          <a:xfrm rot="5400000" flipH="1" flipV="1">
-            <a:off x="4916486" y="1333500"/>
-            <a:ext cx="1074458" cy="403318"/>
-          </a:xfrm>
-          <a:prstGeom prst="bentConnector3">
-            <a:avLst>
-              <a:gd name="adj1" fmla="val 50000"/>
-            </a:avLst>
-          </a:prstGeom>
-          <a:ln>
-            <a:headEnd type="none"/>
-            <a:tailEnd type="triangle" w="lg" len="lg"/>
-          </a:ln>
-        </p:spPr>
-        <p:style>
-          <a:lnRef idx="1">
-            <a:schemeClr val="dk1"/>
-          </a:lnRef>
-          <a:fillRef idx="0">
-            <a:schemeClr val="dk1"/>
-          </a:fillRef>
-          <a:effectRef idx="0">
-            <a:schemeClr val="dk1"/>
-          </a:effectRef>
-          <a:fontRef idx="minor">
-            <a:schemeClr val="tx1"/>
-          </a:fontRef>
-        </p:style>
-      </p:cxnSp>
-      <p:sp>
-        <p:nvSpPr>
-          <p:cNvPr id="125" name="TextBox 124"/>
-          <p:cNvSpPr txBox="1"/>
-          <p:nvPr/>
-        </p:nvSpPr>
-        <p:spPr>
-          <a:xfrm>
-            <a:off x="5181600" y="1524000"/>
-            <a:ext cx="1117614" cy="246221"/>
-          </a:xfrm>
-          <a:prstGeom prst="rect">
-            <a:avLst/>
-          </a:prstGeom>
-          <a:noFill/>
-        </p:spPr>
-        <p:txBody>
-          <a:bodyPr wrap="none" rtlCol="0">
-            <a:spAutoFit/>
-          </a:bodyPr>
-          <a:lstStyle/>
-          <a:p>
-            <a:r>
-              <a:rPr lang="en-US" sz="1000" dirty="0" smtClean="0"/>
-              <a:t>Visitor Permission</a:t>
-            </a:r>
-            <a:endParaRPr lang="en-US" sz="1000" dirty="0"/>
-          </a:p>
-        </p:txBody>
-      </p:sp>
-      <p:cxnSp>
-        <p:nvCxnSpPr>
-          <p:cNvPr id="127" name="Elbow Connector 11"/>
-          <p:cNvCxnSpPr>
-            <a:stCxn id="98" idx="3"/>
-            <a:endCxn id="73" idx="7"/>
-          </p:cNvCxnSpPr>
-          <p:nvPr/>
-        </p:nvCxnSpPr>
-        <p:spPr>
-          <a:xfrm rot="5400000">
-            <a:off x="3398230" y="511874"/>
-            <a:ext cx="747340" cy="1719452"/>
-          </a:xfrm>
-          <a:prstGeom prst="bentConnector3">
-            <a:avLst>
-              <a:gd name="adj1" fmla="val 50000"/>
-            </a:avLst>
-          </a:prstGeom>
-          <a:ln>
-            <a:headEnd type="none"/>
-            <a:tailEnd type="triangle" w="lg" len="lg"/>
-          </a:ln>
-        </p:spPr>
-        <p:style>
-          <a:lnRef idx="1">
-            <a:schemeClr val="dk1"/>
-          </a:lnRef>
-          <a:fillRef idx="0">
-            <a:schemeClr val="dk1"/>
-          </a:fillRef>
-          <a:effectRef idx="0">
-            <a:schemeClr val="dk1"/>
-          </a:effectRef>
-          <a:fontRef idx="minor">
-            <a:schemeClr val="tx1"/>
-          </a:fontRef>
-        </p:style>
-      </p:cxnSp>
-      <p:sp>
-        <p:nvSpPr>
-          <p:cNvPr id="134" name="TextBox 133"/>
-          <p:cNvSpPr txBox="1"/>
-          <p:nvPr/>
-        </p:nvSpPr>
-        <p:spPr>
-          <a:xfrm>
-            <a:off x="3276600" y="1125379"/>
-            <a:ext cx="753732" cy="246221"/>
-          </a:xfrm>
-          <a:prstGeom prst="rect">
-            <a:avLst/>
-          </a:prstGeom>
-          <a:noFill/>
-        </p:spPr>
-        <p:txBody>
-          <a:bodyPr wrap="none" rtlCol="0">
-            <a:spAutoFit/>
-          </a:bodyPr>
-          <a:lstStyle/>
-          <a:p>
-            <a:r>
-              <a:rPr lang="en-US" sz="1000" dirty="0" smtClean="0"/>
-              <a:t>Visitor Info</a:t>
-            </a:r>
-            <a:endParaRPr lang="en-US" sz="1000" dirty="0"/>
-          </a:p>
-        </p:txBody>
-      </p:sp>
-      <p:sp>
-        <p:nvSpPr>
-          <p:cNvPr id="74" name="TextBox 73"/>
-          <p:cNvSpPr txBox="1"/>
-          <p:nvPr/>
-        </p:nvSpPr>
-        <p:spPr>
-          <a:xfrm>
-            <a:off x="2057400" y="2667000"/>
-            <a:ext cx="857927" cy="246221"/>
-          </a:xfrm>
-          <a:prstGeom prst="rect">
-            <a:avLst/>
-          </a:prstGeom>
-          <a:noFill/>
-        </p:spPr>
-        <p:txBody>
-          <a:bodyPr wrap="none" rtlCol="0">
-            <a:spAutoFit/>
-          </a:bodyPr>
-          <a:lstStyle/>
-          <a:p>
-            <a:r>
-              <a:rPr lang="en-US" sz="1000" dirty="0" smtClean="0"/>
-              <a:t>Do Response</a:t>
-            </a:r>
-          </a:p>
-        </p:txBody>
-      </p:sp>
-      <p:cxnSp>
-        <p:nvCxnSpPr>
-          <p:cNvPr id="75" name="Elbow Connector 11"/>
-          <p:cNvCxnSpPr>
-            <a:stCxn id="6" idx="0"/>
-          </p:cNvCxnSpPr>
-          <p:nvPr/>
-        </p:nvCxnSpPr>
-        <p:spPr>
-          <a:xfrm rot="5400000" flipH="1" flipV="1">
-            <a:off x="2000250" y="1924050"/>
-            <a:ext cx="1143000" cy="2628900"/>
-          </a:xfrm>
-          <a:prstGeom prst="bentConnector2">
-            <a:avLst/>
-          </a:prstGeom>
-          <a:ln>
-            <a:headEnd type="none"/>
-            <a:tailEnd type="triangle" w="lg" len="lg"/>
-          </a:ln>
-        </p:spPr>
-        <p:style>
-          <a:lnRef idx="1">
-            <a:schemeClr val="dk1"/>
-          </a:lnRef>
-          <a:fillRef idx="0">
-            <a:schemeClr val="dk1"/>
-          </a:fillRef>
-          <a:effectRef idx="0">
-            <a:schemeClr val="dk1"/>
-          </a:effectRef>
-          <a:fontRef idx="minor">
-            <a:schemeClr val="tx1"/>
-          </a:fontRef>
-        </p:style>
-      </p:cxnSp>
-      <p:cxnSp>
-        <p:nvCxnSpPr>
-          <p:cNvPr id="83" name="Elbow Connector 11"/>
-          <p:cNvCxnSpPr/>
-          <p:nvPr/>
-        </p:nvCxnSpPr>
-        <p:spPr>
-          <a:xfrm rot="10800000" flipV="1">
-            <a:off x="1600200" y="2895600"/>
-            <a:ext cx="2514600" cy="914400"/>
-          </a:xfrm>
-          <a:prstGeom prst="bentConnector3">
-            <a:avLst>
-              <a:gd name="adj1" fmla="val 99894"/>
-            </a:avLst>
-          </a:prstGeom>
-          <a:ln>
-            <a:headEnd type="none"/>
-            <a:tailEnd type="triangle" w="lg" len="lg"/>
-          </a:ln>
-        </p:spPr>
-        <p:style>
-          <a:lnRef idx="1">
-            <a:schemeClr val="dk1"/>
-          </a:lnRef>
-          <a:fillRef idx="0">
-            <a:schemeClr val="dk1"/>
-          </a:fillRef>
-          <a:effectRef idx="0">
-            <a:schemeClr val="dk1"/>
-          </a:effectRef>
-          <a:fontRef idx="minor">
-            <a:schemeClr val="tx1"/>
-          </a:fontRef>
-        </p:style>
       </p:cxnSp>
     </p:spTree>
   </p:cSld>

--- a/report/SecurityManagementSystem-Diagrams.pptx
+++ b/report/SecurityManagementSystem-Diagrams.pptx
@@ -5,8 +5,12 @@
     <p:sldMasterId id="2147483648" r:id="rId1"/>
   </p:sldMasterIdLst>
   <p:sldIdLst>
-    <p:sldId id="256" r:id="rId2"/>
-    <p:sldId id="259" r:id="rId3"/>
+    <p:sldId id="263" r:id="rId2"/>
+    <p:sldId id="264" r:id="rId3"/>
+    <p:sldId id="260" r:id="rId4"/>
+    <p:sldId id="265" r:id="rId5"/>
+    <p:sldId id="261" r:id="rId6"/>
+    <p:sldId id="262" r:id="rId7"/>
   </p:sldIdLst>
   <p:sldSz cx="9144000" cy="6858000" type="screen4x3"/>
   <p:notesSz cx="6858000" cy="9144000"/>
@@ -329,7 +333,7 @@
               <a:pPr>
                 <a:defRPr/>
               </a:pPr>
-              <a:t>29-Dec-12</a:t>
+              <a:t>12/29/2012</a:t>
             </a:fld>
             <a:endParaRPr lang="en-US"/>
           </a:p>
@@ -521,7 +525,7 @@
               <a:pPr>
                 <a:defRPr/>
               </a:pPr>
-              <a:t>29-Dec-12</a:t>
+              <a:t>12/29/2012</a:t>
             </a:fld>
             <a:endParaRPr lang="en-US"/>
           </a:p>
@@ -723,7 +727,7 @@
               <a:pPr>
                 <a:defRPr/>
               </a:pPr>
-              <a:t>29-Dec-12</a:t>
+              <a:t>12/29/2012</a:t>
             </a:fld>
             <a:endParaRPr lang="en-US"/>
           </a:p>
@@ -915,7 +919,7 @@
               <a:pPr>
                 <a:defRPr/>
               </a:pPr>
-              <a:t>29-Dec-12</a:t>
+              <a:t>12/29/2012</a:t>
             </a:fld>
             <a:endParaRPr lang="en-US"/>
           </a:p>
@@ -1183,7 +1187,7 @@
               <a:pPr>
                 <a:defRPr/>
               </a:pPr>
-              <a:t>29-Dec-12</a:t>
+              <a:t>12/29/2012</a:t>
             </a:fld>
             <a:endParaRPr lang="en-US"/>
           </a:p>
@@ -1493,7 +1497,7 @@
               <a:pPr>
                 <a:defRPr/>
               </a:pPr>
-              <a:t>29-Dec-12</a:t>
+              <a:t>12/29/2012</a:t>
             </a:fld>
             <a:endParaRPr lang="en-US"/>
           </a:p>
@@ -1937,7 +1941,7 @@
               <a:pPr>
                 <a:defRPr/>
               </a:pPr>
-              <a:t>29-Dec-12</a:t>
+              <a:t>12/29/2012</a:t>
             </a:fld>
             <a:endParaRPr lang="en-US"/>
           </a:p>
@@ -2077,7 +2081,7 @@
               <a:pPr>
                 <a:defRPr/>
               </a:pPr>
-              <a:t>29-Dec-12</a:t>
+              <a:t>12/29/2012</a:t>
             </a:fld>
             <a:endParaRPr lang="en-US"/>
           </a:p>
@@ -2194,7 +2198,7 @@
               <a:pPr>
                 <a:defRPr/>
               </a:pPr>
-              <a:t>29-Dec-12</a:t>
+              <a:t>12/29/2012</a:t>
             </a:fld>
             <a:endParaRPr lang="en-US"/>
           </a:p>
@@ -2493,7 +2497,7 @@
               <a:pPr>
                 <a:defRPr/>
               </a:pPr>
-              <a:t>29-Dec-12</a:t>
+              <a:t>12/29/2012</a:t>
             </a:fld>
             <a:endParaRPr lang="en-US"/>
           </a:p>
@@ -2771,7 +2775,7 @@
               <a:pPr>
                 <a:defRPr/>
               </a:pPr>
-              <a:t>29-Dec-12</a:t>
+              <a:t>12/29/2012</a:t>
             </a:fld>
             <a:endParaRPr lang="en-US"/>
           </a:p>
@@ -3027,7 +3031,7 @@
               <a:pPr>
                 <a:defRPr/>
               </a:pPr>
-              <a:t>29-Dec-12</a:t>
+              <a:t>12/29/2012</a:t>
             </a:fld>
             <a:endParaRPr lang="en-US"/>
           </a:p>
@@ -3632,7 +3636,6 @@
               <a:rPr lang="en-US" dirty="0"/>
               <a:t>System</a:t>
             </a:r>
-            <a:endParaRPr lang="en-US" dirty="0"/>
           </a:p>
         </p:txBody>
       </p:sp>
@@ -3682,7 +3685,6 @@
               <a:rPr lang="en-US" dirty="0"/>
               <a:t>Member</a:t>
             </a:r>
-            <a:endParaRPr lang="en-US" dirty="0"/>
           </a:p>
         </p:txBody>
       </p:sp>
@@ -3732,7 +3734,6 @@
               <a:rPr lang="en-US" dirty="0"/>
               <a:t>Admin</a:t>
             </a:r>
-            <a:endParaRPr lang="en-US" dirty="0"/>
           </a:p>
         </p:txBody>
       </p:sp>
@@ -3782,7 +3783,6 @@
               <a:rPr lang="en-US" dirty="0"/>
               <a:t>Visitor</a:t>
             </a:r>
-            <a:endParaRPr lang="en-US" dirty="0"/>
           </a:p>
         </p:txBody>
       </p:sp>
@@ -3832,7 +3832,6 @@
               <a:rPr lang="en-US" dirty="0"/>
               <a:t>Employee</a:t>
             </a:r>
-            <a:endParaRPr lang="en-US" dirty="0"/>
           </a:p>
         </p:txBody>
       </p:sp>
@@ -3882,7 +3881,6 @@
               <a:rPr lang="en-US" dirty="0"/>
               <a:t>Alarm</a:t>
             </a:r>
-            <a:endParaRPr lang="en-US" dirty="0"/>
           </a:p>
         </p:txBody>
       </p:sp>
@@ -3932,7 +3930,6 @@
               <a:rPr lang="en-US" dirty="0"/>
               <a:t>Preference</a:t>
             </a:r>
-            <a:endParaRPr lang="en-US" dirty="0"/>
           </a:p>
         </p:txBody>
       </p:sp>
@@ -5078,50 +5075,60 @@
           <a:bodyPr anchor="ctr"/>
           <a:lstStyle/>
           <a:p>
-            <a:pPr algn="ctr" fontAlgn="auto">
-              <a:spcBef>
-                <a:spcPts val="0"/>
-              </a:spcBef>
-              <a:spcAft>
-                <a:spcPts val="0"/>
-              </a:spcAft>
+            <a:pPr algn="ctr">
               <a:defRPr/>
             </a:pPr>
             <a:r>
-              <a:rPr lang="en-US" sz="1200" b="1" dirty="0"/>
+              <a:rPr lang="en-US" sz="1200" b="1">
+                <a:solidFill>
+                  <a:srgbClr val="000000"/>
+                </a:solidFill>
+                <a:cs typeface="Arial" charset="0"/>
+              </a:rPr>
               <a:t>Security</a:t>
             </a:r>
           </a:p>
           <a:p>
-            <a:pPr algn="ctr" fontAlgn="auto">
-              <a:spcBef>
-                <a:spcPts val="0"/>
-              </a:spcBef>
-              <a:spcAft>
-                <a:spcPts val="0"/>
-              </a:spcAft>
+            <a:pPr algn="ctr">
               <a:defRPr/>
             </a:pPr>
             <a:r>
-              <a:rPr lang="en-US" sz="1200" b="1" dirty="0"/>
+              <a:rPr lang="en-US" sz="1200" b="1">
+                <a:solidFill>
+                  <a:srgbClr val="000000"/>
+                </a:solidFill>
+                <a:cs typeface="Arial" charset="0"/>
+              </a:rPr>
               <a:t>Management </a:t>
             </a:r>
           </a:p>
           <a:p>
-            <a:pPr algn="ctr" fontAlgn="auto">
-              <a:spcBef>
-                <a:spcPts val="0"/>
-              </a:spcBef>
-              <a:spcAft>
-                <a:spcPts val="0"/>
-              </a:spcAft>
+            <a:pPr algn="ctr">
               <a:defRPr/>
             </a:pPr>
             <a:r>
-              <a:rPr lang="en-US" sz="1200" b="1" dirty="0"/>
+              <a:rPr lang="en-US" sz="1200" b="1">
+                <a:solidFill>
+                  <a:srgbClr val="000000"/>
+                </a:solidFill>
+                <a:cs typeface="Arial" charset="0"/>
+              </a:rPr>
               <a:t>System</a:t>
             </a:r>
-            <a:endParaRPr lang="en-US" sz="1200" b="1" dirty="0"/>
+          </a:p>
+          <a:p>
+            <a:pPr algn="ctr">
+              <a:defRPr/>
+            </a:pPr>
+            <a:r>
+              <a:rPr lang="en-US" sz="1200" b="1">
+                <a:solidFill>
+                  <a:srgbClr val="000000"/>
+                </a:solidFill>
+                <a:cs typeface="Arial" charset="0"/>
+              </a:rPr>
+              <a:t>1</a:t>
+            </a:r>
           </a:p>
         </p:txBody>
       </p:sp>
@@ -5171,7 +5178,6 @@
               <a:rPr lang="en-US" dirty="0"/>
               <a:t>Visitor</a:t>
             </a:r>
-            <a:endParaRPr lang="en-US" dirty="0"/>
           </a:p>
         </p:txBody>
       </p:sp>
@@ -5208,7 +5214,9 @@
           <a:bodyPr anchor="ctr"/>
           <a:lstStyle/>
           <a:p>
-            <a:pPr algn="ctr"/>
+            <a:pPr algn="ctr">
+              <a:defRPr/>
+            </a:pPr>
             <a:r>
               <a:rPr lang="en-US" sz="1200" b="1">
                 <a:solidFill>
@@ -5229,7 +5237,7 @@
         </p:nvSpPr>
         <p:spPr>
           <a:xfrm>
-            <a:off x="6634163" y="5122863"/>
+            <a:off x="6804025" y="5122863"/>
             <a:ext cx="663575" cy="300037"/>
           </a:xfrm>
           <a:prstGeom prst="rect">
@@ -5254,7 +5262,9 @@
           <a:bodyPr anchor="ctr"/>
           <a:lstStyle/>
           <a:p>
-            <a:pPr algn="ctr"/>
+            <a:pPr algn="ctr">
+              <a:defRPr/>
+            </a:pPr>
             <a:r>
               <a:rPr lang="en-US" sz="1200" b="1">
                 <a:solidFill>
@@ -5300,7 +5310,9 @@
           <a:bodyPr anchor="ctr"/>
           <a:lstStyle/>
           <a:p>
-            <a:pPr algn="ctr"/>
+            <a:pPr algn="ctr">
+              <a:defRPr/>
+            </a:pPr>
             <a:r>
               <a:rPr lang="en-US" sz="1200">
                 <a:solidFill>
@@ -5315,23 +5327,20 @@
       </p:sp>
       <p:cxnSp>
         <p:nvCxnSpPr>
-          <p:cNvPr id="17" name="Elbow Connector 11"/>
+          <p:cNvPr id="14342" name="Elbow Connector 11"/>
           <p:cNvCxnSpPr>
             <a:cxnSpLocks noChangeShapeType="1"/>
-            <a:stCxn id="0" idx="5"/>
-            <a:endCxn id="0" idx="3"/>
+            <a:endCxn id="35" idx="3"/>
           </p:cNvCxnSpPr>
           <p:nvPr/>
         </p:nvCxnSpPr>
         <p:spPr bwMode="auto">
-          <a:xfrm rot="5400000" flipH="1" flipV="1">
-            <a:off x="4442619" y="3790157"/>
-            <a:ext cx="1657350" cy="2252662"/>
-          </a:xfrm>
-          <a:prstGeom prst="bentConnector3">
-            <a:avLst>
-              <a:gd name="adj1" fmla="val -4833"/>
-            </a:avLst>
+          <a:xfrm flipV="1">
+            <a:off x="4144963" y="4087813"/>
+            <a:ext cx="2509837" cy="1657350"/>
+          </a:xfrm>
+          <a:prstGeom prst="bentConnector2">
+            <a:avLst/>
           </a:prstGeom>
           <a:noFill/>
           <a:ln w="9525" algn="ctr">
@@ -5383,11 +5392,9 @@
       </p:cxnSp>
       <p:cxnSp>
         <p:nvCxnSpPr>
-          <p:cNvPr id="15" name="Elbow Connector 11"/>
+          <p:cNvPr id="14344" name="Elbow Connector 11"/>
           <p:cNvCxnSpPr>
             <a:cxnSpLocks noChangeShapeType="1"/>
-            <a:stCxn id="0" idx="1"/>
-            <a:endCxn id="0" idx="0"/>
           </p:cNvCxnSpPr>
           <p:nvPr/>
         </p:nvCxnSpPr>
@@ -5415,10 +5422,9 @@
       </p:cxnSp>
       <p:cxnSp>
         <p:nvCxnSpPr>
-          <p:cNvPr id="18" name="Elbow Connector 11"/>
+          <p:cNvPr id="14345" name="Elbow Connector 11"/>
           <p:cNvCxnSpPr>
             <a:cxnSpLocks noChangeShapeType="1"/>
-            <a:stCxn id="0" idx="6"/>
             <a:endCxn id="10" idx="3"/>
           </p:cNvCxnSpPr>
           <p:nvPr/>
@@ -5485,18 +5491,17 @@
       </p:cxnSp>
       <p:cxnSp>
         <p:nvCxnSpPr>
-          <p:cNvPr id="28" name="Elbow Connector 11"/>
+          <p:cNvPr id="14347" name="Elbow Connector 11"/>
           <p:cNvCxnSpPr>
             <a:cxnSpLocks noChangeShapeType="1"/>
             <a:stCxn id="9" idx="3"/>
-            <a:endCxn id="0" idx="4"/>
           </p:cNvCxnSpPr>
           <p:nvPr/>
         </p:nvCxnSpPr>
         <p:spPr bwMode="auto">
           <a:xfrm flipH="1" flipV="1">
-            <a:off x="6892925" y="4230688"/>
-            <a:ext cx="417513" cy="1041400"/>
+            <a:off x="7062788" y="4232275"/>
+            <a:ext cx="417512" cy="1041400"/>
           </a:xfrm>
           <a:prstGeom prst="bentConnector4">
             <a:avLst>
@@ -5548,7 +5553,9 @@
           <a:bodyPr anchor="ctr"/>
           <a:lstStyle/>
           <a:p>
-            <a:pPr algn="ctr"/>
+            <a:pPr algn="ctr">
+              <a:defRPr/>
+            </a:pPr>
             <a:r>
               <a:rPr lang="en-US" sz="1200" b="1">
                 <a:solidFill>
@@ -5637,7 +5644,7 @@
       </p:cxnSp>
       <p:sp>
         <p:nvSpPr>
-          <p:cNvPr id="16404" name="TextBox 38"/>
+          <p:cNvPr id="14351" name="TextBox 38"/>
           <p:cNvSpPr txBox="1">
             <a:spLocks noChangeArrowheads="1"/>
           </p:cNvSpPr>
@@ -5676,7 +5683,7 @@
       </p:sp>
       <p:sp>
         <p:nvSpPr>
-          <p:cNvPr id="16405" name="TextBox 39"/>
+          <p:cNvPr id="14352" name="TextBox 39"/>
           <p:cNvSpPr txBox="1">
             <a:spLocks noChangeArrowheads="1"/>
           </p:cNvSpPr>
@@ -5715,7 +5722,7 @@
       </p:sp>
       <p:sp>
         <p:nvSpPr>
-          <p:cNvPr id="16407" name="TextBox 41"/>
+          <p:cNvPr id="14353" name="TextBox 41"/>
           <p:cNvSpPr txBox="1">
             <a:spLocks noChangeArrowheads="1"/>
           </p:cNvSpPr>
@@ -5754,7 +5761,7 @@
       </p:sp>
       <p:sp>
         <p:nvSpPr>
-          <p:cNvPr id="16410" name="TextBox 47"/>
+          <p:cNvPr id="14354" name="TextBox 47"/>
           <p:cNvSpPr txBox="1">
             <a:spLocks noChangeArrowheads="1"/>
           </p:cNvSpPr>
@@ -5793,7 +5800,7 @@
       </p:sp>
       <p:sp>
         <p:nvSpPr>
-          <p:cNvPr id="16412" name="TextBox 49"/>
+          <p:cNvPr id="14355" name="TextBox 49"/>
           <p:cNvSpPr txBox="1">
             <a:spLocks noChangeArrowheads="1"/>
           </p:cNvSpPr>
@@ -5801,7 +5808,7 @@
         </p:nvSpPr>
         <p:spPr bwMode="auto">
           <a:xfrm>
-            <a:off x="5160963" y="3540125"/>
+            <a:off x="5207000" y="3717925"/>
             <a:ext cx="1270000" cy="244475"/>
           </a:xfrm>
           <a:prstGeom prst="rect">
@@ -5832,7 +5839,7 @@
       </p:sp>
       <p:sp>
         <p:nvSpPr>
-          <p:cNvPr id="16413" name="TextBox 50"/>
+          <p:cNvPr id="14356" name="TextBox 50"/>
           <p:cNvSpPr txBox="1">
             <a:spLocks noChangeArrowheads="1"/>
           </p:cNvSpPr>
@@ -5840,7 +5847,7 @@
         </p:nvSpPr>
         <p:spPr bwMode="auto">
           <a:xfrm>
-            <a:off x="6827838" y="4429125"/>
+            <a:off x="6981825" y="4429125"/>
             <a:ext cx="790575" cy="244475"/>
           </a:xfrm>
           <a:prstGeom prst="rect">
@@ -5871,7 +5878,7 @@
       </p:sp>
       <p:sp>
         <p:nvSpPr>
-          <p:cNvPr id="16414" name="TextBox 51"/>
+          <p:cNvPr id="14357" name="TextBox 51"/>
           <p:cNvSpPr txBox="1">
             <a:spLocks noChangeArrowheads="1"/>
           </p:cNvSpPr>
@@ -5910,7 +5917,7 @@
       </p:sp>
       <p:sp>
         <p:nvSpPr>
-          <p:cNvPr id="16415" name="TextBox 52"/>
+          <p:cNvPr id="14358" name="TextBox 52"/>
           <p:cNvSpPr txBox="1">
             <a:spLocks noChangeArrowheads="1"/>
           </p:cNvSpPr>
@@ -5949,7 +5956,7 @@
       </p:sp>
       <p:sp>
         <p:nvSpPr>
-          <p:cNvPr id="16416" name="TextBox 53"/>
+          <p:cNvPr id="14359" name="TextBox 53"/>
           <p:cNvSpPr txBox="1">
             <a:spLocks noChangeArrowheads="1"/>
           </p:cNvSpPr>
@@ -5988,7 +5995,7 @@
       </p:sp>
       <p:cxnSp>
         <p:nvCxnSpPr>
-          <p:cNvPr id="57" name="Elbow Connector 11"/>
+          <p:cNvPr id="14360" name="Elbow Connector 11"/>
           <p:cNvCxnSpPr>
             <a:cxnSpLocks noChangeShapeType="1"/>
             <a:stCxn id="7" idx="0"/>
@@ -6019,7 +6026,7 @@
       </p:cxnSp>
       <p:sp>
         <p:nvSpPr>
-          <p:cNvPr id="16419" name="TextBox 59"/>
+          <p:cNvPr id="14361" name="TextBox 59"/>
           <p:cNvSpPr txBox="1">
             <a:spLocks noChangeArrowheads="1"/>
           </p:cNvSpPr>
@@ -6058,7 +6065,7 @@
       </p:sp>
       <p:grpSp>
         <p:nvGrpSpPr>
-          <p:cNvPr id="16420" name="Group 45"/>
+          <p:cNvPr id="13" name="Group 45"/>
           <p:cNvGrpSpPr>
             <a:grpSpLocks/>
           </p:cNvGrpSpPr>
@@ -6119,7 +6126,6 @@
                 <a:rPr lang="en-US" sz="1000" dirty="0"/>
                 <a:t>D1            Member Details</a:t>
               </a:r>
-              <a:endParaRPr lang="en-US" sz="1000" dirty="0"/>
             </a:p>
           </p:txBody>
         </p:sp>
@@ -6156,7 +6162,7 @@
       </p:grpSp>
       <p:grpSp>
         <p:nvGrpSpPr>
-          <p:cNvPr id="16421" name="Group 46"/>
+          <p:cNvPr id="15" name="Group 46"/>
           <p:cNvGrpSpPr>
             <a:grpSpLocks/>
           </p:cNvGrpSpPr>
@@ -6217,7 +6223,6 @@
                 <a:rPr lang="en-US" sz="1000" dirty="0"/>
                 <a:t>D2                Visitor Details</a:t>
               </a:r>
-              <a:endParaRPr lang="en-US" sz="1000" dirty="0"/>
             </a:p>
           </p:txBody>
         </p:sp>
@@ -6285,35 +6290,46 @@
           <a:bodyPr anchor="ctr"/>
           <a:lstStyle/>
           <a:p>
-            <a:pPr algn="ctr" fontAlgn="auto">
-              <a:spcBef>
-                <a:spcPts val="0"/>
-              </a:spcBef>
-              <a:spcAft>
-                <a:spcPts val="0"/>
-              </a:spcAft>
+            <a:pPr algn="ctr">
               <a:defRPr/>
             </a:pPr>
             <a:r>
-              <a:rPr lang="en-US" sz="1200" dirty="0"/>
+              <a:rPr lang="en-US" sz="1200">
+                <a:solidFill>
+                  <a:srgbClr val="000000"/>
+                </a:solidFill>
+                <a:cs typeface="Arial" charset="0"/>
+              </a:rPr>
               <a:t>Member</a:t>
             </a:r>
           </a:p>
           <a:p>
-            <a:pPr algn="ctr" fontAlgn="auto">
-              <a:spcBef>
-                <a:spcPts val="0"/>
-              </a:spcBef>
-              <a:spcAft>
-                <a:spcPts val="0"/>
-              </a:spcAft>
+            <a:pPr algn="ctr">
               <a:defRPr/>
             </a:pPr>
             <a:r>
-              <a:rPr lang="en-US" sz="1200" dirty="0"/>
+              <a:rPr lang="en-US" sz="1200">
+                <a:solidFill>
+                  <a:srgbClr val="000000"/>
+                </a:solidFill>
+                <a:cs typeface="Arial" charset="0"/>
+              </a:rPr>
               <a:t>Management</a:t>
             </a:r>
-            <a:endParaRPr lang="en-US" sz="1200" dirty="0"/>
+          </a:p>
+          <a:p>
+            <a:pPr algn="ctr">
+              <a:defRPr/>
+            </a:pPr>
+            <a:r>
+              <a:rPr lang="en-US" sz="1200">
+                <a:solidFill>
+                  <a:srgbClr val="000000"/>
+                </a:solidFill>
+                <a:cs typeface="Arial" charset="0"/>
+              </a:rPr>
+              <a:t>3</a:t>
+            </a:r>
           </a:p>
         </p:txBody>
       </p:sp>
@@ -6359,7 +6375,7 @@
       </p:cxnSp>
       <p:sp>
         <p:nvSpPr>
-          <p:cNvPr id="16428" name="TextBox 78"/>
+          <p:cNvPr id="14366" name="TextBox 78"/>
           <p:cNvSpPr txBox="1">
             <a:spLocks noChangeArrowheads="1"/>
           </p:cNvSpPr>
@@ -6437,7 +6453,7 @@
       </p:cxnSp>
       <p:sp>
         <p:nvSpPr>
-          <p:cNvPr id="16430" name="TextBox 96"/>
+          <p:cNvPr id="14368" name="TextBox 96"/>
           <p:cNvSpPr txBox="1">
             <a:spLocks noChangeArrowheads="1"/>
           </p:cNvSpPr>
@@ -6507,41 +6523,52 @@
           <a:bodyPr anchor="ctr"/>
           <a:lstStyle/>
           <a:p>
-            <a:pPr algn="ctr" fontAlgn="auto">
-              <a:spcBef>
-                <a:spcPts val="0"/>
-              </a:spcBef>
-              <a:spcAft>
-                <a:spcPts val="0"/>
-              </a:spcAft>
+            <a:pPr algn="ctr">
               <a:defRPr/>
             </a:pPr>
             <a:r>
-              <a:rPr lang="en-US" sz="1200" dirty="0"/>
+              <a:rPr lang="en-US" sz="1200">
+                <a:solidFill>
+                  <a:srgbClr val="000000"/>
+                </a:solidFill>
+                <a:cs typeface="Arial" charset="0"/>
+              </a:rPr>
               <a:t>Visitor</a:t>
             </a:r>
           </a:p>
           <a:p>
-            <a:pPr algn="ctr" fontAlgn="auto">
-              <a:spcBef>
-                <a:spcPts val="0"/>
-              </a:spcBef>
-              <a:spcAft>
-                <a:spcPts val="0"/>
-              </a:spcAft>
+            <a:pPr algn="ctr">
               <a:defRPr/>
             </a:pPr>
             <a:r>
-              <a:rPr lang="en-US" sz="1200" dirty="0"/>
+              <a:rPr lang="en-US" sz="1200">
+                <a:solidFill>
+                  <a:srgbClr val="000000"/>
+                </a:solidFill>
+                <a:cs typeface="Arial" charset="0"/>
+              </a:rPr>
               <a:t>Management</a:t>
             </a:r>
-            <a:endParaRPr lang="en-US" sz="1200" dirty="0"/>
-          </a:p>
-        </p:txBody>
-      </p:sp>
-      <p:sp>
-        <p:nvSpPr>
-          <p:cNvPr id="16432" name="TextBox 109"/>
+          </a:p>
+          <a:p>
+            <a:pPr algn="ctr">
+              <a:defRPr/>
+            </a:pPr>
+            <a:r>
+              <a:rPr lang="en-US" sz="1200">
+                <a:solidFill>
+                  <a:srgbClr val="000000"/>
+                </a:solidFill>
+                <a:cs typeface="Arial" charset="0"/>
+              </a:rPr>
+              <a:t>2</a:t>
+            </a:r>
+          </a:p>
+        </p:txBody>
+      </p:sp>
+      <p:sp>
+        <p:nvSpPr>
+          <p:cNvPr id="14370" name="TextBox 109"/>
           <p:cNvSpPr txBox="1">
             <a:spLocks noChangeArrowheads="1"/>
           </p:cNvSpPr>
@@ -6619,7 +6646,7 @@
       </p:cxnSp>
       <p:sp>
         <p:nvSpPr>
-          <p:cNvPr id="16434" name="TextBox 117"/>
+          <p:cNvPr id="14372" name="TextBox 117"/>
           <p:cNvSpPr txBox="1">
             <a:spLocks noChangeArrowheads="1"/>
           </p:cNvSpPr>
@@ -6697,7 +6724,7 @@
       </p:cxnSp>
       <p:sp>
         <p:nvSpPr>
-          <p:cNvPr id="16436" name="TextBox 124"/>
+          <p:cNvPr id="14374" name="TextBox 124"/>
           <p:cNvSpPr txBox="1">
             <a:spLocks noChangeArrowheads="1"/>
           </p:cNvSpPr>
@@ -6775,7 +6802,7 @@
       </p:cxnSp>
       <p:sp>
         <p:nvSpPr>
-          <p:cNvPr id="16438" name="TextBox 133"/>
+          <p:cNvPr id="14376" name="TextBox 133"/>
           <p:cNvSpPr txBox="1">
             <a:spLocks noChangeArrowheads="1"/>
           </p:cNvSpPr>
@@ -6814,16 +6841,15 @@
       </p:sp>
       <p:cxnSp>
         <p:nvCxnSpPr>
-          <p:cNvPr id="23" name="Elbow Connector 11"/>
+          <p:cNvPr id="14377" name="Elbow Connector 11"/>
           <p:cNvCxnSpPr>
             <a:cxnSpLocks noChangeShapeType="1"/>
-            <a:stCxn id="0" idx="7"/>
             <a:endCxn id="4" idx="3"/>
           </p:cNvCxnSpPr>
           <p:nvPr/>
         </p:nvCxnSpPr>
         <p:spPr bwMode="auto">
-          <a:xfrm rot="16200000">
+          <a:xfrm rot="-5400000">
             <a:off x="3371850" y="2681288"/>
             <a:ext cx="358775" cy="1168400"/>
           </a:xfrm>
@@ -6845,10 +6871,9 @@
       </p:cxnSp>
       <p:cxnSp>
         <p:nvCxnSpPr>
-          <p:cNvPr id="26" name="Elbow Connector 11"/>
+          <p:cNvPr id="14378" name="Elbow Connector 11"/>
           <p:cNvCxnSpPr>
             <a:cxnSpLocks noChangeShapeType="1"/>
-            <a:endCxn id="0" idx="6"/>
           </p:cNvCxnSpPr>
           <p:nvPr/>
         </p:nvCxnSpPr>
@@ -6875,7 +6900,7 @@
       </p:cxnSp>
       <p:sp>
         <p:nvSpPr>
-          <p:cNvPr id="16406" name="TextBox 40"/>
+          <p:cNvPr id="14379" name="TextBox 40"/>
           <p:cNvSpPr txBox="1">
             <a:spLocks noChangeArrowheads="1"/>
           </p:cNvSpPr>
@@ -6914,7 +6939,7 @@
       </p:sp>
       <p:sp>
         <p:nvSpPr>
-          <p:cNvPr id="16417" name="TextBox 54"/>
+          <p:cNvPr id="14380" name="TextBox 54"/>
           <p:cNvSpPr txBox="1">
             <a:spLocks noChangeArrowheads="1"/>
           </p:cNvSpPr>
@@ -6953,7 +6978,7 @@
       </p:sp>
       <p:grpSp>
         <p:nvGrpSpPr>
-          <p:cNvPr id="16425" name="Group 68"/>
+          <p:cNvPr id="16" name="Group 68"/>
           <p:cNvGrpSpPr>
             <a:grpSpLocks/>
           </p:cNvGrpSpPr>
@@ -7050,11 +7075,9 @@
       </p:grpSp>
       <p:cxnSp>
         <p:nvCxnSpPr>
-          <p:cNvPr id="75" name="Elbow Connector 11"/>
+          <p:cNvPr id="14382" name="Elbow Connector 11"/>
           <p:cNvCxnSpPr>
             <a:cxnSpLocks noChangeShapeType="1"/>
-            <a:stCxn id="0" idx="3"/>
-            <a:endCxn id="0" idx="0"/>
           </p:cNvCxnSpPr>
           <p:nvPr/>
         </p:nvCxnSpPr>
@@ -7081,11 +7104,10 @@
       </p:cxnSp>
       <p:cxnSp>
         <p:nvCxnSpPr>
-          <p:cNvPr id="83" name="Elbow Connector 11"/>
+          <p:cNvPr id="14383" name="Elbow Connector 11"/>
           <p:cNvCxnSpPr>
             <a:cxnSpLocks noChangeShapeType="1"/>
             <a:stCxn id="6" idx="3"/>
-            <a:endCxn id="0" idx="1"/>
           </p:cNvCxnSpPr>
           <p:nvPr/>
         </p:nvCxnSpPr>
@@ -7144,7 +7166,9 @@
           <a:bodyPr anchor="ctr"/>
           <a:lstStyle/>
           <a:p>
-            <a:pPr algn="ctr"/>
+            <a:pPr algn="ctr">
+              <a:defRPr/>
+            </a:pPr>
             <a:r>
               <a:rPr lang="en-US" sz="1200" b="1">
                 <a:solidFill>
@@ -7190,7 +7214,9 @@
           <a:bodyPr anchor="ctr"/>
           <a:lstStyle/>
           <a:p>
-            <a:pPr algn="ctr"/>
+            <a:pPr algn="ctr">
+              <a:defRPr/>
+            </a:pPr>
             <a:r>
               <a:rPr lang="en-US" sz="1200">
                 <a:solidFill>
@@ -7202,7 +7228,9 @@
             </a:r>
           </a:p>
           <a:p>
-            <a:pPr algn="ctr"/>
+            <a:pPr algn="ctr">
+              <a:defRPr/>
+            </a:pPr>
             <a:r>
               <a:rPr lang="en-US" sz="1200">
                 <a:solidFill>
@@ -7213,11 +7241,25 @@
               <a:t>Management</a:t>
             </a:r>
           </a:p>
-        </p:txBody>
-      </p:sp>
-      <p:sp>
-        <p:nvSpPr>
-          <p:cNvPr id="16458" name="TextBox 73"/>
+          <a:p>
+            <a:pPr algn="ctr">
+              <a:defRPr/>
+            </a:pPr>
+            <a:r>
+              <a:rPr lang="en-US" sz="1200">
+                <a:solidFill>
+                  <a:srgbClr val="000000"/>
+                </a:solidFill>
+                <a:cs typeface="Arial" charset="0"/>
+              </a:rPr>
+              <a:t>7</a:t>
+            </a:r>
+          </a:p>
+        </p:txBody>
+      </p:sp>
+      <p:sp>
+        <p:nvSpPr>
+          <p:cNvPr id="14386" name="TextBox 73"/>
           <p:cNvSpPr txBox="1">
             <a:spLocks noChangeArrowheads="1"/>
           </p:cNvSpPr>
@@ -7256,7 +7298,7 @@
       </p:sp>
       <p:sp>
         <p:nvSpPr>
-          <p:cNvPr id="16459" name="TextBox 73"/>
+          <p:cNvPr id="14387" name="TextBox 73"/>
           <p:cNvSpPr txBox="1">
             <a:spLocks noChangeArrowheads="1"/>
           </p:cNvSpPr>
@@ -7295,14 +7337,14 @@
       </p:sp>
       <p:cxnSp>
         <p:nvCxnSpPr>
-          <p:cNvPr id="13" name="Elbow Connector 11"/>
+          <p:cNvPr id="14388" name="Elbow Connector 11"/>
           <p:cNvCxnSpPr>
             <a:cxnSpLocks noChangeShapeType="1"/>
           </p:cNvCxnSpPr>
           <p:nvPr/>
         </p:nvCxnSpPr>
         <p:spPr bwMode="auto">
-          <a:xfrm rot="16200000">
+          <a:xfrm rot="-5400000">
             <a:off x="3351213" y="3551237"/>
             <a:ext cx="1631950" cy="1031875"/>
           </a:xfrm>
@@ -7324,7 +7366,7 @@
       </p:cxnSp>
       <p:cxnSp>
         <p:nvCxnSpPr>
-          <p:cNvPr id="16" name="Elbow Connector 11"/>
+          <p:cNvPr id="14389" name="Elbow Connector 11"/>
           <p:cNvCxnSpPr>
             <a:cxnSpLocks noChangeShapeType="1"/>
           </p:cNvCxnSpPr>
@@ -7353,7 +7395,7 @@
       </p:cxnSp>
       <p:sp>
         <p:nvSpPr>
-          <p:cNvPr id="16464" name="TextBox 40"/>
+          <p:cNvPr id="14390" name="TextBox 40"/>
           <p:cNvSpPr txBox="1">
             <a:spLocks noChangeArrowheads="1"/>
           </p:cNvSpPr>
@@ -7392,7 +7434,7 @@
       </p:sp>
       <p:sp>
         <p:nvSpPr>
-          <p:cNvPr id="16465" name="TextBox 54"/>
+          <p:cNvPr id="14391" name="TextBox 54"/>
           <p:cNvSpPr txBox="1">
             <a:spLocks noChangeArrowheads="1"/>
           </p:cNvSpPr>
@@ -7431,7 +7473,7 @@
       </p:sp>
       <p:grpSp>
         <p:nvGrpSpPr>
-          <p:cNvPr id="16466" name="Group 68"/>
+          <p:cNvPr id="17" name="Group 68"/>
           <p:cNvGrpSpPr>
             <a:grpSpLocks/>
           </p:cNvGrpSpPr>
@@ -7479,7 +7521,9 @@
             <a:bodyPr anchor="ctr"/>
             <a:lstStyle/>
             <a:p>
-              <a:pPr algn="ctr"/>
+              <a:pPr algn="ctr">
+                <a:defRPr/>
+              </a:pPr>
               <a:r>
                 <a:rPr lang="en-US" sz="1000">
                   <a:solidFill>
@@ -7525,7 +7569,7 @@
       </p:grpSp>
       <p:cxnSp>
         <p:nvCxnSpPr>
-          <p:cNvPr id="24" name="Elbow Connector 11"/>
+          <p:cNvPr id="14393" name="Elbow Connector 11"/>
           <p:cNvCxnSpPr>
             <a:cxnSpLocks noChangeShapeType="1"/>
           </p:cNvCxnSpPr>
@@ -7554,7 +7598,7 @@
       </p:cxnSp>
       <p:cxnSp>
         <p:nvCxnSpPr>
-          <p:cNvPr id="25" name="Elbow Connector 11"/>
+          <p:cNvPr id="14394" name="Elbow Connector 11"/>
           <p:cNvCxnSpPr>
             <a:cxnSpLocks noChangeShapeType="1"/>
           </p:cNvCxnSpPr>
@@ -7615,7 +7659,9 @@
           <a:bodyPr anchor="ctr"/>
           <a:lstStyle/>
           <a:p>
-            <a:pPr algn="ctr"/>
+            <a:pPr algn="ctr">
+              <a:defRPr/>
+            </a:pPr>
             <a:r>
               <a:rPr lang="en-US" sz="1200">
                 <a:solidFill>
@@ -7627,7 +7673,9 @@
             </a:r>
           </a:p>
           <a:p>
-            <a:pPr algn="ctr"/>
+            <a:pPr algn="ctr">
+              <a:defRPr/>
+            </a:pPr>
             <a:r>
               <a:rPr lang="en-US" sz="1200">
                 <a:solidFill>
@@ -7638,11 +7686,25 @@
               <a:t>Management</a:t>
             </a:r>
           </a:p>
-        </p:txBody>
-      </p:sp>
-      <p:sp>
-        <p:nvSpPr>
-          <p:cNvPr id="16474" name="TextBox 73"/>
+          <a:p>
+            <a:pPr algn="ctr">
+              <a:defRPr/>
+            </a:pPr>
+            <a:r>
+              <a:rPr lang="en-US" sz="1200">
+                <a:solidFill>
+                  <a:srgbClr val="000000"/>
+                </a:solidFill>
+                <a:cs typeface="Arial" charset="0"/>
+              </a:rPr>
+              <a:t>6</a:t>
+            </a:r>
+          </a:p>
+        </p:txBody>
+      </p:sp>
+      <p:sp>
+        <p:nvSpPr>
+          <p:cNvPr id="14396" name="TextBox 73"/>
           <p:cNvSpPr txBox="1">
             <a:spLocks noChangeArrowheads="1"/>
           </p:cNvSpPr>
@@ -7681,7 +7743,7 @@
       </p:sp>
       <p:cxnSp>
         <p:nvCxnSpPr>
-          <p:cNvPr id="29" name="Elbow Connector 11"/>
+          <p:cNvPr id="14397" name="Elbow Connector 11"/>
           <p:cNvCxnSpPr>
             <a:cxnSpLocks noChangeShapeType="1"/>
           </p:cNvCxnSpPr>
@@ -7708,7 +7770,7 @@
       </p:cxnSp>
       <p:grpSp>
         <p:nvGrpSpPr>
-          <p:cNvPr id="16487" name="Group 103"/>
+          <p:cNvPr id="18" name="Group 103"/>
           <p:cNvGrpSpPr>
             <a:grpSpLocks/>
           </p:cNvGrpSpPr>
@@ -7756,7 +7818,9 @@
             <a:bodyPr anchor="ctr"/>
             <a:lstStyle/>
             <a:p>
-              <a:pPr algn="ctr"/>
+              <a:pPr algn="ctr">
+                <a:defRPr/>
+              </a:pPr>
               <a:r>
                 <a:rPr lang="en-US" sz="1000">
                   <a:solidFill>
@@ -7802,7 +7866,7 @@
       </p:grpSp>
       <p:grpSp>
         <p:nvGrpSpPr>
-          <p:cNvPr id="16479" name="Group 68"/>
+          <p:cNvPr id="23" name="Group 68"/>
           <p:cNvGrpSpPr>
             <a:grpSpLocks/>
           </p:cNvGrpSpPr>
@@ -7850,7 +7914,9 @@
             <a:bodyPr anchor="ctr"/>
             <a:lstStyle/>
             <a:p>
-              <a:pPr algn="ctr"/>
+              <a:pPr algn="ctr">
+                <a:defRPr/>
+              </a:pPr>
               <a:r>
                 <a:rPr lang="en-US" sz="1000">
                   <a:solidFill>
@@ -7896,7 +7962,7 @@
       </p:grpSp>
       <p:cxnSp>
         <p:nvCxnSpPr>
-          <p:cNvPr id="34" name="Elbow Connector 11"/>
+          <p:cNvPr id="14400" name="Elbow Connector 11"/>
           <p:cNvCxnSpPr>
             <a:cxnSpLocks noChangeShapeType="1"/>
           </p:cNvCxnSpPr>
@@ -7931,7 +7997,7 @@
         </p:nvSpPr>
         <p:spPr>
           <a:xfrm>
-            <a:off x="6192838" y="3238500"/>
+            <a:off x="6450013" y="3238500"/>
             <a:ext cx="1398587" cy="979488"/>
           </a:xfrm>
           <a:prstGeom prst="ellipse">
@@ -7956,7 +8022,9 @@
           <a:bodyPr anchor="ctr"/>
           <a:lstStyle/>
           <a:p>
-            <a:pPr algn="ctr"/>
+            <a:pPr algn="ctr">
+              <a:defRPr/>
+            </a:pPr>
             <a:r>
               <a:rPr lang="en-US" sz="1200">
                 <a:solidFill>
@@ -7967,18 +8035,32 @@
               <a:t>Notification organizer</a:t>
             </a:r>
           </a:p>
-        </p:txBody>
-      </p:sp>
-      <p:sp>
-        <p:nvSpPr>
-          <p:cNvPr id="16484" name="TextBox 50"/>
+          <a:p>
+            <a:pPr algn="ctr">
+              <a:defRPr/>
+            </a:pPr>
+            <a:r>
+              <a:rPr lang="en-US" sz="1200">
+                <a:solidFill>
+                  <a:srgbClr val="000000"/>
+                </a:solidFill>
+                <a:cs typeface="Arial" charset="0"/>
+              </a:rPr>
+              <a:t>5</a:t>
+            </a:r>
+          </a:p>
+        </p:txBody>
+      </p:sp>
+      <p:sp>
+        <p:nvSpPr>
+          <p:cNvPr id="14402" name="TextBox 50"/>
           <p:cNvSpPr txBox="1">
             <a:spLocks noChangeArrowheads="1"/>
           </p:cNvSpPr>
           <p:nvPr/>
         </p:nvSpPr>
         <p:spPr bwMode="auto">
-          <a:xfrm rot="16200000">
+          <a:xfrm rot="-5400000">
             <a:off x="7793038" y="4438650"/>
             <a:ext cx="1022350" cy="244475"/>
           </a:xfrm>
@@ -8010,7 +8092,7 @@
       </p:sp>
       <p:sp>
         <p:nvSpPr>
-          <p:cNvPr id="16485" name="TextBox 51"/>
+          <p:cNvPr id="14403" name="TextBox 51"/>
           <p:cNvSpPr txBox="1">
             <a:spLocks noChangeArrowheads="1"/>
           </p:cNvSpPr>
@@ -8049,19 +8131,22 @@
       </p:sp>
       <p:cxnSp>
         <p:nvCxnSpPr>
-          <p:cNvPr id="36" name="Elbow Connector 11"/>
+          <p:cNvPr id="14404" name="Elbow Connector 11"/>
           <p:cNvCxnSpPr>
             <a:cxnSpLocks noChangeShapeType="1"/>
+            <a:stCxn id="35" idx="2"/>
           </p:cNvCxnSpPr>
           <p:nvPr/>
         </p:nvCxnSpPr>
         <p:spPr bwMode="auto">
           <a:xfrm rot="10800000">
             <a:off x="5229225" y="3086100"/>
-            <a:ext cx="950913" cy="642938"/>
-          </a:xfrm>
-          <a:prstGeom prst="bentConnector2">
-            <a:avLst/>
+            <a:ext cx="1208088" cy="642938"/>
+          </a:xfrm>
+          <a:prstGeom prst="bentConnector3">
+            <a:avLst>
+              <a:gd name="adj1" fmla="val 49407"/>
+            </a:avLst>
           </a:prstGeom>
           <a:noFill/>
           <a:ln w="9525" algn="ctr">
@@ -8076,7 +8161,7 @@
       </p:cxnSp>
       <p:grpSp>
         <p:nvGrpSpPr>
-          <p:cNvPr id="16488" name="Group 68"/>
+          <p:cNvPr id="24" name="Group 68"/>
           <p:cNvGrpSpPr>
             <a:grpSpLocks/>
           </p:cNvGrpSpPr>
@@ -8124,7 +8209,9 @@
             <a:bodyPr anchor="ctr"/>
             <a:lstStyle/>
             <a:p>
-              <a:pPr algn="ctr"/>
+              <a:pPr algn="ctr">
+                <a:defRPr/>
+              </a:pPr>
               <a:r>
                 <a:rPr lang="en-US" sz="1000">
                   <a:solidFill>
@@ -8170,7 +8257,7 @@
       </p:grpSp>
       <p:cxnSp>
         <p:nvCxnSpPr>
-          <p:cNvPr id="40" name="Elbow Connector 11"/>
+          <p:cNvPr id="14406" name="Elbow Connector 11"/>
           <p:cNvCxnSpPr>
             <a:cxnSpLocks noChangeShapeType="1"/>
           </p:cNvCxnSpPr>
@@ -8197,38 +8284,9 @@
           </a:ln>
         </p:spPr>
       </p:cxnSp>
-      <p:cxnSp>
-        <p:nvCxnSpPr>
-          <p:cNvPr id="41" name="Elbow Connector 11"/>
-          <p:cNvCxnSpPr>
-            <a:cxnSpLocks noChangeShapeType="1"/>
-          </p:cNvCxnSpPr>
-          <p:nvPr/>
-        </p:nvCxnSpPr>
-        <p:spPr bwMode="auto">
-          <a:xfrm rot="5400000">
-            <a:off x="2415382" y="5437981"/>
-            <a:ext cx="431800" cy="1347787"/>
-          </a:xfrm>
-          <a:prstGeom prst="bentConnector3">
-            <a:avLst>
-              <a:gd name="adj1" fmla="val 65093"/>
-            </a:avLst>
-          </a:prstGeom>
-          <a:noFill/>
-          <a:ln w="9525" algn="ctr">
-            <a:solidFill>
-              <a:srgbClr val="000000"/>
-            </a:solidFill>
-            <a:miter lim="800000"/>
-            <a:headEnd/>
-            <a:tailEnd type="triangle" w="lg" len="lg"/>
-          </a:ln>
-        </p:spPr>
-      </p:cxnSp>
-      <p:sp>
-        <p:nvSpPr>
-          <p:cNvPr id="16493" name="TextBox 52"/>
+      <p:sp>
+        <p:nvSpPr>
+          <p:cNvPr id="14407" name="TextBox 52"/>
           <p:cNvSpPr txBox="1">
             <a:spLocks noChangeArrowheads="1"/>
           </p:cNvSpPr>
@@ -8267,7 +8325,7 @@
       </p:sp>
       <p:grpSp>
         <p:nvGrpSpPr>
-          <p:cNvPr id="16494" name="Group 68"/>
+          <p:cNvPr id="25" name="Group 68"/>
           <p:cNvGrpSpPr>
             <a:grpSpLocks/>
           </p:cNvGrpSpPr>
@@ -8315,7 +8373,9 @@
             <a:bodyPr anchor="ctr"/>
             <a:lstStyle/>
             <a:p>
-              <a:pPr algn="ctr"/>
+              <a:pPr algn="ctr">
+                <a:defRPr/>
+              </a:pPr>
               <a:r>
                 <a:rPr lang="en-US" sz="1000">
                   <a:solidFill>
@@ -8361,7 +8421,7 @@
       </p:grpSp>
       <p:cxnSp>
         <p:nvCxnSpPr>
-          <p:cNvPr id="42" name="Elbow Connector 11"/>
+          <p:cNvPr id="14409" name="Elbow Connector 11"/>
           <p:cNvCxnSpPr>
             <a:cxnSpLocks noChangeShapeType="1"/>
           </p:cNvCxnSpPr>
@@ -8390,7 +8450,7 @@
       </p:cxnSp>
       <p:sp>
         <p:nvSpPr>
-          <p:cNvPr id="16498" name="TextBox 52"/>
+          <p:cNvPr id="14410" name="TextBox 52"/>
           <p:cNvSpPr txBox="1">
             <a:spLocks noChangeArrowheads="1"/>
           </p:cNvSpPr>
@@ -8460,7 +8520,9 @@
           <a:bodyPr anchor="ctr"/>
           <a:lstStyle/>
           <a:p>
-            <a:pPr algn="ctr"/>
+            <a:pPr algn="ctr">
+              <a:defRPr/>
+            </a:pPr>
             <a:r>
               <a:rPr lang="en-US" sz="1200">
                 <a:solidFill>
@@ -8471,11 +8533,25 @@
               <a:t>Preference Controller</a:t>
             </a:r>
           </a:p>
-        </p:txBody>
-      </p:sp>
-      <p:sp>
-        <p:nvSpPr>
-          <p:cNvPr id="16500" name="TextBox 52"/>
+          <a:p>
+            <a:pPr algn="ctr">
+              <a:defRPr/>
+            </a:pPr>
+            <a:r>
+              <a:rPr lang="en-US" sz="1200">
+                <a:solidFill>
+                  <a:srgbClr val="000000"/>
+                </a:solidFill>
+                <a:cs typeface="Arial" charset="0"/>
+              </a:rPr>
+              <a:t>4</a:t>
+            </a:r>
+          </a:p>
+        </p:txBody>
+      </p:sp>
+      <p:sp>
+        <p:nvSpPr>
+          <p:cNvPr id="14412" name="TextBox 52"/>
           <p:cNvSpPr txBox="1">
             <a:spLocks noChangeArrowheads="1"/>
           </p:cNvSpPr>
@@ -8514,7 +8590,7 @@
       </p:sp>
       <p:sp>
         <p:nvSpPr>
-          <p:cNvPr id="16501" name="TextBox 52"/>
+          <p:cNvPr id="14413" name="TextBox 52"/>
           <p:cNvSpPr txBox="1">
             <a:spLocks noChangeArrowheads="1"/>
           </p:cNvSpPr>
@@ -8553,7 +8629,7 @@
       </p:sp>
       <p:cxnSp>
         <p:nvCxnSpPr>
-          <p:cNvPr id="44" name="Elbow Connector 11"/>
+          <p:cNvPr id="14414" name="Elbow Connector 11"/>
           <p:cNvCxnSpPr>
             <a:cxnSpLocks noChangeShapeType="1"/>
           </p:cNvCxnSpPr>
@@ -8583,7 +8659,7 @@
       </p:cxnSp>
       <p:cxnSp>
         <p:nvCxnSpPr>
-          <p:cNvPr id="46" name="Elbow Connector 11"/>
+          <p:cNvPr id="14415" name="Elbow Connector 11"/>
           <p:cNvCxnSpPr>
             <a:cxnSpLocks noChangeShapeType="1"/>
           </p:cNvCxnSpPr>
@@ -8611,6 +8687,6837 @@
         </p:spPr>
       </p:cxnSp>
     </p:spTree>
+  </p:cSld>
+  <p:clrMapOvr>
+    <a:masterClrMapping/>
+  </p:clrMapOvr>
+  <p:timing>
+    <p:tnLst>
+      <p:par>
+        <p:cTn id="1" dur="indefinite" restart="never" nodeType="tmRoot"/>
+      </p:par>
+    </p:tnLst>
+  </p:timing>
+</p:sld>
+</file>
+
+<file path=ppt/slides/slide3.xml><?xml version="1.0" encoding="utf-8"?>
+<p:sld xmlns:a="http://schemas.openxmlformats.org/drawingml/2006/main" xmlns:r="http://schemas.openxmlformats.org/officeDocument/2006/relationships" xmlns:p="http://schemas.openxmlformats.org/presentationml/2006/main">
+  <p:cSld>
+    <p:spTree>
+      <p:nvGrpSpPr>
+        <p:cNvPr id="1" name=""/>
+        <p:cNvGrpSpPr/>
+        <p:nvPr/>
+      </p:nvGrpSpPr>
+      <p:grpSpPr>
+        <a:xfrm>
+          <a:off x="0" y="0"/>
+          <a:ext cx="0" cy="0"/>
+          <a:chOff x="0" y="0"/>
+          <a:chExt cx="0" cy="0"/>
+        </a:xfrm>
+      </p:grpSpPr>
+      <p:grpSp>
+        <p:nvGrpSpPr>
+          <p:cNvPr id="3" name="Group 14"/>
+          <p:cNvGrpSpPr/>
+          <p:nvPr/>
+        </p:nvGrpSpPr>
+        <p:grpSpPr>
+          <a:xfrm>
+            <a:off x="6324600" y="4191000"/>
+            <a:ext cx="1905000" cy="1219200"/>
+            <a:chOff x="3962400" y="3505200"/>
+            <a:chExt cx="1905000" cy="1219200"/>
+          </a:xfrm>
+        </p:grpSpPr>
+        <p:sp>
+          <p:nvSpPr>
+            <p:cNvPr id="2" name="Oval 1"/>
+            <p:cNvSpPr/>
+            <p:nvPr/>
+          </p:nvSpPr>
+          <p:spPr>
+            <a:xfrm>
+              <a:off x="3962400" y="3505200"/>
+              <a:ext cx="1828800" cy="1219200"/>
+            </a:xfrm>
+            <a:prstGeom prst="ellipse">
+              <a:avLst/>
+            </a:prstGeom>
+            <a:noFill/>
+            <a:ln>
+              <a:solidFill>
+                <a:schemeClr val="tx1"/>
+              </a:solidFill>
+            </a:ln>
+          </p:spPr>
+          <p:style>
+            <a:lnRef idx="2">
+              <a:schemeClr val="accent1">
+                <a:shade val="50000"/>
+              </a:schemeClr>
+            </a:lnRef>
+            <a:fillRef idx="1">
+              <a:schemeClr val="accent1"/>
+            </a:fillRef>
+            <a:effectRef idx="0">
+              <a:schemeClr val="accent1"/>
+            </a:effectRef>
+            <a:fontRef idx="minor">
+              <a:schemeClr val="lt1"/>
+            </a:fontRef>
+          </p:style>
+          <p:txBody>
+            <a:bodyPr rtlCol="0" anchor="ctr"/>
+            <a:lstStyle/>
+            <a:p>
+              <a:pPr algn="ctr"/>
+              <a:endParaRPr lang="en-US"/>
+            </a:p>
+          </p:txBody>
+        </p:sp>
+        <p:sp>
+          <p:nvSpPr>
+            <p:cNvPr id="4" name="Rectangle 3"/>
+            <p:cNvSpPr/>
+            <p:nvPr/>
+          </p:nvSpPr>
+          <p:spPr>
+            <a:xfrm>
+              <a:off x="4038600" y="3962400"/>
+              <a:ext cx="1828800" cy="738664"/>
+            </a:xfrm>
+            <a:prstGeom prst="rect">
+              <a:avLst/>
+            </a:prstGeom>
+          </p:spPr>
+          <p:txBody>
+            <a:bodyPr wrap="square">
+              <a:spAutoFit/>
+            </a:bodyPr>
+            <a:lstStyle/>
+            <a:p>
+              <a:pPr algn="ctr" fontAlgn="auto">
+                <a:spcBef>
+                  <a:spcPts val="0"/>
+                </a:spcBef>
+                <a:spcAft>
+                  <a:spcPts val="0"/>
+                </a:spcAft>
+                <a:defRPr/>
+              </a:pPr>
+              <a:r>
+                <a:rPr lang="en-US" sz="1400" dirty="0" smtClean="0"/>
+                <a:t>Security</a:t>
+              </a:r>
+            </a:p>
+            <a:p>
+              <a:pPr algn="ctr" fontAlgn="auto">
+                <a:spcBef>
+                  <a:spcPts val="0"/>
+                </a:spcBef>
+                <a:spcAft>
+                  <a:spcPts val="0"/>
+                </a:spcAft>
+                <a:defRPr/>
+              </a:pPr>
+              <a:r>
+                <a:rPr lang="en-US" sz="1400" dirty="0" smtClean="0"/>
+                <a:t>Management </a:t>
+              </a:r>
+            </a:p>
+            <a:p>
+              <a:pPr algn="ctr" fontAlgn="auto">
+                <a:spcBef>
+                  <a:spcPts val="0"/>
+                </a:spcBef>
+                <a:spcAft>
+                  <a:spcPts val="0"/>
+                </a:spcAft>
+                <a:defRPr/>
+              </a:pPr>
+              <a:r>
+                <a:rPr lang="en-US" sz="1400" dirty="0" smtClean="0"/>
+                <a:t>System</a:t>
+              </a:r>
+            </a:p>
+          </p:txBody>
+        </p:sp>
+        <p:sp>
+          <p:nvSpPr>
+            <p:cNvPr id="5" name="TextBox 4"/>
+            <p:cNvSpPr txBox="1"/>
+            <p:nvPr/>
+          </p:nvSpPr>
+          <p:spPr>
+            <a:xfrm>
+              <a:off x="4724400" y="3581400"/>
+              <a:ext cx="301686" cy="369332"/>
+            </a:xfrm>
+            <a:prstGeom prst="rect">
+              <a:avLst/>
+            </a:prstGeom>
+            <a:noFill/>
+          </p:spPr>
+          <p:txBody>
+            <a:bodyPr wrap="none" rtlCol="0">
+              <a:spAutoFit/>
+            </a:bodyPr>
+            <a:lstStyle/>
+            <a:p>
+              <a:r>
+                <a:rPr lang="en-US" dirty="0" smtClean="0"/>
+                <a:t>1</a:t>
+              </a:r>
+              <a:endParaRPr lang="en-US" dirty="0"/>
+            </a:p>
+          </p:txBody>
+        </p:sp>
+      </p:grpSp>
+      <p:grpSp>
+        <p:nvGrpSpPr>
+          <p:cNvPr id="6" name="Group 5"/>
+          <p:cNvGrpSpPr/>
+          <p:nvPr/>
+        </p:nvGrpSpPr>
+        <p:grpSpPr>
+          <a:xfrm>
+            <a:off x="1828800" y="685800"/>
+            <a:ext cx="1066800" cy="381000"/>
+            <a:chOff x="4495800" y="914400"/>
+            <a:chExt cx="1066800" cy="381000"/>
+          </a:xfrm>
+        </p:grpSpPr>
+        <p:sp>
+          <p:nvSpPr>
+            <p:cNvPr id="7" name="TextBox 6"/>
+            <p:cNvSpPr txBox="1"/>
+            <p:nvPr/>
+          </p:nvSpPr>
+          <p:spPr>
+            <a:xfrm>
+              <a:off x="4648200" y="914400"/>
+              <a:ext cx="679930" cy="307777"/>
+            </a:xfrm>
+            <a:prstGeom prst="rect">
+              <a:avLst/>
+            </a:prstGeom>
+            <a:noFill/>
+          </p:spPr>
+          <p:txBody>
+            <a:bodyPr wrap="none" rtlCol="0">
+              <a:spAutoFit/>
+            </a:bodyPr>
+            <a:lstStyle/>
+            <a:p>
+              <a:r>
+                <a:rPr lang="en-US" sz="1400" dirty="0" smtClean="0"/>
+                <a:t>Visitor</a:t>
+              </a:r>
+              <a:endParaRPr lang="en-US" sz="1400" dirty="0"/>
+            </a:p>
+          </p:txBody>
+        </p:sp>
+        <p:sp>
+          <p:nvSpPr>
+            <p:cNvPr id="8" name="Rectangle 7"/>
+            <p:cNvSpPr/>
+            <p:nvPr/>
+          </p:nvSpPr>
+          <p:spPr>
+            <a:xfrm>
+              <a:off x="4495800" y="914400"/>
+              <a:ext cx="1066800" cy="381000"/>
+            </a:xfrm>
+            <a:prstGeom prst="rect">
+              <a:avLst/>
+            </a:prstGeom>
+            <a:noFill/>
+            <a:ln>
+              <a:solidFill>
+                <a:schemeClr val="tx1"/>
+              </a:solidFill>
+            </a:ln>
+          </p:spPr>
+          <p:style>
+            <a:lnRef idx="2">
+              <a:schemeClr val="accent1">
+                <a:shade val="50000"/>
+              </a:schemeClr>
+            </a:lnRef>
+            <a:fillRef idx="1">
+              <a:schemeClr val="accent1"/>
+            </a:fillRef>
+            <a:effectRef idx="0">
+              <a:schemeClr val="accent1"/>
+            </a:effectRef>
+            <a:fontRef idx="minor">
+              <a:schemeClr val="lt1"/>
+            </a:fontRef>
+          </p:style>
+          <p:txBody>
+            <a:bodyPr rtlCol="0" anchor="ctr"/>
+            <a:lstStyle/>
+            <a:p>
+              <a:pPr algn="ctr"/>
+              <a:endParaRPr lang="en-US"/>
+            </a:p>
+          </p:txBody>
+        </p:sp>
+      </p:grpSp>
+      <p:grpSp>
+        <p:nvGrpSpPr>
+          <p:cNvPr id="10" name="Group 9"/>
+          <p:cNvGrpSpPr/>
+          <p:nvPr/>
+        </p:nvGrpSpPr>
+        <p:grpSpPr>
+          <a:xfrm>
+            <a:off x="3276600" y="3581400"/>
+            <a:ext cx="1735050" cy="457200"/>
+            <a:chOff x="304800" y="1676400"/>
+            <a:chExt cx="1735050" cy="457200"/>
+          </a:xfrm>
+        </p:grpSpPr>
+        <p:sp>
+          <p:nvSpPr>
+            <p:cNvPr id="11" name="Rectangle 10"/>
+            <p:cNvSpPr/>
+            <p:nvPr/>
+          </p:nvSpPr>
+          <p:spPr>
+            <a:xfrm>
+              <a:off x="304800" y="1676400"/>
+              <a:ext cx="1676400" cy="457200"/>
+            </a:xfrm>
+            <a:prstGeom prst="rect">
+              <a:avLst/>
+            </a:prstGeom>
+            <a:noFill/>
+            <a:ln>
+              <a:solidFill>
+                <a:schemeClr val="tx1"/>
+              </a:solidFill>
+            </a:ln>
+          </p:spPr>
+          <p:style>
+            <a:lnRef idx="2">
+              <a:schemeClr val="accent1">
+                <a:shade val="50000"/>
+              </a:schemeClr>
+            </a:lnRef>
+            <a:fillRef idx="1">
+              <a:schemeClr val="accent1"/>
+            </a:fillRef>
+            <a:effectRef idx="0">
+              <a:schemeClr val="accent1"/>
+            </a:effectRef>
+            <a:fontRef idx="minor">
+              <a:schemeClr val="lt1"/>
+            </a:fontRef>
+          </p:style>
+          <p:txBody>
+            <a:bodyPr rtlCol="0" anchor="ctr"/>
+            <a:lstStyle/>
+            <a:p>
+              <a:pPr algn="ctr"/>
+              <a:endParaRPr lang="en-US"/>
+            </a:p>
+          </p:txBody>
+        </p:sp>
+        <p:sp>
+          <p:nvSpPr>
+            <p:cNvPr id="12" name="TextBox 11"/>
+            <p:cNvSpPr txBox="1"/>
+            <p:nvPr/>
+          </p:nvSpPr>
+          <p:spPr>
+            <a:xfrm>
+              <a:off x="762000" y="1752600"/>
+              <a:ext cx="1277850" cy="307777"/>
+            </a:xfrm>
+            <a:prstGeom prst="rect">
+              <a:avLst/>
+            </a:prstGeom>
+            <a:noFill/>
+          </p:spPr>
+          <p:txBody>
+            <a:bodyPr wrap="none" rtlCol="0">
+              <a:spAutoFit/>
+            </a:bodyPr>
+            <a:lstStyle/>
+            <a:p>
+              <a:r>
+                <a:rPr lang="en-US" sz="1400" dirty="0" smtClean="0"/>
+                <a:t>Visitor Details</a:t>
+              </a:r>
+              <a:endParaRPr lang="en-US" sz="1400" dirty="0"/>
+            </a:p>
+          </p:txBody>
+        </p:sp>
+        <p:cxnSp>
+          <p:nvCxnSpPr>
+            <p:cNvPr id="13" name="Straight Connector 12"/>
+            <p:cNvCxnSpPr/>
+            <p:nvPr/>
+          </p:nvCxnSpPr>
+          <p:spPr>
+            <a:xfrm rot="5400000">
+              <a:off x="457994" y="1904206"/>
+              <a:ext cx="456406" cy="794"/>
+            </a:xfrm>
+            <a:prstGeom prst="line">
+              <a:avLst/>
+            </a:prstGeom>
+            <a:ln>
+              <a:solidFill>
+                <a:schemeClr val="tx1"/>
+              </a:solidFill>
+            </a:ln>
+          </p:spPr>
+          <p:style>
+            <a:lnRef idx="1">
+              <a:schemeClr val="accent1"/>
+            </a:lnRef>
+            <a:fillRef idx="0">
+              <a:schemeClr val="accent1"/>
+            </a:fillRef>
+            <a:effectRef idx="0">
+              <a:schemeClr val="accent1"/>
+            </a:effectRef>
+            <a:fontRef idx="minor">
+              <a:schemeClr val="tx1"/>
+            </a:fontRef>
+          </p:style>
+        </p:cxnSp>
+        <p:sp>
+          <p:nvSpPr>
+            <p:cNvPr id="14" name="TextBox 13"/>
+            <p:cNvSpPr txBox="1"/>
+            <p:nvPr/>
+          </p:nvSpPr>
+          <p:spPr>
+            <a:xfrm>
+              <a:off x="304800" y="1752600"/>
+              <a:ext cx="413896" cy="307777"/>
+            </a:xfrm>
+            <a:prstGeom prst="rect">
+              <a:avLst/>
+            </a:prstGeom>
+            <a:noFill/>
+          </p:spPr>
+          <p:txBody>
+            <a:bodyPr wrap="none" rtlCol="0">
+              <a:spAutoFit/>
+            </a:bodyPr>
+            <a:lstStyle/>
+            <a:p>
+              <a:r>
+                <a:rPr lang="en-US" sz="1400" dirty="0" smtClean="0"/>
+                <a:t>D2</a:t>
+              </a:r>
+              <a:endParaRPr lang="en-US" sz="1400" dirty="0"/>
+            </a:p>
+          </p:txBody>
+        </p:sp>
+      </p:grpSp>
+      <p:grpSp>
+        <p:nvGrpSpPr>
+          <p:cNvPr id="15" name="Group 16"/>
+          <p:cNvGrpSpPr/>
+          <p:nvPr/>
+        </p:nvGrpSpPr>
+        <p:grpSpPr>
+          <a:xfrm>
+            <a:off x="1828800" y="4572000"/>
+            <a:ext cx="990600" cy="838200"/>
+            <a:chOff x="1219200" y="5029200"/>
+            <a:chExt cx="990600" cy="838200"/>
+          </a:xfrm>
+        </p:grpSpPr>
+        <p:sp>
+          <p:nvSpPr>
+            <p:cNvPr id="9" name="Oval 31"/>
+            <p:cNvSpPr>
+              <a:spLocks noChangeArrowheads="1"/>
+            </p:cNvSpPr>
+            <p:nvPr/>
+          </p:nvSpPr>
+          <p:spPr bwMode="auto">
+            <a:xfrm>
+              <a:off x="1219200" y="5029200"/>
+              <a:ext cx="990600" cy="838200"/>
+            </a:xfrm>
+            <a:prstGeom prst="ellipse">
+              <a:avLst/>
+            </a:prstGeom>
+            <a:noFill/>
+            <a:ln w="9525">
+              <a:solidFill>
+                <a:schemeClr val="tx1"/>
+              </a:solidFill>
+              <a:round/>
+              <a:headEnd/>
+              <a:tailEnd/>
+            </a:ln>
+            <a:effectLst/>
+          </p:spPr>
+          <p:txBody>
+            <a:bodyPr wrap="none" anchor="ctr"/>
+            <a:lstStyle/>
+            <a:p>
+              <a:pPr algn="ctr"/>
+              <a:endParaRPr lang="en-US" sz="1400" dirty="0" smtClean="0"/>
+            </a:p>
+            <a:p>
+              <a:pPr algn="ctr"/>
+              <a:r>
+                <a:rPr lang="en-US" sz="1400" dirty="0" smtClean="0"/>
+                <a:t>Add visitor</a:t>
+              </a:r>
+              <a:endParaRPr lang="en-US" sz="1400" dirty="0" smtClean="0"/>
+            </a:p>
+          </p:txBody>
+        </p:sp>
+        <p:sp>
+          <p:nvSpPr>
+            <p:cNvPr id="16" name="TextBox 15"/>
+            <p:cNvSpPr txBox="1"/>
+            <p:nvPr/>
+          </p:nvSpPr>
+          <p:spPr>
+            <a:xfrm>
+              <a:off x="1447800" y="5105400"/>
+              <a:ext cx="476412" cy="369332"/>
+            </a:xfrm>
+            <a:prstGeom prst="rect">
+              <a:avLst/>
+            </a:prstGeom>
+            <a:noFill/>
+          </p:spPr>
+          <p:txBody>
+            <a:bodyPr wrap="none" rtlCol="0">
+              <a:spAutoFit/>
+            </a:bodyPr>
+            <a:lstStyle/>
+            <a:p>
+              <a:r>
+                <a:rPr lang="en-US" dirty="0" smtClean="0"/>
+                <a:t>2.3</a:t>
+              </a:r>
+              <a:endParaRPr lang="en-US" dirty="0"/>
+            </a:p>
+          </p:txBody>
+        </p:sp>
+      </p:grpSp>
+      <p:grpSp>
+        <p:nvGrpSpPr>
+          <p:cNvPr id="17" name="Group 17"/>
+          <p:cNvGrpSpPr/>
+          <p:nvPr/>
+        </p:nvGrpSpPr>
+        <p:grpSpPr>
+          <a:xfrm>
+            <a:off x="3962400" y="1981200"/>
+            <a:ext cx="990600" cy="838200"/>
+            <a:chOff x="1219200" y="5029200"/>
+            <a:chExt cx="990600" cy="838200"/>
+          </a:xfrm>
+        </p:grpSpPr>
+        <p:sp>
+          <p:nvSpPr>
+            <p:cNvPr id="19" name="Oval 31"/>
+            <p:cNvSpPr>
+              <a:spLocks noChangeArrowheads="1"/>
+            </p:cNvSpPr>
+            <p:nvPr/>
+          </p:nvSpPr>
+          <p:spPr bwMode="auto">
+            <a:xfrm>
+              <a:off x="1219200" y="5029200"/>
+              <a:ext cx="990600" cy="838200"/>
+            </a:xfrm>
+            <a:prstGeom prst="ellipse">
+              <a:avLst/>
+            </a:prstGeom>
+            <a:noFill/>
+            <a:ln w="9525">
+              <a:solidFill>
+                <a:schemeClr val="tx1"/>
+              </a:solidFill>
+              <a:round/>
+              <a:headEnd/>
+              <a:tailEnd/>
+            </a:ln>
+            <a:effectLst/>
+          </p:spPr>
+          <p:txBody>
+            <a:bodyPr wrap="none" anchor="ctr"/>
+            <a:lstStyle/>
+            <a:p>
+              <a:pPr algn="ctr"/>
+              <a:endParaRPr lang="en-US" sz="1400" dirty="0" smtClean="0"/>
+            </a:p>
+            <a:p>
+              <a:pPr algn="ctr"/>
+              <a:r>
+                <a:rPr lang="en-US" sz="1400" dirty="0" smtClean="0"/>
+                <a:t>Request</a:t>
+              </a:r>
+            </a:p>
+            <a:p>
+              <a:pPr algn="ctr"/>
+              <a:r>
+                <a:rPr lang="en-US" sz="1400" dirty="0" smtClean="0"/>
+                <a:t>process</a:t>
+              </a:r>
+              <a:endParaRPr lang="en-US" sz="1400" dirty="0" smtClean="0"/>
+            </a:p>
+          </p:txBody>
+        </p:sp>
+        <p:sp>
+          <p:nvSpPr>
+            <p:cNvPr id="20" name="TextBox 19"/>
+            <p:cNvSpPr txBox="1"/>
+            <p:nvPr/>
+          </p:nvSpPr>
+          <p:spPr>
+            <a:xfrm>
+              <a:off x="1447800" y="5029200"/>
+              <a:ext cx="505267" cy="369332"/>
+            </a:xfrm>
+            <a:prstGeom prst="rect">
+              <a:avLst/>
+            </a:prstGeom>
+            <a:noFill/>
+          </p:spPr>
+          <p:txBody>
+            <a:bodyPr wrap="none" rtlCol="0">
+              <a:spAutoFit/>
+            </a:bodyPr>
+            <a:lstStyle/>
+            <a:p>
+              <a:r>
+                <a:rPr lang="en-US" dirty="0" smtClean="0"/>
+                <a:t>2.1</a:t>
+              </a:r>
+              <a:endParaRPr lang="en-US" dirty="0"/>
+            </a:p>
+          </p:txBody>
+        </p:sp>
+      </p:grpSp>
+      <p:grpSp>
+        <p:nvGrpSpPr>
+          <p:cNvPr id="18" name="Group 20"/>
+          <p:cNvGrpSpPr/>
+          <p:nvPr/>
+        </p:nvGrpSpPr>
+        <p:grpSpPr>
+          <a:xfrm>
+            <a:off x="6553200" y="1981200"/>
+            <a:ext cx="990600" cy="838200"/>
+            <a:chOff x="1219200" y="5029200"/>
+            <a:chExt cx="990600" cy="838200"/>
+          </a:xfrm>
+        </p:grpSpPr>
+        <p:sp>
+          <p:nvSpPr>
+            <p:cNvPr id="22" name="Oval 31"/>
+            <p:cNvSpPr>
+              <a:spLocks noChangeArrowheads="1"/>
+            </p:cNvSpPr>
+            <p:nvPr/>
+          </p:nvSpPr>
+          <p:spPr bwMode="auto">
+            <a:xfrm>
+              <a:off x="1219200" y="5029200"/>
+              <a:ext cx="990600" cy="838200"/>
+            </a:xfrm>
+            <a:prstGeom prst="ellipse">
+              <a:avLst/>
+            </a:prstGeom>
+            <a:noFill/>
+            <a:ln w="9525">
+              <a:solidFill>
+                <a:schemeClr val="tx1"/>
+              </a:solidFill>
+              <a:round/>
+              <a:headEnd/>
+              <a:tailEnd/>
+            </a:ln>
+            <a:effectLst/>
+          </p:spPr>
+          <p:txBody>
+            <a:bodyPr wrap="none" anchor="ctr"/>
+            <a:lstStyle/>
+            <a:p>
+              <a:pPr algn="ctr"/>
+              <a:endParaRPr lang="en-US" sz="1400" dirty="0" smtClean="0"/>
+            </a:p>
+            <a:p>
+              <a:pPr algn="ctr"/>
+              <a:r>
+                <a:rPr lang="en-US" sz="1400" dirty="0" smtClean="0"/>
+                <a:t>Verification </a:t>
+              </a:r>
+              <a:endParaRPr lang="en-US" sz="1400" dirty="0" smtClean="0"/>
+            </a:p>
+            <a:p>
+              <a:pPr algn="ctr"/>
+              <a:r>
+                <a:rPr lang="en-US" sz="1400" dirty="0" smtClean="0"/>
+                <a:t>process</a:t>
+              </a:r>
+              <a:endParaRPr lang="en-US" sz="1400" dirty="0" smtClean="0"/>
+            </a:p>
+          </p:txBody>
+        </p:sp>
+        <p:sp>
+          <p:nvSpPr>
+            <p:cNvPr id="23" name="TextBox 22"/>
+            <p:cNvSpPr txBox="1"/>
+            <p:nvPr/>
+          </p:nvSpPr>
+          <p:spPr>
+            <a:xfrm>
+              <a:off x="1447800" y="5029200"/>
+              <a:ext cx="476412" cy="369332"/>
+            </a:xfrm>
+            <a:prstGeom prst="rect">
+              <a:avLst/>
+            </a:prstGeom>
+            <a:noFill/>
+          </p:spPr>
+          <p:txBody>
+            <a:bodyPr wrap="none" rtlCol="0">
+              <a:spAutoFit/>
+            </a:bodyPr>
+            <a:lstStyle/>
+            <a:p>
+              <a:r>
+                <a:rPr lang="en-US" dirty="0" smtClean="0"/>
+                <a:t>2.2</a:t>
+              </a:r>
+              <a:endParaRPr lang="en-US" dirty="0"/>
+            </a:p>
+          </p:txBody>
+        </p:sp>
+      </p:grpSp>
+      <p:sp>
+        <p:nvSpPr>
+          <p:cNvPr id="26" name="TextBox 25"/>
+          <p:cNvSpPr txBox="1"/>
+          <p:nvPr/>
+        </p:nvSpPr>
+        <p:spPr>
+          <a:xfrm>
+            <a:off x="2895600" y="838200"/>
+            <a:ext cx="1151277" cy="307777"/>
+          </a:xfrm>
+          <a:prstGeom prst="rect">
+            <a:avLst/>
+          </a:prstGeom>
+          <a:noFill/>
+        </p:spPr>
+        <p:txBody>
+          <a:bodyPr wrap="none" rtlCol="0">
+            <a:spAutoFit/>
+          </a:bodyPr>
+          <a:lstStyle/>
+          <a:p>
+            <a:r>
+              <a:rPr lang="en-US" sz="1400" dirty="0" smtClean="0"/>
+              <a:t>Ask </a:t>
+            </a:r>
+            <a:r>
+              <a:rPr lang="en-US" sz="1400" dirty="0" smtClean="0"/>
+              <a:t>for </a:t>
+            </a:r>
+            <a:r>
+              <a:rPr lang="en-US" sz="1400" dirty="0" smtClean="0"/>
+              <a:t>visit </a:t>
+            </a:r>
+            <a:endParaRPr lang="en-US" dirty="0"/>
+          </a:p>
+        </p:txBody>
+      </p:sp>
+      <p:cxnSp>
+        <p:nvCxnSpPr>
+          <p:cNvPr id="33" name="Shape 32"/>
+          <p:cNvCxnSpPr>
+            <a:stCxn id="8" idx="3"/>
+            <a:endCxn id="19" idx="0"/>
+          </p:cNvCxnSpPr>
+          <p:nvPr/>
+        </p:nvCxnSpPr>
+        <p:spPr>
+          <a:xfrm>
+            <a:off x="2895600" y="876300"/>
+            <a:ext cx="1562100" cy="1104900"/>
+          </a:xfrm>
+          <a:prstGeom prst="bentConnector2">
+            <a:avLst/>
+          </a:prstGeom>
+          <a:ln>
+            <a:solidFill>
+              <a:schemeClr val="tx1"/>
+            </a:solidFill>
+            <a:tailEnd type="arrow"/>
+          </a:ln>
+        </p:spPr>
+        <p:style>
+          <a:lnRef idx="1">
+            <a:schemeClr val="accent1"/>
+          </a:lnRef>
+          <a:fillRef idx="0">
+            <a:schemeClr val="accent1"/>
+          </a:fillRef>
+          <a:effectRef idx="0">
+            <a:schemeClr val="accent1"/>
+          </a:effectRef>
+          <a:fontRef idx="minor">
+            <a:schemeClr val="tx1"/>
+          </a:fontRef>
+        </p:style>
+      </p:cxnSp>
+      <p:cxnSp>
+        <p:nvCxnSpPr>
+          <p:cNvPr id="35" name="Elbow Connector 34"/>
+          <p:cNvCxnSpPr>
+            <a:stCxn id="19" idx="7"/>
+            <a:endCxn id="22" idx="1"/>
+          </p:cNvCxnSpPr>
+          <p:nvPr/>
+        </p:nvCxnSpPr>
+        <p:spPr>
+          <a:xfrm rot="5400000" flipH="1" flipV="1">
+            <a:off x="5753100" y="1158781"/>
+            <a:ext cx="1588" cy="1890340"/>
+          </a:xfrm>
+          <a:prstGeom prst="bentConnector3">
+            <a:avLst>
+              <a:gd name="adj1" fmla="val 22125378"/>
+            </a:avLst>
+          </a:prstGeom>
+          <a:ln>
+            <a:solidFill>
+              <a:schemeClr val="tx1"/>
+            </a:solidFill>
+            <a:tailEnd type="arrow"/>
+          </a:ln>
+        </p:spPr>
+        <p:style>
+          <a:lnRef idx="1">
+            <a:schemeClr val="accent1"/>
+          </a:lnRef>
+          <a:fillRef idx="0">
+            <a:schemeClr val="accent1"/>
+          </a:fillRef>
+          <a:effectRef idx="0">
+            <a:schemeClr val="accent1"/>
+          </a:effectRef>
+          <a:fontRef idx="minor">
+            <a:schemeClr val="tx1"/>
+          </a:fontRef>
+        </p:style>
+      </p:cxnSp>
+      <p:sp>
+        <p:nvSpPr>
+          <p:cNvPr id="36" name="TextBox 35"/>
+          <p:cNvSpPr txBox="1"/>
+          <p:nvPr/>
+        </p:nvSpPr>
+        <p:spPr>
+          <a:xfrm>
+            <a:off x="4953000" y="1447800"/>
+            <a:ext cx="1631216" cy="307777"/>
+          </a:xfrm>
+          <a:prstGeom prst="rect">
+            <a:avLst/>
+          </a:prstGeom>
+          <a:noFill/>
+        </p:spPr>
+        <p:txBody>
+          <a:bodyPr wrap="none" rtlCol="0">
+            <a:spAutoFit/>
+          </a:bodyPr>
+          <a:lstStyle/>
+          <a:p>
+            <a:r>
+              <a:rPr lang="en-US" sz="1400" dirty="0" smtClean="0"/>
+              <a:t>Resource info check</a:t>
+            </a:r>
+            <a:endParaRPr lang="en-US" dirty="0"/>
+          </a:p>
+        </p:txBody>
+      </p:sp>
+      <p:sp>
+        <p:nvSpPr>
+          <p:cNvPr id="39" name="TextBox 38"/>
+          <p:cNvSpPr txBox="1"/>
+          <p:nvPr/>
+        </p:nvSpPr>
+        <p:spPr>
+          <a:xfrm>
+            <a:off x="7391400" y="2971800"/>
+            <a:ext cx="1297150" cy="738664"/>
+          </a:xfrm>
+          <a:prstGeom prst="rect">
+            <a:avLst/>
+          </a:prstGeom>
+          <a:noFill/>
+        </p:spPr>
+        <p:txBody>
+          <a:bodyPr wrap="none" rtlCol="0">
+            <a:spAutoFit/>
+          </a:bodyPr>
+          <a:lstStyle/>
+          <a:p>
+            <a:r>
+              <a:rPr lang="en-US" sz="1400" dirty="0" smtClean="0"/>
+              <a:t>Use </a:t>
+            </a:r>
+          </a:p>
+          <a:p>
+            <a:r>
+              <a:rPr lang="en-US" sz="1400" dirty="0" smtClean="0"/>
+              <a:t>authentication </a:t>
+            </a:r>
+          </a:p>
+          <a:p>
+            <a:r>
+              <a:rPr lang="en-US" sz="1400" dirty="0" smtClean="0"/>
+              <a:t>info</a:t>
+            </a:r>
+            <a:endParaRPr lang="en-US" sz="1400" dirty="0"/>
+          </a:p>
+        </p:txBody>
+      </p:sp>
+      <p:cxnSp>
+        <p:nvCxnSpPr>
+          <p:cNvPr id="45" name="Straight Arrow Connector 44"/>
+          <p:cNvCxnSpPr>
+            <a:endCxn id="22" idx="5"/>
+          </p:cNvCxnSpPr>
+          <p:nvPr/>
+        </p:nvCxnSpPr>
+        <p:spPr>
+          <a:xfrm rot="5400000" flipH="1" flipV="1">
+            <a:off x="6647096" y="3440160"/>
+            <a:ext cx="1495145" cy="8124"/>
+          </a:xfrm>
+          <a:prstGeom prst="straightConnector1">
+            <a:avLst/>
+          </a:prstGeom>
+          <a:ln>
+            <a:solidFill>
+              <a:schemeClr val="tx1"/>
+            </a:solidFill>
+            <a:tailEnd type="arrow"/>
+          </a:ln>
+        </p:spPr>
+        <p:style>
+          <a:lnRef idx="1">
+            <a:schemeClr val="accent1"/>
+          </a:lnRef>
+          <a:fillRef idx="0">
+            <a:schemeClr val="accent1"/>
+          </a:fillRef>
+          <a:effectRef idx="0">
+            <a:schemeClr val="accent1"/>
+          </a:effectRef>
+          <a:fontRef idx="minor">
+            <a:schemeClr val="tx1"/>
+          </a:fontRef>
+        </p:style>
+      </p:cxnSp>
+      <p:cxnSp>
+        <p:nvCxnSpPr>
+          <p:cNvPr id="51" name="Straight Arrow Connector 50"/>
+          <p:cNvCxnSpPr>
+            <a:stCxn id="22" idx="3"/>
+          </p:cNvCxnSpPr>
+          <p:nvPr/>
+        </p:nvCxnSpPr>
+        <p:spPr>
+          <a:xfrm rot="16200000" flipH="1">
+            <a:off x="5916660" y="3478259"/>
+            <a:ext cx="1570553" cy="7332"/>
+          </a:xfrm>
+          <a:prstGeom prst="straightConnector1">
+            <a:avLst/>
+          </a:prstGeom>
+          <a:ln>
+            <a:solidFill>
+              <a:schemeClr val="tx1"/>
+            </a:solidFill>
+            <a:tailEnd type="arrow"/>
+          </a:ln>
+        </p:spPr>
+        <p:style>
+          <a:lnRef idx="1">
+            <a:schemeClr val="accent1"/>
+          </a:lnRef>
+          <a:fillRef idx="0">
+            <a:schemeClr val="accent1"/>
+          </a:fillRef>
+          <a:effectRef idx="0">
+            <a:schemeClr val="accent1"/>
+          </a:effectRef>
+          <a:fontRef idx="minor">
+            <a:schemeClr val="tx1"/>
+          </a:fontRef>
+        </p:style>
+      </p:cxnSp>
+      <p:sp>
+        <p:nvSpPr>
+          <p:cNvPr id="53" name="TextBox 52"/>
+          <p:cNvSpPr txBox="1"/>
+          <p:nvPr/>
+        </p:nvSpPr>
+        <p:spPr>
+          <a:xfrm>
+            <a:off x="6019800" y="3048000"/>
+            <a:ext cx="681597" cy="738664"/>
+          </a:xfrm>
+          <a:prstGeom prst="rect">
+            <a:avLst/>
+          </a:prstGeom>
+          <a:noFill/>
+        </p:spPr>
+        <p:txBody>
+          <a:bodyPr wrap="none" rtlCol="0">
+            <a:spAutoFit/>
+          </a:bodyPr>
+          <a:lstStyle/>
+          <a:p>
+            <a:r>
+              <a:rPr lang="en-US" sz="1400" dirty="0" smtClean="0"/>
+              <a:t>User </a:t>
+            </a:r>
+          </a:p>
+          <a:p>
+            <a:r>
+              <a:rPr lang="en-US" sz="1400" dirty="0" smtClean="0"/>
+              <a:t>Status </a:t>
+            </a:r>
+          </a:p>
+          <a:p>
+            <a:r>
+              <a:rPr lang="en-US" sz="1400" dirty="0" smtClean="0"/>
+              <a:t>Info</a:t>
+            </a:r>
+            <a:endParaRPr lang="en-US" sz="1400" dirty="0"/>
+          </a:p>
+        </p:txBody>
+      </p:sp>
+      <p:cxnSp>
+        <p:nvCxnSpPr>
+          <p:cNvPr id="55" name="Straight Arrow Connector 54"/>
+          <p:cNvCxnSpPr/>
+          <p:nvPr/>
+        </p:nvCxnSpPr>
+        <p:spPr>
+          <a:xfrm rot="5400000">
+            <a:off x="533400" y="2819400"/>
+            <a:ext cx="3505200" cy="1588"/>
+          </a:xfrm>
+          <a:prstGeom prst="straightConnector1">
+            <a:avLst/>
+          </a:prstGeom>
+          <a:ln>
+            <a:solidFill>
+              <a:schemeClr val="tx1"/>
+            </a:solidFill>
+            <a:tailEnd type="arrow"/>
+          </a:ln>
+        </p:spPr>
+        <p:style>
+          <a:lnRef idx="1">
+            <a:schemeClr val="accent1"/>
+          </a:lnRef>
+          <a:fillRef idx="0">
+            <a:schemeClr val="accent1"/>
+          </a:fillRef>
+          <a:effectRef idx="0">
+            <a:schemeClr val="accent1"/>
+          </a:effectRef>
+          <a:fontRef idx="minor">
+            <a:schemeClr val="tx1"/>
+          </a:fontRef>
+        </p:style>
+      </p:cxnSp>
+      <p:sp>
+        <p:nvSpPr>
+          <p:cNvPr id="75" name="TextBox 74"/>
+          <p:cNvSpPr txBox="1"/>
+          <p:nvPr/>
+        </p:nvSpPr>
+        <p:spPr>
+          <a:xfrm rot="16200000">
+            <a:off x="1645441" y="2271306"/>
+            <a:ext cx="1588897" cy="307777"/>
+          </a:xfrm>
+          <a:prstGeom prst="rect">
+            <a:avLst/>
+          </a:prstGeom>
+          <a:noFill/>
+        </p:spPr>
+        <p:txBody>
+          <a:bodyPr wrap="none" rtlCol="0">
+            <a:spAutoFit/>
+          </a:bodyPr>
+          <a:lstStyle/>
+          <a:p>
+            <a:r>
+              <a:rPr lang="en-US" sz="1400" dirty="0" smtClean="0"/>
+              <a:t>Add </a:t>
+            </a:r>
+            <a:r>
+              <a:rPr lang="en-US" sz="1400" dirty="0" smtClean="0"/>
+              <a:t>visitor details</a:t>
+            </a:r>
+            <a:endParaRPr lang="en-US" sz="1400" dirty="0"/>
+          </a:p>
+        </p:txBody>
+      </p:sp>
+      <p:cxnSp>
+        <p:nvCxnSpPr>
+          <p:cNvPr id="78" name="Shape 77"/>
+          <p:cNvCxnSpPr>
+            <a:stCxn id="9" idx="6"/>
+            <a:endCxn id="11" idx="2"/>
+          </p:cNvCxnSpPr>
+          <p:nvPr/>
+        </p:nvCxnSpPr>
+        <p:spPr>
+          <a:xfrm flipV="1">
+            <a:off x="2819400" y="4038600"/>
+            <a:ext cx="1295400" cy="952500"/>
+          </a:xfrm>
+          <a:prstGeom prst="bentConnector2">
+            <a:avLst/>
+          </a:prstGeom>
+          <a:ln>
+            <a:solidFill>
+              <a:schemeClr val="tx1"/>
+            </a:solidFill>
+            <a:tailEnd type="arrow"/>
+          </a:ln>
+        </p:spPr>
+        <p:style>
+          <a:lnRef idx="1">
+            <a:schemeClr val="accent1"/>
+          </a:lnRef>
+          <a:fillRef idx="0">
+            <a:schemeClr val="accent1"/>
+          </a:fillRef>
+          <a:effectRef idx="0">
+            <a:schemeClr val="accent1"/>
+          </a:effectRef>
+          <a:fontRef idx="minor">
+            <a:schemeClr val="tx1"/>
+          </a:fontRef>
+        </p:style>
+      </p:cxnSp>
+      <p:sp>
+        <p:nvSpPr>
+          <p:cNvPr id="79" name="TextBox 78"/>
+          <p:cNvSpPr txBox="1"/>
+          <p:nvPr/>
+        </p:nvSpPr>
+        <p:spPr>
+          <a:xfrm>
+            <a:off x="2895600" y="5029200"/>
+            <a:ext cx="1585627" cy="307777"/>
+          </a:xfrm>
+          <a:prstGeom prst="rect">
+            <a:avLst/>
+          </a:prstGeom>
+          <a:noFill/>
+        </p:spPr>
+        <p:txBody>
+          <a:bodyPr wrap="none" rtlCol="0">
+            <a:spAutoFit/>
+          </a:bodyPr>
+          <a:lstStyle/>
+          <a:p>
+            <a:r>
+              <a:rPr lang="en-US" sz="1400" dirty="0" smtClean="0"/>
+              <a:t>Get </a:t>
+            </a:r>
+            <a:r>
+              <a:rPr lang="en-US" sz="1400" dirty="0" smtClean="0"/>
+              <a:t>Visitor details</a:t>
+            </a:r>
+            <a:endParaRPr lang="en-US" sz="1400" dirty="0"/>
+          </a:p>
+        </p:txBody>
+      </p:sp>
+      <p:sp>
+        <p:nvSpPr>
+          <p:cNvPr id="82" name="TextBox 81"/>
+          <p:cNvSpPr txBox="1"/>
+          <p:nvPr/>
+        </p:nvSpPr>
+        <p:spPr>
+          <a:xfrm rot="16200000">
+            <a:off x="934797" y="2481973"/>
+            <a:ext cx="1638590" cy="307777"/>
+          </a:xfrm>
+          <a:prstGeom prst="rect">
+            <a:avLst/>
+          </a:prstGeom>
+          <a:noFill/>
+        </p:spPr>
+        <p:txBody>
+          <a:bodyPr wrap="none" rtlCol="0">
+            <a:spAutoFit/>
+          </a:bodyPr>
+          <a:lstStyle/>
+          <a:p>
+            <a:r>
+              <a:rPr lang="en-US" sz="1400" dirty="0" smtClean="0"/>
+              <a:t>Adding </a:t>
+            </a:r>
+            <a:r>
+              <a:rPr lang="en-US" sz="1400" dirty="0" smtClean="0"/>
+              <a:t>new visitor</a:t>
+            </a:r>
+            <a:endParaRPr lang="en-US" sz="1400" dirty="0" smtClean="0"/>
+          </a:p>
+        </p:txBody>
+      </p:sp>
+      <p:cxnSp>
+        <p:nvCxnSpPr>
+          <p:cNvPr id="84" name="Elbow Connector 83"/>
+          <p:cNvCxnSpPr>
+            <a:stCxn id="9" idx="2"/>
+            <a:endCxn id="8" idx="1"/>
+          </p:cNvCxnSpPr>
+          <p:nvPr/>
+        </p:nvCxnSpPr>
+        <p:spPr>
+          <a:xfrm rot="10800000">
+            <a:off x="1828800" y="876300"/>
+            <a:ext cx="1588" cy="4114800"/>
+          </a:xfrm>
+          <a:prstGeom prst="bentConnector3">
+            <a:avLst>
+              <a:gd name="adj1" fmla="val 14395466"/>
+            </a:avLst>
+          </a:prstGeom>
+          <a:ln>
+            <a:solidFill>
+              <a:schemeClr val="tx1"/>
+            </a:solidFill>
+            <a:tailEnd type="arrow"/>
+          </a:ln>
+        </p:spPr>
+        <p:style>
+          <a:lnRef idx="1">
+            <a:schemeClr val="accent1"/>
+          </a:lnRef>
+          <a:fillRef idx="0">
+            <a:schemeClr val="accent1"/>
+          </a:fillRef>
+          <a:effectRef idx="0">
+            <a:schemeClr val="accent1"/>
+          </a:effectRef>
+          <a:fontRef idx="minor">
+            <a:schemeClr val="tx1"/>
+          </a:fontRef>
+        </p:style>
+      </p:cxnSp>
+      <p:cxnSp>
+        <p:nvCxnSpPr>
+          <p:cNvPr id="86" name="Shape 85"/>
+          <p:cNvCxnSpPr>
+            <a:stCxn id="19" idx="2"/>
+          </p:cNvCxnSpPr>
+          <p:nvPr/>
+        </p:nvCxnSpPr>
+        <p:spPr>
+          <a:xfrm rot="10800000">
+            <a:off x="2743200" y="1066800"/>
+            <a:ext cx="1219200" cy="1333500"/>
+          </a:xfrm>
+          <a:prstGeom prst="bentConnector2">
+            <a:avLst/>
+          </a:prstGeom>
+          <a:ln>
+            <a:solidFill>
+              <a:schemeClr val="tx1"/>
+            </a:solidFill>
+            <a:tailEnd type="arrow"/>
+          </a:ln>
+        </p:spPr>
+        <p:style>
+          <a:lnRef idx="1">
+            <a:schemeClr val="accent1"/>
+          </a:lnRef>
+          <a:fillRef idx="0">
+            <a:schemeClr val="accent1"/>
+          </a:fillRef>
+          <a:effectRef idx="0">
+            <a:schemeClr val="accent1"/>
+          </a:effectRef>
+          <a:fontRef idx="minor">
+            <a:schemeClr val="tx1"/>
+          </a:fontRef>
+        </p:style>
+      </p:cxnSp>
+      <p:sp>
+        <p:nvSpPr>
+          <p:cNvPr id="87" name="TextBox 86"/>
+          <p:cNvSpPr txBox="1"/>
+          <p:nvPr/>
+        </p:nvSpPr>
+        <p:spPr>
+          <a:xfrm>
+            <a:off x="2743200" y="2057400"/>
+            <a:ext cx="1235146" cy="307777"/>
+          </a:xfrm>
+          <a:prstGeom prst="rect">
+            <a:avLst/>
+          </a:prstGeom>
+          <a:noFill/>
+        </p:spPr>
+        <p:txBody>
+          <a:bodyPr wrap="none" rtlCol="0">
+            <a:spAutoFit/>
+          </a:bodyPr>
+          <a:lstStyle/>
+          <a:p>
+            <a:r>
+              <a:rPr lang="en-US" sz="1400" dirty="0" smtClean="0"/>
+              <a:t>Request result</a:t>
+            </a:r>
+            <a:endParaRPr lang="en-US" dirty="0"/>
+          </a:p>
+        </p:txBody>
+      </p:sp>
+      <p:cxnSp>
+        <p:nvCxnSpPr>
+          <p:cNvPr id="92" name="Elbow Connector 91"/>
+          <p:cNvCxnSpPr/>
+          <p:nvPr/>
+        </p:nvCxnSpPr>
+        <p:spPr>
+          <a:xfrm rot="16200000" flipV="1">
+            <a:off x="4095750" y="3181351"/>
+            <a:ext cx="762000" cy="38100"/>
+          </a:xfrm>
+          <a:prstGeom prst="bentConnector3">
+            <a:avLst>
+              <a:gd name="adj1" fmla="val 2558"/>
+            </a:avLst>
+          </a:prstGeom>
+          <a:ln>
+            <a:solidFill>
+              <a:schemeClr val="tx1"/>
+            </a:solidFill>
+            <a:tailEnd type="arrow"/>
+          </a:ln>
+        </p:spPr>
+        <p:style>
+          <a:lnRef idx="1">
+            <a:schemeClr val="accent1"/>
+          </a:lnRef>
+          <a:fillRef idx="0">
+            <a:schemeClr val="accent1"/>
+          </a:fillRef>
+          <a:effectRef idx="0">
+            <a:schemeClr val="accent1"/>
+          </a:effectRef>
+          <a:fontRef idx="minor">
+            <a:schemeClr val="tx1"/>
+          </a:fontRef>
+        </p:style>
+      </p:cxnSp>
+      <p:sp>
+        <p:nvSpPr>
+          <p:cNvPr id="98" name="TextBox 97"/>
+          <p:cNvSpPr txBox="1"/>
+          <p:nvPr/>
+        </p:nvSpPr>
+        <p:spPr>
+          <a:xfrm>
+            <a:off x="3200400" y="3048000"/>
+            <a:ext cx="1277850" cy="307777"/>
+          </a:xfrm>
+          <a:prstGeom prst="rect">
+            <a:avLst/>
+          </a:prstGeom>
+          <a:noFill/>
+        </p:spPr>
+        <p:txBody>
+          <a:bodyPr wrap="none" rtlCol="0">
+            <a:spAutoFit/>
+          </a:bodyPr>
+          <a:lstStyle/>
+          <a:p>
+            <a:r>
+              <a:rPr lang="en-US" sz="1400" dirty="0" smtClean="0"/>
+              <a:t>Visitor Details</a:t>
+            </a:r>
+            <a:endParaRPr lang="en-US" sz="1400" dirty="0" smtClean="0"/>
+          </a:p>
+        </p:txBody>
+      </p:sp>
+      <p:cxnSp>
+        <p:nvCxnSpPr>
+          <p:cNvPr id="188" name="Elbow Connector 187"/>
+          <p:cNvCxnSpPr>
+            <a:stCxn id="11" idx="3"/>
+          </p:cNvCxnSpPr>
+          <p:nvPr/>
+        </p:nvCxnSpPr>
+        <p:spPr>
+          <a:xfrm>
+            <a:off x="4953000" y="3810000"/>
+            <a:ext cx="1371600" cy="1143000"/>
+          </a:xfrm>
+          <a:prstGeom prst="bentConnector3">
+            <a:avLst>
+              <a:gd name="adj1" fmla="val 50000"/>
+            </a:avLst>
+          </a:prstGeom>
+          <a:ln>
+            <a:solidFill>
+              <a:schemeClr val="tx1"/>
+            </a:solidFill>
+            <a:tailEnd type="arrow"/>
+          </a:ln>
+        </p:spPr>
+        <p:style>
+          <a:lnRef idx="1">
+            <a:schemeClr val="accent1"/>
+          </a:lnRef>
+          <a:fillRef idx="0">
+            <a:schemeClr val="accent1"/>
+          </a:fillRef>
+          <a:effectRef idx="0">
+            <a:schemeClr val="accent1"/>
+          </a:effectRef>
+          <a:fontRef idx="minor">
+            <a:schemeClr val="tx1"/>
+          </a:fontRef>
+        </p:style>
+      </p:cxnSp>
+      <p:sp>
+        <p:nvSpPr>
+          <p:cNvPr id="189" name="TextBox 188"/>
+          <p:cNvSpPr txBox="1"/>
+          <p:nvPr/>
+        </p:nvSpPr>
+        <p:spPr>
+          <a:xfrm>
+            <a:off x="5638800" y="4114800"/>
+            <a:ext cx="667234" cy="523220"/>
+          </a:xfrm>
+          <a:prstGeom prst="rect">
+            <a:avLst/>
+          </a:prstGeom>
+          <a:noFill/>
+        </p:spPr>
+        <p:txBody>
+          <a:bodyPr wrap="none" rtlCol="0">
+            <a:spAutoFit/>
+          </a:bodyPr>
+          <a:lstStyle/>
+          <a:p>
+            <a:r>
+              <a:rPr lang="en-US" sz="1400" dirty="0" smtClean="0"/>
+              <a:t>Get </a:t>
+            </a:r>
+          </a:p>
+          <a:p>
+            <a:r>
+              <a:rPr lang="en-US" sz="1400" dirty="0" smtClean="0"/>
+              <a:t>details</a:t>
+            </a:r>
+            <a:endParaRPr lang="en-US" sz="1400" dirty="0"/>
+          </a:p>
+        </p:txBody>
+      </p:sp>
+      <p:cxnSp>
+        <p:nvCxnSpPr>
+          <p:cNvPr id="71" name="Elbow Connector 70"/>
+          <p:cNvCxnSpPr>
+            <a:stCxn id="22" idx="2"/>
+            <a:endCxn id="19" idx="6"/>
+          </p:cNvCxnSpPr>
+          <p:nvPr/>
+        </p:nvCxnSpPr>
+        <p:spPr>
+          <a:xfrm rot="10800000">
+            <a:off x="4953000" y="2400300"/>
+            <a:ext cx="1600200" cy="1588"/>
+          </a:xfrm>
+          <a:prstGeom prst="bentConnector3">
+            <a:avLst>
+              <a:gd name="adj1" fmla="val 50000"/>
+            </a:avLst>
+          </a:prstGeom>
+          <a:ln>
+            <a:solidFill>
+              <a:schemeClr val="tx1"/>
+            </a:solidFill>
+            <a:tailEnd type="arrow"/>
+          </a:ln>
+        </p:spPr>
+        <p:style>
+          <a:lnRef idx="1">
+            <a:schemeClr val="accent1"/>
+          </a:lnRef>
+          <a:fillRef idx="0">
+            <a:schemeClr val="accent1"/>
+          </a:fillRef>
+          <a:effectRef idx="0">
+            <a:schemeClr val="accent1"/>
+          </a:effectRef>
+          <a:fontRef idx="minor">
+            <a:schemeClr val="tx1"/>
+          </a:fontRef>
+        </p:style>
+      </p:cxnSp>
+      <p:sp>
+        <p:nvSpPr>
+          <p:cNvPr id="72" name="TextBox 71"/>
+          <p:cNvSpPr txBox="1"/>
+          <p:nvPr/>
+        </p:nvSpPr>
+        <p:spPr>
+          <a:xfrm>
+            <a:off x="5181600" y="2438400"/>
+            <a:ext cx="1254702" cy="307777"/>
+          </a:xfrm>
+          <a:prstGeom prst="rect">
+            <a:avLst/>
+          </a:prstGeom>
+          <a:noFill/>
+        </p:spPr>
+        <p:txBody>
+          <a:bodyPr wrap="none" rtlCol="0">
+            <a:spAutoFit/>
+          </a:bodyPr>
+          <a:lstStyle/>
+          <a:p>
+            <a:r>
+              <a:rPr lang="en-US" sz="1400" dirty="0" smtClean="0"/>
+              <a:t>Send response</a:t>
+            </a:r>
+            <a:endParaRPr lang="en-US" dirty="0"/>
+          </a:p>
+        </p:txBody>
+      </p:sp>
+      <p:grpSp>
+        <p:nvGrpSpPr>
+          <p:cNvPr id="24" name="Group 72"/>
+          <p:cNvGrpSpPr/>
+          <p:nvPr/>
+        </p:nvGrpSpPr>
+        <p:grpSpPr>
+          <a:xfrm>
+            <a:off x="6781800" y="6172200"/>
+            <a:ext cx="1792708" cy="457200"/>
+            <a:chOff x="304800" y="1676400"/>
+            <a:chExt cx="1792708" cy="457200"/>
+          </a:xfrm>
+        </p:grpSpPr>
+        <p:sp>
+          <p:nvSpPr>
+            <p:cNvPr id="74" name="Rectangle 73"/>
+            <p:cNvSpPr/>
+            <p:nvPr/>
+          </p:nvSpPr>
+          <p:spPr>
+            <a:xfrm>
+              <a:off x="304800" y="1676400"/>
+              <a:ext cx="1676400" cy="457200"/>
+            </a:xfrm>
+            <a:prstGeom prst="rect">
+              <a:avLst/>
+            </a:prstGeom>
+            <a:noFill/>
+            <a:ln>
+              <a:solidFill>
+                <a:schemeClr val="tx1"/>
+              </a:solidFill>
+            </a:ln>
+          </p:spPr>
+          <p:style>
+            <a:lnRef idx="2">
+              <a:schemeClr val="accent1">
+                <a:shade val="50000"/>
+              </a:schemeClr>
+            </a:lnRef>
+            <a:fillRef idx="1">
+              <a:schemeClr val="accent1"/>
+            </a:fillRef>
+            <a:effectRef idx="0">
+              <a:schemeClr val="accent1"/>
+            </a:effectRef>
+            <a:fontRef idx="minor">
+              <a:schemeClr val="lt1"/>
+            </a:fontRef>
+          </p:style>
+          <p:txBody>
+            <a:bodyPr rtlCol="0" anchor="ctr"/>
+            <a:lstStyle/>
+            <a:p>
+              <a:pPr algn="ctr"/>
+              <a:endParaRPr lang="en-US"/>
+            </a:p>
+          </p:txBody>
+        </p:sp>
+        <p:sp>
+          <p:nvSpPr>
+            <p:cNvPr id="76" name="TextBox 75"/>
+            <p:cNvSpPr txBox="1"/>
+            <p:nvPr/>
+          </p:nvSpPr>
+          <p:spPr>
+            <a:xfrm>
+              <a:off x="609600" y="1752600"/>
+              <a:ext cx="1487908" cy="307777"/>
+            </a:xfrm>
+            <a:prstGeom prst="rect">
+              <a:avLst/>
+            </a:prstGeom>
+            <a:noFill/>
+          </p:spPr>
+          <p:txBody>
+            <a:bodyPr wrap="none" rtlCol="0">
+              <a:spAutoFit/>
+            </a:bodyPr>
+            <a:lstStyle/>
+            <a:p>
+              <a:r>
+                <a:rPr lang="en-US" sz="1400" dirty="0" smtClean="0"/>
+                <a:t> Member Details</a:t>
+              </a:r>
+              <a:endParaRPr lang="en-US" sz="1400" dirty="0"/>
+            </a:p>
+          </p:txBody>
+        </p:sp>
+        <p:cxnSp>
+          <p:nvCxnSpPr>
+            <p:cNvPr id="77" name="Straight Connector 76"/>
+            <p:cNvCxnSpPr/>
+            <p:nvPr/>
+          </p:nvCxnSpPr>
+          <p:spPr>
+            <a:xfrm rot="5400000">
+              <a:off x="457994" y="1904206"/>
+              <a:ext cx="456406" cy="794"/>
+            </a:xfrm>
+            <a:prstGeom prst="line">
+              <a:avLst/>
+            </a:prstGeom>
+            <a:ln>
+              <a:solidFill>
+                <a:schemeClr val="tx1"/>
+              </a:solidFill>
+            </a:ln>
+          </p:spPr>
+          <p:style>
+            <a:lnRef idx="1">
+              <a:schemeClr val="accent1"/>
+            </a:lnRef>
+            <a:fillRef idx="0">
+              <a:schemeClr val="accent1"/>
+            </a:fillRef>
+            <a:effectRef idx="0">
+              <a:schemeClr val="accent1"/>
+            </a:effectRef>
+            <a:fontRef idx="minor">
+              <a:schemeClr val="tx1"/>
+            </a:fontRef>
+          </p:style>
+        </p:cxnSp>
+        <p:sp>
+          <p:nvSpPr>
+            <p:cNvPr id="80" name="TextBox 79"/>
+            <p:cNvSpPr txBox="1"/>
+            <p:nvPr/>
+          </p:nvSpPr>
+          <p:spPr>
+            <a:xfrm>
+              <a:off x="304800" y="1752600"/>
+              <a:ext cx="413896" cy="307777"/>
+            </a:xfrm>
+            <a:prstGeom prst="rect">
+              <a:avLst/>
+            </a:prstGeom>
+            <a:noFill/>
+          </p:spPr>
+          <p:txBody>
+            <a:bodyPr wrap="none" rtlCol="0">
+              <a:spAutoFit/>
+            </a:bodyPr>
+            <a:lstStyle/>
+            <a:p>
+              <a:r>
+                <a:rPr lang="en-US" sz="1400" dirty="0" smtClean="0"/>
+                <a:t>D1</a:t>
+              </a:r>
+              <a:endParaRPr lang="en-US" sz="1400" dirty="0"/>
+            </a:p>
+          </p:txBody>
+        </p:sp>
+      </p:grpSp>
+      <p:cxnSp>
+        <p:nvCxnSpPr>
+          <p:cNvPr id="83" name="Straight Arrow Connector 82"/>
+          <p:cNvCxnSpPr>
+            <a:stCxn id="74" idx="0"/>
+          </p:cNvCxnSpPr>
+          <p:nvPr/>
+        </p:nvCxnSpPr>
+        <p:spPr>
+          <a:xfrm rot="5400000" flipH="1" flipV="1">
+            <a:off x="7200900" y="5753100"/>
+            <a:ext cx="838200" cy="1588"/>
+          </a:xfrm>
+          <a:prstGeom prst="straightConnector1">
+            <a:avLst/>
+          </a:prstGeom>
+          <a:ln>
+            <a:solidFill>
+              <a:schemeClr val="tx1"/>
+            </a:solidFill>
+            <a:tailEnd type="arrow"/>
+          </a:ln>
+        </p:spPr>
+        <p:style>
+          <a:lnRef idx="1">
+            <a:schemeClr val="accent1"/>
+          </a:lnRef>
+          <a:fillRef idx="0">
+            <a:schemeClr val="accent1"/>
+          </a:fillRef>
+          <a:effectRef idx="0">
+            <a:schemeClr val="accent1"/>
+          </a:effectRef>
+          <a:fontRef idx="minor">
+            <a:schemeClr val="tx1"/>
+          </a:fontRef>
+        </p:style>
+      </p:cxnSp>
+      <p:sp>
+        <p:nvSpPr>
+          <p:cNvPr id="85" name="TextBox 84"/>
+          <p:cNvSpPr txBox="1"/>
+          <p:nvPr/>
+        </p:nvSpPr>
+        <p:spPr>
+          <a:xfrm>
+            <a:off x="7620000" y="5486400"/>
+            <a:ext cx="667234" cy="523220"/>
+          </a:xfrm>
+          <a:prstGeom prst="rect">
+            <a:avLst/>
+          </a:prstGeom>
+          <a:noFill/>
+        </p:spPr>
+        <p:txBody>
+          <a:bodyPr wrap="none" rtlCol="0">
+            <a:spAutoFit/>
+          </a:bodyPr>
+          <a:lstStyle/>
+          <a:p>
+            <a:r>
+              <a:rPr lang="en-US" sz="1400" dirty="0" smtClean="0"/>
+              <a:t>Get </a:t>
+            </a:r>
+          </a:p>
+          <a:p>
+            <a:r>
+              <a:rPr lang="en-US" sz="1400" dirty="0" smtClean="0"/>
+              <a:t>details</a:t>
+            </a:r>
+            <a:endParaRPr lang="en-US" sz="1400" dirty="0"/>
+          </a:p>
+        </p:txBody>
+      </p:sp>
+      <p:grpSp>
+        <p:nvGrpSpPr>
+          <p:cNvPr id="64" name="Group 63"/>
+          <p:cNvGrpSpPr/>
+          <p:nvPr/>
+        </p:nvGrpSpPr>
+        <p:grpSpPr>
+          <a:xfrm>
+            <a:off x="3810000" y="6019800"/>
+            <a:ext cx="1066800" cy="381000"/>
+            <a:chOff x="4495800" y="914400"/>
+            <a:chExt cx="1066800" cy="381000"/>
+          </a:xfrm>
+        </p:grpSpPr>
+        <p:sp>
+          <p:nvSpPr>
+            <p:cNvPr id="65" name="TextBox 64"/>
+            <p:cNvSpPr txBox="1"/>
+            <p:nvPr/>
+          </p:nvSpPr>
+          <p:spPr>
+            <a:xfrm>
+              <a:off x="4648200" y="914400"/>
+              <a:ext cx="840295" cy="307777"/>
+            </a:xfrm>
+            <a:prstGeom prst="rect">
+              <a:avLst/>
+            </a:prstGeom>
+            <a:noFill/>
+          </p:spPr>
+          <p:txBody>
+            <a:bodyPr wrap="none" rtlCol="0">
+              <a:spAutoFit/>
+            </a:bodyPr>
+            <a:lstStyle/>
+            <a:p>
+              <a:r>
+                <a:rPr lang="en-US" sz="1400" dirty="0" smtClean="0"/>
+                <a:t>Member</a:t>
+              </a:r>
+              <a:endParaRPr lang="en-US" sz="1400" dirty="0"/>
+            </a:p>
+          </p:txBody>
+        </p:sp>
+        <p:sp>
+          <p:nvSpPr>
+            <p:cNvPr id="66" name="Rectangle 65"/>
+            <p:cNvSpPr/>
+            <p:nvPr/>
+          </p:nvSpPr>
+          <p:spPr>
+            <a:xfrm>
+              <a:off x="4495800" y="914400"/>
+              <a:ext cx="1066800" cy="381000"/>
+            </a:xfrm>
+            <a:prstGeom prst="rect">
+              <a:avLst/>
+            </a:prstGeom>
+            <a:noFill/>
+            <a:ln>
+              <a:solidFill>
+                <a:schemeClr val="tx1"/>
+              </a:solidFill>
+            </a:ln>
+          </p:spPr>
+          <p:style>
+            <a:lnRef idx="2">
+              <a:schemeClr val="accent1">
+                <a:shade val="50000"/>
+              </a:schemeClr>
+            </a:lnRef>
+            <a:fillRef idx="1">
+              <a:schemeClr val="accent1"/>
+            </a:fillRef>
+            <a:effectRef idx="0">
+              <a:schemeClr val="accent1"/>
+            </a:effectRef>
+            <a:fontRef idx="minor">
+              <a:schemeClr val="lt1"/>
+            </a:fontRef>
+          </p:style>
+          <p:txBody>
+            <a:bodyPr rtlCol="0" anchor="ctr"/>
+            <a:lstStyle/>
+            <a:p>
+              <a:pPr algn="ctr"/>
+              <a:endParaRPr lang="en-US"/>
+            </a:p>
+          </p:txBody>
+        </p:sp>
+      </p:grpSp>
+      <p:cxnSp>
+        <p:nvCxnSpPr>
+          <p:cNvPr id="68" name="Elbow Connector 67"/>
+          <p:cNvCxnSpPr>
+            <a:stCxn id="66" idx="0"/>
+            <a:endCxn id="2" idx="3"/>
+          </p:cNvCxnSpPr>
+          <p:nvPr/>
+        </p:nvCxnSpPr>
+        <p:spPr>
+          <a:xfrm rot="5400000" flipH="1" flipV="1">
+            <a:off x="5073837" y="4501215"/>
+            <a:ext cx="788148" cy="2249022"/>
+          </a:xfrm>
+          <a:prstGeom prst="bentConnector3">
+            <a:avLst>
+              <a:gd name="adj1" fmla="val 83149"/>
+            </a:avLst>
+          </a:prstGeom>
+          <a:ln>
+            <a:solidFill>
+              <a:schemeClr val="tx1"/>
+            </a:solidFill>
+            <a:tailEnd type="arrow"/>
+          </a:ln>
+        </p:spPr>
+        <p:style>
+          <a:lnRef idx="1">
+            <a:schemeClr val="accent1"/>
+          </a:lnRef>
+          <a:fillRef idx="0">
+            <a:schemeClr val="accent1"/>
+          </a:fillRef>
+          <a:effectRef idx="0">
+            <a:schemeClr val="accent1"/>
+          </a:effectRef>
+          <a:fontRef idx="minor">
+            <a:schemeClr val="tx1"/>
+          </a:fontRef>
+        </p:style>
+      </p:cxnSp>
+      <p:sp>
+        <p:nvSpPr>
+          <p:cNvPr id="69" name="TextBox 68"/>
+          <p:cNvSpPr txBox="1"/>
+          <p:nvPr/>
+        </p:nvSpPr>
+        <p:spPr>
+          <a:xfrm>
+            <a:off x="4419600" y="5334000"/>
+            <a:ext cx="2034531" cy="307777"/>
+          </a:xfrm>
+          <a:prstGeom prst="rect">
+            <a:avLst/>
+          </a:prstGeom>
+          <a:noFill/>
+        </p:spPr>
+        <p:txBody>
+          <a:bodyPr wrap="none" rtlCol="0">
+            <a:spAutoFit/>
+          </a:bodyPr>
+          <a:lstStyle/>
+          <a:p>
+            <a:r>
+              <a:rPr lang="en-US" sz="1400" dirty="0" smtClean="0"/>
+              <a:t>Response for approval </a:t>
+            </a:r>
+            <a:endParaRPr lang="en-US" dirty="0"/>
+          </a:p>
+        </p:txBody>
+      </p:sp>
+      <p:cxnSp>
+        <p:nvCxnSpPr>
+          <p:cNvPr id="88" name="Shape 87"/>
+          <p:cNvCxnSpPr>
+            <a:stCxn id="2" idx="4"/>
+          </p:cNvCxnSpPr>
+          <p:nvPr/>
+        </p:nvCxnSpPr>
+        <p:spPr>
+          <a:xfrm rot="5400000">
+            <a:off x="5753100" y="4533900"/>
+            <a:ext cx="609600" cy="2362200"/>
+          </a:xfrm>
+          <a:prstGeom prst="bentConnector2">
+            <a:avLst/>
+          </a:prstGeom>
+          <a:ln>
+            <a:solidFill>
+              <a:schemeClr val="tx1"/>
+            </a:solidFill>
+            <a:tailEnd type="arrow"/>
+          </a:ln>
+        </p:spPr>
+        <p:style>
+          <a:lnRef idx="1">
+            <a:schemeClr val="accent1"/>
+          </a:lnRef>
+          <a:fillRef idx="0">
+            <a:schemeClr val="accent1"/>
+          </a:fillRef>
+          <a:effectRef idx="0">
+            <a:schemeClr val="accent1"/>
+          </a:effectRef>
+          <a:fontRef idx="minor">
+            <a:schemeClr val="tx1"/>
+          </a:fontRef>
+        </p:style>
+      </p:cxnSp>
+      <p:sp>
+        <p:nvSpPr>
+          <p:cNvPr id="111" name="TextBox 110"/>
+          <p:cNvSpPr txBox="1"/>
+          <p:nvPr/>
+        </p:nvSpPr>
+        <p:spPr>
+          <a:xfrm>
+            <a:off x="4800600" y="5715000"/>
+            <a:ext cx="1904689" cy="307777"/>
+          </a:xfrm>
+          <a:prstGeom prst="rect">
+            <a:avLst/>
+          </a:prstGeom>
+          <a:noFill/>
+        </p:spPr>
+        <p:txBody>
+          <a:bodyPr wrap="none" rtlCol="0">
+            <a:spAutoFit/>
+          </a:bodyPr>
+          <a:lstStyle/>
+          <a:p>
+            <a:r>
+              <a:rPr lang="en-US" sz="1400" dirty="0" smtClean="0"/>
+              <a:t>Get approval request </a:t>
+            </a:r>
+            <a:endParaRPr lang="en-US" dirty="0"/>
+          </a:p>
+        </p:txBody>
+      </p:sp>
+    </p:spTree>
+  </p:cSld>
+  <p:clrMapOvr>
+    <a:masterClrMapping/>
+  </p:clrMapOvr>
+  <p:timing>
+    <p:tnLst>
+      <p:par>
+        <p:cTn id="1" dur="indefinite" restart="never" nodeType="tmRoot"/>
+      </p:par>
+    </p:tnLst>
+  </p:timing>
+</p:sld>
+</file>
+
+<file path=ppt/slides/slide4.xml><?xml version="1.0" encoding="utf-8"?>
+<p:sld xmlns:a="http://schemas.openxmlformats.org/drawingml/2006/main" xmlns:r="http://schemas.openxmlformats.org/officeDocument/2006/relationships" xmlns:p="http://schemas.openxmlformats.org/presentationml/2006/main">
+  <p:cSld>
+    <p:spTree>
+      <p:nvGrpSpPr>
+        <p:cNvPr id="1" name=""/>
+        <p:cNvGrpSpPr/>
+        <p:nvPr/>
+      </p:nvGrpSpPr>
+      <p:grpSpPr>
+        <a:xfrm>
+          <a:off x="0" y="0"/>
+          <a:ext cx="0" cy="0"/>
+          <a:chOff x="0" y="0"/>
+          <a:chExt cx="0" cy="0"/>
+        </a:xfrm>
+      </p:grpSpPr>
+      <p:sp>
+        <p:nvSpPr>
+          <p:cNvPr id="15361" name="Oval 2"/>
+          <p:cNvSpPr>
+            <a:spLocks noChangeArrowheads="1"/>
+          </p:cNvSpPr>
+          <p:nvPr/>
+        </p:nvSpPr>
+        <p:spPr bwMode="auto">
+          <a:xfrm>
+            <a:off x="2362200" y="1828800"/>
+            <a:ext cx="838200" cy="838200"/>
+          </a:xfrm>
+          <a:prstGeom prst="ellipse">
+            <a:avLst/>
+          </a:prstGeom>
+          <a:noFill/>
+          <a:ln w="9525">
+            <a:solidFill>
+              <a:schemeClr val="tx1"/>
+            </a:solidFill>
+            <a:round/>
+            <a:headEnd/>
+            <a:tailEnd/>
+          </a:ln>
+        </p:spPr>
+        <p:txBody>
+          <a:bodyPr wrap="none" anchor="ctr"/>
+          <a:lstStyle/>
+          <a:p>
+            <a:pPr algn="ctr"/>
+            <a:r>
+              <a:rPr lang="en-US" sz="1200" b="1"/>
+              <a:t>Employee </a:t>
+            </a:r>
+          </a:p>
+          <a:p>
+            <a:pPr algn="ctr"/>
+            <a:r>
+              <a:rPr lang="en-US" sz="1200" b="1"/>
+              <a:t>Login</a:t>
+            </a:r>
+          </a:p>
+          <a:p>
+            <a:pPr algn="ctr"/>
+            <a:r>
+              <a:rPr lang="en-US" sz="1200" b="1"/>
+              <a:t>6.1</a:t>
+            </a:r>
+          </a:p>
+        </p:txBody>
+      </p:sp>
+      <p:sp>
+        <p:nvSpPr>
+          <p:cNvPr id="15362" name="Rectangle 3"/>
+          <p:cNvSpPr>
+            <a:spLocks noChangeArrowheads="1"/>
+          </p:cNvSpPr>
+          <p:nvPr/>
+        </p:nvSpPr>
+        <p:spPr bwMode="auto">
+          <a:xfrm>
+            <a:off x="762000" y="1371600"/>
+            <a:ext cx="838200" cy="304800"/>
+          </a:xfrm>
+          <a:prstGeom prst="rect">
+            <a:avLst/>
+          </a:prstGeom>
+          <a:noFill/>
+          <a:ln w="28575">
+            <a:solidFill>
+              <a:schemeClr val="tx1"/>
+            </a:solidFill>
+            <a:miter lim="800000"/>
+            <a:headEnd/>
+            <a:tailEnd/>
+          </a:ln>
+        </p:spPr>
+        <p:txBody>
+          <a:bodyPr wrap="none" anchor="ctr"/>
+          <a:lstStyle/>
+          <a:p>
+            <a:pPr algn="ctr"/>
+            <a:r>
+              <a:rPr lang="en-US" sz="1200">
+                <a:latin typeface="Bookman Old Style" pitchFamily="18" charset="0"/>
+              </a:rPr>
+              <a:t>Employee</a:t>
+            </a:r>
+          </a:p>
+        </p:txBody>
+      </p:sp>
+      <p:cxnSp>
+        <p:nvCxnSpPr>
+          <p:cNvPr id="15363" name="AutoShape 4"/>
+          <p:cNvCxnSpPr>
+            <a:cxnSpLocks noChangeShapeType="1"/>
+            <a:stCxn id="15362" idx="0"/>
+            <a:endCxn id="15361" idx="0"/>
+          </p:cNvCxnSpPr>
+          <p:nvPr/>
+        </p:nvCxnSpPr>
+        <p:spPr bwMode="auto">
+          <a:xfrm rot="5400000" flipV="1">
+            <a:off x="1745456" y="792957"/>
+            <a:ext cx="471487" cy="1600200"/>
+          </a:xfrm>
+          <a:prstGeom prst="bentConnector3">
+            <a:avLst>
+              <a:gd name="adj1" fmla="val -45454"/>
+            </a:avLst>
+          </a:prstGeom>
+          <a:noFill/>
+          <a:ln w="9525">
+            <a:solidFill>
+              <a:schemeClr val="tx1"/>
+            </a:solidFill>
+            <a:miter lim="800000"/>
+            <a:headEnd/>
+            <a:tailEnd type="triangle" w="med" len="med"/>
+          </a:ln>
+        </p:spPr>
+      </p:cxnSp>
+      <p:cxnSp>
+        <p:nvCxnSpPr>
+          <p:cNvPr id="15364" name="AutoShape 5"/>
+          <p:cNvCxnSpPr>
+            <a:cxnSpLocks noChangeShapeType="1"/>
+            <a:stCxn id="15361" idx="2"/>
+            <a:endCxn id="15362" idx="3"/>
+          </p:cNvCxnSpPr>
+          <p:nvPr/>
+        </p:nvCxnSpPr>
+        <p:spPr bwMode="auto">
+          <a:xfrm rot="10800000">
+            <a:off x="1614488" y="1524000"/>
+            <a:ext cx="747712" cy="723900"/>
+          </a:xfrm>
+          <a:prstGeom prst="bentConnector3">
+            <a:avLst>
+              <a:gd name="adj1" fmla="val 50954"/>
+            </a:avLst>
+          </a:prstGeom>
+          <a:noFill/>
+          <a:ln w="9525">
+            <a:solidFill>
+              <a:schemeClr val="tx1"/>
+            </a:solidFill>
+            <a:miter lim="800000"/>
+            <a:headEnd/>
+            <a:tailEnd type="triangle" w="med" len="med"/>
+          </a:ln>
+        </p:spPr>
+      </p:cxnSp>
+      <p:sp>
+        <p:nvSpPr>
+          <p:cNvPr id="15365" name="Text Box 6"/>
+          <p:cNvSpPr txBox="1">
+            <a:spLocks noChangeArrowheads="1"/>
+          </p:cNvSpPr>
+          <p:nvPr/>
+        </p:nvSpPr>
+        <p:spPr bwMode="auto">
+          <a:xfrm>
+            <a:off x="1676400" y="914400"/>
+            <a:ext cx="793750" cy="244475"/>
+          </a:xfrm>
+          <a:prstGeom prst="rect">
+            <a:avLst/>
+          </a:prstGeom>
+          <a:noFill/>
+          <a:ln w="9525">
+            <a:noFill/>
+            <a:miter lim="800000"/>
+            <a:headEnd/>
+            <a:tailEnd/>
+          </a:ln>
+        </p:spPr>
+        <p:txBody>
+          <a:bodyPr wrap="none">
+            <a:spAutoFit/>
+          </a:bodyPr>
+          <a:lstStyle/>
+          <a:p>
+            <a:r>
+              <a:rPr lang="en-US" sz="1000"/>
+              <a:t>Login Data</a:t>
+            </a:r>
+          </a:p>
+        </p:txBody>
+      </p:sp>
+      <p:sp>
+        <p:nvSpPr>
+          <p:cNvPr id="15366" name="Text Box 7"/>
+          <p:cNvSpPr txBox="1">
+            <a:spLocks noChangeArrowheads="1"/>
+          </p:cNvSpPr>
+          <p:nvPr/>
+        </p:nvSpPr>
+        <p:spPr bwMode="auto">
+          <a:xfrm>
+            <a:off x="1905000" y="1660525"/>
+            <a:ext cx="542925" cy="396875"/>
+          </a:xfrm>
+          <a:prstGeom prst="rect">
+            <a:avLst/>
+          </a:prstGeom>
+          <a:noFill/>
+          <a:ln w="9525">
+            <a:noFill/>
+            <a:miter lim="800000"/>
+            <a:headEnd/>
+            <a:tailEnd/>
+          </a:ln>
+        </p:spPr>
+        <p:txBody>
+          <a:bodyPr wrap="none">
+            <a:spAutoFit/>
+          </a:bodyPr>
+          <a:lstStyle/>
+          <a:p>
+            <a:r>
+              <a:rPr lang="en-US" sz="1000"/>
+              <a:t>Login</a:t>
+            </a:r>
+          </a:p>
+          <a:p>
+            <a:r>
+              <a:rPr lang="en-US" sz="1000"/>
+              <a:t>Result</a:t>
+            </a:r>
+          </a:p>
+        </p:txBody>
+      </p:sp>
+      <p:grpSp>
+        <p:nvGrpSpPr>
+          <p:cNvPr id="2" name="Group 8"/>
+          <p:cNvGrpSpPr>
+            <a:grpSpLocks/>
+          </p:cNvGrpSpPr>
+          <p:nvPr/>
+        </p:nvGrpSpPr>
+        <p:grpSpPr bwMode="auto">
+          <a:xfrm>
+            <a:off x="3200400" y="3124200"/>
+            <a:ext cx="1752600" cy="381000"/>
+            <a:chOff x="336" y="384"/>
+            <a:chExt cx="873" cy="240"/>
+          </a:xfrm>
+        </p:grpSpPr>
+        <p:grpSp>
+          <p:nvGrpSpPr>
+            <p:cNvPr id="3" name="Group 9"/>
+            <p:cNvGrpSpPr>
+              <a:grpSpLocks/>
+            </p:cNvGrpSpPr>
+            <p:nvPr/>
+          </p:nvGrpSpPr>
+          <p:grpSpPr bwMode="auto">
+            <a:xfrm>
+              <a:off x="336" y="384"/>
+              <a:ext cx="816" cy="240"/>
+              <a:chOff x="336" y="384"/>
+              <a:chExt cx="816" cy="240"/>
+            </a:xfrm>
+          </p:grpSpPr>
+          <p:sp>
+            <p:nvSpPr>
+              <p:cNvPr id="15393" name="Rectangle 10"/>
+              <p:cNvSpPr>
+                <a:spLocks noChangeArrowheads="1"/>
+              </p:cNvSpPr>
+              <p:nvPr/>
+            </p:nvSpPr>
+            <p:spPr bwMode="auto">
+              <a:xfrm>
+                <a:off x="336" y="384"/>
+                <a:ext cx="816" cy="240"/>
+              </a:xfrm>
+              <a:prstGeom prst="rect">
+                <a:avLst/>
+              </a:prstGeom>
+              <a:noFill/>
+              <a:ln w="9525">
+                <a:solidFill>
+                  <a:schemeClr val="tx1"/>
+                </a:solidFill>
+                <a:miter lim="800000"/>
+                <a:headEnd/>
+                <a:tailEnd/>
+              </a:ln>
+            </p:spPr>
+            <p:txBody>
+              <a:bodyPr wrap="none" anchor="ctr"/>
+              <a:lstStyle/>
+              <a:p>
+                <a:endParaRPr lang="en-US"/>
+              </a:p>
+            </p:txBody>
+          </p:sp>
+          <p:sp>
+            <p:nvSpPr>
+              <p:cNvPr id="15394" name="Line 11"/>
+              <p:cNvSpPr>
+                <a:spLocks noChangeShapeType="1"/>
+              </p:cNvSpPr>
+              <p:nvPr/>
+            </p:nvSpPr>
+            <p:spPr bwMode="auto">
+              <a:xfrm>
+                <a:off x="528" y="384"/>
+                <a:ext cx="0" cy="240"/>
+              </a:xfrm>
+              <a:prstGeom prst="line">
+                <a:avLst/>
+              </a:prstGeom>
+              <a:noFill/>
+              <a:ln w="9525">
+                <a:solidFill>
+                  <a:schemeClr val="tx1"/>
+                </a:solidFill>
+                <a:round/>
+                <a:headEnd/>
+                <a:tailEnd/>
+              </a:ln>
+            </p:spPr>
+            <p:txBody>
+              <a:bodyPr/>
+              <a:lstStyle/>
+              <a:p>
+                <a:endParaRPr lang="en-US"/>
+              </a:p>
+            </p:txBody>
+          </p:sp>
+        </p:grpSp>
+        <p:sp>
+          <p:nvSpPr>
+            <p:cNvPr id="15392" name="Text Box 12"/>
+            <p:cNvSpPr txBox="1">
+              <a:spLocks noChangeArrowheads="1"/>
+            </p:cNvSpPr>
+            <p:nvPr/>
+          </p:nvSpPr>
+          <p:spPr bwMode="auto">
+            <a:xfrm>
+              <a:off x="336" y="422"/>
+              <a:ext cx="873" cy="154"/>
+            </a:xfrm>
+            <a:prstGeom prst="rect">
+              <a:avLst/>
+            </a:prstGeom>
+            <a:noFill/>
+            <a:ln w="9525">
+              <a:noFill/>
+              <a:miter lim="800000"/>
+              <a:headEnd/>
+              <a:tailEnd/>
+            </a:ln>
+          </p:spPr>
+          <p:txBody>
+            <a:bodyPr>
+              <a:spAutoFit/>
+            </a:bodyPr>
+            <a:lstStyle/>
+            <a:p>
+              <a:r>
+                <a:rPr lang="en-US" sz="1000"/>
+                <a:t>D4     Employee details</a:t>
+              </a:r>
+            </a:p>
+          </p:txBody>
+        </p:sp>
+      </p:grpSp>
+      <p:cxnSp>
+        <p:nvCxnSpPr>
+          <p:cNvPr id="15368" name="AutoShape 13"/>
+          <p:cNvCxnSpPr>
+            <a:cxnSpLocks noChangeShapeType="1"/>
+            <a:stCxn id="15392" idx="1"/>
+            <a:endCxn id="15361" idx="4"/>
+          </p:cNvCxnSpPr>
+          <p:nvPr/>
+        </p:nvCxnSpPr>
+        <p:spPr bwMode="auto">
+          <a:xfrm rot="10800000">
+            <a:off x="2781300" y="2667000"/>
+            <a:ext cx="419100" cy="639763"/>
+          </a:xfrm>
+          <a:prstGeom prst="bentConnector2">
+            <a:avLst/>
+          </a:prstGeom>
+          <a:noFill/>
+          <a:ln w="9525">
+            <a:solidFill>
+              <a:schemeClr val="tx1"/>
+            </a:solidFill>
+            <a:miter lim="800000"/>
+            <a:headEnd/>
+            <a:tailEnd type="triangle" w="med" len="med"/>
+          </a:ln>
+        </p:spPr>
+      </p:cxnSp>
+      <p:sp>
+        <p:nvSpPr>
+          <p:cNvPr id="15369" name="Text Box 14"/>
+          <p:cNvSpPr txBox="1">
+            <a:spLocks noChangeArrowheads="1"/>
+          </p:cNvSpPr>
+          <p:nvPr/>
+        </p:nvSpPr>
+        <p:spPr bwMode="auto">
+          <a:xfrm>
+            <a:off x="2743200" y="2667000"/>
+            <a:ext cx="781050" cy="396875"/>
+          </a:xfrm>
+          <a:prstGeom prst="rect">
+            <a:avLst/>
+          </a:prstGeom>
+          <a:noFill/>
+          <a:ln w="9525">
+            <a:noFill/>
+            <a:miter lim="800000"/>
+            <a:headEnd/>
+            <a:tailEnd/>
+          </a:ln>
+        </p:spPr>
+        <p:txBody>
+          <a:bodyPr wrap="none">
+            <a:spAutoFit/>
+          </a:bodyPr>
+          <a:lstStyle/>
+          <a:p>
+            <a:r>
+              <a:rPr lang="en-US" sz="1000"/>
+              <a:t>Employee </a:t>
+            </a:r>
+          </a:p>
+          <a:p>
+            <a:r>
+              <a:rPr lang="en-US" sz="1000"/>
+              <a:t>Detail</a:t>
+            </a:r>
+          </a:p>
+        </p:txBody>
+      </p:sp>
+      <p:sp>
+        <p:nvSpPr>
+          <p:cNvPr id="15370" name="Oval 15"/>
+          <p:cNvSpPr>
+            <a:spLocks noChangeArrowheads="1"/>
+          </p:cNvSpPr>
+          <p:nvPr/>
+        </p:nvSpPr>
+        <p:spPr bwMode="auto">
+          <a:xfrm>
+            <a:off x="5181600" y="1676400"/>
+            <a:ext cx="990600" cy="838200"/>
+          </a:xfrm>
+          <a:prstGeom prst="ellipse">
+            <a:avLst/>
+          </a:prstGeom>
+          <a:noFill/>
+          <a:ln w="9525">
+            <a:solidFill>
+              <a:schemeClr val="tx1"/>
+            </a:solidFill>
+            <a:round/>
+            <a:headEnd/>
+            <a:tailEnd/>
+          </a:ln>
+        </p:spPr>
+        <p:txBody>
+          <a:bodyPr wrap="none" anchor="ctr"/>
+          <a:lstStyle/>
+          <a:p>
+            <a:pPr algn="ctr"/>
+            <a:r>
+              <a:rPr lang="en-US" sz="1200" b="1"/>
+              <a:t>verification</a:t>
+            </a:r>
+          </a:p>
+          <a:p>
+            <a:pPr algn="ctr"/>
+            <a:r>
+              <a:rPr lang="en-US" sz="1200" b="1"/>
+              <a:t>6.2</a:t>
+            </a:r>
+          </a:p>
+        </p:txBody>
+      </p:sp>
+      <p:sp>
+        <p:nvSpPr>
+          <p:cNvPr id="15371" name="Oval 16"/>
+          <p:cNvSpPr>
+            <a:spLocks noChangeArrowheads="1"/>
+          </p:cNvSpPr>
+          <p:nvPr/>
+        </p:nvSpPr>
+        <p:spPr bwMode="auto">
+          <a:xfrm>
+            <a:off x="4876800" y="304800"/>
+            <a:ext cx="1219200" cy="1143000"/>
+          </a:xfrm>
+          <a:prstGeom prst="ellipse">
+            <a:avLst/>
+          </a:prstGeom>
+          <a:noFill/>
+          <a:ln w="28575">
+            <a:solidFill>
+              <a:schemeClr val="tx1"/>
+            </a:solidFill>
+            <a:round/>
+            <a:headEnd/>
+            <a:tailEnd/>
+          </a:ln>
+        </p:spPr>
+        <p:txBody>
+          <a:bodyPr wrap="none" anchor="ctr"/>
+          <a:lstStyle/>
+          <a:p>
+            <a:pPr algn="ctr"/>
+            <a:r>
+              <a:rPr lang="en-US" sz="1400" b="1">
+                <a:latin typeface="Bookman Old Style" pitchFamily="18" charset="0"/>
+              </a:rPr>
+              <a:t>Security </a:t>
+            </a:r>
+          </a:p>
+          <a:p>
+            <a:pPr algn="ctr"/>
+            <a:r>
+              <a:rPr lang="en-US" sz="1400" b="1">
+                <a:latin typeface="Bookman Old Style" pitchFamily="18" charset="0"/>
+              </a:rPr>
+              <a:t>Management </a:t>
+            </a:r>
+          </a:p>
+          <a:p>
+            <a:pPr algn="ctr"/>
+            <a:r>
+              <a:rPr lang="en-US" sz="1400" b="1">
+                <a:latin typeface="Bookman Old Style" pitchFamily="18" charset="0"/>
+              </a:rPr>
+              <a:t>System</a:t>
+            </a:r>
+          </a:p>
+          <a:p>
+            <a:pPr algn="ctr"/>
+            <a:r>
+              <a:rPr lang="en-US" sz="1400" b="1">
+                <a:latin typeface="Bookman Old Style" pitchFamily="18" charset="0"/>
+              </a:rPr>
+              <a:t>1</a:t>
+            </a:r>
+          </a:p>
+        </p:txBody>
+      </p:sp>
+      <p:cxnSp>
+        <p:nvCxnSpPr>
+          <p:cNvPr id="15372" name="AutoShape 17"/>
+          <p:cNvCxnSpPr>
+            <a:cxnSpLocks noChangeShapeType="1"/>
+            <a:stCxn id="15361" idx="6"/>
+            <a:endCxn id="15370" idx="3"/>
+          </p:cNvCxnSpPr>
+          <p:nvPr/>
+        </p:nvCxnSpPr>
+        <p:spPr bwMode="auto">
+          <a:xfrm>
+            <a:off x="3200400" y="2247900"/>
+            <a:ext cx="2125663" cy="144463"/>
+          </a:xfrm>
+          <a:prstGeom prst="bentConnector4">
+            <a:avLst>
+              <a:gd name="adj1" fmla="val 46602"/>
+              <a:gd name="adj2" fmla="val 342856"/>
+            </a:avLst>
+          </a:prstGeom>
+          <a:noFill/>
+          <a:ln w="9525">
+            <a:solidFill>
+              <a:schemeClr val="tx1"/>
+            </a:solidFill>
+            <a:miter lim="800000"/>
+            <a:headEnd/>
+            <a:tailEnd type="triangle" w="med" len="med"/>
+          </a:ln>
+        </p:spPr>
+      </p:cxnSp>
+      <p:sp>
+        <p:nvSpPr>
+          <p:cNvPr id="15373" name="Text Box 18"/>
+          <p:cNvSpPr txBox="1">
+            <a:spLocks noChangeArrowheads="1"/>
+          </p:cNvSpPr>
+          <p:nvPr/>
+        </p:nvSpPr>
+        <p:spPr bwMode="auto">
+          <a:xfrm>
+            <a:off x="3124200" y="2057400"/>
+            <a:ext cx="1327150" cy="244475"/>
+          </a:xfrm>
+          <a:prstGeom prst="rect">
+            <a:avLst/>
+          </a:prstGeom>
+          <a:noFill/>
+          <a:ln w="9525">
+            <a:noFill/>
+            <a:miter lim="800000"/>
+            <a:headEnd/>
+            <a:tailEnd/>
+          </a:ln>
+        </p:spPr>
+        <p:txBody>
+          <a:bodyPr wrap="none">
+            <a:spAutoFit/>
+          </a:bodyPr>
+          <a:lstStyle/>
+          <a:p>
+            <a:r>
+              <a:rPr lang="en-US" sz="1000"/>
+              <a:t>Employee Login info</a:t>
+            </a:r>
+          </a:p>
+        </p:txBody>
+      </p:sp>
+      <p:cxnSp>
+        <p:nvCxnSpPr>
+          <p:cNvPr id="15374" name="AutoShape 19"/>
+          <p:cNvCxnSpPr>
+            <a:cxnSpLocks noChangeShapeType="1"/>
+            <a:stCxn id="15370" idx="2"/>
+            <a:endCxn id="15371" idx="2"/>
+          </p:cNvCxnSpPr>
+          <p:nvPr/>
+        </p:nvCxnSpPr>
+        <p:spPr bwMode="auto">
+          <a:xfrm rot="10800000">
+            <a:off x="4862513" y="876300"/>
+            <a:ext cx="319087" cy="1219200"/>
+          </a:xfrm>
+          <a:prstGeom prst="bentConnector3">
+            <a:avLst>
+              <a:gd name="adj1" fmla="val 167162"/>
+            </a:avLst>
+          </a:prstGeom>
+          <a:noFill/>
+          <a:ln w="9525">
+            <a:solidFill>
+              <a:schemeClr val="tx1"/>
+            </a:solidFill>
+            <a:miter lim="800000"/>
+            <a:headEnd/>
+            <a:tailEnd type="triangle" w="med" len="med"/>
+          </a:ln>
+        </p:spPr>
+      </p:cxnSp>
+      <p:sp>
+        <p:nvSpPr>
+          <p:cNvPr id="15375" name="Text Box 20"/>
+          <p:cNvSpPr txBox="1">
+            <a:spLocks noChangeArrowheads="1"/>
+          </p:cNvSpPr>
+          <p:nvPr/>
+        </p:nvSpPr>
+        <p:spPr bwMode="auto">
+          <a:xfrm rot="-5400000">
+            <a:off x="6184106" y="1283494"/>
+            <a:ext cx="982663" cy="549275"/>
+          </a:xfrm>
+          <a:prstGeom prst="rect">
+            <a:avLst/>
+          </a:prstGeom>
+          <a:noFill/>
+          <a:ln w="9525">
+            <a:noFill/>
+            <a:miter lim="800000"/>
+            <a:headEnd/>
+            <a:tailEnd/>
+          </a:ln>
+        </p:spPr>
+        <p:txBody>
+          <a:bodyPr wrap="none">
+            <a:spAutoFit/>
+          </a:bodyPr>
+          <a:lstStyle/>
+          <a:p>
+            <a:r>
+              <a:rPr lang="en-US" sz="1000"/>
+              <a:t>Employee </a:t>
+            </a:r>
+          </a:p>
+          <a:p>
+            <a:r>
+              <a:rPr lang="en-US" sz="1000"/>
+              <a:t>Authentication</a:t>
+            </a:r>
+          </a:p>
+          <a:p>
+            <a:r>
+              <a:rPr lang="en-US" sz="1000"/>
+              <a:t>  info</a:t>
+            </a:r>
+          </a:p>
+        </p:txBody>
+      </p:sp>
+      <p:cxnSp>
+        <p:nvCxnSpPr>
+          <p:cNvPr id="15376" name="AutoShape 21"/>
+          <p:cNvCxnSpPr>
+            <a:cxnSpLocks noChangeShapeType="1"/>
+            <a:stCxn id="15371" idx="6"/>
+            <a:endCxn id="15370" idx="6"/>
+          </p:cNvCxnSpPr>
+          <p:nvPr/>
+        </p:nvCxnSpPr>
+        <p:spPr bwMode="auto">
+          <a:xfrm>
+            <a:off x="6110288" y="876300"/>
+            <a:ext cx="61912" cy="1219200"/>
+          </a:xfrm>
+          <a:prstGeom prst="bentConnector3">
+            <a:avLst>
+              <a:gd name="adj1" fmla="val 469231"/>
+            </a:avLst>
+          </a:prstGeom>
+          <a:noFill/>
+          <a:ln w="9525">
+            <a:solidFill>
+              <a:schemeClr val="tx1"/>
+            </a:solidFill>
+            <a:miter lim="800000"/>
+            <a:headEnd/>
+            <a:tailEnd type="triangle" w="med" len="med"/>
+          </a:ln>
+        </p:spPr>
+      </p:cxnSp>
+      <p:sp>
+        <p:nvSpPr>
+          <p:cNvPr id="15377" name="Text Box 22"/>
+          <p:cNvSpPr txBox="1">
+            <a:spLocks noChangeArrowheads="1"/>
+          </p:cNvSpPr>
+          <p:nvPr/>
+        </p:nvSpPr>
+        <p:spPr bwMode="auto">
+          <a:xfrm rot="-5400000">
+            <a:off x="3975100" y="1357313"/>
+            <a:ext cx="1285875" cy="396875"/>
+          </a:xfrm>
+          <a:prstGeom prst="rect">
+            <a:avLst/>
+          </a:prstGeom>
+          <a:noFill/>
+          <a:ln w="9525">
+            <a:noFill/>
+            <a:miter lim="800000"/>
+            <a:headEnd/>
+            <a:tailEnd/>
+          </a:ln>
+        </p:spPr>
+        <p:txBody>
+          <a:bodyPr>
+            <a:spAutoFit/>
+          </a:bodyPr>
+          <a:lstStyle/>
+          <a:p>
+            <a:r>
+              <a:rPr lang="en-US" sz="1000"/>
+              <a:t>Employee Status Info</a:t>
+            </a:r>
+          </a:p>
+        </p:txBody>
+      </p:sp>
+      <p:grpSp>
+        <p:nvGrpSpPr>
+          <p:cNvPr id="4" name="Group 23"/>
+          <p:cNvGrpSpPr>
+            <a:grpSpLocks/>
+          </p:cNvGrpSpPr>
+          <p:nvPr/>
+        </p:nvGrpSpPr>
+        <p:grpSpPr bwMode="auto">
+          <a:xfrm>
+            <a:off x="7315200" y="1676400"/>
+            <a:ext cx="1425575" cy="381000"/>
+            <a:chOff x="336" y="384"/>
+            <a:chExt cx="820" cy="240"/>
+          </a:xfrm>
+        </p:grpSpPr>
+        <p:grpSp>
+          <p:nvGrpSpPr>
+            <p:cNvPr id="5" name="Group 24"/>
+            <p:cNvGrpSpPr>
+              <a:grpSpLocks/>
+            </p:cNvGrpSpPr>
+            <p:nvPr/>
+          </p:nvGrpSpPr>
+          <p:grpSpPr bwMode="auto">
+            <a:xfrm>
+              <a:off x="336" y="384"/>
+              <a:ext cx="816" cy="240"/>
+              <a:chOff x="336" y="384"/>
+              <a:chExt cx="816" cy="240"/>
+            </a:xfrm>
+          </p:grpSpPr>
+          <p:sp>
+            <p:nvSpPr>
+              <p:cNvPr id="15389" name="Rectangle 25"/>
+              <p:cNvSpPr>
+                <a:spLocks noChangeArrowheads="1"/>
+              </p:cNvSpPr>
+              <p:nvPr/>
+            </p:nvSpPr>
+            <p:spPr bwMode="auto">
+              <a:xfrm>
+                <a:off x="336" y="384"/>
+                <a:ext cx="816" cy="240"/>
+              </a:xfrm>
+              <a:prstGeom prst="rect">
+                <a:avLst/>
+              </a:prstGeom>
+              <a:noFill/>
+              <a:ln w="9525">
+                <a:solidFill>
+                  <a:schemeClr val="tx1"/>
+                </a:solidFill>
+                <a:miter lim="800000"/>
+                <a:headEnd/>
+                <a:tailEnd/>
+              </a:ln>
+            </p:spPr>
+            <p:txBody>
+              <a:bodyPr wrap="none" anchor="ctr"/>
+              <a:lstStyle/>
+              <a:p>
+                <a:endParaRPr lang="en-US"/>
+              </a:p>
+            </p:txBody>
+          </p:sp>
+          <p:sp>
+            <p:nvSpPr>
+              <p:cNvPr id="15390" name="Line 26"/>
+              <p:cNvSpPr>
+                <a:spLocks noChangeShapeType="1"/>
+              </p:cNvSpPr>
+              <p:nvPr/>
+            </p:nvSpPr>
+            <p:spPr bwMode="auto">
+              <a:xfrm>
+                <a:off x="528" y="384"/>
+                <a:ext cx="0" cy="240"/>
+              </a:xfrm>
+              <a:prstGeom prst="line">
+                <a:avLst/>
+              </a:prstGeom>
+              <a:noFill/>
+              <a:ln w="9525">
+                <a:solidFill>
+                  <a:schemeClr val="tx1"/>
+                </a:solidFill>
+                <a:round/>
+                <a:headEnd/>
+                <a:tailEnd/>
+              </a:ln>
+            </p:spPr>
+            <p:txBody>
+              <a:bodyPr/>
+              <a:lstStyle/>
+              <a:p>
+                <a:endParaRPr lang="en-US"/>
+              </a:p>
+            </p:txBody>
+          </p:sp>
+        </p:grpSp>
+        <p:sp>
+          <p:nvSpPr>
+            <p:cNvPr id="15388" name="Text Box 27"/>
+            <p:cNvSpPr txBox="1">
+              <a:spLocks noChangeArrowheads="1"/>
+            </p:cNvSpPr>
+            <p:nvPr/>
+          </p:nvSpPr>
+          <p:spPr bwMode="auto">
+            <a:xfrm>
+              <a:off x="336" y="422"/>
+              <a:ext cx="820" cy="154"/>
+            </a:xfrm>
+            <a:prstGeom prst="rect">
+              <a:avLst/>
+            </a:prstGeom>
+            <a:noFill/>
+            <a:ln w="9525">
+              <a:noFill/>
+              <a:miter lim="800000"/>
+              <a:headEnd/>
+              <a:tailEnd/>
+            </a:ln>
+          </p:spPr>
+          <p:txBody>
+            <a:bodyPr wrap="none">
+              <a:spAutoFit/>
+            </a:bodyPr>
+            <a:lstStyle/>
+            <a:p>
+              <a:r>
+                <a:rPr lang="en-US" sz="1000"/>
+                <a:t>D7    emp login Status</a:t>
+              </a:r>
+            </a:p>
+          </p:txBody>
+        </p:sp>
+      </p:grpSp>
+      <p:cxnSp>
+        <p:nvCxnSpPr>
+          <p:cNvPr id="15379" name="AutoShape 28"/>
+          <p:cNvCxnSpPr>
+            <a:cxnSpLocks noChangeShapeType="1"/>
+            <a:stCxn id="15370" idx="4"/>
+            <a:endCxn id="15389" idx="2"/>
+          </p:cNvCxnSpPr>
+          <p:nvPr/>
+        </p:nvCxnSpPr>
+        <p:spPr bwMode="auto">
+          <a:xfrm rot="5400000" flipH="1" flipV="1">
+            <a:off x="6622257" y="1112043"/>
+            <a:ext cx="457200" cy="2347913"/>
+          </a:xfrm>
+          <a:prstGeom prst="bentConnector3">
+            <a:avLst>
+              <a:gd name="adj1" fmla="val -50000"/>
+            </a:avLst>
+          </a:prstGeom>
+          <a:noFill/>
+          <a:ln w="9525">
+            <a:solidFill>
+              <a:schemeClr val="tx1"/>
+            </a:solidFill>
+            <a:miter lim="800000"/>
+            <a:headEnd/>
+            <a:tailEnd type="triangle" w="med" len="med"/>
+          </a:ln>
+        </p:spPr>
+      </p:cxnSp>
+      <p:sp>
+        <p:nvSpPr>
+          <p:cNvPr id="15380" name="Oval 29"/>
+          <p:cNvSpPr>
+            <a:spLocks noChangeArrowheads="1"/>
+          </p:cNvSpPr>
+          <p:nvPr/>
+        </p:nvSpPr>
+        <p:spPr bwMode="auto">
+          <a:xfrm>
+            <a:off x="457200" y="2590800"/>
+            <a:ext cx="838200" cy="838200"/>
+          </a:xfrm>
+          <a:prstGeom prst="ellipse">
+            <a:avLst/>
+          </a:prstGeom>
+          <a:noFill/>
+          <a:ln w="9525">
+            <a:solidFill>
+              <a:schemeClr val="tx1"/>
+            </a:solidFill>
+            <a:round/>
+            <a:headEnd/>
+            <a:tailEnd/>
+          </a:ln>
+        </p:spPr>
+        <p:txBody>
+          <a:bodyPr wrap="none" anchor="ctr"/>
+          <a:lstStyle/>
+          <a:p>
+            <a:pPr algn="ctr"/>
+            <a:r>
+              <a:rPr lang="en-US" sz="1200" b="1"/>
+              <a:t>Create</a:t>
+            </a:r>
+          </a:p>
+          <a:p>
+            <a:pPr algn="ctr"/>
+            <a:r>
+              <a:rPr lang="en-US" sz="1200" b="1"/>
+              <a:t>Employee </a:t>
+            </a:r>
+          </a:p>
+          <a:p>
+            <a:pPr algn="ctr"/>
+            <a:r>
+              <a:rPr lang="en-US" sz="1200" b="1"/>
+              <a:t>6.3</a:t>
+            </a:r>
+          </a:p>
+        </p:txBody>
+      </p:sp>
+      <p:cxnSp>
+        <p:nvCxnSpPr>
+          <p:cNvPr id="15381" name="AutoShape 30"/>
+          <p:cNvCxnSpPr>
+            <a:cxnSpLocks noChangeShapeType="1"/>
+            <a:stCxn id="15380" idx="2"/>
+            <a:endCxn id="15362" idx="1"/>
+          </p:cNvCxnSpPr>
+          <p:nvPr/>
+        </p:nvCxnSpPr>
+        <p:spPr bwMode="auto">
+          <a:xfrm rot="10800000" flipH="1">
+            <a:off x="457200" y="1524000"/>
+            <a:ext cx="290513" cy="1485900"/>
+          </a:xfrm>
+          <a:prstGeom prst="bentConnector3">
+            <a:avLst>
+              <a:gd name="adj1" fmla="val -78690"/>
+            </a:avLst>
+          </a:prstGeom>
+          <a:noFill/>
+          <a:ln w="9525">
+            <a:solidFill>
+              <a:schemeClr val="tx1"/>
+            </a:solidFill>
+            <a:miter lim="800000"/>
+            <a:headEnd/>
+            <a:tailEnd type="triangle" w="med" len="med"/>
+          </a:ln>
+        </p:spPr>
+      </p:cxnSp>
+      <p:cxnSp>
+        <p:nvCxnSpPr>
+          <p:cNvPr id="15382" name="AutoShape 31"/>
+          <p:cNvCxnSpPr>
+            <a:cxnSpLocks noChangeShapeType="1"/>
+            <a:stCxn id="15362" idx="2"/>
+            <a:endCxn id="15380" idx="0"/>
+          </p:cNvCxnSpPr>
+          <p:nvPr/>
+        </p:nvCxnSpPr>
+        <p:spPr bwMode="auto">
+          <a:xfrm rot="5400000">
+            <a:off x="578644" y="1988344"/>
+            <a:ext cx="900112" cy="304800"/>
+          </a:xfrm>
+          <a:prstGeom prst="bentConnector3">
+            <a:avLst>
+              <a:gd name="adj1" fmla="val 49208"/>
+            </a:avLst>
+          </a:prstGeom>
+          <a:noFill/>
+          <a:ln w="9525">
+            <a:solidFill>
+              <a:schemeClr val="tx1"/>
+            </a:solidFill>
+            <a:miter lim="800000"/>
+            <a:headEnd/>
+            <a:tailEnd type="triangle" w="med" len="med"/>
+          </a:ln>
+        </p:spPr>
+      </p:cxnSp>
+      <p:sp>
+        <p:nvSpPr>
+          <p:cNvPr id="15383" name="Text Box 32"/>
+          <p:cNvSpPr txBox="1">
+            <a:spLocks noChangeArrowheads="1"/>
+          </p:cNvSpPr>
+          <p:nvPr/>
+        </p:nvSpPr>
+        <p:spPr bwMode="auto">
+          <a:xfrm rot="5400000">
+            <a:off x="988219" y="1907381"/>
+            <a:ext cx="858838" cy="396875"/>
+          </a:xfrm>
+          <a:prstGeom prst="rect">
+            <a:avLst/>
+          </a:prstGeom>
+          <a:noFill/>
+          <a:ln w="9525">
+            <a:noFill/>
+            <a:miter lim="800000"/>
+            <a:headEnd/>
+            <a:tailEnd/>
+          </a:ln>
+        </p:spPr>
+        <p:txBody>
+          <a:bodyPr wrap="none">
+            <a:spAutoFit/>
+          </a:bodyPr>
+          <a:lstStyle/>
+          <a:p>
+            <a:r>
+              <a:rPr lang="en-US" sz="1000"/>
+              <a:t>Registration</a:t>
+            </a:r>
+          </a:p>
+          <a:p>
+            <a:r>
+              <a:rPr lang="en-US" sz="1000"/>
+              <a:t>  detail</a:t>
+            </a:r>
+          </a:p>
+        </p:txBody>
+      </p:sp>
+      <p:sp>
+        <p:nvSpPr>
+          <p:cNvPr id="15384" name="Text Box 33"/>
+          <p:cNvSpPr txBox="1">
+            <a:spLocks noChangeArrowheads="1"/>
+          </p:cNvSpPr>
+          <p:nvPr/>
+        </p:nvSpPr>
+        <p:spPr bwMode="auto">
+          <a:xfrm rot="-5400000">
+            <a:off x="-308769" y="2197894"/>
+            <a:ext cx="1287463" cy="244475"/>
+          </a:xfrm>
+          <a:prstGeom prst="rect">
+            <a:avLst/>
+          </a:prstGeom>
+          <a:noFill/>
+          <a:ln w="9525">
+            <a:noFill/>
+            <a:miter lim="800000"/>
+            <a:headEnd/>
+            <a:tailEnd/>
+          </a:ln>
+        </p:spPr>
+        <p:txBody>
+          <a:bodyPr wrap="none">
+            <a:spAutoFit/>
+          </a:bodyPr>
+          <a:lstStyle/>
+          <a:p>
+            <a:r>
+              <a:rPr lang="en-US" sz="1000"/>
+              <a:t>Registration  Result</a:t>
+            </a:r>
+          </a:p>
+        </p:txBody>
+      </p:sp>
+      <p:cxnSp>
+        <p:nvCxnSpPr>
+          <p:cNvPr id="15385" name="AutoShape 34"/>
+          <p:cNvCxnSpPr>
+            <a:cxnSpLocks noChangeShapeType="1"/>
+            <a:stCxn id="15380" idx="6"/>
+            <a:endCxn id="15393" idx="2"/>
+          </p:cNvCxnSpPr>
+          <p:nvPr/>
+        </p:nvCxnSpPr>
+        <p:spPr bwMode="auto">
+          <a:xfrm>
+            <a:off x="1295400" y="3009900"/>
+            <a:ext cx="2724150" cy="495300"/>
+          </a:xfrm>
+          <a:prstGeom prst="bentConnector4">
+            <a:avLst>
+              <a:gd name="adj1" fmla="val 34963"/>
+              <a:gd name="adj2" fmla="val 146153"/>
+            </a:avLst>
+          </a:prstGeom>
+          <a:noFill/>
+          <a:ln w="9525">
+            <a:solidFill>
+              <a:schemeClr val="tx1"/>
+            </a:solidFill>
+            <a:miter lim="800000"/>
+            <a:headEnd/>
+            <a:tailEnd type="triangle" w="med" len="med"/>
+          </a:ln>
+        </p:spPr>
+      </p:cxnSp>
+      <p:sp>
+        <p:nvSpPr>
+          <p:cNvPr id="15386" name="Text Box 35"/>
+          <p:cNvSpPr txBox="1">
+            <a:spLocks noChangeArrowheads="1"/>
+          </p:cNvSpPr>
+          <p:nvPr/>
+        </p:nvSpPr>
+        <p:spPr bwMode="auto">
+          <a:xfrm rot="-5400000">
+            <a:off x="1654175" y="3125788"/>
+            <a:ext cx="746125" cy="396875"/>
+          </a:xfrm>
+          <a:prstGeom prst="rect">
+            <a:avLst/>
+          </a:prstGeom>
+          <a:noFill/>
+          <a:ln w="9525">
+            <a:noFill/>
+            <a:miter lim="800000"/>
+            <a:headEnd/>
+            <a:tailEnd/>
+          </a:ln>
+        </p:spPr>
+        <p:txBody>
+          <a:bodyPr wrap="none">
+            <a:spAutoFit/>
+          </a:bodyPr>
+          <a:lstStyle/>
+          <a:p>
+            <a:r>
+              <a:rPr lang="en-US" sz="1000"/>
+              <a:t>Employee</a:t>
+            </a:r>
+          </a:p>
+          <a:p>
+            <a:r>
+              <a:rPr lang="en-US" sz="1000"/>
+              <a:t> details</a:t>
+            </a:r>
+          </a:p>
+        </p:txBody>
+      </p:sp>
+    </p:spTree>
+  </p:cSld>
+  <p:clrMapOvr>
+    <a:masterClrMapping/>
+  </p:clrMapOvr>
+  <p:timing>
+    <p:tnLst>
+      <p:par>
+        <p:cTn id="1" dur="indefinite" restart="never" nodeType="tmRoot"/>
+      </p:par>
+    </p:tnLst>
+  </p:timing>
+</p:sld>
+</file>
+
+<file path=ppt/slides/slide5.xml><?xml version="1.0" encoding="utf-8"?>
+<p:sld xmlns:a="http://schemas.openxmlformats.org/drawingml/2006/main" xmlns:r="http://schemas.openxmlformats.org/officeDocument/2006/relationships" xmlns:p="http://schemas.openxmlformats.org/presentationml/2006/main">
+  <p:cSld>
+    <p:spTree>
+      <p:nvGrpSpPr>
+        <p:cNvPr id="1" name=""/>
+        <p:cNvGrpSpPr/>
+        <p:nvPr/>
+      </p:nvGrpSpPr>
+      <p:grpSpPr>
+        <a:xfrm>
+          <a:off x="0" y="0"/>
+          <a:ext cx="0" cy="0"/>
+          <a:chOff x="0" y="0"/>
+          <a:chExt cx="0" cy="0"/>
+        </a:xfrm>
+      </p:grpSpPr>
+      <p:grpSp>
+        <p:nvGrpSpPr>
+          <p:cNvPr id="3" name="Group 14"/>
+          <p:cNvGrpSpPr/>
+          <p:nvPr/>
+        </p:nvGrpSpPr>
+        <p:grpSpPr>
+          <a:xfrm>
+            <a:off x="6324600" y="4191000"/>
+            <a:ext cx="1905000" cy="1219200"/>
+            <a:chOff x="3962400" y="3505200"/>
+            <a:chExt cx="1905000" cy="1219200"/>
+          </a:xfrm>
+        </p:grpSpPr>
+        <p:sp>
+          <p:nvSpPr>
+            <p:cNvPr id="2" name="Oval 1"/>
+            <p:cNvSpPr/>
+            <p:nvPr/>
+          </p:nvSpPr>
+          <p:spPr>
+            <a:xfrm>
+              <a:off x="3962400" y="3505200"/>
+              <a:ext cx="1828800" cy="1219200"/>
+            </a:xfrm>
+            <a:prstGeom prst="ellipse">
+              <a:avLst/>
+            </a:prstGeom>
+            <a:noFill/>
+            <a:ln>
+              <a:solidFill>
+                <a:schemeClr val="tx1"/>
+              </a:solidFill>
+            </a:ln>
+          </p:spPr>
+          <p:style>
+            <a:lnRef idx="2">
+              <a:schemeClr val="accent1">
+                <a:shade val="50000"/>
+              </a:schemeClr>
+            </a:lnRef>
+            <a:fillRef idx="1">
+              <a:schemeClr val="accent1"/>
+            </a:fillRef>
+            <a:effectRef idx="0">
+              <a:schemeClr val="accent1"/>
+            </a:effectRef>
+            <a:fontRef idx="minor">
+              <a:schemeClr val="lt1"/>
+            </a:fontRef>
+          </p:style>
+          <p:txBody>
+            <a:bodyPr rtlCol="0" anchor="ctr"/>
+            <a:lstStyle/>
+            <a:p>
+              <a:pPr algn="ctr"/>
+              <a:endParaRPr lang="en-US"/>
+            </a:p>
+          </p:txBody>
+        </p:sp>
+        <p:sp>
+          <p:nvSpPr>
+            <p:cNvPr id="4" name="Rectangle 3"/>
+            <p:cNvSpPr/>
+            <p:nvPr/>
+          </p:nvSpPr>
+          <p:spPr>
+            <a:xfrm>
+              <a:off x="4038600" y="3962400"/>
+              <a:ext cx="1828800" cy="738664"/>
+            </a:xfrm>
+            <a:prstGeom prst="rect">
+              <a:avLst/>
+            </a:prstGeom>
+          </p:spPr>
+          <p:txBody>
+            <a:bodyPr wrap="square">
+              <a:spAutoFit/>
+            </a:bodyPr>
+            <a:lstStyle/>
+            <a:p>
+              <a:pPr algn="ctr" fontAlgn="auto">
+                <a:spcBef>
+                  <a:spcPts val="0"/>
+                </a:spcBef>
+                <a:spcAft>
+                  <a:spcPts val="0"/>
+                </a:spcAft>
+                <a:defRPr/>
+              </a:pPr>
+              <a:r>
+                <a:rPr lang="en-US" sz="1400" dirty="0" smtClean="0"/>
+                <a:t>Security</a:t>
+              </a:r>
+            </a:p>
+            <a:p>
+              <a:pPr algn="ctr" fontAlgn="auto">
+                <a:spcBef>
+                  <a:spcPts val="0"/>
+                </a:spcBef>
+                <a:spcAft>
+                  <a:spcPts val="0"/>
+                </a:spcAft>
+                <a:defRPr/>
+              </a:pPr>
+              <a:r>
+                <a:rPr lang="en-US" sz="1400" dirty="0" smtClean="0"/>
+                <a:t>Management </a:t>
+              </a:r>
+            </a:p>
+            <a:p>
+              <a:pPr algn="ctr" fontAlgn="auto">
+                <a:spcBef>
+                  <a:spcPts val="0"/>
+                </a:spcBef>
+                <a:spcAft>
+                  <a:spcPts val="0"/>
+                </a:spcAft>
+                <a:defRPr/>
+              </a:pPr>
+              <a:r>
+                <a:rPr lang="en-US" sz="1400" dirty="0" smtClean="0"/>
+                <a:t>System</a:t>
+              </a:r>
+            </a:p>
+          </p:txBody>
+        </p:sp>
+        <p:sp>
+          <p:nvSpPr>
+            <p:cNvPr id="5" name="TextBox 4"/>
+            <p:cNvSpPr txBox="1"/>
+            <p:nvPr/>
+          </p:nvSpPr>
+          <p:spPr>
+            <a:xfrm>
+              <a:off x="4724400" y="3581400"/>
+              <a:ext cx="301686" cy="369332"/>
+            </a:xfrm>
+            <a:prstGeom prst="rect">
+              <a:avLst/>
+            </a:prstGeom>
+            <a:noFill/>
+          </p:spPr>
+          <p:txBody>
+            <a:bodyPr wrap="none" rtlCol="0">
+              <a:spAutoFit/>
+            </a:bodyPr>
+            <a:lstStyle/>
+            <a:p>
+              <a:r>
+                <a:rPr lang="en-US" dirty="0" smtClean="0"/>
+                <a:t>1</a:t>
+              </a:r>
+              <a:endParaRPr lang="en-US" dirty="0"/>
+            </a:p>
+          </p:txBody>
+        </p:sp>
+      </p:grpSp>
+      <p:grpSp>
+        <p:nvGrpSpPr>
+          <p:cNvPr id="6" name="Group 5"/>
+          <p:cNvGrpSpPr/>
+          <p:nvPr/>
+        </p:nvGrpSpPr>
+        <p:grpSpPr>
+          <a:xfrm>
+            <a:off x="1828800" y="685800"/>
+            <a:ext cx="1066800" cy="381000"/>
+            <a:chOff x="4495800" y="914400"/>
+            <a:chExt cx="1066800" cy="381000"/>
+          </a:xfrm>
+        </p:grpSpPr>
+        <p:sp>
+          <p:nvSpPr>
+            <p:cNvPr id="7" name="TextBox 6"/>
+            <p:cNvSpPr txBox="1"/>
+            <p:nvPr/>
+          </p:nvSpPr>
+          <p:spPr>
+            <a:xfrm>
+              <a:off x="4648200" y="914400"/>
+              <a:ext cx="840295" cy="307777"/>
+            </a:xfrm>
+            <a:prstGeom prst="rect">
+              <a:avLst/>
+            </a:prstGeom>
+            <a:noFill/>
+          </p:spPr>
+          <p:txBody>
+            <a:bodyPr wrap="none" rtlCol="0">
+              <a:spAutoFit/>
+            </a:bodyPr>
+            <a:lstStyle/>
+            <a:p>
+              <a:r>
+                <a:rPr lang="en-US" sz="1400" dirty="0" smtClean="0"/>
+                <a:t>Member</a:t>
+              </a:r>
+              <a:endParaRPr lang="en-US" sz="1400" dirty="0"/>
+            </a:p>
+          </p:txBody>
+        </p:sp>
+        <p:sp>
+          <p:nvSpPr>
+            <p:cNvPr id="8" name="Rectangle 7"/>
+            <p:cNvSpPr/>
+            <p:nvPr/>
+          </p:nvSpPr>
+          <p:spPr>
+            <a:xfrm>
+              <a:off x="4495800" y="914400"/>
+              <a:ext cx="1066800" cy="381000"/>
+            </a:xfrm>
+            <a:prstGeom prst="rect">
+              <a:avLst/>
+            </a:prstGeom>
+            <a:noFill/>
+            <a:ln>
+              <a:solidFill>
+                <a:schemeClr val="tx1"/>
+              </a:solidFill>
+            </a:ln>
+          </p:spPr>
+          <p:style>
+            <a:lnRef idx="2">
+              <a:schemeClr val="accent1">
+                <a:shade val="50000"/>
+              </a:schemeClr>
+            </a:lnRef>
+            <a:fillRef idx="1">
+              <a:schemeClr val="accent1"/>
+            </a:fillRef>
+            <a:effectRef idx="0">
+              <a:schemeClr val="accent1"/>
+            </a:effectRef>
+            <a:fontRef idx="minor">
+              <a:schemeClr val="lt1"/>
+            </a:fontRef>
+          </p:style>
+          <p:txBody>
+            <a:bodyPr rtlCol="0" anchor="ctr"/>
+            <a:lstStyle/>
+            <a:p>
+              <a:pPr algn="ctr"/>
+              <a:endParaRPr lang="en-US"/>
+            </a:p>
+          </p:txBody>
+        </p:sp>
+      </p:grpSp>
+      <p:grpSp>
+        <p:nvGrpSpPr>
+          <p:cNvPr id="10" name="Group 9"/>
+          <p:cNvGrpSpPr/>
+          <p:nvPr/>
+        </p:nvGrpSpPr>
+        <p:grpSpPr>
+          <a:xfrm>
+            <a:off x="3276600" y="3581400"/>
+            <a:ext cx="1792708" cy="457200"/>
+            <a:chOff x="304800" y="1676400"/>
+            <a:chExt cx="1792708" cy="457200"/>
+          </a:xfrm>
+        </p:grpSpPr>
+        <p:sp>
+          <p:nvSpPr>
+            <p:cNvPr id="11" name="Rectangle 10"/>
+            <p:cNvSpPr/>
+            <p:nvPr/>
+          </p:nvSpPr>
+          <p:spPr>
+            <a:xfrm>
+              <a:off x="304800" y="1676400"/>
+              <a:ext cx="1676400" cy="457200"/>
+            </a:xfrm>
+            <a:prstGeom prst="rect">
+              <a:avLst/>
+            </a:prstGeom>
+            <a:noFill/>
+            <a:ln>
+              <a:solidFill>
+                <a:schemeClr val="tx1"/>
+              </a:solidFill>
+            </a:ln>
+          </p:spPr>
+          <p:style>
+            <a:lnRef idx="2">
+              <a:schemeClr val="accent1">
+                <a:shade val="50000"/>
+              </a:schemeClr>
+            </a:lnRef>
+            <a:fillRef idx="1">
+              <a:schemeClr val="accent1"/>
+            </a:fillRef>
+            <a:effectRef idx="0">
+              <a:schemeClr val="accent1"/>
+            </a:effectRef>
+            <a:fontRef idx="minor">
+              <a:schemeClr val="lt1"/>
+            </a:fontRef>
+          </p:style>
+          <p:txBody>
+            <a:bodyPr rtlCol="0" anchor="ctr"/>
+            <a:lstStyle/>
+            <a:p>
+              <a:pPr algn="ctr"/>
+              <a:endParaRPr lang="en-US"/>
+            </a:p>
+          </p:txBody>
+        </p:sp>
+        <p:sp>
+          <p:nvSpPr>
+            <p:cNvPr id="12" name="TextBox 11"/>
+            <p:cNvSpPr txBox="1"/>
+            <p:nvPr/>
+          </p:nvSpPr>
+          <p:spPr>
+            <a:xfrm>
+              <a:off x="609600" y="1752600"/>
+              <a:ext cx="1487908" cy="307777"/>
+            </a:xfrm>
+            <a:prstGeom prst="rect">
+              <a:avLst/>
+            </a:prstGeom>
+            <a:noFill/>
+          </p:spPr>
+          <p:txBody>
+            <a:bodyPr wrap="none" rtlCol="0">
+              <a:spAutoFit/>
+            </a:bodyPr>
+            <a:lstStyle/>
+            <a:p>
+              <a:r>
+                <a:rPr lang="en-US" sz="1400" dirty="0" smtClean="0"/>
+                <a:t> Member Details</a:t>
+              </a:r>
+              <a:endParaRPr lang="en-US" sz="1400" dirty="0"/>
+            </a:p>
+          </p:txBody>
+        </p:sp>
+        <p:cxnSp>
+          <p:nvCxnSpPr>
+            <p:cNvPr id="13" name="Straight Connector 12"/>
+            <p:cNvCxnSpPr/>
+            <p:nvPr/>
+          </p:nvCxnSpPr>
+          <p:spPr>
+            <a:xfrm rot="5400000">
+              <a:off x="457994" y="1904206"/>
+              <a:ext cx="456406" cy="794"/>
+            </a:xfrm>
+            <a:prstGeom prst="line">
+              <a:avLst/>
+            </a:prstGeom>
+            <a:ln>
+              <a:solidFill>
+                <a:schemeClr val="tx1"/>
+              </a:solidFill>
+            </a:ln>
+          </p:spPr>
+          <p:style>
+            <a:lnRef idx="1">
+              <a:schemeClr val="accent1"/>
+            </a:lnRef>
+            <a:fillRef idx="0">
+              <a:schemeClr val="accent1"/>
+            </a:fillRef>
+            <a:effectRef idx="0">
+              <a:schemeClr val="accent1"/>
+            </a:effectRef>
+            <a:fontRef idx="minor">
+              <a:schemeClr val="tx1"/>
+            </a:fontRef>
+          </p:style>
+        </p:cxnSp>
+        <p:sp>
+          <p:nvSpPr>
+            <p:cNvPr id="14" name="TextBox 13"/>
+            <p:cNvSpPr txBox="1"/>
+            <p:nvPr/>
+          </p:nvSpPr>
+          <p:spPr>
+            <a:xfrm>
+              <a:off x="304800" y="1752600"/>
+              <a:ext cx="413896" cy="307777"/>
+            </a:xfrm>
+            <a:prstGeom prst="rect">
+              <a:avLst/>
+            </a:prstGeom>
+            <a:noFill/>
+          </p:spPr>
+          <p:txBody>
+            <a:bodyPr wrap="none" rtlCol="0">
+              <a:spAutoFit/>
+            </a:bodyPr>
+            <a:lstStyle/>
+            <a:p>
+              <a:r>
+                <a:rPr lang="en-US" sz="1400" dirty="0" smtClean="0"/>
+                <a:t>D1</a:t>
+              </a:r>
+              <a:endParaRPr lang="en-US" sz="1400" dirty="0"/>
+            </a:p>
+          </p:txBody>
+        </p:sp>
+      </p:grpSp>
+      <p:grpSp>
+        <p:nvGrpSpPr>
+          <p:cNvPr id="15" name="Group 16"/>
+          <p:cNvGrpSpPr/>
+          <p:nvPr/>
+        </p:nvGrpSpPr>
+        <p:grpSpPr>
+          <a:xfrm>
+            <a:off x="1828800" y="4572000"/>
+            <a:ext cx="990600" cy="838200"/>
+            <a:chOff x="1219200" y="5029200"/>
+            <a:chExt cx="990600" cy="838200"/>
+          </a:xfrm>
+        </p:grpSpPr>
+        <p:sp>
+          <p:nvSpPr>
+            <p:cNvPr id="9" name="Oval 31"/>
+            <p:cNvSpPr>
+              <a:spLocks noChangeArrowheads="1"/>
+            </p:cNvSpPr>
+            <p:nvPr/>
+          </p:nvSpPr>
+          <p:spPr bwMode="auto">
+            <a:xfrm>
+              <a:off x="1219200" y="5029200"/>
+              <a:ext cx="990600" cy="838200"/>
+            </a:xfrm>
+            <a:prstGeom prst="ellipse">
+              <a:avLst/>
+            </a:prstGeom>
+            <a:noFill/>
+            <a:ln w="9525">
+              <a:solidFill>
+                <a:schemeClr val="tx1"/>
+              </a:solidFill>
+              <a:round/>
+              <a:headEnd/>
+              <a:tailEnd/>
+            </a:ln>
+            <a:effectLst/>
+          </p:spPr>
+          <p:txBody>
+            <a:bodyPr wrap="none" anchor="ctr"/>
+            <a:lstStyle/>
+            <a:p>
+              <a:pPr algn="ctr"/>
+              <a:endParaRPr lang="en-US" sz="1400" dirty="0" smtClean="0"/>
+            </a:p>
+            <a:p>
+              <a:pPr algn="ctr"/>
+              <a:r>
+                <a:rPr lang="en-US" sz="1400" dirty="0" smtClean="0"/>
+                <a:t>Add </a:t>
+              </a:r>
+            </a:p>
+            <a:p>
+              <a:pPr algn="ctr"/>
+              <a:r>
+                <a:rPr lang="en-US" sz="1400" dirty="0" smtClean="0"/>
+                <a:t>Member </a:t>
+              </a:r>
+              <a:endParaRPr lang="en-US" sz="1400" dirty="0" smtClean="0"/>
+            </a:p>
+          </p:txBody>
+        </p:sp>
+        <p:sp>
+          <p:nvSpPr>
+            <p:cNvPr id="16" name="TextBox 15"/>
+            <p:cNvSpPr txBox="1"/>
+            <p:nvPr/>
+          </p:nvSpPr>
+          <p:spPr>
+            <a:xfrm>
+              <a:off x="1447800" y="5029200"/>
+              <a:ext cx="505267" cy="369332"/>
+            </a:xfrm>
+            <a:prstGeom prst="rect">
+              <a:avLst/>
+            </a:prstGeom>
+            <a:noFill/>
+          </p:spPr>
+          <p:txBody>
+            <a:bodyPr wrap="none" rtlCol="0">
+              <a:spAutoFit/>
+            </a:bodyPr>
+            <a:lstStyle/>
+            <a:p>
+              <a:r>
+                <a:rPr lang="en-US" dirty="0" smtClean="0"/>
+                <a:t>3</a:t>
+              </a:r>
+              <a:r>
+                <a:rPr lang="en-US" dirty="0" smtClean="0"/>
+                <a:t>.3</a:t>
+              </a:r>
+              <a:endParaRPr lang="en-US" dirty="0"/>
+            </a:p>
+          </p:txBody>
+        </p:sp>
+      </p:grpSp>
+      <p:grpSp>
+        <p:nvGrpSpPr>
+          <p:cNvPr id="17" name="Group 17"/>
+          <p:cNvGrpSpPr/>
+          <p:nvPr/>
+        </p:nvGrpSpPr>
+        <p:grpSpPr>
+          <a:xfrm>
+            <a:off x="3962400" y="1981200"/>
+            <a:ext cx="990600" cy="838200"/>
+            <a:chOff x="1219200" y="5029200"/>
+            <a:chExt cx="990600" cy="838200"/>
+          </a:xfrm>
+        </p:grpSpPr>
+        <p:sp>
+          <p:nvSpPr>
+            <p:cNvPr id="19" name="Oval 31"/>
+            <p:cNvSpPr>
+              <a:spLocks noChangeArrowheads="1"/>
+            </p:cNvSpPr>
+            <p:nvPr/>
+          </p:nvSpPr>
+          <p:spPr bwMode="auto">
+            <a:xfrm>
+              <a:off x="1219200" y="5029200"/>
+              <a:ext cx="990600" cy="838200"/>
+            </a:xfrm>
+            <a:prstGeom prst="ellipse">
+              <a:avLst/>
+            </a:prstGeom>
+            <a:noFill/>
+            <a:ln w="9525">
+              <a:solidFill>
+                <a:schemeClr val="tx1"/>
+              </a:solidFill>
+              <a:round/>
+              <a:headEnd/>
+              <a:tailEnd/>
+            </a:ln>
+            <a:effectLst/>
+          </p:spPr>
+          <p:txBody>
+            <a:bodyPr wrap="none" anchor="ctr"/>
+            <a:lstStyle/>
+            <a:p>
+              <a:pPr algn="ctr"/>
+              <a:endParaRPr lang="en-US" sz="1400" dirty="0" smtClean="0"/>
+            </a:p>
+            <a:p>
+              <a:pPr algn="ctr"/>
+              <a:r>
+                <a:rPr lang="en-US" sz="1400" dirty="0" smtClean="0"/>
+                <a:t>Approval</a:t>
+              </a:r>
+            </a:p>
+            <a:p>
+              <a:pPr algn="ctr"/>
+              <a:r>
+                <a:rPr lang="en-US" sz="1400" dirty="0" smtClean="0"/>
+                <a:t>process</a:t>
+              </a:r>
+              <a:endParaRPr lang="en-US" sz="1400" dirty="0" smtClean="0"/>
+            </a:p>
+          </p:txBody>
+        </p:sp>
+        <p:sp>
+          <p:nvSpPr>
+            <p:cNvPr id="20" name="TextBox 19"/>
+            <p:cNvSpPr txBox="1"/>
+            <p:nvPr/>
+          </p:nvSpPr>
+          <p:spPr>
+            <a:xfrm>
+              <a:off x="1447800" y="5029200"/>
+              <a:ext cx="505267" cy="369332"/>
+            </a:xfrm>
+            <a:prstGeom prst="rect">
+              <a:avLst/>
+            </a:prstGeom>
+            <a:noFill/>
+          </p:spPr>
+          <p:txBody>
+            <a:bodyPr wrap="none" rtlCol="0">
+              <a:spAutoFit/>
+            </a:bodyPr>
+            <a:lstStyle/>
+            <a:p>
+              <a:r>
+                <a:rPr lang="en-US" dirty="0" smtClean="0"/>
+                <a:t>3</a:t>
+              </a:r>
+              <a:r>
+                <a:rPr lang="en-US" dirty="0" smtClean="0"/>
+                <a:t>.1</a:t>
+              </a:r>
+              <a:endParaRPr lang="en-US" dirty="0"/>
+            </a:p>
+          </p:txBody>
+        </p:sp>
+      </p:grpSp>
+      <p:grpSp>
+        <p:nvGrpSpPr>
+          <p:cNvPr id="18" name="Group 20"/>
+          <p:cNvGrpSpPr/>
+          <p:nvPr/>
+        </p:nvGrpSpPr>
+        <p:grpSpPr>
+          <a:xfrm>
+            <a:off x="6553200" y="1981200"/>
+            <a:ext cx="990600" cy="838200"/>
+            <a:chOff x="1219200" y="5029200"/>
+            <a:chExt cx="990600" cy="838200"/>
+          </a:xfrm>
+        </p:grpSpPr>
+        <p:sp>
+          <p:nvSpPr>
+            <p:cNvPr id="22" name="Oval 31"/>
+            <p:cNvSpPr>
+              <a:spLocks noChangeArrowheads="1"/>
+            </p:cNvSpPr>
+            <p:nvPr/>
+          </p:nvSpPr>
+          <p:spPr bwMode="auto">
+            <a:xfrm>
+              <a:off x="1219200" y="5029200"/>
+              <a:ext cx="990600" cy="838200"/>
+            </a:xfrm>
+            <a:prstGeom prst="ellipse">
+              <a:avLst/>
+            </a:prstGeom>
+            <a:noFill/>
+            <a:ln w="9525">
+              <a:solidFill>
+                <a:schemeClr val="tx1"/>
+              </a:solidFill>
+              <a:round/>
+              <a:headEnd/>
+              <a:tailEnd/>
+            </a:ln>
+            <a:effectLst/>
+          </p:spPr>
+          <p:txBody>
+            <a:bodyPr wrap="none" anchor="ctr"/>
+            <a:lstStyle/>
+            <a:p>
+              <a:pPr algn="ctr"/>
+              <a:endParaRPr lang="en-US" sz="1400" dirty="0" smtClean="0"/>
+            </a:p>
+            <a:p>
+              <a:pPr algn="ctr"/>
+              <a:r>
+                <a:rPr lang="en-US" sz="1400" dirty="0" smtClean="0"/>
+                <a:t>Verification</a:t>
+              </a:r>
+              <a:endParaRPr lang="en-US" sz="1400" dirty="0" smtClean="0"/>
+            </a:p>
+            <a:p>
+              <a:pPr algn="ctr"/>
+              <a:r>
+                <a:rPr lang="en-US" sz="1400" dirty="0" smtClean="0"/>
+                <a:t>process</a:t>
+              </a:r>
+              <a:endParaRPr lang="en-US" sz="1400" dirty="0" smtClean="0"/>
+            </a:p>
+          </p:txBody>
+        </p:sp>
+        <p:sp>
+          <p:nvSpPr>
+            <p:cNvPr id="23" name="TextBox 22"/>
+            <p:cNvSpPr txBox="1"/>
+            <p:nvPr/>
+          </p:nvSpPr>
+          <p:spPr>
+            <a:xfrm>
+              <a:off x="1447800" y="5029200"/>
+              <a:ext cx="505267" cy="369332"/>
+            </a:xfrm>
+            <a:prstGeom prst="rect">
+              <a:avLst/>
+            </a:prstGeom>
+            <a:noFill/>
+          </p:spPr>
+          <p:txBody>
+            <a:bodyPr wrap="none" rtlCol="0">
+              <a:spAutoFit/>
+            </a:bodyPr>
+            <a:lstStyle/>
+            <a:p>
+              <a:r>
+                <a:rPr lang="en-US" dirty="0" smtClean="0"/>
+                <a:t>3</a:t>
+              </a:r>
+              <a:r>
+                <a:rPr lang="en-US" dirty="0" smtClean="0"/>
+                <a:t>.2</a:t>
+              </a:r>
+              <a:endParaRPr lang="en-US" dirty="0"/>
+            </a:p>
+          </p:txBody>
+        </p:sp>
+      </p:grpSp>
+      <p:sp>
+        <p:nvSpPr>
+          <p:cNvPr id="26" name="TextBox 25"/>
+          <p:cNvSpPr txBox="1"/>
+          <p:nvPr/>
+        </p:nvSpPr>
+        <p:spPr>
+          <a:xfrm>
+            <a:off x="2895600" y="533400"/>
+            <a:ext cx="2055371" cy="307777"/>
+          </a:xfrm>
+          <a:prstGeom prst="rect">
+            <a:avLst/>
+          </a:prstGeom>
+          <a:noFill/>
+        </p:spPr>
+        <p:txBody>
+          <a:bodyPr wrap="none" rtlCol="0">
+            <a:spAutoFit/>
+          </a:bodyPr>
+          <a:lstStyle/>
+          <a:p>
+            <a:r>
+              <a:rPr lang="en-US" sz="1400" dirty="0" smtClean="0"/>
+              <a:t>Send </a:t>
+            </a:r>
+            <a:r>
+              <a:rPr lang="en-US" sz="1400" dirty="0" smtClean="0"/>
+              <a:t>response </a:t>
+            </a:r>
+            <a:r>
+              <a:rPr lang="en-US" sz="1400" dirty="0" smtClean="0"/>
+              <a:t>for visit </a:t>
+            </a:r>
+            <a:endParaRPr lang="en-US" dirty="0"/>
+          </a:p>
+        </p:txBody>
+      </p:sp>
+      <p:cxnSp>
+        <p:nvCxnSpPr>
+          <p:cNvPr id="33" name="Shape 32"/>
+          <p:cNvCxnSpPr>
+            <a:stCxn id="8" idx="3"/>
+            <a:endCxn id="19" idx="0"/>
+          </p:cNvCxnSpPr>
+          <p:nvPr/>
+        </p:nvCxnSpPr>
+        <p:spPr>
+          <a:xfrm>
+            <a:off x="2895600" y="876300"/>
+            <a:ext cx="1562100" cy="1104900"/>
+          </a:xfrm>
+          <a:prstGeom prst="bentConnector2">
+            <a:avLst/>
+          </a:prstGeom>
+          <a:ln>
+            <a:solidFill>
+              <a:schemeClr val="tx1"/>
+            </a:solidFill>
+            <a:tailEnd type="arrow"/>
+          </a:ln>
+        </p:spPr>
+        <p:style>
+          <a:lnRef idx="1">
+            <a:schemeClr val="accent1"/>
+          </a:lnRef>
+          <a:fillRef idx="0">
+            <a:schemeClr val="accent1"/>
+          </a:fillRef>
+          <a:effectRef idx="0">
+            <a:schemeClr val="accent1"/>
+          </a:effectRef>
+          <a:fontRef idx="minor">
+            <a:schemeClr val="tx1"/>
+          </a:fontRef>
+        </p:style>
+      </p:cxnSp>
+      <p:cxnSp>
+        <p:nvCxnSpPr>
+          <p:cNvPr id="35" name="Elbow Connector 34"/>
+          <p:cNvCxnSpPr>
+            <a:stCxn id="19" idx="7"/>
+            <a:endCxn id="22" idx="1"/>
+          </p:cNvCxnSpPr>
+          <p:nvPr/>
+        </p:nvCxnSpPr>
+        <p:spPr>
+          <a:xfrm rot="5400000" flipH="1" flipV="1">
+            <a:off x="5753100" y="1158781"/>
+            <a:ext cx="1588" cy="1890340"/>
+          </a:xfrm>
+          <a:prstGeom prst="bentConnector3">
+            <a:avLst>
+              <a:gd name="adj1" fmla="val 22125378"/>
+            </a:avLst>
+          </a:prstGeom>
+          <a:ln>
+            <a:solidFill>
+              <a:schemeClr val="tx1"/>
+            </a:solidFill>
+            <a:tailEnd type="arrow"/>
+          </a:ln>
+        </p:spPr>
+        <p:style>
+          <a:lnRef idx="1">
+            <a:schemeClr val="accent1"/>
+          </a:lnRef>
+          <a:fillRef idx="0">
+            <a:schemeClr val="accent1"/>
+          </a:fillRef>
+          <a:effectRef idx="0">
+            <a:schemeClr val="accent1"/>
+          </a:effectRef>
+          <a:fontRef idx="minor">
+            <a:schemeClr val="tx1"/>
+          </a:fontRef>
+        </p:style>
+      </p:cxnSp>
+      <p:sp>
+        <p:nvSpPr>
+          <p:cNvPr id="36" name="TextBox 35"/>
+          <p:cNvSpPr txBox="1"/>
+          <p:nvPr/>
+        </p:nvSpPr>
+        <p:spPr>
+          <a:xfrm>
+            <a:off x="4953000" y="1447800"/>
+            <a:ext cx="1631216" cy="307777"/>
+          </a:xfrm>
+          <a:prstGeom prst="rect">
+            <a:avLst/>
+          </a:prstGeom>
+          <a:noFill/>
+        </p:spPr>
+        <p:txBody>
+          <a:bodyPr wrap="none" rtlCol="0">
+            <a:spAutoFit/>
+          </a:bodyPr>
+          <a:lstStyle/>
+          <a:p>
+            <a:r>
+              <a:rPr lang="en-US" sz="1400" dirty="0" smtClean="0"/>
+              <a:t>Resource info check</a:t>
+            </a:r>
+            <a:endParaRPr lang="en-US" dirty="0"/>
+          </a:p>
+        </p:txBody>
+      </p:sp>
+      <p:sp>
+        <p:nvSpPr>
+          <p:cNvPr id="39" name="TextBox 38"/>
+          <p:cNvSpPr txBox="1"/>
+          <p:nvPr/>
+        </p:nvSpPr>
+        <p:spPr>
+          <a:xfrm>
+            <a:off x="7391400" y="2971800"/>
+            <a:ext cx="1297150" cy="738664"/>
+          </a:xfrm>
+          <a:prstGeom prst="rect">
+            <a:avLst/>
+          </a:prstGeom>
+          <a:noFill/>
+        </p:spPr>
+        <p:txBody>
+          <a:bodyPr wrap="none" rtlCol="0">
+            <a:spAutoFit/>
+          </a:bodyPr>
+          <a:lstStyle/>
+          <a:p>
+            <a:r>
+              <a:rPr lang="en-US" sz="1400" dirty="0" smtClean="0"/>
+              <a:t>Use </a:t>
+            </a:r>
+          </a:p>
+          <a:p>
+            <a:r>
+              <a:rPr lang="en-US" sz="1400" dirty="0" smtClean="0"/>
+              <a:t>authentication </a:t>
+            </a:r>
+          </a:p>
+          <a:p>
+            <a:r>
+              <a:rPr lang="en-US" sz="1400" dirty="0" smtClean="0"/>
+              <a:t>info</a:t>
+            </a:r>
+            <a:endParaRPr lang="en-US" sz="1400" dirty="0"/>
+          </a:p>
+        </p:txBody>
+      </p:sp>
+      <p:cxnSp>
+        <p:nvCxnSpPr>
+          <p:cNvPr id="45" name="Straight Arrow Connector 44"/>
+          <p:cNvCxnSpPr>
+            <a:endCxn id="22" idx="5"/>
+          </p:cNvCxnSpPr>
+          <p:nvPr/>
+        </p:nvCxnSpPr>
+        <p:spPr>
+          <a:xfrm rot="5400000" flipH="1" flipV="1">
+            <a:off x="6647096" y="3440160"/>
+            <a:ext cx="1495145" cy="8124"/>
+          </a:xfrm>
+          <a:prstGeom prst="straightConnector1">
+            <a:avLst/>
+          </a:prstGeom>
+          <a:ln>
+            <a:solidFill>
+              <a:schemeClr val="tx1"/>
+            </a:solidFill>
+            <a:tailEnd type="arrow"/>
+          </a:ln>
+        </p:spPr>
+        <p:style>
+          <a:lnRef idx="1">
+            <a:schemeClr val="accent1"/>
+          </a:lnRef>
+          <a:fillRef idx="0">
+            <a:schemeClr val="accent1"/>
+          </a:fillRef>
+          <a:effectRef idx="0">
+            <a:schemeClr val="accent1"/>
+          </a:effectRef>
+          <a:fontRef idx="minor">
+            <a:schemeClr val="tx1"/>
+          </a:fontRef>
+        </p:style>
+      </p:cxnSp>
+      <p:cxnSp>
+        <p:nvCxnSpPr>
+          <p:cNvPr id="51" name="Straight Arrow Connector 50"/>
+          <p:cNvCxnSpPr>
+            <a:stCxn id="22" idx="3"/>
+          </p:cNvCxnSpPr>
+          <p:nvPr/>
+        </p:nvCxnSpPr>
+        <p:spPr>
+          <a:xfrm rot="16200000" flipH="1">
+            <a:off x="5916660" y="3478259"/>
+            <a:ext cx="1570553" cy="7332"/>
+          </a:xfrm>
+          <a:prstGeom prst="straightConnector1">
+            <a:avLst/>
+          </a:prstGeom>
+          <a:ln>
+            <a:solidFill>
+              <a:schemeClr val="tx1"/>
+            </a:solidFill>
+            <a:tailEnd type="arrow"/>
+          </a:ln>
+        </p:spPr>
+        <p:style>
+          <a:lnRef idx="1">
+            <a:schemeClr val="accent1"/>
+          </a:lnRef>
+          <a:fillRef idx="0">
+            <a:schemeClr val="accent1"/>
+          </a:fillRef>
+          <a:effectRef idx="0">
+            <a:schemeClr val="accent1"/>
+          </a:effectRef>
+          <a:fontRef idx="minor">
+            <a:schemeClr val="tx1"/>
+          </a:fontRef>
+        </p:style>
+      </p:cxnSp>
+      <p:sp>
+        <p:nvSpPr>
+          <p:cNvPr id="53" name="TextBox 52"/>
+          <p:cNvSpPr txBox="1"/>
+          <p:nvPr/>
+        </p:nvSpPr>
+        <p:spPr>
+          <a:xfrm>
+            <a:off x="5867400" y="3048000"/>
+            <a:ext cx="970137" cy="523220"/>
+          </a:xfrm>
+          <a:prstGeom prst="rect">
+            <a:avLst/>
+          </a:prstGeom>
+          <a:noFill/>
+        </p:spPr>
+        <p:txBody>
+          <a:bodyPr wrap="none" rtlCol="0">
+            <a:spAutoFit/>
+          </a:bodyPr>
+          <a:lstStyle/>
+          <a:p>
+            <a:r>
+              <a:rPr lang="en-US" sz="1400" dirty="0" smtClean="0"/>
+              <a:t>Member </a:t>
+            </a:r>
+          </a:p>
+          <a:p>
+            <a:r>
+              <a:rPr lang="en-US" sz="1400" dirty="0" smtClean="0"/>
+              <a:t>response </a:t>
+            </a:r>
+            <a:endParaRPr lang="en-US" sz="1400" dirty="0" smtClean="0"/>
+          </a:p>
+        </p:txBody>
+      </p:sp>
+      <p:cxnSp>
+        <p:nvCxnSpPr>
+          <p:cNvPr id="55" name="Straight Arrow Connector 54"/>
+          <p:cNvCxnSpPr/>
+          <p:nvPr/>
+        </p:nvCxnSpPr>
+        <p:spPr>
+          <a:xfrm rot="5400000">
+            <a:off x="533400" y="2819400"/>
+            <a:ext cx="3505200" cy="1588"/>
+          </a:xfrm>
+          <a:prstGeom prst="straightConnector1">
+            <a:avLst/>
+          </a:prstGeom>
+          <a:ln>
+            <a:solidFill>
+              <a:schemeClr val="tx1"/>
+            </a:solidFill>
+            <a:tailEnd type="arrow"/>
+          </a:ln>
+        </p:spPr>
+        <p:style>
+          <a:lnRef idx="1">
+            <a:schemeClr val="accent1"/>
+          </a:lnRef>
+          <a:fillRef idx="0">
+            <a:schemeClr val="accent1"/>
+          </a:fillRef>
+          <a:effectRef idx="0">
+            <a:schemeClr val="accent1"/>
+          </a:effectRef>
+          <a:fontRef idx="minor">
+            <a:schemeClr val="tx1"/>
+          </a:fontRef>
+        </p:style>
+      </p:cxnSp>
+      <p:sp>
+        <p:nvSpPr>
+          <p:cNvPr id="75" name="TextBox 74"/>
+          <p:cNvSpPr txBox="1"/>
+          <p:nvPr/>
+        </p:nvSpPr>
+        <p:spPr>
+          <a:xfrm rot="16200000">
+            <a:off x="1551666" y="2271306"/>
+            <a:ext cx="1776448" cy="307777"/>
+          </a:xfrm>
+          <a:prstGeom prst="rect">
+            <a:avLst/>
+          </a:prstGeom>
+          <a:noFill/>
+        </p:spPr>
+        <p:txBody>
+          <a:bodyPr wrap="none" rtlCol="0">
+            <a:spAutoFit/>
+          </a:bodyPr>
+          <a:lstStyle/>
+          <a:p>
+            <a:r>
+              <a:rPr lang="en-US" sz="1400" dirty="0" smtClean="0"/>
+              <a:t>Add </a:t>
+            </a:r>
+            <a:r>
+              <a:rPr lang="en-US" sz="1400" dirty="0" smtClean="0"/>
+              <a:t>Member details</a:t>
+            </a:r>
+            <a:endParaRPr lang="en-US" sz="1400" dirty="0"/>
+          </a:p>
+        </p:txBody>
+      </p:sp>
+      <p:cxnSp>
+        <p:nvCxnSpPr>
+          <p:cNvPr id="78" name="Shape 77"/>
+          <p:cNvCxnSpPr>
+            <a:stCxn id="9" idx="6"/>
+            <a:endCxn id="11" idx="2"/>
+          </p:cNvCxnSpPr>
+          <p:nvPr/>
+        </p:nvCxnSpPr>
+        <p:spPr>
+          <a:xfrm flipV="1">
+            <a:off x="2819400" y="4038600"/>
+            <a:ext cx="1295400" cy="952500"/>
+          </a:xfrm>
+          <a:prstGeom prst="bentConnector2">
+            <a:avLst/>
+          </a:prstGeom>
+          <a:ln>
+            <a:solidFill>
+              <a:schemeClr val="tx1"/>
+            </a:solidFill>
+            <a:tailEnd type="arrow"/>
+          </a:ln>
+        </p:spPr>
+        <p:style>
+          <a:lnRef idx="1">
+            <a:schemeClr val="accent1"/>
+          </a:lnRef>
+          <a:fillRef idx="0">
+            <a:schemeClr val="accent1"/>
+          </a:fillRef>
+          <a:effectRef idx="0">
+            <a:schemeClr val="accent1"/>
+          </a:effectRef>
+          <a:fontRef idx="minor">
+            <a:schemeClr val="tx1"/>
+          </a:fontRef>
+        </p:style>
+      </p:cxnSp>
+      <p:sp>
+        <p:nvSpPr>
+          <p:cNvPr id="79" name="TextBox 78"/>
+          <p:cNvSpPr txBox="1"/>
+          <p:nvPr/>
+        </p:nvSpPr>
+        <p:spPr>
+          <a:xfrm>
+            <a:off x="2743200" y="5029200"/>
+            <a:ext cx="1745991" cy="307777"/>
+          </a:xfrm>
+          <a:prstGeom prst="rect">
+            <a:avLst/>
+          </a:prstGeom>
+          <a:noFill/>
+        </p:spPr>
+        <p:txBody>
+          <a:bodyPr wrap="none" rtlCol="0">
+            <a:spAutoFit/>
+          </a:bodyPr>
+          <a:lstStyle/>
+          <a:p>
+            <a:r>
+              <a:rPr lang="en-US" sz="1400" dirty="0" smtClean="0"/>
+              <a:t>Get </a:t>
+            </a:r>
+            <a:r>
+              <a:rPr lang="en-US" sz="1400" dirty="0" smtClean="0"/>
+              <a:t>Member details</a:t>
+            </a:r>
+            <a:endParaRPr lang="en-US" sz="1400" dirty="0"/>
+          </a:p>
+        </p:txBody>
+      </p:sp>
+      <p:sp>
+        <p:nvSpPr>
+          <p:cNvPr id="82" name="TextBox 81"/>
+          <p:cNvSpPr txBox="1"/>
+          <p:nvPr/>
+        </p:nvSpPr>
+        <p:spPr>
+          <a:xfrm rot="16200000">
+            <a:off x="841022" y="2481973"/>
+            <a:ext cx="1826141" cy="307777"/>
+          </a:xfrm>
+          <a:prstGeom prst="rect">
+            <a:avLst/>
+          </a:prstGeom>
+          <a:noFill/>
+        </p:spPr>
+        <p:txBody>
+          <a:bodyPr wrap="none" rtlCol="0">
+            <a:spAutoFit/>
+          </a:bodyPr>
+          <a:lstStyle/>
+          <a:p>
+            <a:r>
+              <a:rPr lang="en-US" sz="1400" dirty="0" smtClean="0"/>
+              <a:t>Adding </a:t>
+            </a:r>
+            <a:r>
+              <a:rPr lang="en-US" sz="1400" dirty="0" smtClean="0"/>
+              <a:t>new Member</a:t>
+            </a:r>
+            <a:endParaRPr lang="en-US" sz="1400" dirty="0" smtClean="0"/>
+          </a:p>
+        </p:txBody>
+      </p:sp>
+      <p:cxnSp>
+        <p:nvCxnSpPr>
+          <p:cNvPr id="84" name="Elbow Connector 83"/>
+          <p:cNvCxnSpPr>
+            <a:stCxn id="9" idx="2"/>
+            <a:endCxn id="8" idx="1"/>
+          </p:cNvCxnSpPr>
+          <p:nvPr/>
+        </p:nvCxnSpPr>
+        <p:spPr>
+          <a:xfrm rot="10800000">
+            <a:off x="1828800" y="876300"/>
+            <a:ext cx="1588" cy="4114800"/>
+          </a:xfrm>
+          <a:prstGeom prst="bentConnector3">
+            <a:avLst>
+              <a:gd name="adj1" fmla="val 14395466"/>
+            </a:avLst>
+          </a:prstGeom>
+          <a:ln>
+            <a:solidFill>
+              <a:schemeClr val="tx1"/>
+            </a:solidFill>
+            <a:tailEnd type="arrow"/>
+          </a:ln>
+        </p:spPr>
+        <p:style>
+          <a:lnRef idx="1">
+            <a:schemeClr val="accent1"/>
+          </a:lnRef>
+          <a:fillRef idx="0">
+            <a:schemeClr val="accent1"/>
+          </a:fillRef>
+          <a:effectRef idx="0">
+            <a:schemeClr val="accent1"/>
+          </a:effectRef>
+          <a:fontRef idx="minor">
+            <a:schemeClr val="tx1"/>
+          </a:fontRef>
+        </p:style>
+      </p:cxnSp>
+      <p:cxnSp>
+        <p:nvCxnSpPr>
+          <p:cNvPr id="86" name="Shape 85"/>
+          <p:cNvCxnSpPr>
+            <a:stCxn id="19" idx="2"/>
+          </p:cNvCxnSpPr>
+          <p:nvPr/>
+        </p:nvCxnSpPr>
+        <p:spPr>
+          <a:xfrm rot="10800000">
+            <a:off x="2743200" y="1066800"/>
+            <a:ext cx="1219200" cy="1333500"/>
+          </a:xfrm>
+          <a:prstGeom prst="bentConnector2">
+            <a:avLst/>
+          </a:prstGeom>
+          <a:ln>
+            <a:solidFill>
+              <a:schemeClr val="tx1"/>
+            </a:solidFill>
+            <a:tailEnd type="arrow"/>
+          </a:ln>
+        </p:spPr>
+        <p:style>
+          <a:lnRef idx="1">
+            <a:schemeClr val="accent1"/>
+          </a:lnRef>
+          <a:fillRef idx="0">
+            <a:schemeClr val="accent1"/>
+          </a:fillRef>
+          <a:effectRef idx="0">
+            <a:schemeClr val="accent1"/>
+          </a:effectRef>
+          <a:fontRef idx="minor">
+            <a:schemeClr val="tx1"/>
+          </a:fontRef>
+        </p:style>
+      </p:cxnSp>
+      <p:sp>
+        <p:nvSpPr>
+          <p:cNvPr id="87" name="TextBox 86"/>
+          <p:cNvSpPr txBox="1"/>
+          <p:nvPr/>
+        </p:nvSpPr>
+        <p:spPr>
+          <a:xfrm>
+            <a:off x="2743200" y="2057400"/>
+            <a:ext cx="1235146" cy="307777"/>
+          </a:xfrm>
+          <a:prstGeom prst="rect">
+            <a:avLst/>
+          </a:prstGeom>
+          <a:noFill/>
+        </p:spPr>
+        <p:txBody>
+          <a:bodyPr wrap="none" rtlCol="0">
+            <a:spAutoFit/>
+          </a:bodyPr>
+          <a:lstStyle/>
+          <a:p>
+            <a:r>
+              <a:rPr lang="en-US" sz="1400" dirty="0" smtClean="0"/>
+              <a:t>Request result</a:t>
+            </a:r>
+            <a:endParaRPr lang="en-US" dirty="0"/>
+          </a:p>
+        </p:txBody>
+      </p:sp>
+      <p:cxnSp>
+        <p:nvCxnSpPr>
+          <p:cNvPr id="92" name="Elbow Connector 91"/>
+          <p:cNvCxnSpPr/>
+          <p:nvPr/>
+        </p:nvCxnSpPr>
+        <p:spPr>
+          <a:xfrm rot="16200000" flipV="1">
+            <a:off x="4095750" y="3181351"/>
+            <a:ext cx="762000" cy="38100"/>
+          </a:xfrm>
+          <a:prstGeom prst="bentConnector3">
+            <a:avLst>
+              <a:gd name="adj1" fmla="val 2558"/>
+            </a:avLst>
+          </a:prstGeom>
+          <a:ln>
+            <a:solidFill>
+              <a:schemeClr val="tx1"/>
+            </a:solidFill>
+            <a:tailEnd type="arrow"/>
+          </a:ln>
+        </p:spPr>
+        <p:style>
+          <a:lnRef idx="1">
+            <a:schemeClr val="accent1"/>
+          </a:lnRef>
+          <a:fillRef idx="0">
+            <a:schemeClr val="accent1"/>
+          </a:fillRef>
+          <a:effectRef idx="0">
+            <a:schemeClr val="accent1"/>
+          </a:effectRef>
+          <a:fontRef idx="minor">
+            <a:schemeClr val="tx1"/>
+          </a:fontRef>
+        </p:style>
+      </p:cxnSp>
+      <p:sp>
+        <p:nvSpPr>
+          <p:cNvPr id="98" name="TextBox 97"/>
+          <p:cNvSpPr txBox="1"/>
+          <p:nvPr/>
+        </p:nvSpPr>
+        <p:spPr>
+          <a:xfrm>
+            <a:off x="3657600" y="2971800"/>
+            <a:ext cx="889987" cy="523220"/>
+          </a:xfrm>
+          <a:prstGeom prst="rect">
+            <a:avLst/>
+          </a:prstGeom>
+          <a:noFill/>
+        </p:spPr>
+        <p:txBody>
+          <a:bodyPr wrap="none" rtlCol="0">
+            <a:spAutoFit/>
+          </a:bodyPr>
+          <a:lstStyle/>
+          <a:p>
+            <a:r>
+              <a:rPr lang="en-US" sz="1400" dirty="0" smtClean="0"/>
+              <a:t>Member </a:t>
+            </a:r>
+          </a:p>
+          <a:p>
+            <a:r>
+              <a:rPr lang="en-US" sz="1400" dirty="0" smtClean="0"/>
+              <a:t>Details</a:t>
+            </a:r>
+            <a:endParaRPr lang="en-US" sz="1400" dirty="0" smtClean="0"/>
+          </a:p>
+        </p:txBody>
+      </p:sp>
+      <p:cxnSp>
+        <p:nvCxnSpPr>
+          <p:cNvPr id="188" name="Elbow Connector 187"/>
+          <p:cNvCxnSpPr>
+            <a:stCxn id="11" idx="3"/>
+          </p:cNvCxnSpPr>
+          <p:nvPr/>
+        </p:nvCxnSpPr>
+        <p:spPr>
+          <a:xfrm>
+            <a:off x="4953000" y="3810000"/>
+            <a:ext cx="1371600" cy="1143000"/>
+          </a:xfrm>
+          <a:prstGeom prst="bentConnector3">
+            <a:avLst>
+              <a:gd name="adj1" fmla="val 50000"/>
+            </a:avLst>
+          </a:prstGeom>
+          <a:ln>
+            <a:solidFill>
+              <a:schemeClr val="tx1"/>
+            </a:solidFill>
+            <a:tailEnd type="arrow"/>
+          </a:ln>
+        </p:spPr>
+        <p:style>
+          <a:lnRef idx="1">
+            <a:schemeClr val="accent1"/>
+          </a:lnRef>
+          <a:fillRef idx="0">
+            <a:schemeClr val="accent1"/>
+          </a:fillRef>
+          <a:effectRef idx="0">
+            <a:schemeClr val="accent1"/>
+          </a:effectRef>
+          <a:fontRef idx="minor">
+            <a:schemeClr val="tx1"/>
+          </a:fontRef>
+        </p:style>
+      </p:cxnSp>
+      <p:sp>
+        <p:nvSpPr>
+          <p:cNvPr id="189" name="TextBox 188"/>
+          <p:cNvSpPr txBox="1"/>
+          <p:nvPr/>
+        </p:nvSpPr>
+        <p:spPr>
+          <a:xfrm>
+            <a:off x="5638800" y="4114800"/>
+            <a:ext cx="667234" cy="523220"/>
+          </a:xfrm>
+          <a:prstGeom prst="rect">
+            <a:avLst/>
+          </a:prstGeom>
+          <a:noFill/>
+        </p:spPr>
+        <p:txBody>
+          <a:bodyPr wrap="none" rtlCol="0">
+            <a:spAutoFit/>
+          </a:bodyPr>
+          <a:lstStyle/>
+          <a:p>
+            <a:r>
+              <a:rPr lang="en-US" sz="1400" dirty="0" smtClean="0"/>
+              <a:t>Get </a:t>
+            </a:r>
+          </a:p>
+          <a:p>
+            <a:r>
+              <a:rPr lang="en-US" sz="1400" dirty="0" smtClean="0"/>
+              <a:t>details</a:t>
+            </a:r>
+            <a:endParaRPr lang="en-US" sz="1400" dirty="0"/>
+          </a:p>
+        </p:txBody>
+      </p:sp>
+      <p:cxnSp>
+        <p:nvCxnSpPr>
+          <p:cNvPr id="71" name="Elbow Connector 70"/>
+          <p:cNvCxnSpPr>
+            <a:stCxn id="22" idx="2"/>
+            <a:endCxn id="19" idx="6"/>
+          </p:cNvCxnSpPr>
+          <p:nvPr/>
+        </p:nvCxnSpPr>
+        <p:spPr>
+          <a:xfrm rot="10800000">
+            <a:off x="4953000" y="2400300"/>
+            <a:ext cx="1600200" cy="1588"/>
+          </a:xfrm>
+          <a:prstGeom prst="bentConnector3">
+            <a:avLst>
+              <a:gd name="adj1" fmla="val 50000"/>
+            </a:avLst>
+          </a:prstGeom>
+          <a:ln>
+            <a:solidFill>
+              <a:schemeClr val="tx1"/>
+            </a:solidFill>
+            <a:tailEnd type="arrow"/>
+          </a:ln>
+        </p:spPr>
+        <p:style>
+          <a:lnRef idx="1">
+            <a:schemeClr val="accent1"/>
+          </a:lnRef>
+          <a:fillRef idx="0">
+            <a:schemeClr val="accent1"/>
+          </a:fillRef>
+          <a:effectRef idx="0">
+            <a:schemeClr val="accent1"/>
+          </a:effectRef>
+          <a:fontRef idx="minor">
+            <a:schemeClr val="tx1"/>
+          </a:fontRef>
+        </p:style>
+      </p:cxnSp>
+      <p:sp>
+        <p:nvSpPr>
+          <p:cNvPr id="72" name="TextBox 71"/>
+          <p:cNvSpPr txBox="1"/>
+          <p:nvPr/>
+        </p:nvSpPr>
+        <p:spPr>
+          <a:xfrm>
+            <a:off x="5105400" y="2438400"/>
+            <a:ext cx="1527982" cy="307777"/>
+          </a:xfrm>
+          <a:prstGeom prst="rect">
+            <a:avLst/>
+          </a:prstGeom>
+          <a:noFill/>
+        </p:spPr>
+        <p:txBody>
+          <a:bodyPr wrap="none" rtlCol="0">
+            <a:spAutoFit/>
+          </a:bodyPr>
+          <a:lstStyle/>
+          <a:p>
+            <a:r>
+              <a:rPr lang="en-US" sz="1400" dirty="0" smtClean="0"/>
+              <a:t>Ask for response</a:t>
+            </a:r>
+            <a:endParaRPr lang="en-US" dirty="0"/>
+          </a:p>
+        </p:txBody>
+      </p:sp>
+      <p:grpSp>
+        <p:nvGrpSpPr>
+          <p:cNvPr id="21" name="Group 72"/>
+          <p:cNvGrpSpPr/>
+          <p:nvPr/>
+        </p:nvGrpSpPr>
+        <p:grpSpPr>
+          <a:xfrm>
+            <a:off x="6781800" y="6172200"/>
+            <a:ext cx="1676400" cy="457200"/>
+            <a:chOff x="304800" y="1676400"/>
+            <a:chExt cx="1676400" cy="457200"/>
+          </a:xfrm>
+        </p:grpSpPr>
+        <p:sp>
+          <p:nvSpPr>
+            <p:cNvPr id="74" name="Rectangle 73"/>
+            <p:cNvSpPr/>
+            <p:nvPr/>
+          </p:nvSpPr>
+          <p:spPr>
+            <a:xfrm>
+              <a:off x="304800" y="1676400"/>
+              <a:ext cx="1676400" cy="457200"/>
+            </a:xfrm>
+            <a:prstGeom prst="rect">
+              <a:avLst/>
+            </a:prstGeom>
+            <a:noFill/>
+            <a:ln>
+              <a:solidFill>
+                <a:schemeClr val="tx1"/>
+              </a:solidFill>
+            </a:ln>
+          </p:spPr>
+          <p:style>
+            <a:lnRef idx="2">
+              <a:schemeClr val="accent1">
+                <a:shade val="50000"/>
+              </a:schemeClr>
+            </a:lnRef>
+            <a:fillRef idx="1">
+              <a:schemeClr val="accent1"/>
+            </a:fillRef>
+            <a:effectRef idx="0">
+              <a:schemeClr val="accent1"/>
+            </a:effectRef>
+            <a:fontRef idx="minor">
+              <a:schemeClr val="lt1"/>
+            </a:fontRef>
+          </p:style>
+          <p:txBody>
+            <a:bodyPr rtlCol="0" anchor="ctr"/>
+            <a:lstStyle/>
+            <a:p>
+              <a:pPr algn="ctr"/>
+              <a:endParaRPr lang="en-US"/>
+            </a:p>
+          </p:txBody>
+        </p:sp>
+        <p:sp>
+          <p:nvSpPr>
+            <p:cNvPr id="76" name="TextBox 75"/>
+            <p:cNvSpPr txBox="1"/>
+            <p:nvPr/>
+          </p:nvSpPr>
+          <p:spPr>
+            <a:xfrm>
+              <a:off x="609600" y="1752600"/>
+              <a:ext cx="1327543" cy="307777"/>
+            </a:xfrm>
+            <a:prstGeom prst="rect">
+              <a:avLst/>
+            </a:prstGeom>
+            <a:noFill/>
+          </p:spPr>
+          <p:txBody>
+            <a:bodyPr wrap="none" rtlCol="0">
+              <a:spAutoFit/>
+            </a:bodyPr>
+            <a:lstStyle/>
+            <a:p>
+              <a:r>
+                <a:rPr lang="en-US" sz="1400" dirty="0" smtClean="0"/>
+                <a:t> Visitor Details</a:t>
+              </a:r>
+              <a:endParaRPr lang="en-US" sz="1400" dirty="0"/>
+            </a:p>
+          </p:txBody>
+        </p:sp>
+        <p:cxnSp>
+          <p:nvCxnSpPr>
+            <p:cNvPr id="77" name="Straight Connector 76"/>
+            <p:cNvCxnSpPr/>
+            <p:nvPr/>
+          </p:nvCxnSpPr>
+          <p:spPr>
+            <a:xfrm rot="5400000">
+              <a:off x="457994" y="1904206"/>
+              <a:ext cx="456406" cy="794"/>
+            </a:xfrm>
+            <a:prstGeom prst="line">
+              <a:avLst/>
+            </a:prstGeom>
+            <a:ln>
+              <a:solidFill>
+                <a:schemeClr val="tx1"/>
+              </a:solidFill>
+            </a:ln>
+          </p:spPr>
+          <p:style>
+            <a:lnRef idx="1">
+              <a:schemeClr val="accent1"/>
+            </a:lnRef>
+            <a:fillRef idx="0">
+              <a:schemeClr val="accent1"/>
+            </a:fillRef>
+            <a:effectRef idx="0">
+              <a:schemeClr val="accent1"/>
+            </a:effectRef>
+            <a:fontRef idx="minor">
+              <a:schemeClr val="tx1"/>
+            </a:fontRef>
+          </p:style>
+        </p:cxnSp>
+        <p:sp>
+          <p:nvSpPr>
+            <p:cNvPr id="80" name="TextBox 79"/>
+            <p:cNvSpPr txBox="1"/>
+            <p:nvPr/>
+          </p:nvSpPr>
+          <p:spPr>
+            <a:xfrm>
+              <a:off x="304800" y="1752600"/>
+              <a:ext cx="413896" cy="307777"/>
+            </a:xfrm>
+            <a:prstGeom prst="rect">
+              <a:avLst/>
+            </a:prstGeom>
+            <a:noFill/>
+          </p:spPr>
+          <p:txBody>
+            <a:bodyPr wrap="none" rtlCol="0">
+              <a:spAutoFit/>
+            </a:bodyPr>
+            <a:lstStyle/>
+            <a:p>
+              <a:r>
+                <a:rPr lang="en-US" sz="1400" dirty="0" smtClean="0"/>
+                <a:t>D2</a:t>
+              </a:r>
+              <a:endParaRPr lang="en-US" sz="1400" dirty="0"/>
+            </a:p>
+          </p:txBody>
+        </p:sp>
+      </p:grpSp>
+      <p:cxnSp>
+        <p:nvCxnSpPr>
+          <p:cNvPr id="83" name="Straight Arrow Connector 82"/>
+          <p:cNvCxnSpPr>
+            <a:stCxn id="74" idx="0"/>
+          </p:cNvCxnSpPr>
+          <p:nvPr/>
+        </p:nvCxnSpPr>
+        <p:spPr>
+          <a:xfrm rot="5400000" flipH="1" flipV="1">
+            <a:off x="7200900" y="5753100"/>
+            <a:ext cx="838200" cy="1588"/>
+          </a:xfrm>
+          <a:prstGeom prst="straightConnector1">
+            <a:avLst/>
+          </a:prstGeom>
+          <a:ln>
+            <a:solidFill>
+              <a:schemeClr val="tx1"/>
+            </a:solidFill>
+            <a:tailEnd type="arrow"/>
+          </a:ln>
+        </p:spPr>
+        <p:style>
+          <a:lnRef idx="1">
+            <a:schemeClr val="accent1"/>
+          </a:lnRef>
+          <a:fillRef idx="0">
+            <a:schemeClr val="accent1"/>
+          </a:fillRef>
+          <a:effectRef idx="0">
+            <a:schemeClr val="accent1"/>
+          </a:effectRef>
+          <a:fontRef idx="minor">
+            <a:schemeClr val="tx1"/>
+          </a:fontRef>
+        </p:style>
+      </p:cxnSp>
+      <p:sp>
+        <p:nvSpPr>
+          <p:cNvPr id="85" name="TextBox 84"/>
+          <p:cNvSpPr txBox="1"/>
+          <p:nvPr/>
+        </p:nvSpPr>
+        <p:spPr>
+          <a:xfrm>
+            <a:off x="7620000" y="5486400"/>
+            <a:ext cx="667234" cy="523220"/>
+          </a:xfrm>
+          <a:prstGeom prst="rect">
+            <a:avLst/>
+          </a:prstGeom>
+          <a:noFill/>
+        </p:spPr>
+        <p:txBody>
+          <a:bodyPr wrap="none" rtlCol="0">
+            <a:spAutoFit/>
+          </a:bodyPr>
+          <a:lstStyle/>
+          <a:p>
+            <a:r>
+              <a:rPr lang="en-US" sz="1400" dirty="0" smtClean="0"/>
+              <a:t>Get </a:t>
+            </a:r>
+          </a:p>
+          <a:p>
+            <a:r>
+              <a:rPr lang="en-US" sz="1400" dirty="0" smtClean="0"/>
+              <a:t>details</a:t>
+            </a:r>
+            <a:endParaRPr lang="en-US" sz="1400" dirty="0"/>
+          </a:p>
+        </p:txBody>
+      </p:sp>
+      <p:grpSp>
+        <p:nvGrpSpPr>
+          <p:cNvPr id="24" name="Group 63"/>
+          <p:cNvGrpSpPr/>
+          <p:nvPr/>
+        </p:nvGrpSpPr>
+        <p:grpSpPr>
+          <a:xfrm>
+            <a:off x="4724400" y="6019800"/>
+            <a:ext cx="1066800" cy="381000"/>
+            <a:chOff x="4495800" y="914400"/>
+            <a:chExt cx="1066800" cy="381000"/>
+          </a:xfrm>
+        </p:grpSpPr>
+        <p:sp>
+          <p:nvSpPr>
+            <p:cNvPr id="65" name="TextBox 64"/>
+            <p:cNvSpPr txBox="1"/>
+            <p:nvPr/>
+          </p:nvSpPr>
+          <p:spPr>
+            <a:xfrm>
+              <a:off x="4724400" y="914400"/>
+              <a:ext cx="679930" cy="307777"/>
+            </a:xfrm>
+            <a:prstGeom prst="rect">
+              <a:avLst/>
+            </a:prstGeom>
+            <a:noFill/>
+          </p:spPr>
+          <p:txBody>
+            <a:bodyPr wrap="none" rtlCol="0">
+              <a:spAutoFit/>
+            </a:bodyPr>
+            <a:lstStyle/>
+            <a:p>
+              <a:r>
+                <a:rPr lang="en-US" sz="1400" dirty="0" smtClean="0"/>
+                <a:t>Visitor</a:t>
+              </a:r>
+              <a:endParaRPr lang="en-US" sz="1400" dirty="0"/>
+            </a:p>
+          </p:txBody>
+        </p:sp>
+        <p:sp>
+          <p:nvSpPr>
+            <p:cNvPr id="66" name="Rectangle 65"/>
+            <p:cNvSpPr/>
+            <p:nvPr/>
+          </p:nvSpPr>
+          <p:spPr>
+            <a:xfrm>
+              <a:off x="4495800" y="914400"/>
+              <a:ext cx="1066800" cy="381000"/>
+            </a:xfrm>
+            <a:prstGeom prst="rect">
+              <a:avLst/>
+            </a:prstGeom>
+            <a:noFill/>
+            <a:ln>
+              <a:solidFill>
+                <a:schemeClr val="tx1"/>
+              </a:solidFill>
+            </a:ln>
+          </p:spPr>
+          <p:style>
+            <a:lnRef idx="2">
+              <a:schemeClr val="accent1">
+                <a:shade val="50000"/>
+              </a:schemeClr>
+            </a:lnRef>
+            <a:fillRef idx="1">
+              <a:schemeClr val="accent1"/>
+            </a:fillRef>
+            <a:effectRef idx="0">
+              <a:schemeClr val="accent1"/>
+            </a:effectRef>
+            <a:fontRef idx="minor">
+              <a:schemeClr val="lt1"/>
+            </a:fontRef>
+          </p:style>
+          <p:txBody>
+            <a:bodyPr rtlCol="0" anchor="ctr"/>
+            <a:lstStyle/>
+            <a:p>
+              <a:pPr algn="ctr"/>
+              <a:endParaRPr lang="en-US"/>
+            </a:p>
+          </p:txBody>
+        </p:sp>
+      </p:grpSp>
+      <p:cxnSp>
+        <p:nvCxnSpPr>
+          <p:cNvPr id="68" name="Elbow Connector 67"/>
+          <p:cNvCxnSpPr>
+            <a:stCxn id="66" idx="0"/>
+            <a:endCxn id="2" idx="3"/>
+          </p:cNvCxnSpPr>
+          <p:nvPr/>
+        </p:nvCxnSpPr>
+        <p:spPr>
+          <a:xfrm rot="5400000" flipH="1" flipV="1">
+            <a:off x="5531037" y="4958415"/>
+            <a:ext cx="788148" cy="1334622"/>
+          </a:xfrm>
+          <a:prstGeom prst="bentConnector3">
+            <a:avLst>
+              <a:gd name="adj1" fmla="val 50000"/>
+            </a:avLst>
+          </a:prstGeom>
+          <a:ln>
+            <a:solidFill>
+              <a:schemeClr val="tx1"/>
+            </a:solidFill>
+            <a:tailEnd type="arrow"/>
+          </a:ln>
+        </p:spPr>
+        <p:style>
+          <a:lnRef idx="1">
+            <a:schemeClr val="accent1"/>
+          </a:lnRef>
+          <a:fillRef idx="0">
+            <a:schemeClr val="accent1"/>
+          </a:fillRef>
+          <a:effectRef idx="0">
+            <a:schemeClr val="accent1"/>
+          </a:effectRef>
+          <a:fontRef idx="minor">
+            <a:schemeClr val="tx1"/>
+          </a:fontRef>
+        </p:style>
+      </p:cxnSp>
+      <p:sp>
+        <p:nvSpPr>
+          <p:cNvPr id="69" name="TextBox 68"/>
+          <p:cNvSpPr txBox="1"/>
+          <p:nvPr/>
+        </p:nvSpPr>
+        <p:spPr>
+          <a:xfrm>
+            <a:off x="5105400" y="5334000"/>
+            <a:ext cx="1617494" cy="307777"/>
+          </a:xfrm>
+          <a:prstGeom prst="rect">
+            <a:avLst/>
+          </a:prstGeom>
+          <a:noFill/>
+        </p:spPr>
+        <p:txBody>
+          <a:bodyPr wrap="none" rtlCol="0">
+            <a:spAutoFit/>
+          </a:bodyPr>
+          <a:lstStyle/>
+          <a:p>
+            <a:r>
+              <a:rPr lang="en-US" sz="1400" dirty="0" smtClean="0"/>
+              <a:t>  Ask for approval </a:t>
+            </a:r>
+            <a:endParaRPr lang="en-US" dirty="0"/>
+          </a:p>
+        </p:txBody>
+      </p:sp>
+      <p:cxnSp>
+        <p:nvCxnSpPr>
+          <p:cNvPr id="88" name="Shape 87"/>
+          <p:cNvCxnSpPr>
+            <a:stCxn id="2" idx="4"/>
+          </p:cNvCxnSpPr>
+          <p:nvPr/>
+        </p:nvCxnSpPr>
+        <p:spPr>
+          <a:xfrm rot="5400000">
+            <a:off x="6210300" y="4991100"/>
+            <a:ext cx="609600" cy="1447800"/>
+          </a:xfrm>
+          <a:prstGeom prst="bentConnector2">
+            <a:avLst/>
+          </a:prstGeom>
+          <a:ln>
+            <a:solidFill>
+              <a:schemeClr val="tx1"/>
+            </a:solidFill>
+            <a:tailEnd type="arrow"/>
+          </a:ln>
+        </p:spPr>
+        <p:style>
+          <a:lnRef idx="1">
+            <a:schemeClr val="accent1"/>
+          </a:lnRef>
+          <a:fillRef idx="0">
+            <a:schemeClr val="accent1"/>
+          </a:fillRef>
+          <a:effectRef idx="0">
+            <a:schemeClr val="accent1"/>
+          </a:effectRef>
+          <a:fontRef idx="minor">
+            <a:schemeClr val="tx1"/>
+          </a:fontRef>
+        </p:style>
+      </p:cxnSp>
+      <p:sp>
+        <p:nvSpPr>
+          <p:cNvPr id="111" name="TextBox 110"/>
+          <p:cNvSpPr txBox="1"/>
+          <p:nvPr/>
+        </p:nvSpPr>
+        <p:spPr>
+          <a:xfrm>
+            <a:off x="5257800" y="5715000"/>
+            <a:ext cx="2103461" cy="307777"/>
+          </a:xfrm>
+          <a:prstGeom prst="rect">
+            <a:avLst/>
+          </a:prstGeom>
+          <a:noFill/>
+        </p:spPr>
+        <p:txBody>
+          <a:bodyPr wrap="none" rtlCol="0">
+            <a:spAutoFit/>
+          </a:bodyPr>
+          <a:lstStyle/>
+          <a:p>
+            <a:r>
+              <a:rPr lang="en-US" sz="1400" dirty="0" smtClean="0"/>
+              <a:t>                Get response </a:t>
+            </a:r>
+            <a:endParaRPr lang="en-US" dirty="0"/>
+          </a:p>
+        </p:txBody>
+      </p:sp>
+      <p:grpSp>
+        <p:nvGrpSpPr>
+          <p:cNvPr id="59" name="Group 99"/>
+          <p:cNvGrpSpPr/>
+          <p:nvPr/>
+        </p:nvGrpSpPr>
+        <p:grpSpPr>
+          <a:xfrm>
+            <a:off x="838200" y="5334000"/>
+            <a:ext cx="1066800" cy="914400"/>
+            <a:chOff x="1219200" y="5105400"/>
+            <a:chExt cx="1066800" cy="914400"/>
+          </a:xfrm>
+        </p:grpSpPr>
+        <p:sp>
+          <p:nvSpPr>
+            <p:cNvPr id="60" name="Oval 31"/>
+            <p:cNvSpPr>
+              <a:spLocks noChangeArrowheads="1"/>
+            </p:cNvSpPr>
+            <p:nvPr/>
+          </p:nvSpPr>
+          <p:spPr bwMode="auto">
+            <a:xfrm>
+              <a:off x="1219200" y="5105400"/>
+              <a:ext cx="1066800" cy="914400"/>
+            </a:xfrm>
+            <a:prstGeom prst="ellipse">
+              <a:avLst/>
+            </a:prstGeom>
+            <a:noFill/>
+            <a:ln w="9525">
+              <a:solidFill>
+                <a:schemeClr val="tx1"/>
+              </a:solidFill>
+              <a:round/>
+              <a:headEnd/>
+              <a:tailEnd/>
+            </a:ln>
+            <a:effectLst/>
+          </p:spPr>
+          <p:txBody>
+            <a:bodyPr wrap="none" anchor="ctr"/>
+            <a:lstStyle/>
+            <a:p>
+              <a:pPr algn="ctr"/>
+              <a:endParaRPr lang="en-US" sz="1400" dirty="0" smtClean="0"/>
+            </a:p>
+            <a:p>
+              <a:pPr algn="ctr"/>
+              <a:r>
+                <a:rPr lang="en-US" sz="1400" dirty="0" smtClean="0"/>
+                <a:t>Delete</a:t>
+              </a:r>
+            </a:p>
+            <a:p>
+              <a:pPr algn="ctr"/>
+              <a:r>
+                <a:rPr lang="en-US" sz="1400" dirty="0" smtClean="0"/>
+                <a:t>Member</a:t>
+              </a:r>
+              <a:endParaRPr lang="en-US" sz="1400" dirty="0" smtClean="0"/>
+            </a:p>
+          </p:txBody>
+        </p:sp>
+        <p:sp>
+          <p:nvSpPr>
+            <p:cNvPr id="61" name="TextBox 60"/>
+            <p:cNvSpPr txBox="1"/>
+            <p:nvPr/>
+          </p:nvSpPr>
+          <p:spPr>
+            <a:xfrm>
+              <a:off x="1524000" y="5105400"/>
+              <a:ext cx="505267" cy="369332"/>
+            </a:xfrm>
+            <a:prstGeom prst="rect">
+              <a:avLst/>
+            </a:prstGeom>
+            <a:noFill/>
+          </p:spPr>
+          <p:txBody>
+            <a:bodyPr wrap="none" rtlCol="0">
+              <a:spAutoFit/>
+            </a:bodyPr>
+            <a:lstStyle/>
+            <a:p>
+              <a:r>
+                <a:rPr lang="en-US" dirty="0" smtClean="0"/>
+                <a:t>3</a:t>
+              </a:r>
+              <a:r>
+                <a:rPr lang="en-US" dirty="0" smtClean="0"/>
+                <a:t>.4</a:t>
+              </a:r>
+              <a:endParaRPr lang="en-US" dirty="0"/>
+            </a:p>
+          </p:txBody>
+        </p:sp>
+      </p:grpSp>
+      <p:cxnSp>
+        <p:nvCxnSpPr>
+          <p:cNvPr id="62" name="Elbow Connector 61"/>
+          <p:cNvCxnSpPr>
+            <a:endCxn id="60" idx="1"/>
+          </p:cNvCxnSpPr>
+          <p:nvPr/>
+        </p:nvCxnSpPr>
+        <p:spPr>
+          <a:xfrm rot="16200000" flipH="1" flipV="1">
+            <a:off x="-712741" y="2392969"/>
+            <a:ext cx="4782111" cy="1367771"/>
+          </a:xfrm>
+          <a:prstGeom prst="bentConnector3">
+            <a:avLst>
+              <a:gd name="adj1" fmla="val -4780"/>
+            </a:avLst>
+          </a:prstGeom>
+          <a:ln>
+            <a:solidFill>
+              <a:schemeClr val="tx1"/>
+            </a:solidFill>
+            <a:tailEnd type="arrow"/>
+          </a:ln>
+        </p:spPr>
+        <p:style>
+          <a:lnRef idx="1">
+            <a:schemeClr val="accent1"/>
+          </a:lnRef>
+          <a:fillRef idx="0">
+            <a:schemeClr val="accent1"/>
+          </a:fillRef>
+          <a:effectRef idx="0">
+            <a:schemeClr val="accent1"/>
+          </a:effectRef>
+          <a:fontRef idx="minor">
+            <a:schemeClr val="tx1"/>
+          </a:fontRef>
+        </p:style>
+      </p:cxnSp>
+      <p:cxnSp>
+        <p:nvCxnSpPr>
+          <p:cNvPr id="63" name="Shape 62"/>
+          <p:cNvCxnSpPr/>
+          <p:nvPr/>
+        </p:nvCxnSpPr>
+        <p:spPr>
+          <a:xfrm flipV="1">
+            <a:off x="2438400" y="4038600"/>
+            <a:ext cx="2209800" cy="1752600"/>
+          </a:xfrm>
+          <a:prstGeom prst="bentConnector2">
+            <a:avLst/>
+          </a:prstGeom>
+          <a:ln>
+            <a:solidFill>
+              <a:schemeClr val="tx1"/>
+            </a:solidFill>
+            <a:tailEnd type="arrow"/>
+          </a:ln>
+        </p:spPr>
+        <p:style>
+          <a:lnRef idx="1">
+            <a:schemeClr val="accent1"/>
+          </a:lnRef>
+          <a:fillRef idx="0">
+            <a:schemeClr val="accent1"/>
+          </a:fillRef>
+          <a:effectRef idx="0">
+            <a:schemeClr val="accent1"/>
+          </a:effectRef>
+          <a:fontRef idx="minor">
+            <a:schemeClr val="tx1"/>
+          </a:fontRef>
+        </p:style>
+      </p:cxnSp>
+      <p:cxnSp>
+        <p:nvCxnSpPr>
+          <p:cNvPr id="64" name="Straight Connector 63"/>
+          <p:cNvCxnSpPr>
+            <a:endCxn id="60" idx="6"/>
+          </p:cNvCxnSpPr>
+          <p:nvPr/>
+        </p:nvCxnSpPr>
+        <p:spPr>
+          <a:xfrm rot="10800000">
+            <a:off x="1905000" y="5791200"/>
+            <a:ext cx="533400" cy="1588"/>
+          </a:xfrm>
+          <a:prstGeom prst="line">
+            <a:avLst/>
+          </a:prstGeom>
+          <a:ln>
+            <a:solidFill>
+              <a:schemeClr val="tx1"/>
+            </a:solidFill>
+          </a:ln>
+        </p:spPr>
+        <p:style>
+          <a:lnRef idx="1">
+            <a:schemeClr val="accent1"/>
+          </a:lnRef>
+          <a:fillRef idx="0">
+            <a:schemeClr val="accent1"/>
+          </a:fillRef>
+          <a:effectRef idx="0">
+            <a:schemeClr val="accent1"/>
+          </a:effectRef>
+          <a:fontRef idx="minor">
+            <a:schemeClr val="tx1"/>
+          </a:fontRef>
+        </p:style>
+      </p:cxnSp>
+      <p:sp>
+        <p:nvSpPr>
+          <p:cNvPr id="67" name="TextBox 66"/>
+          <p:cNvSpPr txBox="1"/>
+          <p:nvPr/>
+        </p:nvSpPr>
+        <p:spPr>
+          <a:xfrm>
+            <a:off x="2590800" y="5791200"/>
+            <a:ext cx="2055371" cy="307777"/>
+          </a:xfrm>
+          <a:prstGeom prst="rect">
+            <a:avLst/>
+          </a:prstGeom>
+          <a:noFill/>
+        </p:spPr>
+        <p:txBody>
+          <a:bodyPr wrap="none" rtlCol="0">
+            <a:spAutoFit/>
+          </a:bodyPr>
+          <a:lstStyle/>
+          <a:p>
+            <a:r>
+              <a:rPr lang="en-US" sz="1400" dirty="0" smtClean="0"/>
+              <a:t>Archive member details</a:t>
+            </a:r>
+            <a:endParaRPr lang="en-US" sz="1400" dirty="0"/>
+          </a:p>
+        </p:txBody>
+      </p:sp>
+      <p:cxnSp>
+        <p:nvCxnSpPr>
+          <p:cNvPr id="70" name="Shape 118"/>
+          <p:cNvCxnSpPr/>
+          <p:nvPr/>
+        </p:nvCxnSpPr>
+        <p:spPr>
+          <a:xfrm rot="5400000" flipH="1" flipV="1">
+            <a:off x="-876300" y="2171700"/>
+            <a:ext cx="5029200" cy="2057400"/>
+          </a:xfrm>
+          <a:prstGeom prst="bentConnector3">
+            <a:avLst>
+              <a:gd name="adj1" fmla="val 108140"/>
+            </a:avLst>
+          </a:prstGeom>
+          <a:ln>
+            <a:solidFill>
+              <a:schemeClr val="tx1"/>
+            </a:solidFill>
+            <a:tailEnd type="arrow"/>
+          </a:ln>
+        </p:spPr>
+        <p:style>
+          <a:lnRef idx="1">
+            <a:schemeClr val="accent1"/>
+          </a:lnRef>
+          <a:fillRef idx="0">
+            <a:schemeClr val="accent1"/>
+          </a:fillRef>
+          <a:effectRef idx="0">
+            <a:schemeClr val="accent1"/>
+          </a:effectRef>
+          <a:fontRef idx="minor">
+            <a:schemeClr val="tx1"/>
+          </a:fontRef>
+        </p:style>
+      </p:cxnSp>
+      <p:cxnSp>
+        <p:nvCxnSpPr>
+          <p:cNvPr id="96" name="Elbow Connector 95"/>
+          <p:cNvCxnSpPr>
+            <a:endCxn id="60" idx="2"/>
+          </p:cNvCxnSpPr>
+          <p:nvPr/>
+        </p:nvCxnSpPr>
+        <p:spPr>
+          <a:xfrm>
+            <a:off x="609600" y="5638800"/>
+            <a:ext cx="228600" cy="152400"/>
+          </a:xfrm>
+          <a:prstGeom prst="bentConnector3">
+            <a:avLst>
+              <a:gd name="adj1" fmla="val -1948"/>
+            </a:avLst>
+          </a:prstGeom>
+          <a:ln>
+            <a:solidFill>
+              <a:schemeClr val="tx1"/>
+            </a:solidFill>
+          </a:ln>
+        </p:spPr>
+        <p:style>
+          <a:lnRef idx="1">
+            <a:schemeClr val="accent1"/>
+          </a:lnRef>
+          <a:fillRef idx="0">
+            <a:schemeClr val="accent1"/>
+          </a:fillRef>
+          <a:effectRef idx="0">
+            <a:schemeClr val="accent1"/>
+          </a:effectRef>
+          <a:fontRef idx="minor">
+            <a:schemeClr val="tx1"/>
+          </a:fontRef>
+        </p:style>
+      </p:cxnSp>
+      <p:sp>
+        <p:nvSpPr>
+          <p:cNvPr id="109" name="TextBox 108"/>
+          <p:cNvSpPr txBox="1"/>
+          <p:nvPr/>
+        </p:nvSpPr>
+        <p:spPr>
+          <a:xfrm rot="16200000">
+            <a:off x="233080" y="2499906"/>
+            <a:ext cx="1975221" cy="307777"/>
+          </a:xfrm>
+          <a:prstGeom prst="rect">
+            <a:avLst/>
+          </a:prstGeom>
+          <a:noFill/>
+        </p:spPr>
+        <p:txBody>
+          <a:bodyPr wrap="none" rtlCol="0">
+            <a:spAutoFit/>
+          </a:bodyPr>
+          <a:lstStyle/>
+          <a:p>
+            <a:r>
+              <a:rPr lang="en-US" sz="1400" dirty="0" smtClean="0"/>
+              <a:t>Delete </a:t>
+            </a:r>
+            <a:r>
+              <a:rPr lang="en-US" sz="1400" dirty="0" smtClean="0"/>
+              <a:t>Member details</a:t>
+            </a:r>
+            <a:endParaRPr lang="en-US" sz="1400" dirty="0"/>
+          </a:p>
+        </p:txBody>
+      </p:sp>
+      <p:sp>
+        <p:nvSpPr>
+          <p:cNvPr id="110" name="TextBox 109"/>
+          <p:cNvSpPr txBox="1"/>
+          <p:nvPr/>
+        </p:nvSpPr>
+        <p:spPr>
+          <a:xfrm rot="16200000">
+            <a:off x="-293843" y="2558171"/>
+            <a:ext cx="2114681" cy="307777"/>
+          </a:xfrm>
+          <a:prstGeom prst="rect">
+            <a:avLst/>
+          </a:prstGeom>
+          <a:noFill/>
+        </p:spPr>
+        <p:txBody>
+          <a:bodyPr wrap="none" rtlCol="0">
+            <a:spAutoFit/>
+          </a:bodyPr>
+          <a:lstStyle/>
+          <a:p>
+            <a:r>
+              <a:rPr lang="en-US" sz="1400" dirty="0" smtClean="0"/>
+              <a:t>Deleting Member details</a:t>
+            </a:r>
+            <a:endParaRPr lang="en-US" sz="1400" dirty="0"/>
+          </a:p>
+        </p:txBody>
+      </p:sp>
+    </p:spTree>
+  </p:cSld>
+  <p:clrMapOvr>
+    <a:masterClrMapping/>
+  </p:clrMapOvr>
+  <p:timing>
+    <p:tnLst>
+      <p:par>
+        <p:cTn id="1" dur="indefinite" restart="never" nodeType="tmRoot"/>
+      </p:par>
+    </p:tnLst>
+  </p:timing>
+</p:sld>
+</file>
+
+<file path=ppt/slides/slide6.xml><?xml version="1.0" encoding="utf-8"?>
+<p:sld xmlns:a="http://schemas.openxmlformats.org/drawingml/2006/main" xmlns:r="http://schemas.openxmlformats.org/officeDocument/2006/relationships" xmlns:p="http://schemas.openxmlformats.org/presentationml/2006/main">
+  <p:cSld>
+    <p:spTree>
+      <p:nvGrpSpPr>
+        <p:cNvPr id="1" name=""/>
+        <p:cNvGrpSpPr/>
+        <p:nvPr/>
+      </p:nvGrpSpPr>
+      <p:grpSpPr>
+        <a:xfrm>
+          <a:off x="0" y="0"/>
+          <a:ext cx="0" cy="0"/>
+          <a:chOff x="0" y="0"/>
+          <a:chExt cx="0" cy="0"/>
+        </a:xfrm>
+      </p:grpSpPr>
+      <p:sp>
+        <p:nvSpPr>
+          <p:cNvPr id="2" name="Oval 1"/>
+          <p:cNvSpPr/>
+          <p:nvPr/>
+        </p:nvSpPr>
+        <p:spPr>
+          <a:xfrm>
+            <a:off x="4648200" y="2362200"/>
+            <a:ext cx="990600" cy="990600"/>
+          </a:xfrm>
+          <a:prstGeom prst="ellipse">
+            <a:avLst/>
+          </a:prstGeom>
+          <a:solidFill>
+            <a:schemeClr val="bg1"/>
+          </a:solidFill>
+          <a:ln w="6350">
+            <a:solidFill>
+              <a:schemeClr val="tx1"/>
+            </a:solidFill>
+          </a:ln>
+        </p:spPr>
+        <p:style>
+          <a:lnRef idx="2">
+            <a:schemeClr val="accent1">
+              <a:shade val="50000"/>
+            </a:schemeClr>
+          </a:lnRef>
+          <a:fillRef idx="1">
+            <a:schemeClr val="accent1"/>
+          </a:fillRef>
+          <a:effectRef idx="0">
+            <a:schemeClr val="accent1"/>
+          </a:effectRef>
+          <a:fontRef idx="minor">
+            <a:schemeClr val="lt1"/>
+          </a:fontRef>
+        </p:style>
+        <p:txBody>
+          <a:bodyPr rtlCol="0" anchor="ctr"/>
+          <a:lstStyle/>
+          <a:p>
+            <a:pPr algn="ctr"/>
+            <a:r>
+              <a:rPr lang="en-US" sz="800" dirty="0" smtClean="0">
+                <a:solidFill>
+                  <a:schemeClr val="tx1"/>
+                </a:solidFill>
+              </a:rPr>
+              <a:t>Request</a:t>
+            </a:r>
+            <a:endParaRPr lang="en-US" sz="800" dirty="0" smtClean="0">
+              <a:solidFill>
+                <a:schemeClr val="tx1"/>
+              </a:solidFill>
+            </a:endParaRPr>
+          </a:p>
+          <a:p>
+            <a:pPr algn="ctr"/>
+            <a:r>
+              <a:rPr lang="en-US" sz="800" dirty="0" smtClean="0">
+                <a:solidFill>
+                  <a:schemeClr val="tx1"/>
+                </a:solidFill>
+              </a:rPr>
+              <a:t>Process</a:t>
+            </a:r>
+            <a:endParaRPr lang="en-US" sz="800" dirty="0" smtClean="0">
+              <a:solidFill>
+                <a:schemeClr val="tx1"/>
+              </a:solidFill>
+            </a:endParaRPr>
+          </a:p>
+          <a:p>
+            <a:pPr algn="ctr"/>
+            <a:r>
+              <a:rPr lang="en-US" sz="1600" b="1" dirty="0" smtClean="0">
+                <a:solidFill>
+                  <a:schemeClr val="tx1"/>
+                </a:solidFill>
+              </a:rPr>
+              <a:t>2</a:t>
+            </a:r>
+            <a:r>
+              <a:rPr lang="en-US" sz="1600" b="1" dirty="0" smtClean="0">
+                <a:solidFill>
+                  <a:schemeClr val="tx1"/>
+                </a:solidFill>
+              </a:rPr>
+              <a:t>.1.1</a:t>
+            </a:r>
+            <a:endParaRPr lang="en-US" sz="1600" b="1" dirty="0">
+              <a:solidFill>
+                <a:schemeClr val="tx1"/>
+              </a:solidFill>
+            </a:endParaRPr>
+          </a:p>
+        </p:txBody>
+      </p:sp>
+      <p:sp>
+        <p:nvSpPr>
+          <p:cNvPr id="3" name="Oval 2"/>
+          <p:cNvSpPr/>
+          <p:nvPr/>
+        </p:nvSpPr>
+        <p:spPr>
+          <a:xfrm>
+            <a:off x="1524000" y="4419600"/>
+            <a:ext cx="1066800" cy="990600"/>
+          </a:xfrm>
+          <a:prstGeom prst="ellipse">
+            <a:avLst/>
+          </a:prstGeom>
+          <a:solidFill>
+            <a:schemeClr val="bg1"/>
+          </a:solidFill>
+          <a:ln w="6350">
+            <a:solidFill>
+              <a:schemeClr val="tx1"/>
+            </a:solidFill>
+          </a:ln>
+        </p:spPr>
+        <p:style>
+          <a:lnRef idx="2">
+            <a:schemeClr val="accent1">
+              <a:shade val="50000"/>
+            </a:schemeClr>
+          </a:lnRef>
+          <a:fillRef idx="1">
+            <a:schemeClr val="accent1"/>
+          </a:fillRef>
+          <a:effectRef idx="0">
+            <a:schemeClr val="accent1"/>
+          </a:effectRef>
+          <a:fontRef idx="minor">
+            <a:schemeClr val="lt1"/>
+          </a:fontRef>
+        </p:style>
+        <p:txBody>
+          <a:bodyPr rtlCol="0" anchor="ctr"/>
+          <a:lstStyle/>
+          <a:p>
+            <a:pPr algn="ctr"/>
+            <a:r>
+              <a:rPr lang="en-US" sz="800" dirty="0" smtClean="0">
+                <a:solidFill>
+                  <a:schemeClr val="tx1"/>
+                </a:solidFill>
+              </a:rPr>
+              <a:t>Update </a:t>
+            </a:r>
+            <a:r>
+              <a:rPr lang="en-US" sz="800" dirty="0">
+                <a:solidFill>
+                  <a:schemeClr val="tx1"/>
+                </a:solidFill>
+              </a:rPr>
+              <a:t> </a:t>
+            </a:r>
+            <a:r>
+              <a:rPr lang="en-US" sz="800" dirty="0" smtClean="0">
+                <a:solidFill>
+                  <a:schemeClr val="tx1"/>
+                </a:solidFill>
+              </a:rPr>
+              <a:t>visitor </a:t>
+            </a:r>
+            <a:r>
+              <a:rPr lang="en-US" sz="800" dirty="0" smtClean="0">
+                <a:solidFill>
+                  <a:schemeClr val="tx1"/>
+                </a:solidFill>
+              </a:rPr>
+              <a:t>details</a:t>
+            </a:r>
+          </a:p>
+          <a:p>
+            <a:pPr algn="ctr"/>
+            <a:endParaRPr lang="en-US" sz="1200" dirty="0">
+              <a:solidFill>
+                <a:schemeClr val="tx1"/>
+              </a:solidFill>
+            </a:endParaRPr>
+          </a:p>
+          <a:p>
+            <a:pPr algn="ctr"/>
+            <a:r>
+              <a:rPr lang="en-US" sz="1600" b="1" dirty="0" smtClean="0">
+                <a:solidFill>
+                  <a:schemeClr val="tx1"/>
+                </a:solidFill>
+              </a:rPr>
+              <a:t>2</a:t>
+            </a:r>
+            <a:r>
+              <a:rPr lang="en-US" sz="1600" b="1" dirty="0" smtClean="0">
+                <a:solidFill>
+                  <a:schemeClr val="tx1"/>
+                </a:solidFill>
+              </a:rPr>
+              <a:t>.1.3</a:t>
+            </a:r>
+            <a:endParaRPr lang="en-US" sz="1600" b="1" dirty="0">
+              <a:solidFill>
+                <a:schemeClr val="tx1"/>
+              </a:solidFill>
+            </a:endParaRPr>
+          </a:p>
+        </p:txBody>
+      </p:sp>
+      <p:sp>
+        <p:nvSpPr>
+          <p:cNvPr id="4" name="Oval 3"/>
+          <p:cNvSpPr/>
+          <p:nvPr/>
+        </p:nvSpPr>
+        <p:spPr>
+          <a:xfrm>
+            <a:off x="3733800" y="4419600"/>
+            <a:ext cx="990600" cy="990600"/>
+          </a:xfrm>
+          <a:prstGeom prst="ellipse">
+            <a:avLst/>
+          </a:prstGeom>
+          <a:solidFill>
+            <a:schemeClr val="bg1"/>
+          </a:solidFill>
+          <a:ln w="6350">
+            <a:solidFill>
+              <a:schemeClr val="tx1"/>
+            </a:solidFill>
+          </a:ln>
+        </p:spPr>
+        <p:style>
+          <a:lnRef idx="2">
+            <a:schemeClr val="accent1">
+              <a:shade val="50000"/>
+            </a:schemeClr>
+          </a:lnRef>
+          <a:fillRef idx="1">
+            <a:schemeClr val="accent1"/>
+          </a:fillRef>
+          <a:effectRef idx="0">
+            <a:schemeClr val="accent1"/>
+          </a:effectRef>
+          <a:fontRef idx="minor">
+            <a:schemeClr val="lt1"/>
+          </a:fontRef>
+        </p:style>
+        <p:txBody>
+          <a:bodyPr rtlCol="0" anchor="ctr"/>
+          <a:lstStyle/>
+          <a:p>
+            <a:pPr algn="ctr"/>
+            <a:r>
+              <a:rPr lang="en-US" sz="800" dirty="0" smtClean="0">
+                <a:solidFill>
+                  <a:schemeClr val="tx1"/>
+                </a:solidFill>
+              </a:rPr>
+              <a:t>Allow Access </a:t>
+            </a:r>
+            <a:r>
+              <a:rPr lang="en-US" sz="800" dirty="0" smtClean="0">
+                <a:solidFill>
+                  <a:schemeClr val="tx1"/>
+                </a:solidFill>
+              </a:rPr>
+              <a:t>member</a:t>
+            </a:r>
+            <a:endParaRPr lang="en-US" sz="1200" dirty="0">
+              <a:solidFill>
+                <a:schemeClr val="tx1"/>
+              </a:solidFill>
+            </a:endParaRPr>
+          </a:p>
+          <a:p>
+            <a:pPr algn="ctr"/>
+            <a:r>
+              <a:rPr lang="en-US" sz="1600" b="1" dirty="0" smtClean="0">
+                <a:solidFill>
+                  <a:schemeClr val="tx1"/>
+                </a:solidFill>
+              </a:rPr>
+              <a:t>2</a:t>
+            </a:r>
+            <a:r>
+              <a:rPr lang="en-US" sz="1600" b="1" dirty="0" smtClean="0">
+                <a:solidFill>
+                  <a:schemeClr val="tx1"/>
+                </a:solidFill>
+              </a:rPr>
+              <a:t>.1.2</a:t>
+            </a:r>
+            <a:endParaRPr lang="en-US" sz="1600" b="1" dirty="0">
+              <a:solidFill>
+                <a:schemeClr val="tx1"/>
+              </a:solidFill>
+            </a:endParaRPr>
+          </a:p>
+        </p:txBody>
+      </p:sp>
+      <p:cxnSp>
+        <p:nvCxnSpPr>
+          <p:cNvPr id="6" name="Straight Arrow Connector 5"/>
+          <p:cNvCxnSpPr>
+            <a:endCxn id="2" idx="1"/>
+          </p:cNvCxnSpPr>
+          <p:nvPr/>
+        </p:nvCxnSpPr>
+        <p:spPr>
+          <a:xfrm rot="16200000" flipH="1">
+            <a:off x="4076700" y="1790700"/>
+            <a:ext cx="907070" cy="526070"/>
+          </a:xfrm>
+          <a:prstGeom prst="straightConnector1">
+            <a:avLst/>
+          </a:prstGeom>
+          <a:ln>
+            <a:tailEnd type="arrow"/>
+          </a:ln>
+        </p:spPr>
+        <p:style>
+          <a:lnRef idx="1">
+            <a:schemeClr val="dk1"/>
+          </a:lnRef>
+          <a:fillRef idx="0">
+            <a:schemeClr val="dk1"/>
+          </a:fillRef>
+          <a:effectRef idx="0">
+            <a:schemeClr val="dk1"/>
+          </a:effectRef>
+          <a:fontRef idx="minor">
+            <a:schemeClr val="tx1"/>
+          </a:fontRef>
+        </p:style>
+      </p:cxnSp>
+      <p:sp>
+        <p:nvSpPr>
+          <p:cNvPr id="7" name="TextBox 6"/>
+          <p:cNvSpPr txBox="1"/>
+          <p:nvPr/>
+        </p:nvSpPr>
+        <p:spPr>
+          <a:xfrm rot="3578673">
+            <a:off x="4141630" y="1851938"/>
+            <a:ext cx="883575" cy="215444"/>
+          </a:xfrm>
+          <a:prstGeom prst="rect">
+            <a:avLst/>
+          </a:prstGeom>
+          <a:noFill/>
+        </p:spPr>
+        <p:txBody>
+          <a:bodyPr wrap="none" rtlCol="0">
+            <a:spAutoFit/>
+          </a:bodyPr>
+          <a:lstStyle/>
+          <a:p>
+            <a:pPr lvl="0"/>
+            <a:r>
+              <a:rPr lang="en-US" sz="800" kern="0" dirty="0" smtClean="0">
+                <a:solidFill>
+                  <a:srgbClr val="262626"/>
+                </a:solidFill>
+              </a:rPr>
+              <a:t>Visitor Request</a:t>
+            </a:r>
+            <a:endParaRPr lang="en-US" sz="800" kern="0" dirty="0">
+              <a:solidFill>
+                <a:srgbClr val="262626"/>
+              </a:solidFill>
+            </a:endParaRPr>
+          </a:p>
+        </p:txBody>
+      </p:sp>
+      <p:cxnSp>
+        <p:nvCxnSpPr>
+          <p:cNvPr id="14" name="Straight Arrow Connector 13"/>
+          <p:cNvCxnSpPr>
+            <a:stCxn id="4" idx="2"/>
+            <a:endCxn id="3" idx="6"/>
+          </p:cNvCxnSpPr>
+          <p:nvPr/>
+        </p:nvCxnSpPr>
+        <p:spPr>
+          <a:xfrm flipH="1">
+            <a:off x="2590800" y="4914900"/>
+            <a:ext cx="1143000" cy="0"/>
+          </a:xfrm>
+          <a:prstGeom prst="straightConnector1">
+            <a:avLst/>
+          </a:prstGeom>
+          <a:ln>
+            <a:tailEnd type="arrow"/>
+          </a:ln>
+        </p:spPr>
+        <p:style>
+          <a:lnRef idx="1">
+            <a:schemeClr val="dk1"/>
+          </a:lnRef>
+          <a:fillRef idx="0">
+            <a:schemeClr val="dk1"/>
+          </a:fillRef>
+          <a:effectRef idx="0">
+            <a:schemeClr val="dk1"/>
+          </a:effectRef>
+          <a:fontRef idx="minor">
+            <a:schemeClr val="tx1"/>
+          </a:fontRef>
+        </p:style>
+      </p:cxnSp>
+      <p:cxnSp>
+        <p:nvCxnSpPr>
+          <p:cNvPr id="15" name="Straight Arrow Connector 14"/>
+          <p:cNvCxnSpPr>
+            <a:endCxn id="4" idx="7"/>
+          </p:cNvCxnSpPr>
+          <p:nvPr/>
+        </p:nvCxnSpPr>
+        <p:spPr>
+          <a:xfrm flipH="1">
+            <a:off x="4579330" y="3349642"/>
+            <a:ext cx="487970" cy="1215028"/>
+          </a:xfrm>
+          <a:prstGeom prst="straightConnector1">
+            <a:avLst/>
+          </a:prstGeom>
+          <a:ln>
+            <a:tailEnd type="arrow"/>
+          </a:ln>
+        </p:spPr>
+        <p:style>
+          <a:lnRef idx="1">
+            <a:schemeClr val="dk1"/>
+          </a:lnRef>
+          <a:fillRef idx="0">
+            <a:schemeClr val="dk1"/>
+          </a:fillRef>
+          <a:effectRef idx="0">
+            <a:schemeClr val="dk1"/>
+          </a:effectRef>
+          <a:fontRef idx="minor">
+            <a:schemeClr val="tx1"/>
+          </a:fontRef>
+        </p:style>
+      </p:cxnSp>
+      <p:sp>
+        <p:nvSpPr>
+          <p:cNvPr id="16" name="TextBox 15"/>
+          <p:cNvSpPr txBox="1"/>
+          <p:nvPr/>
+        </p:nvSpPr>
+        <p:spPr>
+          <a:xfrm>
+            <a:off x="2819400" y="4661356"/>
+            <a:ext cx="825867" cy="215444"/>
+          </a:xfrm>
+          <a:prstGeom prst="rect">
+            <a:avLst/>
+          </a:prstGeom>
+          <a:noFill/>
+        </p:spPr>
+        <p:txBody>
+          <a:bodyPr wrap="none" rtlCol="0">
+            <a:spAutoFit/>
+          </a:bodyPr>
+          <a:lstStyle/>
+          <a:p>
+            <a:pPr lvl="0"/>
+            <a:r>
+              <a:rPr lang="en-US" sz="800" kern="0" dirty="0" smtClean="0">
+                <a:solidFill>
+                  <a:srgbClr val="262626"/>
+                </a:solidFill>
+              </a:rPr>
+              <a:t>Request details</a:t>
+            </a:r>
+            <a:endParaRPr lang="en-US" sz="800" kern="0" dirty="0">
+              <a:solidFill>
+                <a:srgbClr val="262626"/>
+              </a:solidFill>
+            </a:endParaRPr>
+          </a:p>
+        </p:txBody>
+      </p:sp>
+      <p:sp>
+        <p:nvSpPr>
+          <p:cNvPr id="17" name="TextBox 16"/>
+          <p:cNvSpPr txBox="1"/>
+          <p:nvPr/>
+        </p:nvSpPr>
+        <p:spPr>
+          <a:xfrm rot="17477327">
+            <a:off x="4253454" y="3738832"/>
+            <a:ext cx="1563332" cy="215444"/>
+          </a:xfrm>
+          <a:prstGeom prst="rect">
+            <a:avLst/>
+          </a:prstGeom>
+          <a:noFill/>
+        </p:spPr>
+        <p:txBody>
+          <a:bodyPr wrap="square" rtlCol="0">
+            <a:spAutoFit/>
+          </a:bodyPr>
+          <a:lstStyle/>
+          <a:p>
+            <a:pPr lvl="0"/>
+            <a:r>
+              <a:rPr lang="en-US" sz="800" kern="0" dirty="0" smtClean="0">
+                <a:solidFill>
+                  <a:srgbClr val="262626"/>
+                </a:solidFill>
+              </a:rPr>
+              <a:t>Authentication  </a:t>
+            </a:r>
+            <a:r>
+              <a:rPr lang="en-US" sz="800" kern="0" dirty="0" smtClean="0">
+                <a:solidFill>
+                  <a:srgbClr val="262626"/>
+                </a:solidFill>
+              </a:rPr>
+              <a:t>Request</a:t>
+            </a:r>
+            <a:endParaRPr lang="en-US" sz="800" kern="0" dirty="0">
+              <a:solidFill>
+                <a:srgbClr val="262626"/>
+              </a:solidFill>
+            </a:endParaRPr>
+          </a:p>
+        </p:txBody>
+      </p:sp>
+      <p:cxnSp>
+        <p:nvCxnSpPr>
+          <p:cNvPr id="19" name="Straight Arrow Connector 18"/>
+          <p:cNvCxnSpPr>
+            <a:stCxn id="3" idx="1"/>
+          </p:cNvCxnSpPr>
+          <p:nvPr/>
+        </p:nvCxnSpPr>
+        <p:spPr>
+          <a:xfrm rot="16200000" flipV="1">
+            <a:off x="1415279" y="4299719"/>
+            <a:ext cx="373673" cy="156229"/>
+          </a:xfrm>
+          <a:prstGeom prst="straightConnector1">
+            <a:avLst/>
+          </a:prstGeom>
+          <a:ln>
+            <a:tailEnd type="arrow"/>
+          </a:ln>
+        </p:spPr>
+        <p:style>
+          <a:lnRef idx="1">
+            <a:schemeClr val="dk1"/>
+          </a:lnRef>
+          <a:fillRef idx="0">
+            <a:schemeClr val="dk1"/>
+          </a:fillRef>
+          <a:effectRef idx="0">
+            <a:schemeClr val="dk1"/>
+          </a:effectRef>
+          <a:fontRef idx="minor">
+            <a:schemeClr val="tx1"/>
+          </a:fontRef>
+        </p:style>
+      </p:cxnSp>
+      <p:grpSp>
+        <p:nvGrpSpPr>
+          <p:cNvPr id="10" name="Group 15"/>
+          <p:cNvGrpSpPr/>
+          <p:nvPr/>
+        </p:nvGrpSpPr>
+        <p:grpSpPr>
+          <a:xfrm>
+            <a:off x="838200" y="3962400"/>
+            <a:ext cx="1905000" cy="228600"/>
+            <a:chOff x="275492" y="2361935"/>
+            <a:chExt cx="1371600" cy="228603"/>
+          </a:xfrm>
+        </p:grpSpPr>
+        <p:sp>
+          <p:nvSpPr>
+            <p:cNvPr id="21" name="Rectangle 20"/>
+            <p:cNvSpPr/>
+            <p:nvPr/>
+          </p:nvSpPr>
+          <p:spPr>
+            <a:xfrm>
+              <a:off x="275492" y="2361935"/>
+              <a:ext cx="1371600" cy="228600"/>
+            </a:xfrm>
+            <a:prstGeom prst="rect">
+              <a:avLst/>
+            </a:prstGeom>
+            <a:solidFill>
+              <a:sysClr val="window" lastClr="FFFFFF"/>
+            </a:solidFill>
+            <a:ln w="6350" cap="flat" cmpd="sng" algn="ctr">
+              <a:solidFill>
+                <a:srgbClr val="4D4D4D"/>
+              </a:solidFill>
+              <a:prstDash val="solid"/>
+            </a:ln>
+            <a:effectLst/>
+          </p:spPr>
+          <p:txBody>
+            <a:bodyPr rtlCol="0" anchor="ctr"/>
+            <a:lstStyle/>
+            <a:p>
+              <a:pPr lvl="0">
+                <a:defRPr/>
+              </a:pPr>
+              <a:r>
+                <a:rPr kumimoji="0" lang="en-US" sz="800" b="0" i="0" u="none" strike="noStrike" kern="0" cap="none" spc="0" normalizeH="0" baseline="0" noProof="0" dirty="0" smtClean="0">
+                  <a:ln>
+                    <a:noFill/>
+                  </a:ln>
+                  <a:solidFill>
+                    <a:srgbClr val="262626"/>
+                  </a:solidFill>
+                  <a:effectLst/>
+                  <a:uLnTx/>
+                  <a:uFillTx/>
+                  <a:latin typeface="Ubuntu Condensed"/>
+                  <a:ea typeface="+mn-ea"/>
+                  <a:cs typeface="+mn-cs"/>
+                </a:rPr>
+                <a:t>   D3                             </a:t>
+              </a:r>
+              <a:r>
+                <a:rPr kumimoji="0" lang="en-US" sz="800" b="0" i="0" u="none" strike="noStrike" kern="0" cap="none" spc="0" normalizeH="0" baseline="0" noProof="0" dirty="0" smtClean="0">
+                  <a:ln>
+                    <a:noFill/>
+                  </a:ln>
+                  <a:solidFill>
+                    <a:srgbClr val="262626"/>
+                  </a:solidFill>
+                  <a:effectLst/>
+                  <a:uLnTx/>
+                  <a:uFillTx/>
+                  <a:latin typeface="Ubuntu Condensed"/>
+                  <a:ea typeface="+mn-ea"/>
+                  <a:cs typeface="+mn-cs"/>
+                </a:rPr>
+                <a:t>visitor </a:t>
+              </a:r>
+              <a:r>
+                <a:rPr lang="en-US" sz="800" dirty="0" smtClean="0"/>
+                <a:t>details</a:t>
+              </a:r>
+              <a:endParaRPr kumimoji="0" lang="en-US" sz="800" b="0" i="0" u="none" strike="noStrike" kern="0" cap="none" spc="0" normalizeH="0" baseline="0" noProof="0" dirty="0">
+                <a:ln>
+                  <a:noFill/>
+                </a:ln>
+                <a:solidFill>
+                  <a:srgbClr val="262626"/>
+                </a:solidFill>
+                <a:effectLst/>
+                <a:uLnTx/>
+                <a:uFillTx/>
+                <a:latin typeface="Ubuntu Condensed"/>
+                <a:ea typeface="+mn-ea"/>
+                <a:cs typeface="+mn-cs"/>
+              </a:endParaRPr>
+            </a:p>
+          </p:txBody>
+        </p:sp>
+        <p:cxnSp>
+          <p:nvCxnSpPr>
+            <p:cNvPr id="22" name="Straight Connector 21"/>
+            <p:cNvCxnSpPr/>
+            <p:nvPr/>
+          </p:nvCxnSpPr>
+          <p:spPr>
+            <a:xfrm rot="5400000">
+              <a:off x="465198" y="2475444"/>
+              <a:ext cx="228601" cy="1588"/>
+            </a:xfrm>
+            <a:prstGeom prst="line">
+              <a:avLst/>
+            </a:prstGeom>
+            <a:noFill/>
+            <a:ln w="9525" cap="flat" cmpd="sng" algn="ctr">
+              <a:solidFill>
+                <a:srgbClr val="373737">
+                  <a:shade val="95000"/>
+                  <a:satMod val="105000"/>
+                </a:srgbClr>
+              </a:solidFill>
+              <a:prstDash val="solid"/>
+            </a:ln>
+            <a:effectLst/>
+          </p:spPr>
+        </p:cxnSp>
+      </p:grpSp>
+      <p:cxnSp>
+        <p:nvCxnSpPr>
+          <p:cNvPr id="26" name="Straight Arrow Connector 25"/>
+          <p:cNvCxnSpPr/>
+          <p:nvPr/>
+        </p:nvCxnSpPr>
+        <p:spPr>
+          <a:xfrm rot="10800000" flipV="1">
+            <a:off x="3352799" y="5372099"/>
+            <a:ext cx="609600" cy="876300"/>
+          </a:xfrm>
+          <a:prstGeom prst="straightConnector1">
+            <a:avLst/>
+          </a:prstGeom>
+          <a:ln>
+            <a:tailEnd type="arrow"/>
+          </a:ln>
+        </p:spPr>
+        <p:style>
+          <a:lnRef idx="1">
+            <a:schemeClr val="dk1"/>
+          </a:lnRef>
+          <a:fillRef idx="0">
+            <a:schemeClr val="dk1"/>
+          </a:fillRef>
+          <a:effectRef idx="0">
+            <a:schemeClr val="dk1"/>
+          </a:effectRef>
+          <a:fontRef idx="minor">
+            <a:schemeClr val="tx1"/>
+          </a:fontRef>
+        </p:style>
+      </p:cxnSp>
+      <p:sp>
+        <p:nvSpPr>
+          <p:cNvPr id="27" name="TextBox 26"/>
+          <p:cNvSpPr txBox="1"/>
+          <p:nvPr/>
+        </p:nvSpPr>
+        <p:spPr>
+          <a:xfrm rot="18268963">
+            <a:off x="2969437" y="5581847"/>
+            <a:ext cx="1066318" cy="215444"/>
+          </a:xfrm>
+          <a:prstGeom prst="rect">
+            <a:avLst/>
+          </a:prstGeom>
+          <a:noFill/>
+        </p:spPr>
+        <p:txBody>
+          <a:bodyPr wrap="none" rtlCol="0">
+            <a:spAutoFit/>
+          </a:bodyPr>
+          <a:lstStyle/>
+          <a:p>
+            <a:pPr lvl="0"/>
+            <a:r>
+              <a:rPr lang="en-US" sz="800" kern="0" dirty="0" smtClean="0">
+                <a:solidFill>
+                  <a:srgbClr val="262626"/>
+                </a:solidFill>
+              </a:rPr>
+              <a:t>Access to member </a:t>
+            </a:r>
+            <a:endParaRPr lang="en-US" sz="800" kern="0" dirty="0">
+              <a:solidFill>
+                <a:srgbClr val="262626"/>
+              </a:solidFill>
+            </a:endParaRPr>
+          </a:p>
+        </p:txBody>
+      </p:sp>
+      <p:grpSp>
+        <p:nvGrpSpPr>
+          <p:cNvPr id="24" name="Group 23"/>
+          <p:cNvGrpSpPr/>
+          <p:nvPr/>
+        </p:nvGrpSpPr>
+        <p:grpSpPr>
+          <a:xfrm>
+            <a:off x="6781800" y="4648200"/>
+            <a:ext cx="1066800" cy="381000"/>
+            <a:chOff x="4495800" y="914400"/>
+            <a:chExt cx="1066800" cy="381000"/>
+          </a:xfrm>
+        </p:grpSpPr>
+        <p:sp>
+          <p:nvSpPr>
+            <p:cNvPr id="25" name="TextBox 24"/>
+            <p:cNvSpPr txBox="1"/>
+            <p:nvPr/>
+          </p:nvSpPr>
+          <p:spPr>
+            <a:xfrm>
+              <a:off x="4648200" y="914400"/>
+              <a:ext cx="742511" cy="307777"/>
+            </a:xfrm>
+            <a:prstGeom prst="rect">
+              <a:avLst/>
+            </a:prstGeom>
+            <a:noFill/>
+          </p:spPr>
+          <p:txBody>
+            <a:bodyPr wrap="none" rtlCol="0">
+              <a:spAutoFit/>
+            </a:bodyPr>
+            <a:lstStyle/>
+            <a:p>
+              <a:r>
+                <a:rPr lang="en-US" sz="1400" dirty="0" smtClean="0"/>
+                <a:t>Admin </a:t>
+              </a:r>
+              <a:endParaRPr lang="en-US" sz="1400" dirty="0"/>
+            </a:p>
+          </p:txBody>
+        </p:sp>
+        <p:sp>
+          <p:nvSpPr>
+            <p:cNvPr id="28" name="Rectangle 27"/>
+            <p:cNvSpPr/>
+            <p:nvPr/>
+          </p:nvSpPr>
+          <p:spPr>
+            <a:xfrm>
+              <a:off x="4495800" y="914400"/>
+              <a:ext cx="1066800" cy="381000"/>
+            </a:xfrm>
+            <a:prstGeom prst="rect">
+              <a:avLst/>
+            </a:prstGeom>
+            <a:noFill/>
+            <a:ln>
+              <a:solidFill>
+                <a:schemeClr val="tx1"/>
+              </a:solidFill>
+            </a:ln>
+          </p:spPr>
+          <p:style>
+            <a:lnRef idx="2">
+              <a:schemeClr val="accent1">
+                <a:shade val="50000"/>
+              </a:schemeClr>
+            </a:lnRef>
+            <a:fillRef idx="1">
+              <a:schemeClr val="accent1"/>
+            </a:fillRef>
+            <a:effectRef idx="0">
+              <a:schemeClr val="accent1"/>
+            </a:effectRef>
+            <a:fontRef idx="minor">
+              <a:schemeClr val="lt1"/>
+            </a:fontRef>
+          </p:style>
+          <p:txBody>
+            <a:bodyPr rtlCol="0" anchor="ctr"/>
+            <a:lstStyle/>
+            <a:p>
+              <a:pPr algn="ctr"/>
+              <a:endParaRPr lang="en-US"/>
+            </a:p>
+          </p:txBody>
+        </p:sp>
+      </p:grpSp>
+      <p:cxnSp>
+        <p:nvCxnSpPr>
+          <p:cNvPr id="29" name="Straight Arrow Connector 28"/>
+          <p:cNvCxnSpPr/>
+          <p:nvPr/>
+        </p:nvCxnSpPr>
+        <p:spPr>
+          <a:xfrm rot="10800000">
+            <a:off x="4724400" y="4724400"/>
+            <a:ext cx="2057400" cy="1588"/>
+          </a:xfrm>
+          <a:prstGeom prst="straightConnector1">
+            <a:avLst/>
+          </a:prstGeom>
+          <a:ln>
+            <a:tailEnd type="arrow"/>
+          </a:ln>
+        </p:spPr>
+        <p:style>
+          <a:lnRef idx="1">
+            <a:schemeClr val="dk1"/>
+          </a:lnRef>
+          <a:fillRef idx="0">
+            <a:schemeClr val="dk1"/>
+          </a:fillRef>
+          <a:effectRef idx="0">
+            <a:schemeClr val="dk1"/>
+          </a:effectRef>
+          <a:fontRef idx="minor">
+            <a:schemeClr val="tx1"/>
+          </a:fontRef>
+        </p:style>
+      </p:cxnSp>
+      <p:cxnSp>
+        <p:nvCxnSpPr>
+          <p:cNvPr id="31" name="Straight Arrow Connector 30"/>
+          <p:cNvCxnSpPr>
+            <a:stCxn id="4" idx="6"/>
+          </p:cNvCxnSpPr>
+          <p:nvPr/>
+        </p:nvCxnSpPr>
+        <p:spPr>
+          <a:xfrm>
+            <a:off x="4724400" y="4914900"/>
+            <a:ext cx="2057400" cy="38100"/>
+          </a:xfrm>
+          <a:prstGeom prst="straightConnector1">
+            <a:avLst/>
+          </a:prstGeom>
+          <a:ln>
+            <a:tailEnd type="arrow"/>
+          </a:ln>
+        </p:spPr>
+        <p:style>
+          <a:lnRef idx="1">
+            <a:schemeClr val="dk1"/>
+          </a:lnRef>
+          <a:fillRef idx="0">
+            <a:schemeClr val="dk1"/>
+          </a:fillRef>
+          <a:effectRef idx="0">
+            <a:schemeClr val="dk1"/>
+          </a:effectRef>
+          <a:fontRef idx="minor">
+            <a:schemeClr val="tx1"/>
+          </a:fontRef>
+        </p:style>
+      </p:cxnSp>
+      <p:sp>
+        <p:nvSpPr>
+          <p:cNvPr id="38" name="TextBox 37"/>
+          <p:cNvSpPr txBox="1"/>
+          <p:nvPr/>
+        </p:nvSpPr>
+        <p:spPr>
+          <a:xfrm>
+            <a:off x="5257800" y="4508956"/>
+            <a:ext cx="896399" cy="215444"/>
+          </a:xfrm>
+          <a:prstGeom prst="rect">
+            <a:avLst/>
+          </a:prstGeom>
+          <a:noFill/>
+        </p:spPr>
+        <p:txBody>
+          <a:bodyPr wrap="none" rtlCol="0">
+            <a:spAutoFit/>
+          </a:bodyPr>
+          <a:lstStyle/>
+          <a:p>
+            <a:pPr lvl="0"/>
+            <a:r>
+              <a:rPr lang="en-US" sz="800" kern="0" dirty="0" smtClean="0">
+                <a:solidFill>
+                  <a:srgbClr val="262626"/>
+                </a:solidFill>
+              </a:rPr>
+              <a:t>Approval status</a:t>
+            </a:r>
+            <a:endParaRPr lang="en-US" sz="800" kern="0" dirty="0">
+              <a:solidFill>
+                <a:srgbClr val="262626"/>
+              </a:solidFill>
+            </a:endParaRPr>
+          </a:p>
+        </p:txBody>
+      </p:sp>
+      <p:sp>
+        <p:nvSpPr>
+          <p:cNvPr id="39" name="TextBox 38"/>
+          <p:cNvSpPr txBox="1"/>
+          <p:nvPr/>
+        </p:nvSpPr>
+        <p:spPr>
+          <a:xfrm>
+            <a:off x="5334000" y="5029200"/>
+            <a:ext cx="1183337" cy="215444"/>
+          </a:xfrm>
+          <a:prstGeom prst="rect">
+            <a:avLst/>
+          </a:prstGeom>
+          <a:noFill/>
+        </p:spPr>
+        <p:txBody>
+          <a:bodyPr wrap="none" rtlCol="0">
+            <a:spAutoFit/>
+          </a:bodyPr>
+          <a:lstStyle/>
+          <a:p>
+            <a:pPr lvl="0"/>
+            <a:r>
+              <a:rPr lang="en-US" sz="800" kern="0" dirty="0" smtClean="0">
+                <a:solidFill>
+                  <a:srgbClr val="262626"/>
+                </a:solidFill>
+              </a:rPr>
+              <a:t>Request for Approval </a:t>
+            </a:r>
+            <a:endParaRPr lang="en-US" sz="800" kern="0" dirty="0">
+              <a:solidFill>
+                <a:srgbClr val="262626"/>
+              </a:solidFill>
+            </a:endParaRPr>
+          </a:p>
+        </p:txBody>
+      </p:sp>
+      <p:cxnSp>
+        <p:nvCxnSpPr>
+          <p:cNvPr id="41" name="Elbow Connector 40"/>
+          <p:cNvCxnSpPr>
+            <a:stCxn id="21" idx="0"/>
+            <a:endCxn id="4" idx="0"/>
+          </p:cNvCxnSpPr>
+          <p:nvPr/>
+        </p:nvCxnSpPr>
+        <p:spPr>
+          <a:xfrm rot="16200000" flipH="1">
+            <a:off x="2781300" y="2971800"/>
+            <a:ext cx="457200" cy="2438400"/>
+          </a:xfrm>
+          <a:prstGeom prst="bentConnector3">
+            <a:avLst>
+              <a:gd name="adj1" fmla="val -50000"/>
+            </a:avLst>
+          </a:prstGeom>
+          <a:ln>
+            <a:solidFill>
+              <a:schemeClr val="tx1"/>
+            </a:solidFill>
+            <a:tailEnd type="arrow"/>
+          </a:ln>
+        </p:spPr>
+        <p:style>
+          <a:lnRef idx="1">
+            <a:schemeClr val="accent1"/>
+          </a:lnRef>
+          <a:fillRef idx="0">
+            <a:schemeClr val="accent1"/>
+          </a:fillRef>
+          <a:effectRef idx="0">
+            <a:schemeClr val="accent1"/>
+          </a:effectRef>
+          <a:fontRef idx="minor">
+            <a:schemeClr val="tx1"/>
+          </a:fontRef>
+        </p:style>
+      </p:cxnSp>
+      <p:sp>
+        <p:nvSpPr>
+          <p:cNvPr id="43" name="TextBox 42"/>
+          <p:cNvSpPr txBox="1"/>
+          <p:nvPr/>
+        </p:nvSpPr>
+        <p:spPr>
+          <a:xfrm>
+            <a:off x="2895600" y="3505200"/>
+            <a:ext cx="918841" cy="215444"/>
+          </a:xfrm>
+          <a:prstGeom prst="rect">
+            <a:avLst/>
+          </a:prstGeom>
+          <a:noFill/>
+        </p:spPr>
+        <p:txBody>
+          <a:bodyPr wrap="none" rtlCol="0">
+            <a:spAutoFit/>
+          </a:bodyPr>
+          <a:lstStyle/>
+          <a:p>
+            <a:pPr lvl="0"/>
+            <a:r>
+              <a:rPr lang="en-US" sz="800" kern="0" dirty="0" smtClean="0">
+                <a:solidFill>
+                  <a:srgbClr val="262626"/>
+                </a:solidFill>
+              </a:rPr>
+              <a:t>Approval details</a:t>
+            </a:r>
+            <a:endParaRPr lang="en-US" sz="800" kern="0" dirty="0">
+              <a:solidFill>
+                <a:srgbClr val="262626"/>
+              </a:solidFill>
+            </a:endParaRPr>
+          </a:p>
+        </p:txBody>
+      </p:sp>
+      <p:cxnSp>
+        <p:nvCxnSpPr>
+          <p:cNvPr id="45" name="Straight Arrow Connector 44"/>
+          <p:cNvCxnSpPr/>
+          <p:nvPr/>
+        </p:nvCxnSpPr>
+        <p:spPr>
+          <a:xfrm rot="5400000" flipH="1" flipV="1">
+            <a:off x="4054194" y="3642006"/>
+            <a:ext cx="1188012" cy="457200"/>
+          </a:xfrm>
+          <a:prstGeom prst="straightConnector1">
+            <a:avLst/>
+          </a:prstGeom>
+          <a:ln>
+            <a:solidFill>
+              <a:schemeClr val="tx1"/>
+            </a:solidFill>
+            <a:tailEnd type="arrow"/>
+          </a:ln>
+        </p:spPr>
+        <p:style>
+          <a:lnRef idx="1">
+            <a:schemeClr val="accent1"/>
+          </a:lnRef>
+          <a:fillRef idx="0">
+            <a:schemeClr val="accent1"/>
+          </a:fillRef>
+          <a:effectRef idx="0">
+            <a:schemeClr val="accent1"/>
+          </a:effectRef>
+          <a:fontRef idx="minor">
+            <a:schemeClr val="tx1"/>
+          </a:fontRef>
+        </p:style>
+      </p:cxnSp>
+      <p:sp>
+        <p:nvSpPr>
+          <p:cNvPr id="50" name="TextBox 49"/>
+          <p:cNvSpPr txBox="1"/>
+          <p:nvPr/>
+        </p:nvSpPr>
+        <p:spPr>
+          <a:xfrm rot="17477327">
+            <a:off x="3793504" y="3631515"/>
+            <a:ext cx="1563332" cy="215444"/>
+          </a:xfrm>
+          <a:prstGeom prst="rect">
+            <a:avLst/>
+          </a:prstGeom>
+          <a:noFill/>
+        </p:spPr>
+        <p:txBody>
+          <a:bodyPr wrap="square" rtlCol="0">
+            <a:spAutoFit/>
+          </a:bodyPr>
+          <a:lstStyle/>
+          <a:p>
+            <a:pPr lvl="0"/>
+            <a:r>
+              <a:rPr lang="en-US" sz="800" kern="0" dirty="0" smtClean="0">
+                <a:solidFill>
+                  <a:srgbClr val="262626"/>
+                </a:solidFill>
+              </a:rPr>
+              <a:t>Grant or recall </a:t>
+            </a:r>
+            <a:r>
+              <a:rPr lang="en-US" sz="800" kern="0" dirty="0" smtClean="0">
+                <a:solidFill>
+                  <a:srgbClr val="262626"/>
+                </a:solidFill>
+              </a:rPr>
+              <a:t>Request</a:t>
+            </a:r>
+            <a:endParaRPr lang="en-US" sz="800" kern="0" dirty="0">
+              <a:solidFill>
+                <a:srgbClr val="262626"/>
+              </a:solidFill>
+            </a:endParaRPr>
+          </a:p>
+        </p:txBody>
+      </p:sp>
+    </p:spTree>
+    <p:extLst>
+      <p:ext uri="{BB962C8B-B14F-4D97-AF65-F5344CB8AC3E}">
+        <p14:creationId xmlns="" xmlns:p14="http://schemas.microsoft.com/office/powerpoint/2010/main" val="3088154541"/>
+      </p:ext>
+    </p:extLst>
   </p:cSld>
   <p:clrMapOvr>
     <a:masterClrMapping/>
